--- a/Leetcode.pptx
+++ b/Leetcode.pptx
@@ -11,6 +11,7 @@
     <p:sldId id="259" r:id="rId5"/>
     <p:sldId id="260" r:id="rId6"/>
     <p:sldId id="261" r:id="rId7"/>
+    <p:sldId id="262" r:id="rId8"/>
   </p:sldIdLst>
   <p:sldSz cx="12192000" cy="6858000"/>
   <p:notesSz cx="6858000" cy="9144000"/>
@@ -264,7 +265,7 @@
           <a:p>
             <a:fld id="{B63B83F7-20B4-4239-B766-915E0E041876}" type="datetimeFigureOut">
               <a:rPr lang="zh-CN" altLang="en-US" smtClean="0"/>
-              <a:t>2020/7/30</a:t>
+              <a:t>2020/8/9</a:t>
             </a:fld>
             <a:endParaRPr lang="zh-CN" altLang="en-US"/>
           </a:p>
@@ -462,7 +463,7 @@
           <a:p>
             <a:fld id="{B63B83F7-20B4-4239-B766-915E0E041876}" type="datetimeFigureOut">
               <a:rPr lang="zh-CN" altLang="en-US" smtClean="0"/>
-              <a:t>2020/7/30</a:t>
+              <a:t>2020/8/9</a:t>
             </a:fld>
             <a:endParaRPr lang="zh-CN" altLang="en-US"/>
           </a:p>
@@ -670,7 +671,7 @@
           <a:p>
             <a:fld id="{B63B83F7-20B4-4239-B766-915E0E041876}" type="datetimeFigureOut">
               <a:rPr lang="zh-CN" altLang="en-US" smtClean="0"/>
-              <a:t>2020/7/30</a:t>
+              <a:t>2020/8/9</a:t>
             </a:fld>
             <a:endParaRPr lang="zh-CN" altLang="en-US"/>
           </a:p>
@@ -868,7 +869,7 @@
           <a:p>
             <a:fld id="{B63B83F7-20B4-4239-B766-915E0E041876}" type="datetimeFigureOut">
               <a:rPr lang="zh-CN" altLang="en-US" smtClean="0"/>
-              <a:t>2020/7/30</a:t>
+              <a:t>2020/8/9</a:t>
             </a:fld>
             <a:endParaRPr lang="zh-CN" altLang="en-US"/>
           </a:p>
@@ -1143,7 +1144,7 @@
           <a:p>
             <a:fld id="{B63B83F7-20B4-4239-B766-915E0E041876}" type="datetimeFigureOut">
               <a:rPr lang="zh-CN" altLang="en-US" smtClean="0"/>
-              <a:t>2020/7/30</a:t>
+              <a:t>2020/8/9</a:t>
             </a:fld>
             <a:endParaRPr lang="zh-CN" altLang="en-US"/>
           </a:p>
@@ -1408,7 +1409,7 @@
           <a:p>
             <a:fld id="{B63B83F7-20B4-4239-B766-915E0E041876}" type="datetimeFigureOut">
               <a:rPr lang="zh-CN" altLang="en-US" smtClean="0"/>
-              <a:t>2020/7/30</a:t>
+              <a:t>2020/8/9</a:t>
             </a:fld>
             <a:endParaRPr lang="zh-CN" altLang="en-US"/>
           </a:p>
@@ -1820,7 +1821,7 @@
           <a:p>
             <a:fld id="{B63B83F7-20B4-4239-B766-915E0E041876}" type="datetimeFigureOut">
               <a:rPr lang="zh-CN" altLang="en-US" smtClean="0"/>
-              <a:t>2020/7/30</a:t>
+              <a:t>2020/8/9</a:t>
             </a:fld>
             <a:endParaRPr lang="zh-CN" altLang="en-US"/>
           </a:p>
@@ -1961,7 +1962,7 @@
           <a:p>
             <a:fld id="{B63B83F7-20B4-4239-B766-915E0E041876}" type="datetimeFigureOut">
               <a:rPr lang="zh-CN" altLang="en-US" smtClean="0"/>
-              <a:t>2020/7/30</a:t>
+              <a:t>2020/8/9</a:t>
             </a:fld>
             <a:endParaRPr lang="zh-CN" altLang="en-US"/>
           </a:p>
@@ -2074,7 +2075,7 @@
           <a:p>
             <a:fld id="{B63B83F7-20B4-4239-B766-915E0E041876}" type="datetimeFigureOut">
               <a:rPr lang="zh-CN" altLang="en-US" smtClean="0"/>
-              <a:t>2020/7/30</a:t>
+              <a:t>2020/8/9</a:t>
             </a:fld>
             <a:endParaRPr lang="zh-CN" altLang="en-US"/>
           </a:p>
@@ -2385,7 +2386,7 @@
           <a:p>
             <a:fld id="{B63B83F7-20B4-4239-B766-915E0E041876}" type="datetimeFigureOut">
               <a:rPr lang="zh-CN" altLang="en-US" smtClean="0"/>
-              <a:t>2020/7/30</a:t>
+              <a:t>2020/8/9</a:t>
             </a:fld>
             <a:endParaRPr lang="zh-CN" altLang="en-US"/>
           </a:p>
@@ -2673,7 +2674,7 @@
           <a:p>
             <a:fld id="{B63B83F7-20B4-4239-B766-915E0E041876}" type="datetimeFigureOut">
               <a:rPr lang="zh-CN" altLang="en-US" smtClean="0"/>
-              <a:t>2020/7/30</a:t>
+              <a:t>2020/8/9</a:t>
             </a:fld>
             <a:endParaRPr lang="zh-CN" altLang="en-US"/>
           </a:p>
@@ -2914,7 +2915,7 @@
           <a:p>
             <a:fld id="{B63B83F7-20B4-4239-B766-915E0E041876}" type="datetimeFigureOut">
               <a:rPr lang="zh-CN" altLang="en-US" smtClean="0"/>
-              <a:t>2020/7/30</a:t>
+              <a:t>2020/8/9</a:t>
             </a:fld>
             <a:endParaRPr lang="zh-CN" altLang="en-US"/>
           </a:p>
@@ -16321,6 +16322,896 @@
 </p:sld>
 </file>
 
+<file path=ppt/slides/slide7.xml><?xml version="1.0" encoding="utf-8"?>
+<p:sld xmlns:a="http://schemas.openxmlformats.org/drawingml/2006/main" xmlns:r="http://schemas.openxmlformats.org/officeDocument/2006/relationships" xmlns:p="http://schemas.openxmlformats.org/presentationml/2006/main">
+  <p:cSld>
+    <p:spTree>
+      <p:nvGrpSpPr>
+        <p:cNvPr id="1" name=""/>
+        <p:cNvGrpSpPr/>
+        <p:nvPr/>
+      </p:nvGrpSpPr>
+      <p:grpSpPr>
+        <a:xfrm>
+          <a:off x="0" y="0"/>
+          <a:ext cx="0" cy="0"/>
+          <a:chOff x="0" y="0"/>
+          <a:chExt cx="0" cy="0"/>
+        </a:xfrm>
+      </p:grpSpPr>
+      <p:sp>
+        <p:nvSpPr>
+          <p:cNvPr id="4" name="矩形 3">
+            <a:extLst>
+              <a:ext uri="{FF2B5EF4-FFF2-40B4-BE49-F238E27FC236}">
+                <a16:creationId xmlns:a16="http://schemas.microsoft.com/office/drawing/2014/main" id="{CB479C39-7000-49C6-AEEC-3A158CF3BC00}"/>
+              </a:ext>
+            </a:extLst>
+          </p:cNvPr>
+          <p:cNvSpPr/>
+          <p:nvPr/>
+        </p:nvSpPr>
+        <p:spPr>
+          <a:xfrm>
+            <a:off x="3296651" y="433136"/>
+            <a:ext cx="577516" cy="545432"/>
+          </a:xfrm>
+          <a:prstGeom prst="rect">
+            <a:avLst/>
+          </a:prstGeom>
+        </p:spPr>
+        <p:style>
+          <a:lnRef idx="2">
+            <a:schemeClr val="accent1">
+              <a:shade val="50000"/>
+            </a:schemeClr>
+          </a:lnRef>
+          <a:fillRef idx="1">
+            <a:schemeClr val="accent1"/>
+          </a:fillRef>
+          <a:effectRef idx="0">
+            <a:schemeClr val="accent1"/>
+          </a:effectRef>
+          <a:fontRef idx="minor">
+            <a:schemeClr val="lt1"/>
+          </a:fontRef>
+        </p:style>
+        <p:txBody>
+          <a:bodyPr rtlCol="0" anchor="ctr"/>
+          <a:lstStyle/>
+          <a:p>
+            <a:pPr algn="ctr"/>
+            <a:r>
+              <a:rPr lang="en-US" altLang="zh-CN" sz="2000" dirty="0">
+                <a:latin typeface="Times New Roman" panose="02020603050405020304" pitchFamily="18" charset="0"/>
+                <a:cs typeface="Times New Roman" panose="02020603050405020304" pitchFamily="18" charset="0"/>
+              </a:rPr>
+              <a:t>2</a:t>
+            </a:r>
+            <a:endParaRPr lang="zh-CN" altLang="en-US" sz="2000" dirty="0">
+              <a:latin typeface="Times New Roman" panose="02020603050405020304" pitchFamily="18" charset="0"/>
+              <a:cs typeface="Times New Roman" panose="02020603050405020304" pitchFamily="18" charset="0"/>
+            </a:endParaRPr>
+          </a:p>
+        </p:txBody>
+      </p:sp>
+      <p:sp>
+        <p:nvSpPr>
+          <p:cNvPr id="6" name="矩形 5">
+            <a:extLst>
+              <a:ext uri="{FF2B5EF4-FFF2-40B4-BE49-F238E27FC236}">
+                <a16:creationId xmlns:a16="http://schemas.microsoft.com/office/drawing/2014/main" id="{8EBFAE34-15CF-415D-B228-78B6A9AD2349}"/>
+              </a:ext>
+            </a:extLst>
+          </p:cNvPr>
+          <p:cNvSpPr/>
+          <p:nvPr/>
+        </p:nvSpPr>
+        <p:spPr>
+          <a:xfrm>
+            <a:off x="3874167" y="433136"/>
+            <a:ext cx="577516" cy="545432"/>
+          </a:xfrm>
+          <a:prstGeom prst="rect">
+            <a:avLst/>
+          </a:prstGeom>
+        </p:spPr>
+        <p:style>
+          <a:lnRef idx="2">
+            <a:schemeClr val="accent1">
+              <a:shade val="50000"/>
+            </a:schemeClr>
+          </a:lnRef>
+          <a:fillRef idx="1">
+            <a:schemeClr val="accent1"/>
+          </a:fillRef>
+          <a:effectRef idx="0">
+            <a:schemeClr val="accent1"/>
+          </a:effectRef>
+          <a:fontRef idx="minor">
+            <a:schemeClr val="lt1"/>
+          </a:fontRef>
+        </p:style>
+        <p:txBody>
+          <a:bodyPr rtlCol="0" anchor="ctr"/>
+          <a:lstStyle/>
+          <a:p>
+            <a:pPr algn="ctr"/>
+            <a:r>
+              <a:rPr lang="en-US" altLang="zh-CN" sz="2000" dirty="0">
+                <a:latin typeface="Times New Roman" panose="02020603050405020304" pitchFamily="18" charset="0"/>
+                <a:cs typeface="Times New Roman" panose="02020603050405020304" pitchFamily="18" charset="0"/>
+              </a:rPr>
+              <a:t>2</a:t>
+            </a:r>
+            <a:endParaRPr lang="zh-CN" altLang="en-US" sz="2000" dirty="0">
+              <a:latin typeface="Times New Roman" panose="02020603050405020304" pitchFamily="18" charset="0"/>
+              <a:cs typeface="Times New Roman" panose="02020603050405020304" pitchFamily="18" charset="0"/>
+            </a:endParaRPr>
+          </a:p>
+        </p:txBody>
+      </p:sp>
+      <p:sp>
+        <p:nvSpPr>
+          <p:cNvPr id="8" name="矩形 7">
+            <a:extLst>
+              <a:ext uri="{FF2B5EF4-FFF2-40B4-BE49-F238E27FC236}">
+                <a16:creationId xmlns:a16="http://schemas.microsoft.com/office/drawing/2014/main" id="{73BDAC6C-2CD0-4367-B95E-513AE8B981D3}"/>
+              </a:ext>
+            </a:extLst>
+          </p:cNvPr>
+          <p:cNvSpPr/>
+          <p:nvPr/>
+        </p:nvSpPr>
+        <p:spPr>
+          <a:xfrm>
+            <a:off x="4451683" y="433136"/>
+            <a:ext cx="577516" cy="545432"/>
+          </a:xfrm>
+          <a:prstGeom prst="rect">
+            <a:avLst/>
+          </a:prstGeom>
+        </p:spPr>
+        <p:style>
+          <a:lnRef idx="2">
+            <a:schemeClr val="accent1">
+              <a:shade val="50000"/>
+            </a:schemeClr>
+          </a:lnRef>
+          <a:fillRef idx="1">
+            <a:schemeClr val="accent1"/>
+          </a:fillRef>
+          <a:effectRef idx="0">
+            <a:schemeClr val="accent1"/>
+          </a:effectRef>
+          <a:fontRef idx="minor">
+            <a:schemeClr val="lt1"/>
+          </a:fontRef>
+        </p:style>
+        <p:txBody>
+          <a:bodyPr rtlCol="0" anchor="ctr"/>
+          <a:lstStyle/>
+          <a:p>
+            <a:pPr algn="ctr"/>
+            <a:r>
+              <a:rPr lang="en-US" altLang="zh-CN" sz="2000" dirty="0">
+                <a:latin typeface="Times New Roman" panose="02020603050405020304" pitchFamily="18" charset="0"/>
+                <a:cs typeface="Times New Roman" panose="02020603050405020304" pitchFamily="18" charset="0"/>
+              </a:rPr>
+              <a:t>2</a:t>
+            </a:r>
+            <a:endParaRPr lang="zh-CN" altLang="en-US" sz="2000" dirty="0">
+              <a:latin typeface="Times New Roman" panose="02020603050405020304" pitchFamily="18" charset="0"/>
+              <a:cs typeface="Times New Roman" panose="02020603050405020304" pitchFamily="18" charset="0"/>
+            </a:endParaRPr>
+          </a:p>
+        </p:txBody>
+      </p:sp>
+      <p:sp>
+        <p:nvSpPr>
+          <p:cNvPr id="10" name="矩形 9">
+            <a:extLst>
+              <a:ext uri="{FF2B5EF4-FFF2-40B4-BE49-F238E27FC236}">
+                <a16:creationId xmlns:a16="http://schemas.microsoft.com/office/drawing/2014/main" id="{86DE731E-D918-4D96-957D-2F7596B29824}"/>
+              </a:ext>
+            </a:extLst>
+          </p:cNvPr>
+          <p:cNvSpPr/>
+          <p:nvPr/>
+        </p:nvSpPr>
+        <p:spPr>
+          <a:xfrm>
+            <a:off x="5029199" y="433136"/>
+            <a:ext cx="577516" cy="545432"/>
+          </a:xfrm>
+          <a:prstGeom prst="rect">
+            <a:avLst/>
+          </a:prstGeom>
+        </p:spPr>
+        <p:style>
+          <a:lnRef idx="2">
+            <a:schemeClr val="accent1">
+              <a:shade val="50000"/>
+            </a:schemeClr>
+          </a:lnRef>
+          <a:fillRef idx="1">
+            <a:schemeClr val="accent1"/>
+          </a:fillRef>
+          <a:effectRef idx="0">
+            <a:schemeClr val="accent1"/>
+          </a:effectRef>
+          <a:fontRef idx="minor">
+            <a:schemeClr val="lt1"/>
+          </a:fontRef>
+        </p:style>
+        <p:txBody>
+          <a:bodyPr rtlCol="0" anchor="ctr"/>
+          <a:lstStyle/>
+          <a:p>
+            <a:pPr algn="ctr"/>
+            <a:r>
+              <a:rPr lang="en-US" altLang="zh-CN" sz="2000" dirty="0">
+                <a:latin typeface="Times New Roman" panose="02020603050405020304" pitchFamily="18" charset="0"/>
+                <a:cs typeface="Times New Roman" panose="02020603050405020304" pitchFamily="18" charset="0"/>
+              </a:rPr>
+              <a:t>2</a:t>
+            </a:r>
+            <a:endParaRPr lang="zh-CN" altLang="en-US" sz="2000" dirty="0">
+              <a:latin typeface="Times New Roman" panose="02020603050405020304" pitchFamily="18" charset="0"/>
+              <a:cs typeface="Times New Roman" panose="02020603050405020304" pitchFamily="18" charset="0"/>
+            </a:endParaRPr>
+          </a:p>
+        </p:txBody>
+      </p:sp>
+      <p:sp>
+        <p:nvSpPr>
+          <p:cNvPr id="12" name="矩形 11">
+            <a:extLst>
+              <a:ext uri="{FF2B5EF4-FFF2-40B4-BE49-F238E27FC236}">
+                <a16:creationId xmlns:a16="http://schemas.microsoft.com/office/drawing/2014/main" id="{3E5E7BDF-CCCA-42C0-A390-04683A35F9FA}"/>
+              </a:ext>
+            </a:extLst>
+          </p:cNvPr>
+          <p:cNvSpPr/>
+          <p:nvPr/>
+        </p:nvSpPr>
+        <p:spPr>
+          <a:xfrm>
+            <a:off x="5606715" y="433136"/>
+            <a:ext cx="577516" cy="545432"/>
+          </a:xfrm>
+          <a:prstGeom prst="rect">
+            <a:avLst/>
+          </a:prstGeom>
+        </p:spPr>
+        <p:style>
+          <a:lnRef idx="2">
+            <a:schemeClr val="accent1">
+              <a:shade val="50000"/>
+            </a:schemeClr>
+          </a:lnRef>
+          <a:fillRef idx="1">
+            <a:schemeClr val="accent1"/>
+          </a:fillRef>
+          <a:effectRef idx="0">
+            <a:schemeClr val="accent1"/>
+          </a:effectRef>
+          <a:fontRef idx="minor">
+            <a:schemeClr val="lt1"/>
+          </a:fontRef>
+        </p:style>
+        <p:txBody>
+          <a:bodyPr rtlCol="0" anchor="ctr"/>
+          <a:lstStyle/>
+          <a:p>
+            <a:pPr algn="ctr"/>
+            <a:r>
+              <a:rPr lang="en-US" altLang="zh-CN" sz="2000" dirty="0">
+                <a:latin typeface="Times New Roman" panose="02020603050405020304" pitchFamily="18" charset="0"/>
+                <a:cs typeface="Times New Roman" panose="02020603050405020304" pitchFamily="18" charset="0"/>
+              </a:rPr>
+              <a:t>2</a:t>
+            </a:r>
+            <a:endParaRPr lang="zh-CN" altLang="en-US" sz="2000" dirty="0">
+              <a:latin typeface="Times New Roman" panose="02020603050405020304" pitchFamily="18" charset="0"/>
+              <a:cs typeface="Times New Roman" panose="02020603050405020304" pitchFamily="18" charset="0"/>
+            </a:endParaRPr>
+          </a:p>
+        </p:txBody>
+      </p:sp>
+      <p:sp>
+        <p:nvSpPr>
+          <p:cNvPr id="14" name="矩形 13">
+            <a:extLst>
+              <a:ext uri="{FF2B5EF4-FFF2-40B4-BE49-F238E27FC236}">
+                <a16:creationId xmlns:a16="http://schemas.microsoft.com/office/drawing/2014/main" id="{081790D6-9917-4617-BE24-CC353BF71CBD}"/>
+              </a:ext>
+            </a:extLst>
+          </p:cNvPr>
+          <p:cNvSpPr/>
+          <p:nvPr/>
+        </p:nvSpPr>
+        <p:spPr>
+          <a:xfrm>
+            <a:off x="6184231" y="433136"/>
+            <a:ext cx="577516" cy="545432"/>
+          </a:xfrm>
+          <a:prstGeom prst="rect">
+            <a:avLst/>
+          </a:prstGeom>
+        </p:spPr>
+        <p:style>
+          <a:lnRef idx="2">
+            <a:schemeClr val="accent1">
+              <a:shade val="50000"/>
+            </a:schemeClr>
+          </a:lnRef>
+          <a:fillRef idx="1">
+            <a:schemeClr val="accent1"/>
+          </a:fillRef>
+          <a:effectRef idx="0">
+            <a:schemeClr val="accent1"/>
+          </a:effectRef>
+          <a:fontRef idx="minor">
+            <a:schemeClr val="lt1"/>
+          </a:fontRef>
+        </p:style>
+        <p:txBody>
+          <a:bodyPr rtlCol="0" anchor="ctr"/>
+          <a:lstStyle/>
+          <a:p>
+            <a:pPr algn="ctr"/>
+            <a:r>
+              <a:rPr lang="en-US" altLang="zh-CN" sz="2000" dirty="0">
+                <a:latin typeface="Times New Roman" panose="02020603050405020304" pitchFamily="18" charset="0"/>
+                <a:cs typeface="Times New Roman" panose="02020603050405020304" pitchFamily="18" charset="0"/>
+              </a:rPr>
+              <a:t>0</a:t>
+            </a:r>
+            <a:endParaRPr lang="zh-CN" altLang="en-US" sz="2000" dirty="0">
+              <a:latin typeface="Times New Roman" panose="02020603050405020304" pitchFamily="18" charset="0"/>
+              <a:cs typeface="Times New Roman" panose="02020603050405020304" pitchFamily="18" charset="0"/>
+            </a:endParaRPr>
+          </a:p>
+        </p:txBody>
+      </p:sp>
+      <p:sp>
+        <p:nvSpPr>
+          <p:cNvPr id="16" name="矩形 15">
+            <a:extLst>
+              <a:ext uri="{FF2B5EF4-FFF2-40B4-BE49-F238E27FC236}">
+                <a16:creationId xmlns:a16="http://schemas.microsoft.com/office/drawing/2014/main" id="{FAF0C846-A14D-4A90-8496-768A051C757D}"/>
+              </a:ext>
+            </a:extLst>
+          </p:cNvPr>
+          <p:cNvSpPr/>
+          <p:nvPr/>
+        </p:nvSpPr>
+        <p:spPr>
+          <a:xfrm>
+            <a:off x="6761747" y="433136"/>
+            <a:ext cx="577516" cy="545432"/>
+          </a:xfrm>
+          <a:prstGeom prst="rect">
+            <a:avLst/>
+          </a:prstGeom>
+        </p:spPr>
+        <p:style>
+          <a:lnRef idx="2">
+            <a:schemeClr val="accent1">
+              <a:shade val="50000"/>
+            </a:schemeClr>
+          </a:lnRef>
+          <a:fillRef idx="1">
+            <a:schemeClr val="accent1"/>
+          </a:fillRef>
+          <a:effectRef idx="0">
+            <a:schemeClr val="accent1"/>
+          </a:effectRef>
+          <a:fontRef idx="minor">
+            <a:schemeClr val="lt1"/>
+          </a:fontRef>
+        </p:style>
+        <p:txBody>
+          <a:bodyPr rtlCol="0" anchor="ctr"/>
+          <a:lstStyle/>
+          <a:p>
+            <a:pPr algn="ctr"/>
+            <a:r>
+              <a:rPr lang="en-US" altLang="zh-CN" sz="2000" dirty="0">
+                <a:latin typeface="Times New Roman" panose="02020603050405020304" pitchFamily="18" charset="0"/>
+                <a:cs typeface="Times New Roman" panose="02020603050405020304" pitchFamily="18" charset="0"/>
+              </a:rPr>
+              <a:t>1</a:t>
+            </a:r>
+            <a:endParaRPr lang="zh-CN" altLang="en-US" sz="2000" dirty="0">
+              <a:latin typeface="Times New Roman" panose="02020603050405020304" pitchFamily="18" charset="0"/>
+              <a:cs typeface="Times New Roman" panose="02020603050405020304" pitchFamily="18" charset="0"/>
+            </a:endParaRPr>
+          </a:p>
+        </p:txBody>
+      </p:sp>
+      <p:sp>
+        <p:nvSpPr>
+          <p:cNvPr id="18" name="矩形 17">
+            <a:extLst>
+              <a:ext uri="{FF2B5EF4-FFF2-40B4-BE49-F238E27FC236}">
+                <a16:creationId xmlns:a16="http://schemas.microsoft.com/office/drawing/2014/main" id="{21E73647-7DF4-46C7-BA57-D32426939519}"/>
+              </a:ext>
+            </a:extLst>
+          </p:cNvPr>
+          <p:cNvSpPr/>
+          <p:nvPr/>
+        </p:nvSpPr>
+        <p:spPr>
+          <a:xfrm>
+            <a:off x="7339263" y="433136"/>
+            <a:ext cx="577516" cy="545432"/>
+          </a:xfrm>
+          <a:prstGeom prst="rect">
+            <a:avLst/>
+          </a:prstGeom>
+        </p:spPr>
+        <p:style>
+          <a:lnRef idx="2">
+            <a:schemeClr val="accent1">
+              <a:shade val="50000"/>
+            </a:schemeClr>
+          </a:lnRef>
+          <a:fillRef idx="1">
+            <a:schemeClr val="accent1"/>
+          </a:fillRef>
+          <a:effectRef idx="0">
+            <a:schemeClr val="accent1"/>
+          </a:effectRef>
+          <a:fontRef idx="minor">
+            <a:schemeClr val="lt1"/>
+          </a:fontRef>
+        </p:style>
+        <p:txBody>
+          <a:bodyPr rtlCol="0" anchor="ctr"/>
+          <a:lstStyle/>
+          <a:p>
+            <a:pPr algn="ctr"/>
+            <a:r>
+              <a:rPr lang="en-US" altLang="zh-CN" sz="2000" dirty="0">
+                <a:latin typeface="Times New Roman" panose="02020603050405020304" pitchFamily="18" charset="0"/>
+                <a:cs typeface="Times New Roman" panose="02020603050405020304" pitchFamily="18" charset="0"/>
+              </a:rPr>
+              <a:t>2</a:t>
+            </a:r>
+            <a:endParaRPr lang="zh-CN" altLang="en-US" sz="2000" dirty="0">
+              <a:latin typeface="Times New Roman" panose="02020603050405020304" pitchFamily="18" charset="0"/>
+              <a:cs typeface="Times New Roman" panose="02020603050405020304" pitchFamily="18" charset="0"/>
+            </a:endParaRPr>
+          </a:p>
+        </p:txBody>
+      </p:sp>
+      <p:sp>
+        <p:nvSpPr>
+          <p:cNvPr id="20" name="矩形 19">
+            <a:extLst>
+              <a:ext uri="{FF2B5EF4-FFF2-40B4-BE49-F238E27FC236}">
+                <a16:creationId xmlns:a16="http://schemas.microsoft.com/office/drawing/2014/main" id="{AB3423CF-8A4C-4CF6-A670-699210E1C4B0}"/>
+              </a:ext>
+            </a:extLst>
+          </p:cNvPr>
+          <p:cNvSpPr/>
+          <p:nvPr/>
+        </p:nvSpPr>
+        <p:spPr>
+          <a:xfrm>
+            <a:off x="7916779" y="433136"/>
+            <a:ext cx="577516" cy="545432"/>
+          </a:xfrm>
+          <a:prstGeom prst="rect">
+            <a:avLst/>
+          </a:prstGeom>
+        </p:spPr>
+        <p:style>
+          <a:lnRef idx="2">
+            <a:schemeClr val="accent1">
+              <a:shade val="50000"/>
+            </a:schemeClr>
+          </a:lnRef>
+          <a:fillRef idx="1">
+            <a:schemeClr val="accent1"/>
+          </a:fillRef>
+          <a:effectRef idx="0">
+            <a:schemeClr val="accent1"/>
+          </a:effectRef>
+          <a:fontRef idx="minor">
+            <a:schemeClr val="lt1"/>
+          </a:fontRef>
+        </p:style>
+        <p:txBody>
+          <a:bodyPr rtlCol="0" anchor="ctr"/>
+          <a:lstStyle/>
+          <a:p>
+            <a:pPr algn="ctr"/>
+            <a:r>
+              <a:rPr lang="en-US" altLang="zh-CN" sz="2000" dirty="0">
+                <a:latin typeface="Times New Roman" panose="02020603050405020304" pitchFamily="18" charset="0"/>
+                <a:cs typeface="Times New Roman" panose="02020603050405020304" pitchFamily="18" charset="0"/>
+              </a:rPr>
+              <a:t>2</a:t>
+            </a:r>
+            <a:endParaRPr lang="zh-CN" altLang="en-US" sz="2000" dirty="0">
+              <a:latin typeface="Times New Roman" panose="02020603050405020304" pitchFamily="18" charset="0"/>
+              <a:cs typeface="Times New Roman" panose="02020603050405020304" pitchFamily="18" charset="0"/>
+            </a:endParaRPr>
+          </a:p>
+        </p:txBody>
+      </p:sp>
+      <p:sp>
+        <p:nvSpPr>
+          <p:cNvPr id="21" name="箭头: 下 20">
+            <a:extLst>
+              <a:ext uri="{FF2B5EF4-FFF2-40B4-BE49-F238E27FC236}">
+                <a16:creationId xmlns:a16="http://schemas.microsoft.com/office/drawing/2014/main" id="{5509446E-08CA-4A3A-B959-2960EFF9E921}"/>
+              </a:ext>
+            </a:extLst>
+          </p:cNvPr>
+          <p:cNvSpPr/>
+          <p:nvPr/>
+        </p:nvSpPr>
+        <p:spPr>
+          <a:xfrm rot="10800000">
+            <a:off x="6304547" y="1006641"/>
+            <a:ext cx="336884" cy="545432"/>
+          </a:xfrm>
+          <a:prstGeom prst="downArrow">
+            <a:avLst/>
+          </a:prstGeom>
+        </p:spPr>
+        <p:style>
+          <a:lnRef idx="2">
+            <a:schemeClr val="accent6">
+              <a:shade val="50000"/>
+            </a:schemeClr>
+          </a:lnRef>
+          <a:fillRef idx="1">
+            <a:schemeClr val="accent6"/>
+          </a:fillRef>
+          <a:effectRef idx="0">
+            <a:schemeClr val="accent6"/>
+          </a:effectRef>
+          <a:fontRef idx="minor">
+            <a:schemeClr val="lt1"/>
+          </a:fontRef>
+        </p:style>
+        <p:txBody>
+          <a:bodyPr rtlCol="0" anchor="ctr"/>
+          <a:lstStyle/>
+          <a:p>
+            <a:pPr algn="ctr"/>
+            <a:endParaRPr lang="zh-CN" altLang="en-US"/>
+          </a:p>
+        </p:txBody>
+      </p:sp>
+      <p:sp>
+        <p:nvSpPr>
+          <p:cNvPr id="23" name="文本框 22">
+            <a:extLst>
+              <a:ext uri="{FF2B5EF4-FFF2-40B4-BE49-F238E27FC236}">
+                <a16:creationId xmlns:a16="http://schemas.microsoft.com/office/drawing/2014/main" id="{693A169F-A6D2-48D8-9C30-D66BB29B6282}"/>
+              </a:ext>
+            </a:extLst>
+          </p:cNvPr>
+          <p:cNvSpPr txBox="1"/>
+          <p:nvPr/>
+        </p:nvSpPr>
+        <p:spPr>
+          <a:xfrm>
+            <a:off x="778040" y="2125579"/>
+            <a:ext cx="8783055" cy="4197559"/>
+          </a:xfrm>
+          <a:prstGeom prst="rect">
+            <a:avLst/>
+          </a:prstGeom>
+          <a:noFill/>
+        </p:spPr>
+        <p:txBody>
+          <a:bodyPr wrap="square" rtlCol="0">
+            <a:spAutoFit/>
+          </a:bodyPr>
+          <a:lstStyle/>
+          <a:p>
+            <a:pPr>
+              <a:lnSpc>
+                <a:spcPct val="150000"/>
+              </a:lnSpc>
+            </a:pPr>
+            <a:r>
+              <a:rPr lang="zh-CN" altLang="en-US" dirty="0">
+                <a:latin typeface="Times New Roman" panose="02020603050405020304" pitchFamily="18" charset="0"/>
+                <a:ea typeface="宋体" panose="02010600030101010101" pitchFamily="2" charset="-122"/>
+                <a:cs typeface="Times New Roman" panose="02020603050405020304" pitchFamily="18" charset="0"/>
+              </a:rPr>
+              <a:t>当前的数组中，存在相同的元素，此时，</a:t>
+            </a:r>
+            <a:endParaRPr lang="en-US" altLang="zh-CN" dirty="0">
+              <a:latin typeface="Times New Roman" panose="02020603050405020304" pitchFamily="18" charset="0"/>
+              <a:ea typeface="宋体" panose="02010600030101010101" pitchFamily="2" charset="-122"/>
+              <a:cs typeface="Times New Roman" panose="02020603050405020304" pitchFamily="18" charset="0"/>
+            </a:endParaRPr>
+          </a:p>
+          <a:p>
+            <a:pPr>
+              <a:lnSpc>
+                <a:spcPct val="150000"/>
+              </a:lnSpc>
+            </a:pPr>
+            <a:r>
+              <a:rPr lang="en-US" altLang="zh-CN" dirty="0">
+                <a:latin typeface="Times New Roman" panose="02020603050405020304" pitchFamily="18" charset="0"/>
+                <a:ea typeface="宋体" panose="02010600030101010101" pitchFamily="2" charset="-122"/>
+                <a:cs typeface="Times New Roman" panose="02020603050405020304" pitchFamily="18" charset="0"/>
+              </a:rPr>
+              <a:t>left_index = 0, right_index = 8, middle_idx=4</a:t>
+            </a:r>
+          </a:p>
+          <a:p>
+            <a:pPr>
+              <a:lnSpc>
+                <a:spcPct val="150000"/>
+              </a:lnSpc>
+            </a:pPr>
+            <a:endParaRPr lang="en-US" altLang="zh-CN" dirty="0">
+              <a:latin typeface="Times New Roman" panose="02020603050405020304" pitchFamily="18" charset="0"/>
+              <a:ea typeface="宋体" panose="02010600030101010101" pitchFamily="2" charset="-122"/>
+              <a:cs typeface="Times New Roman" panose="02020603050405020304" pitchFamily="18" charset="0"/>
+            </a:endParaRPr>
+          </a:p>
+          <a:p>
+            <a:pPr>
+              <a:lnSpc>
+                <a:spcPct val="150000"/>
+              </a:lnSpc>
+            </a:pPr>
+            <a:r>
+              <a:rPr lang="zh-CN" altLang="en-US" dirty="0">
+                <a:latin typeface="Times New Roman" panose="02020603050405020304" pitchFamily="18" charset="0"/>
+                <a:ea typeface="宋体" panose="02010600030101010101" pitchFamily="2" charset="-122"/>
+                <a:cs typeface="Times New Roman" panose="02020603050405020304" pitchFamily="18" charset="0"/>
+              </a:rPr>
+              <a:t>每次比较都会出现三种情况：</a:t>
+            </a:r>
+            <a:endParaRPr lang="en-US" altLang="zh-CN" dirty="0">
+              <a:latin typeface="Times New Roman" panose="02020603050405020304" pitchFamily="18" charset="0"/>
+              <a:ea typeface="宋体" panose="02010600030101010101" pitchFamily="2" charset="-122"/>
+              <a:cs typeface="Times New Roman" panose="02020603050405020304" pitchFamily="18" charset="0"/>
+            </a:endParaRPr>
+          </a:p>
+          <a:p>
+            <a:pPr marL="800100" lvl="1" indent="-342900">
+              <a:lnSpc>
+                <a:spcPct val="150000"/>
+              </a:lnSpc>
+              <a:buAutoNum type="arabicParenBoth"/>
+            </a:pPr>
+            <a:r>
+              <a:rPr lang="en-US" altLang="zh-CN" dirty="0">
+                <a:latin typeface="Times New Roman" panose="02020603050405020304" pitchFamily="18" charset="0"/>
+                <a:ea typeface="宋体" panose="02010600030101010101" pitchFamily="2" charset="-122"/>
+                <a:cs typeface="Times New Roman" panose="02020603050405020304" pitchFamily="18" charset="0"/>
+              </a:rPr>
+              <a:t>num[m_idx] &gt; nums[r_idx], </a:t>
+            </a:r>
+            <a:r>
+              <a:rPr lang="zh-CN" altLang="en-US" dirty="0">
+                <a:latin typeface="Times New Roman" panose="02020603050405020304" pitchFamily="18" charset="0"/>
+                <a:ea typeface="宋体" panose="02010600030101010101" pitchFamily="2" charset="-122"/>
+                <a:cs typeface="Times New Roman" panose="02020603050405020304" pitchFamily="18" charset="0"/>
+              </a:rPr>
+              <a:t>比如 </a:t>
+            </a:r>
+            <a:r>
+              <a:rPr lang="en-US" altLang="zh-CN" dirty="0">
+                <a:latin typeface="Times New Roman" panose="02020603050405020304" pitchFamily="18" charset="0"/>
+                <a:ea typeface="宋体" panose="02010600030101010101" pitchFamily="2" charset="-122"/>
+                <a:cs typeface="Times New Roman" panose="02020603050405020304" pitchFamily="18" charset="0"/>
+              </a:rPr>
+              <a:t>[5,6,7,8,0,1,2], 8&gt;2, </a:t>
+            </a:r>
+            <a:r>
+              <a:rPr lang="zh-CN" altLang="en-US" dirty="0">
+                <a:latin typeface="Times New Roman" panose="02020603050405020304" pitchFamily="18" charset="0"/>
+                <a:ea typeface="宋体" panose="02010600030101010101" pitchFamily="2" charset="-122"/>
+                <a:cs typeface="Times New Roman" panose="02020603050405020304" pitchFamily="18" charset="0"/>
+              </a:rPr>
+              <a:t>此时，最小值一定在左区间，因此，</a:t>
+            </a:r>
+            <a:r>
+              <a:rPr lang="en-US" altLang="zh-CN" dirty="0" err="1">
+                <a:latin typeface="Times New Roman" panose="02020603050405020304" pitchFamily="18" charset="0"/>
+                <a:ea typeface="宋体" panose="02010600030101010101" pitchFamily="2" charset="-122"/>
+                <a:cs typeface="Times New Roman" panose="02020603050405020304" pitchFamily="18" charset="0"/>
+              </a:rPr>
+              <a:t>l_idx</a:t>
+            </a:r>
+            <a:r>
+              <a:rPr lang="en-US" altLang="zh-CN" dirty="0">
+                <a:latin typeface="Times New Roman" panose="02020603050405020304" pitchFamily="18" charset="0"/>
+                <a:ea typeface="宋体" panose="02010600030101010101" pitchFamily="2" charset="-122"/>
+                <a:cs typeface="Times New Roman" panose="02020603050405020304" pitchFamily="18" charset="0"/>
+              </a:rPr>
+              <a:t> = m_idx += 1</a:t>
+            </a:r>
+          </a:p>
+          <a:p>
+            <a:pPr marL="800100" lvl="1" indent="-342900">
+              <a:lnSpc>
+                <a:spcPct val="150000"/>
+              </a:lnSpc>
+              <a:buFontTx/>
+              <a:buAutoNum type="arabicParenBoth"/>
+            </a:pPr>
+            <a:r>
+              <a:rPr lang="en-US" altLang="zh-CN" dirty="0">
+                <a:latin typeface="Times New Roman" panose="02020603050405020304" pitchFamily="18" charset="0"/>
+                <a:ea typeface="宋体" panose="02010600030101010101" pitchFamily="2" charset="-122"/>
+                <a:cs typeface="Times New Roman" panose="02020603050405020304" pitchFamily="18" charset="0"/>
+              </a:rPr>
+              <a:t>num[m_idx] = nums[r_idx], </a:t>
+            </a:r>
+            <a:r>
+              <a:rPr lang="zh-CN" altLang="en-US" dirty="0">
+                <a:latin typeface="Times New Roman" panose="02020603050405020304" pitchFamily="18" charset="0"/>
+                <a:ea typeface="宋体" panose="02010600030101010101" pitchFamily="2" charset="-122"/>
+                <a:cs typeface="Times New Roman" panose="02020603050405020304" pitchFamily="18" charset="0"/>
+              </a:rPr>
+              <a:t>比如</a:t>
+            </a:r>
+            <a:r>
+              <a:rPr lang="en-US" altLang="zh-CN" dirty="0">
+                <a:latin typeface="Times New Roman" panose="02020603050405020304" pitchFamily="18" charset="0"/>
+                <a:ea typeface="宋体" panose="02010600030101010101" pitchFamily="2" charset="-122"/>
+                <a:cs typeface="Times New Roman" panose="02020603050405020304" pitchFamily="18" charset="0"/>
+              </a:rPr>
+              <a:t>[2,2,2,0,1,2], 2 = 2, </a:t>
+            </a:r>
+            <a:r>
+              <a:rPr lang="zh-CN" altLang="en-US" dirty="0">
+                <a:latin typeface="Times New Roman" panose="02020603050405020304" pitchFamily="18" charset="0"/>
+                <a:ea typeface="宋体" panose="02010600030101010101" pitchFamily="2" charset="-122"/>
+                <a:cs typeface="Times New Roman" panose="02020603050405020304" pitchFamily="18" charset="0"/>
+              </a:rPr>
+              <a:t>此时，可以去掉最后一个元素</a:t>
+            </a:r>
+            <a:r>
+              <a:rPr lang="en-US" altLang="zh-CN" dirty="0">
+                <a:latin typeface="Times New Roman" panose="02020603050405020304" pitchFamily="18" charset="0"/>
+                <a:ea typeface="宋体" panose="02010600030101010101" pitchFamily="2" charset="-122"/>
+                <a:cs typeface="Times New Roman" panose="02020603050405020304" pitchFamily="18" charset="0"/>
+              </a:rPr>
+              <a:t>, </a:t>
+            </a:r>
+            <a:r>
+              <a:rPr lang="zh-CN" altLang="en-US" dirty="0">
+                <a:latin typeface="Times New Roman" panose="02020603050405020304" pitchFamily="18" charset="0"/>
+                <a:ea typeface="宋体" panose="02010600030101010101" pitchFamily="2" charset="-122"/>
+                <a:cs typeface="Times New Roman" panose="02020603050405020304" pitchFamily="18" charset="0"/>
+              </a:rPr>
+              <a:t>即，</a:t>
+            </a:r>
+            <a:r>
+              <a:rPr lang="en-US" altLang="zh-CN" dirty="0">
+                <a:latin typeface="Times New Roman" panose="02020603050405020304" pitchFamily="18" charset="0"/>
+                <a:ea typeface="宋体" panose="02010600030101010101" pitchFamily="2" charset="-122"/>
+                <a:cs typeface="Times New Roman" panose="02020603050405020304" pitchFamily="18" charset="0"/>
+              </a:rPr>
+              <a:t>r_idx -= 1.</a:t>
+            </a:r>
+          </a:p>
+          <a:p>
+            <a:pPr marL="800100" lvl="1" indent="-342900">
+              <a:lnSpc>
+                <a:spcPct val="150000"/>
+              </a:lnSpc>
+              <a:buFontTx/>
+              <a:buAutoNum type="arabicParenBoth"/>
+            </a:pPr>
+            <a:r>
+              <a:rPr lang="en-US" altLang="zh-CN" dirty="0">
+                <a:latin typeface="Times New Roman" panose="02020603050405020304" pitchFamily="18" charset="0"/>
+                <a:ea typeface="宋体" panose="02010600030101010101" pitchFamily="2" charset="-122"/>
+                <a:cs typeface="Times New Roman" panose="02020603050405020304" pitchFamily="18" charset="0"/>
+              </a:rPr>
+              <a:t>num[m_idx] &lt; nums[r_idx], </a:t>
+            </a:r>
+            <a:r>
+              <a:rPr lang="zh-CN" altLang="en-US" dirty="0">
+                <a:latin typeface="Times New Roman" panose="02020603050405020304" pitchFamily="18" charset="0"/>
+                <a:ea typeface="宋体" panose="02010600030101010101" pitchFamily="2" charset="-122"/>
+                <a:cs typeface="Times New Roman" panose="02020603050405020304" pitchFamily="18" charset="0"/>
+              </a:rPr>
+              <a:t>比如</a:t>
+            </a:r>
+            <a:r>
+              <a:rPr lang="en-US" altLang="zh-CN" dirty="0">
+                <a:latin typeface="Times New Roman" panose="02020603050405020304" pitchFamily="18" charset="0"/>
+                <a:ea typeface="宋体" panose="02010600030101010101" pitchFamily="2" charset="-122"/>
+                <a:cs typeface="Times New Roman" panose="02020603050405020304" pitchFamily="18" charset="0"/>
+              </a:rPr>
+              <a:t>[2,2,0,1,2], 0 &lt; 2, </a:t>
+            </a:r>
+            <a:r>
+              <a:rPr lang="zh-CN" altLang="en-US" dirty="0">
+                <a:latin typeface="Times New Roman" panose="02020603050405020304" pitchFamily="18" charset="0"/>
+                <a:ea typeface="宋体" panose="02010600030101010101" pitchFamily="2" charset="-122"/>
+                <a:cs typeface="Times New Roman" panose="02020603050405020304" pitchFamily="18" charset="0"/>
+              </a:rPr>
+              <a:t>此时，</a:t>
+            </a:r>
+            <a:r>
+              <a:rPr lang="en-US" altLang="zh-CN" dirty="0">
+                <a:latin typeface="Times New Roman" panose="02020603050405020304" pitchFamily="18" charset="0"/>
+                <a:ea typeface="宋体" panose="02010600030101010101" pitchFamily="2" charset="-122"/>
+                <a:cs typeface="Times New Roman" panose="02020603050405020304" pitchFamily="18" charset="0"/>
+              </a:rPr>
+              <a:t>r_idx = m_idx.</a:t>
+            </a:r>
+          </a:p>
+          <a:p>
+            <a:pPr lvl="1">
+              <a:lnSpc>
+                <a:spcPct val="150000"/>
+              </a:lnSpc>
+            </a:pPr>
+            <a:r>
+              <a:rPr lang="en-US" altLang="zh-CN" dirty="0">
+                <a:latin typeface="Times New Roman" panose="02020603050405020304" pitchFamily="18" charset="0"/>
+                <a:ea typeface="宋体" panose="02010600030101010101" pitchFamily="2" charset="-122"/>
+                <a:cs typeface="Times New Roman" panose="02020603050405020304" pitchFamily="18" charset="0"/>
+              </a:rPr>
+              <a:t>      </a:t>
+            </a:r>
+            <a:r>
+              <a:rPr lang="zh-CN" altLang="en-US" dirty="0">
+                <a:latin typeface="Times New Roman" panose="02020603050405020304" pitchFamily="18" charset="0"/>
+                <a:ea typeface="宋体" panose="02010600030101010101" pitchFamily="2" charset="-122"/>
+                <a:cs typeface="Times New Roman" panose="02020603050405020304" pitchFamily="18" charset="0"/>
+              </a:rPr>
+              <a:t>此时，</a:t>
+            </a:r>
+            <a:r>
+              <a:rPr lang="en-US" altLang="zh-CN" dirty="0">
+                <a:latin typeface="Times New Roman" panose="02020603050405020304" pitchFamily="18" charset="0"/>
+                <a:ea typeface="宋体" panose="02010600030101010101" pitchFamily="2" charset="-122"/>
+                <a:cs typeface="Times New Roman" panose="02020603050405020304" pitchFamily="18" charset="0"/>
+              </a:rPr>
+              <a:t>nums = [2,2,0], 2 &gt;0, l_idx = m_idx + 1 = 2, l_idx = r_idx, </a:t>
+            </a:r>
+            <a:r>
+              <a:rPr lang="zh-CN" altLang="en-US" dirty="0">
+                <a:latin typeface="Times New Roman" panose="02020603050405020304" pitchFamily="18" charset="0"/>
+                <a:ea typeface="宋体" panose="02010600030101010101" pitchFamily="2" charset="-122"/>
+                <a:cs typeface="Times New Roman" panose="02020603050405020304" pitchFamily="18" charset="0"/>
+              </a:rPr>
+              <a:t>返回退出。</a:t>
+            </a:r>
+            <a:endParaRPr lang="en-US" altLang="zh-CN" dirty="0">
+              <a:latin typeface="Times New Roman" panose="02020603050405020304" pitchFamily="18" charset="0"/>
+              <a:ea typeface="宋体" panose="02010600030101010101" pitchFamily="2" charset="-122"/>
+              <a:cs typeface="Times New Roman" panose="02020603050405020304" pitchFamily="18" charset="0"/>
+            </a:endParaRPr>
+          </a:p>
+        </p:txBody>
+      </p:sp>
+    </p:spTree>
+    <p:extLst>
+      <p:ext uri="{BB962C8B-B14F-4D97-AF65-F5344CB8AC3E}">
+        <p14:creationId xmlns:p14="http://schemas.microsoft.com/office/powerpoint/2010/main" val="3435801649"/>
+      </p:ext>
+    </p:extLst>
+  </p:cSld>
+  <p:clrMapOvr>
+    <a:masterClrMapping/>
+  </p:clrMapOvr>
+</p:sld>
+</file>
+
 <file path=ppt/theme/theme1.xml><?xml version="1.0" encoding="utf-8"?>
 <a:theme xmlns:a="http://schemas.openxmlformats.org/drawingml/2006/main" name="Office 主题​​">
   <a:themeElements>

--- a/Leetcode.pptx
+++ b/Leetcode.pptx
@@ -4,6 +4,9 @@
   <p:sldMasterIdLst>
     <p:sldMasterId id="2147483648" r:id="rId1"/>
   </p:sldMasterIdLst>
+  <p:notesMasterIdLst>
+    <p:notesMasterId r:id="rId13"/>
+  </p:notesMasterIdLst>
   <p:sldIdLst>
     <p:sldId id="256" r:id="rId2"/>
     <p:sldId id="257" r:id="rId3"/>
@@ -12,6 +15,10 @@
     <p:sldId id="260" r:id="rId6"/>
     <p:sldId id="261" r:id="rId7"/>
     <p:sldId id="262" r:id="rId8"/>
+    <p:sldId id="263" r:id="rId9"/>
+    <p:sldId id="264" r:id="rId10"/>
+    <p:sldId id="265" r:id="rId11"/>
+    <p:sldId id="266" r:id="rId12"/>
   </p:sldIdLst>
   <p:sldSz cx="12192000" cy="6858000"/>
   <p:notesSz cx="6858000" cy="9144000"/>
@@ -118,6 +125,440 @@
 </p:presentation>
 </file>
 
+<file path=ppt/notesMasters/notesMaster1.xml><?xml version="1.0" encoding="utf-8"?>
+<p:notesMaster xmlns:a="http://schemas.openxmlformats.org/drawingml/2006/main" xmlns:r="http://schemas.openxmlformats.org/officeDocument/2006/relationships" xmlns:p="http://schemas.openxmlformats.org/presentationml/2006/main">
+  <p:cSld>
+    <p:bg>
+      <p:bgRef idx="1001">
+        <a:schemeClr val="bg1"/>
+      </p:bgRef>
+    </p:bg>
+    <p:spTree>
+      <p:nvGrpSpPr>
+        <p:cNvPr id="1" name=""/>
+        <p:cNvGrpSpPr/>
+        <p:nvPr/>
+      </p:nvGrpSpPr>
+      <p:grpSpPr>
+        <a:xfrm>
+          <a:off x="0" y="0"/>
+          <a:ext cx="0" cy="0"/>
+          <a:chOff x="0" y="0"/>
+          <a:chExt cx="0" cy="0"/>
+        </a:xfrm>
+      </p:grpSpPr>
+      <p:sp>
+        <p:nvSpPr>
+          <p:cNvPr id="2" name="页眉占位符 1"/>
+          <p:cNvSpPr>
+            <a:spLocks noGrp="1"/>
+          </p:cNvSpPr>
+          <p:nvPr>
+            <p:ph type="hdr" sz="quarter"/>
+          </p:nvPr>
+        </p:nvSpPr>
+        <p:spPr>
+          <a:xfrm>
+            <a:off x="0" y="0"/>
+            <a:ext cx="2971800" cy="458788"/>
+          </a:xfrm>
+          <a:prstGeom prst="rect">
+            <a:avLst/>
+          </a:prstGeom>
+        </p:spPr>
+        <p:txBody>
+          <a:bodyPr vert="horz" lIns="91440" tIns="45720" rIns="91440" bIns="45720" rtlCol="0"/>
+          <a:lstStyle>
+            <a:lvl1pPr algn="l">
+              <a:defRPr sz="1200"/>
+            </a:lvl1pPr>
+          </a:lstStyle>
+          <a:p>
+            <a:endParaRPr lang="zh-CN" altLang="en-US"/>
+          </a:p>
+        </p:txBody>
+      </p:sp>
+      <p:sp>
+        <p:nvSpPr>
+          <p:cNvPr id="3" name="日期占位符 2"/>
+          <p:cNvSpPr>
+            <a:spLocks noGrp="1"/>
+          </p:cNvSpPr>
+          <p:nvPr>
+            <p:ph type="dt" idx="1"/>
+          </p:nvPr>
+        </p:nvSpPr>
+        <p:spPr>
+          <a:xfrm>
+            <a:off x="3884613" y="0"/>
+            <a:ext cx="2971800" cy="458788"/>
+          </a:xfrm>
+          <a:prstGeom prst="rect">
+            <a:avLst/>
+          </a:prstGeom>
+        </p:spPr>
+        <p:txBody>
+          <a:bodyPr vert="horz" lIns="91440" tIns="45720" rIns="91440" bIns="45720" rtlCol="0"/>
+          <a:lstStyle>
+            <a:lvl1pPr algn="r">
+              <a:defRPr sz="1200"/>
+            </a:lvl1pPr>
+          </a:lstStyle>
+          <a:p>
+            <a:fld id="{1C659647-9849-4D31-8FA7-39349B1EE069}" type="datetimeFigureOut">
+              <a:rPr lang="zh-CN" altLang="en-US" smtClean="0"/>
+              <a:t>2020/9/16</a:t>
+            </a:fld>
+            <a:endParaRPr lang="zh-CN" altLang="en-US"/>
+          </a:p>
+        </p:txBody>
+      </p:sp>
+      <p:sp>
+        <p:nvSpPr>
+          <p:cNvPr id="4" name="幻灯片图像占位符 3"/>
+          <p:cNvSpPr>
+            <a:spLocks noGrp="1" noRot="1" noChangeAspect="1"/>
+          </p:cNvSpPr>
+          <p:nvPr>
+            <p:ph type="sldImg" idx="2"/>
+          </p:nvPr>
+        </p:nvSpPr>
+        <p:spPr>
+          <a:xfrm>
+            <a:off x="685800" y="1143000"/>
+            <a:ext cx="5486400" cy="3086100"/>
+          </a:xfrm>
+          <a:prstGeom prst="rect">
+            <a:avLst/>
+          </a:prstGeom>
+          <a:noFill/>
+          <a:ln w="12700">
+            <a:solidFill>
+              <a:prstClr val="black"/>
+            </a:solidFill>
+          </a:ln>
+        </p:spPr>
+        <p:txBody>
+          <a:bodyPr vert="horz" lIns="91440" tIns="45720" rIns="91440" bIns="45720" rtlCol="0" anchor="ctr"/>
+          <a:lstStyle/>
+          <a:p>
+            <a:endParaRPr lang="zh-CN" altLang="en-US"/>
+          </a:p>
+        </p:txBody>
+      </p:sp>
+      <p:sp>
+        <p:nvSpPr>
+          <p:cNvPr id="5" name="备注占位符 4"/>
+          <p:cNvSpPr>
+            <a:spLocks noGrp="1"/>
+          </p:cNvSpPr>
+          <p:nvPr>
+            <p:ph type="body" sz="quarter" idx="3"/>
+          </p:nvPr>
+        </p:nvSpPr>
+        <p:spPr>
+          <a:xfrm>
+            <a:off x="685800" y="4400550"/>
+            <a:ext cx="5486400" cy="3600450"/>
+          </a:xfrm>
+          <a:prstGeom prst="rect">
+            <a:avLst/>
+          </a:prstGeom>
+        </p:spPr>
+        <p:txBody>
+          <a:bodyPr vert="horz" lIns="91440" tIns="45720" rIns="91440" bIns="45720" rtlCol="0"/>
+          <a:lstStyle/>
+          <a:p>
+            <a:pPr lvl="0"/>
+            <a:r>
+              <a:rPr lang="zh-CN" altLang="en-US" smtClean="0"/>
+              <a:t>编辑母版文本样式</a:t>
+            </a:r>
+          </a:p>
+          <a:p>
+            <a:pPr lvl="1"/>
+            <a:r>
+              <a:rPr lang="zh-CN" altLang="en-US" smtClean="0"/>
+              <a:t>第二级</a:t>
+            </a:r>
+          </a:p>
+          <a:p>
+            <a:pPr lvl="2"/>
+            <a:r>
+              <a:rPr lang="zh-CN" altLang="en-US" smtClean="0"/>
+              <a:t>第三级</a:t>
+            </a:r>
+          </a:p>
+          <a:p>
+            <a:pPr lvl="3"/>
+            <a:r>
+              <a:rPr lang="zh-CN" altLang="en-US" smtClean="0"/>
+              <a:t>第四级</a:t>
+            </a:r>
+          </a:p>
+          <a:p>
+            <a:pPr lvl="4"/>
+            <a:r>
+              <a:rPr lang="zh-CN" altLang="en-US" smtClean="0"/>
+              <a:t>第五级</a:t>
+            </a:r>
+            <a:endParaRPr lang="zh-CN" altLang="en-US"/>
+          </a:p>
+        </p:txBody>
+      </p:sp>
+      <p:sp>
+        <p:nvSpPr>
+          <p:cNvPr id="6" name="页脚占位符 5"/>
+          <p:cNvSpPr>
+            <a:spLocks noGrp="1"/>
+          </p:cNvSpPr>
+          <p:nvPr>
+            <p:ph type="ftr" sz="quarter" idx="4"/>
+          </p:nvPr>
+        </p:nvSpPr>
+        <p:spPr>
+          <a:xfrm>
+            <a:off x="0" y="8685213"/>
+            <a:ext cx="2971800" cy="458787"/>
+          </a:xfrm>
+          <a:prstGeom prst="rect">
+            <a:avLst/>
+          </a:prstGeom>
+        </p:spPr>
+        <p:txBody>
+          <a:bodyPr vert="horz" lIns="91440" tIns="45720" rIns="91440" bIns="45720" rtlCol="0" anchor="b"/>
+          <a:lstStyle>
+            <a:lvl1pPr algn="l">
+              <a:defRPr sz="1200"/>
+            </a:lvl1pPr>
+          </a:lstStyle>
+          <a:p>
+            <a:endParaRPr lang="zh-CN" altLang="en-US"/>
+          </a:p>
+        </p:txBody>
+      </p:sp>
+      <p:sp>
+        <p:nvSpPr>
+          <p:cNvPr id="7" name="灯片编号占位符 6"/>
+          <p:cNvSpPr>
+            <a:spLocks noGrp="1"/>
+          </p:cNvSpPr>
+          <p:nvPr>
+            <p:ph type="sldNum" sz="quarter" idx="5"/>
+          </p:nvPr>
+        </p:nvSpPr>
+        <p:spPr>
+          <a:xfrm>
+            <a:off x="3884613" y="8685213"/>
+            <a:ext cx="2971800" cy="458787"/>
+          </a:xfrm>
+          <a:prstGeom prst="rect">
+            <a:avLst/>
+          </a:prstGeom>
+        </p:spPr>
+        <p:txBody>
+          <a:bodyPr vert="horz" lIns="91440" tIns="45720" rIns="91440" bIns="45720" rtlCol="0" anchor="b"/>
+          <a:lstStyle>
+            <a:lvl1pPr algn="r">
+              <a:defRPr sz="1200"/>
+            </a:lvl1pPr>
+          </a:lstStyle>
+          <a:p>
+            <a:fld id="{F72BF17E-6BC3-4163-846A-884FB0312A3B}" type="slidenum">
+              <a:rPr lang="zh-CN" altLang="en-US" smtClean="0"/>
+              <a:t>‹#›</a:t>
+            </a:fld>
+            <a:endParaRPr lang="zh-CN" altLang="en-US"/>
+          </a:p>
+        </p:txBody>
+      </p:sp>
+    </p:spTree>
+    <p:extLst>
+      <p:ext uri="{BB962C8B-B14F-4D97-AF65-F5344CB8AC3E}">
+        <p14:creationId xmlns:p14="http://schemas.microsoft.com/office/powerpoint/2010/main" val="2059233445"/>
+      </p:ext>
+    </p:extLst>
+  </p:cSld>
+  <p:clrMap bg1="lt1" tx1="dk1" bg2="lt2" tx2="dk2" accent1="accent1" accent2="accent2" accent3="accent3" accent4="accent4" accent5="accent5" accent6="accent6" hlink="hlink" folHlink="folHlink"/>
+  <p:notesStyle>
+    <a:lvl1pPr marL="0" algn="l" defTabSz="914400" rtl="0" eaLnBrk="1" latinLnBrk="0" hangingPunct="1">
+      <a:defRPr sz="1200" kern="1200">
+        <a:solidFill>
+          <a:schemeClr val="tx1"/>
+        </a:solidFill>
+        <a:latin typeface="+mn-lt"/>
+        <a:ea typeface="+mn-ea"/>
+        <a:cs typeface="+mn-cs"/>
+      </a:defRPr>
+    </a:lvl1pPr>
+    <a:lvl2pPr marL="457200" algn="l" defTabSz="914400" rtl="0" eaLnBrk="1" latinLnBrk="0" hangingPunct="1">
+      <a:defRPr sz="1200" kern="1200">
+        <a:solidFill>
+          <a:schemeClr val="tx1"/>
+        </a:solidFill>
+        <a:latin typeface="+mn-lt"/>
+        <a:ea typeface="+mn-ea"/>
+        <a:cs typeface="+mn-cs"/>
+      </a:defRPr>
+    </a:lvl2pPr>
+    <a:lvl3pPr marL="914400" algn="l" defTabSz="914400" rtl="0" eaLnBrk="1" latinLnBrk="0" hangingPunct="1">
+      <a:defRPr sz="1200" kern="1200">
+        <a:solidFill>
+          <a:schemeClr val="tx1"/>
+        </a:solidFill>
+        <a:latin typeface="+mn-lt"/>
+        <a:ea typeface="+mn-ea"/>
+        <a:cs typeface="+mn-cs"/>
+      </a:defRPr>
+    </a:lvl3pPr>
+    <a:lvl4pPr marL="1371600" algn="l" defTabSz="914400" rtl="0" eaLnBrk="1" latinLnBrk="0" hangingPunct="1">
+      <a:defRPr sz="1200" kern="1200">
+        <a:solidFill>
+          <a:schemeClr val="tx1"/>
+        </a:solidFill>
+        <a:latin typeface="+mn-lt"/>
+        <a:ea typeface="+mn-ea"/>
+        <a:cs typeface="+mn-cs"/>
+      </a:defRPr>
+    </a:lvl4pPr>
+    <a:lvl5pPr marL="1828800" algn="l" defTabSz="914400" rtl="0" eaLnBrk="1" latinLnBrk="0" hangingPunct="1">
+      <a:defRPr sz="1200" kern="1200">
+        <a:solidFill>
+          <a:schemeClr val="tx1"/>
+        </a:solidFill>
+        <a:latin typeface="+mn-lt"/>
+        <a:ea typeface="+mn-ea"/>
+        <a:cs typeface="+mn-cs"/>
+      </a:defRPr>
+    </a:lvl5pPr>
+    <a:lvl6pPr marL="2286000" algn="l" defTabSz="914400" rtl="0" eaLnBrk="1" latinLnBrk="0" hangingPunct="1">
+      <a:defRPr sz="1200" kern="1200">
+        <a:solidFill>
+          <a:schemeClr val="tx1"/>
+        </a:solidFill>
+        <a:latin typeface="+mn-lt"/>
+        <a:ea typeface="+mn-ea"/>
+        <a:cs typeface="+mn-cs"/>
+      </a:defRPr>
+    </a:lvl6pPr>
+    <a:lvl7pPr marL="2743200" algn="l" defTabSz="914400" rtl="0" eaLnBrk="1" latinLnBrk="0" hangingPunct="1">
+      <a:defRPr sz="1200" kern="1200">
+        <a:solidFill>
+          <a:schemeClr val="tx1"/>
+        </a:solidFill>
+        <a:latin typeface="+mn-lt"/>
+        <a:ea typeface="+mn-ea"/>
+        <a:cs typeface="+mn-cs"/>
+      </a:defRPr>
+    </a:lvl7pPr>
+    <a:lvl8pPr marL="3200400" algn="l" defTabSz="914400" rtl="0" eaLnBrk="1" latinLnBrk="0" hangingPunct="1">
+      <a:defRPr sz="1200" kern="1200">
+        <a:solidFill>
+          <a:schemeClr val="tx1"/>
+        </a:solidFill>
+        <a:latin typeface="+mn-lt"/>
+        <a:ea typeface="+mn-ea"/>
+        <a:cs typeface="+mn-cs"/>
+      </a:defRPr>
+    </a:lvl8pPr>
+    <a:lvl9pPr marL="3657600" algn="l" defTabSz="914400" rtl="0" eaLnBrk="1" latinLnBrk="0" hangingPunct="1">
+      <a:defRPr sz="1200" kern="1200">
+        <a:solidFill>
+          <a:schemeClr val="tx1"/>
+        </a:solidFill>
+        <a:latin typeface="+mn-lt"/>
+        <a:ea typeface="+mn-ea"/>
+        <a:cs typeface="+mn-cs"/>
+      </a:defRPr>
+    </a:lvl9pPr>
+  </p:notesStyle>
+</p:notesMaster>
+</file>
+
+<file path=ppt/notesSlides/notesSlide1.xml><?xml version="1.0" encoding="utf-8"?>
+<p:notes xmlns:a="http://schemas.openxmlformats.org/drawingml/2006/main" xmlns:r="http://schemas.openxmlformats.org/officeDocument/2006/relationships" xmlns:p="http://schemas.openxmlformats.org/presentationml/2006/main">
+  <p:cSld>
+    <p:spTree>
+      <p:nvGrpSpPr>
+        <p:cNvPr id="1" name=""/>
+        <p:cNvGrpSpPr/>
+        <p:nvPr/>
+      </p:nvGrpSpPr>
+      <p:grpSpPr>
+        <a:xfrm>
+          <a:off x="0" y="0"/>
+          <a:ext cx="0" cy="0"/>
+          <a:chOff x="0" y="0"/>
+          <a:chExt cx="0" cy="0"/>
+        </a:xfrm>
+      </p:grpSpPr>
+      <p:sp>
+        <p:nvSpPr>
+          <p:cNvPr id="2" name="幻灯片图像占位符 1"/>
+          <p:cNvSpPr>
+            <a:spLocks noGrp="1" noRot="1" noChangeAspect="1"/>
+          </p:cNvSpPr>
+          <p:nvPr>
+            <p:ph type="sldImg"/>
+          </p:nvPr>
+        </p:nvSpPr>
+        <p:spPr/>
+      </p:sp>
+      <p:sp>
+        <p:nvSpPr>
+          <p:cNvPr id="3" name="备注占位符 2"/>
+          <p:cNvSpPr>
+            <a:spLocks noGrp="1"/>
+          </p:cNvSpPr>
+          <p:nvPr>
+            <p:ph type="body" idx="1"/>
+          </p:nvPr>
+        </p:nvSpPr>
+        <p:spPr/>
+        <p:txBody>
+          <a:bodyPr/>
+          <a:lstStyle/>
+          <a:p>
+            <a:endParaRPr lang="zh-CN" altLang="en-US" dirty="0"/>
+          </a:p>
+        </p:txBody>
+      </p:sp>
+      <p:sp>
+        <p:nvSpPr>
+          <p:cNvPr id="4" name="灯片编号占位符 3"/>
+          <p:cNvSpPr>
+            <a:spLocks noGrp="1"/>
+          </p:cNvSpPr>
+          <p:nvPr>
+            <p:ph type="sldNum" sz="quarter" idx="10"/>
+          </p:nvPr>
+        </p:nvSpPr>
+        <p:spPr/>
+        <p:txBody>
+          <a:bodyPr/>
+          <a:lstStyle/>
+          <a:p>
+            <a:fld id="{F72BF17E-6BC3-4163-846A-884FB0312A3B}" type="slidenum">
+              <a:rPr lang="zh-CN" altLang="en-US" smtClean="0"/>
+              <a:t>11</a:t>
+            </a:fld>
+            <a:endParaRPr lang="zh-CN" altLang="en-US"/>
+          </a:p>
+        </p:txBody>
+      </p:sp>
+    </p:spTree>
+    <p:extLst>
+      <p:ext uri="{BB962C8B-B14F-4D97-AF65-F5344CB8AC3E}">
+        <p14:creationId xmlns:p14="http://schemas.microsoft.com/office/powerpoint/2010/main" val="4123156314"/>
+      </p:ext>
+    </p:extLst>
+  </p:cSld>
+  <p:clrMapOvr>
+    <a:masterClrMapping/>
+  </p:clrMapOvr>
+</p:notes>
+</file>
+
 <file path=ppt/slideLayouts/slideLayout1.xml><?xml version="1.0" encoding="utf-8"?>
 <p:sldLayout xmlns:a="http://schemas.openxmlformats.org/drawingml/2006/main" xmlns:r="http://schemas.openxmlformats.org/officeDocument/2006/relationships" xmlns:p="http://schemas.openxmlformats.org/presentationml/2006/main" type="title" preserve="1">
   <p:cSld name="标题幻灯片">
@@ -265,7 +706,7 @@
           <a:p>
             <a:fld id="{B63B83F7-20B4-4239-B766-915E0E041876}" type="datetimeFigureOut">
               <a:rPr lang="zh-CN" altLang="en-US" smtClean="0"/>
-              <a:t>2020/8/9</a:t>
+              <a:t>2020/9/16</a:t>
             </a:fld>
             <a:endParaRPr lang="zh-CN" altLang="en-US"/>
           </a:p>
@@ -463,7 +904,7 @@
           <a:p>
             <a:fld id="{B63B83F7-20B4-4239-B766-915E0E041876}" type="datetimeFigureOut">
               <a:rPr lang="zh-CN" altLang="en-US" smtClean="0"/>
-              <a:t>2020/8/9</a:t>
+              <a:t>2020/9/16</a:t>
             </a:fld>
             <a:endParaRPr lang="zh-CN" altLang="en-US"/>
           </a:p>
@@ -671,7 +1112,7 @@
           <a:p>
             <a:fld id="{B63B83F7-20B4-4239-B766-915E0E041876}" type="datetimeFigureOut">
               <a:rPr lang="zh-CN" altLang="en-US" smtClean="0"/>
-              <a:t>2020/8/9</a:t>
+              <a:t>2020/9/16</a:t>
             </a:fld>
             <a:endParaRPr lang="zh-CN" altLang="en-US"/>
           </a:p>
@@ -869,7 +1310,7 @@
           <a:p>
             <a:fld id="{B63B83F7-20B4-4239-B766-915E0E041876}" type="datetimeFigureOut">
               <a:rPr lang="zh-CN" altLang="en-US" smtClean="0"/>
-              <a:t>2020/8/9</a:t>
+              <a:t>2020/9/16</a:t>
             </a:fld>
             <a:endParaRPr lang="zh-CN" altLang="en-US"/>
           </a:p>
@@ -1144,7 +1585,7 @@
           <a:p>
             <a:fld id="{B63B83F7-20B4-4239-B766-915E0E041876}" type="datetimeFigureOut">
               <a:rPr lang="zh-CN" altLang="en-US" smtClean="0"/>
-              <a:t>2020/8/9</a:t>
+              <a:t>2020/9/16</a:t>
             </a:fld>
             <a:endParaRPr lang="zh-CN" altLang="en-US"/>
           </a:p>
@@ -1409,7 +1850,7 @@
           <a:p>
             <a:fld id="{B63B83F7-20B4-4239-B766-915E0E041876}" type="datetimeFigureOut">
               <a:rPr lang="zh-CN" altLang="en-US" smtClean="0"/>
-              <a:t>2020/8/9</a:t>
+              <a:t>2020/9/16</a:t>
             </a:fld>
             <a:endParaRPr lang="zh-CN" altLang="en-US"/>
           </a:p>
@@ -1821,7 +2262,7 @@
           <a:p>
             <a:fld id="{B63B83F7-20B4-4239-B766-915E0E041876}" type="datetimeFigureOut">
               <a:rPr lang="zh-CN" altLang="en-US" smtClean="0"/>
-              <a:t>2020/8/9</a:t>
+              <a:t>2020/9/16</a:t>
             </a:fld>
             <a:endParaRPr lang="zh-CN" altLang="en-US"/>
           </a:p>
@@ -1962,7 +2403,7 @@
           <a:p>
             <a:fld id="{B63B83F7-20B4-4239-B766-915E0E041876}" type="datetimeFigureOut">
               <a:rPr lang="zh-CN" altLang="en-US" smtClean="0"/>
-              <a:t>2020/8/9</a:t>
+              <a:t>2020/9/16</a:t>
             </a:fld>
             <a:endParaRPr lang="zh-CN" altLang="en-US"/>
           </a:p>
@@ -2075,7 +2516,7 @@
           <a:p>
             <a:fld id="{B63B83F7-20B4-4239-B766-915E0E041876}" type="datetimeFigureOut">
               <a:rPr lang="zh-CN" altLang="en-US" smtClean="0"/>
-              <a:t>2020/8/9</a:t>
+              <a:t>2020/9/16</a:t>
             </a:fld>
             <a:endParaRPr lang="zh-CN" altLang="en-US"/>
           </a:p>
@@ -2386,7 +2827,7 @@
           <a:p>
             <a:fld id="{B63B83F7-20B4-4239-B766-915E0E041876}" type="datetimeFigureOut">
               <a:rPr lang="zh-CN" altLang="en-US" smtClean="0"/>
-              <a:t>2020/8/9</a:t>
+              <a:t>2020/9/16</a:t>
             </a:fld>
             <a:endParaRPr lang="zh-CN" altLang="en-US"/>
           </a:p>
@@ -2674,7 +3115,7 @@
           <a:p>
             <a:fld id="{B63B83F7-20B4-4239-B766-915E0E041876}" type="datetimeFigureOut">
               <a:rPr lang="zh-CN" altLang="en-US" smtClean="0"/>
-              <a:t>2020/8/9</a:t>
+              <a:t>2020/9/16</a:t>
             </a:fld>
             <a:endParaRPr lang="zh-CN" altLang="en-US"/>
           </a:p>
@@ -2915,7 +3356,7 @@
           <a:p>
             <a:fld id="{B63B83F7-20B4-4239-B766-915E0E041876}" type="datetimeFigureOut">
               <a:rPr lang="zh-CN" altLang="en-US" smtClean="0"/>
-              <a:t>2020/8/9</a:t>
+              <a:t>2020/9/16</a:t>
             </a:fld>
             <a:endParaRPr lang="zh-CN" altLang="en-US"/>
           </a:p>
@@ -5901,6 +6342,2623 @@
 </p:sld>
 </file>
 
+<file path=ppt/slides/slide10.xml><?xml version="1.0" encoding="utf-8"?>
+<p:sld xmlns:a="http://schemas.openxmlformats.org/drawingml/2006/main" xmlns:r="http://schemas.openxmlformats.org/officeDocument/2006/relationships" xmlns:p="http://schemas.openxmlformats.org/presentationml/2006/main">
+  <p:cSld>
+    <p:spTree>
+      <p:nvGrpSpPr>
+        <p:cNvPr id="1" name=""/>
+        <p:cNvGrpSpPr/>
+        <p:nvPr/>
+      </p:nvGrpSpPr>
+      <p:grpSpPr>
+        <a:xfrm>
+          <a:off x="0" y="0"/>
+          <a:ext cx="0" cy="0"/>
+          <a:chOff x="0" y="0"/>
+          <a:chExt cx="0" cy="0"/>
+        </a:xfrm>
+      </p:grpSpPr>
+      <p:sp>
+        <p:nvSpPr>
+          <p:cNvPr id="4" name="矩形 3"/>
+          <p:cNvSpPr/>
+          <p:nvPr/>
+        </p:nvSpPr>
+        <p:spPr>
+          <a:xfrm>
+            <a:off x="518160" y="842010"/>
+            <a:ext cx="441960" cy="800100"/>
+          </a:xfrm>
+          <a:prstGeom prst="rect">
+            <a:avLst/>
+          </a:prstGeom>
+          <a:solidFill>
+            <a:srgbClr val="FF0000"/>
+          </a:solidFill>
+        </p:spPr>
+        <p:style>
+          <a:lnRef idx="2">
+            <a:schemeClr val="accent1">
+              <a:shade val="50000"/>
+            </a:schemeClr>
+          </a:lnRef>
+          <a:fillRef idx="1">
+            <a:schemeClr val="accent1"/>
+          </a:fillRef>
+          <a:effectRef idx="0">
+            <a:schemeClr val="accent1"/>
+          </a:effectRef>
+          <a:fontRef idx="minor">
+            <a:schemeClr val="lt1"/>
+          </a:fontRef>
+        </p:style>
+        <p:txBody>
+          <a:bodyPr rtlCol="0" anchor="ctr"/>
+          <a:lstStyle/>
+          <a:p>
+            <a:pPr algn="ctr"/>
+            <a:r>
+              <a:rPr lang="en-US" altLang="zh-CN" dirty="0" smtClean="0"/>
+              <a:t>4</a:t>
+            </a:r>
+            <a:endParaRPr lang="zh-CN" altLang="en-US" dirty="0"/>
+          </a:p>
+        </p:txBody>
+      </p:sp>
+      <p:sp>
+        <p:nvSpPr>
+          <p:cNvPr id="5" name="矩形 4"/>
+          <p:cNvSpPr/>
+          <p:nvPr/>
+        </p:nvSpPr>
+        <p:spPr>
+          <a:xfrm>
+            <a:off x="518160" y="1642110"/>
+            <a:ext cx="441960" cy="419100"/>
+          </a:xfrm>
+          <a:prstGeom prst="rect">
+            <a:avLst/>
+          </a:prstGeom>
+          <a:solidFill>
+            <a:srgbClr val="FF0000"/>
+          </a:solidFill>
+        </p:spPr>
+        <p:style>
+          <a:lnRef idx="2">
+            <a:schemeClr val="accent1">
+              <a:shade val="50000"/>
+            </a:schemeClr>
+          </a:lnRef>
+          <a:fillRef idx="1">
+            <a:schemeClr val="accent1"/>
+          </a:fillRef>
+          <a:effectRef idx="0">
+            <a:schemeClr val="accent1"/>
+          </a:effectRef>
+          <a:fontRef idx="minor">
+            <a:schemeClr val="lt1"/>
+          </a:fontRef>
+        </p:style>
+        <p:txBody>
+          <a:bodyPr rtlCol="0" anchor="ctr"/>
+          <a:lstStyle/>
+          <a:p>
+            <a:pPr algn="ctr"/>
+            <a:r>
+              <a:rPr lang="en-US" altLang="zh-CN" dirty="0" smtClean="0"/>
+              <a:t>0</a:t>
+            </a:r>
+            <a:endParaRPr lang="zh-CN" altLang="en-US" dirty="0"/>
+          </a:p>
+        </p:txBody>
+      </p:sp>
+      <p:sp>
+        <p:nvSpPr>
+          <p:cNvPr id="6" name="矩形 5"/>
+          <p:cNvSpPr/>
+          <p:nvPr/>
+        </p:nvSpPr>
+        <p:spPr>
+          <a:xfrm>
+            <a:off x="960120" y="1223010"/>
+            <a:ext cx="441960" cy="419100"/>
+          </a:xfrm>
+          <a:prstGeom prst="rect">
+            <a:avLst/>
+          </a:prstGeom>
+          <a:solidFill>
+            <a:srgbClr val="FF0000"/>
+          </a:solidFill>
+        </p:spPr>
+        <p:style>
+          <a:lnRef idx="2">
+            <a:schemeClr val="accent1">
+              <a:shade val="50000"/>
+            </a:schemeClr>
+          </a:lnRef>
+          <a:fillRef idx="1">
+            <a:schemeClr val="accent1"/>
+          </a:fillRef>
+          <a:effectRef idx="0">
+            <a:schemeClr val="accent1"/>
+          </a:effectRef>
+          <a:fontRef idx="minor">
+            <a:schemeClr val="lt1"/>
+          </a:fontRef>
+        </p:style>
+        <p:txBody>
+          <a:bodyPr rtlCol="0" anchor="ctr"/>
+          <a:lstStyle/>
+          <a:p>
+            <a:pPr algn="ctr"/>
+            <a:r>
+              <a:rPr lang="en-US" altLang="zh-CN" dirty="0" smtClean="0"/>
+              <a:t>2</a:t>
+            </a:r>
+            <a:endParaRPr lang="zh-CN" altLang="en-US" dirty="0"/>
+          </a:p>
+        </p:txBody>
+      </p:sp>
+      <p:sp>
+        <p:nvSpPr>
+          <p:cNvPr id="7" name="矩形 6"/>
+          <p:cNvSpPr/>
+          <p:nvPr/>
+        </p:nvSpPr>
+        <p:spPr>
+          <a:xfrm>
+            <a:off x="960120" y="1642110"/>
+            <a:ext cx="441960" cy="419100"/>
+          </a:xfrm>
+          <a:prstGeom prst="rect">
+            <a:avLst/>
+          </a:prstGeom>
+          <a:solidFill>
+            <a:srgbClr val="FF0000"/>
+          </a:solidFill>
+        </p:spPr>
+        <p:style>
+          <a:lnRef idx="2">
+            <a:schemeClr val="accent1">
+              <a:shade val="50000"/>
+            </a:schemeClr>
+          </a:lnRef>
+          <a:fillRef idx="1">
+            <a:schemeClr val="accent1"/>
+          </a:fillRef>
+          <a:effectRef idx="0">
+            <a:schemeClr val="accent1"/>
+          </a:effectRef>
+          <a:fontRef idx="minor">
+            <a:schemeClr val="lt1"/>
+          </a:fontRef>
+        </p:style>
+        <p:txBody>
+          <a:bodyPr rtlCol="0" anchor="ctr"/>
+          <a:lstStyle/>
+          <a:p>
+            <a:pPr algn="ctr"/>
+            <a:r>
+              <a:rPr lang="en-US" altLang="zh-CN" dirty="0" smtClean="0"/>
+              <a:t>1</a:t>
+            </a:r>
+            <a:endParaRPr lang="zh-CN" altLang="en-US" dirty="0"/>
+          </a:p>
+        </p:txBody>
+      </p:sp>
+      <p:sp>
+        <p:nvSpPr>
+          <p:cNvPr id="8" name="矩形 7"/>
+          <p:cNvSpPr/>
+          <p:nvPr/>
+        </p:nvSpPr>
+        <p:spPr>
+          <a:xfrm flipV="1">
+            <a:off x="1402080" y="1642110"/>
+            <a:ext cx="441960" cy="95250"/>
+          </a:xfrm>
+          <a:prstGeom prst="rect">
+            <a:avLst/>
+          </a:prstGeom>
+          <a:solidFill>
+            <a:schemeClr val="accent1"/>
+          </a:solidFill>
+        </p:spPr>
+        <p:style>
+          <a:lnRef idx="2">
+            <a:schemeClr val="accent1">
+              <a:shade val="50000"/>
+            </a:schemeClr>
+          </a:lnRef>
+          <a:fillRef idx="1">
+            <a:schemeClr val="accent1"/>
+          </a:fillRef>
+          <a:effectRef idx="0">
+            <a:schemeClr val="accent1"/>
+          </a:effectRef>
+          <a:fontRef idx="minor">
+            <a:schemeClr val="lt1"/>
+          </a:fontRef>
+        </p:style>
+        <p:txBody>
+          <a:bodyPr rtlCol="0" anchor="ctr"/>
+          <a:lstStyle/>
+          <a:p>
+            <a:pPr algn="ctr"/>
+            <a:r>
+              <a:rPr lang="en-US" altLang="zh-CN" dirty="0"/>
+              <a:t>0</a:t>
+            </a:r>
+            <a:endParaRPr lang="zh-CN" altLang="en-US" dirty="0"/>
+          </a:p>
+        </p:txBody>
+      </p:sp>
+      <p:sp>
+        <p:nvSpPr>
+          <p:cNvPr id="9" name="矩形 8"/>
+          <p:cNvSpPr/>
+          <p:nvPr/>
+        </p:nvSpPr>
+        <p:spPr>
+          <a:xfrm>
+            <a:off x="1402080" y="1642110"/>
+            <a:ext cx="441960" cy="419100"/>
+          </a:xfrm>
+          <a:prstGeom prst="rect">
+            <a:avLst/>
+          </a:prstGeom>
+          <a:solidFill>
+            <a:schemeClr val="accent1"/>
+          </a:solidFill>
+        </p:spPr>
+        <p:style>
+          <a:lnRef idx="2">
+            <a:schemeClr val="accent1">
+              <a:shade val="50000"/>
+            </a:schemeClr>
+          </a:lnRef>
+          <a:fillRef idx="1">
+            <a:schemeClr val="accent1"/>
+          </a:fillRef>
+          <a:effectRef idx="0">
+            <a:schemeClr val="accent1"/>
+          </a:effectRef>
+          <a:fontRef idx="minor">
+            <a:schemeClr val="lt1"/>
+          </a:fontRef>
+        </p:style>
+        <p:txBody>
+          <a:bodyPr rtlCol="0" anchor="ctr"/>
+          <a:lstStyle/>
+          <a:p>
+            <a:pPr algn="ctr"/>
+            <a:r>
+              <a:rPr lang="en-US" altLang="zh-CN" dirty="0"/>
+              <a:t>2</a:t>
+            </a:r>
+            <a:endParaRPr lang="zh-CN" altLang="en-US" dirty="0"/>
+          </a:p>
+        </p:txBody>
+      </p:sp>
+      <p:sp>
+        <p:nvSpPr>
+          <p:cNvPr id="10" name="文本框 9"/>
+          <p:cNvSpPr txBox="1"/>
+          <p:nvPr/>
+        </p:nvSpPr>
+        <p:spPr>
+          <a:xfrm>
+            <a:off x="1466849" y="1223010"/>
+            <a:ext cx="297180" cy="369332"/>
+          </a:xfrm>
+          <a:prstGeom prst="rect">
+            <a:avLst/>
+          </a:prstGeom>
+          <a:solidFill>
+            <a:schemeClr val="bg1"/>
+          </a:solidFill>
+        </p:spPr>
+        <p:txBody>
+          <a:bodyPr wrap="square" rtlCol="0">
+            <a:spAutoFit/>
+          </a:bodyPr>
+          <a:lstStyle/>
+          <a:p>
+            <a:r>
+              <a:rPr lang="en-US" altLang="zh-CN" dirty="0" smtClean="0"/>
+              <a:t>0</a:t>
+            </a:r>
+            <a:endParaRPr lang="zh-CN" altLang="en-US" dirty="0"/>
+          </a:p>
+        </p:txBody>
+      </p:sp>
+      <p:sp>
+        <p:nvSpPr>
+          <p:cNvPr id="11" name="矩形 10"/>
+          <p:cNvSpPr/>
+          <p:nvPr/>
+        </p:nvSpPr>
+        <p:spPr>
+          <a:xfrm flipV="1">
+            <a:off x="1828799" y="1642110"/>
+            <a:ext cx="441960" cy="95250"/>
+          </a:xfrm>
+          <a:prstGeom prst="rect">
+            <a:avLst/>
+          </a:prstGeom>
+          <a:solidFill>
+            <a:srgbClr val="FF0000"/>
+          </a:solidFill>
+        </p:spPr>
+        <p:style>
+          <a:lnRef idx="2">
+            <a:schemeClr val="accent1">
+              <a:shade val="50000"/>
+            </a:schemeClr>
+          </a:lnRef>
+          <a:fillRef idx="1">
+            <a:schemeClr val="accent1"/>
+          </a:fillRef>
+          <a:effectRef idx="0">
+            <a:schemeClr val="accent1"/>
+          </a:effectRef>
+          <a:fontRef idx="minor">
+            <a:schemeClr val="lt1"/>
+          </a:fontRef>
+        </p:style>
+        <p:txBody>
+          <a:bodyPr rtlCol="0" anchor="ctr"/>
+          <a:lstStyle/>
+          <a:p>
+            <a:pPr algn="ctr"/>
+            <a:r>
+              <a:rPr lang="en-US" altLang="zh-CN" dirty="0"/>
+              <a:t>0</a:t>
+            </a:r>
+            <a:endParaRPr lang="zh-CN" altLang="en-US" dirty="0"/>
+          </a:p>
+        </p:txBody>
+      </p:sp>
+      <p:sp>
+        <p:nvSpPr>
+          <p:cNvPr id="12" name="矩形 11"/>
+          <p:cNvSpPr/>
+          <p:nvPr/>
+        </p:nvSpPr>
+        <p:spPr>
+          <a:xfrm>
+            <a:off x="1828799" y="1642110"/>
+            <a:ext cx="441960" cy="419100"/>
+          </a:xfrm>
+          <a:prstGeom prst="rect">
+            <a:avLst/>
+          </a:prstGeom>
+          <a:solidFill>
+            <a:srgbClr val="FF0000"/>
+          </a:solidFill>
+        </p:spPr>
+        <p:style>
+          <a:lnRef idx="2">
+            <a:schemeClr val="accent1">
+              <a:shade val="50000"/>
+            </a:schemeClr>
+          </a:lnRef>
+          <a:fillRef idx="1">
+            <a:schemeClr val="accent1"/>
+          </a:fillRef>
+          <a:effectRef idx="0">
+            <a:schemeClr val="accent1"/>
+          </a:effectRef>
+          <a:fontRef idx="minor">
+            <a:schemeClr val="lt1"/>
+          </a:fontRef>
+        </p:style>
+        <p:txBody>
+          <a:bodyPr rtlCol="0" anchor="ctr"/>
+          <a:lstStyle/>
+          <a:p>
+            <a:pPr algn="ctr"/>
+            <a:r>
+              <a:rPr lang="en-US" altLang="zh-CN" dirty="0" smtClean="0"/>
+              <a:t>3</a:t>
+            </a:r>
+            <a:endParaRPr lang="zh-CN" altLang="en-US" dirty="0"/>
+          </a:p>
+        </p:txBody>
+      </p:sp>
+      <p:sp>
+        <p:nvSpPr>
+          <p:cNvPr id="13" name="矩形 12"/>
+          <p:cNvSpPr/>
+          <p:nvPr/>
+        </p:nvSpPr>
+        <p:spPr>
+          <a:xfrm>
+            <a:off x="1828800" y="1051560"/>
+            <a:ext cx="441960" cy="609600"/>
+          </a:xfrm>
+          <a:prstGeom prst="rect">
+            <a:avLst/>
+          </a:prstGeom>
+          <a:solidFill>
+            <a:srgbClr val="FF0000"/>
+          </a:solidFill>
+        </p:spPr>
+        <p:style>
+          <a:lnRef idx="2">
+            <a:schemeClr val="accent1">
+              <a:shade val="50000"/>
+            </a:schemeClr>
+          </a:lnRef>
+          <a:fillRef idx="1">
+            <a:schemeClr val="accent1"/>
+          </a:fillRef>
+          <a:effectRef idx="0">
+            <a:schemeClr val="accent1"/>
+          </a:effectRef>
+          <a:fontRef idx="minor">
+            <a:schemeClr val="lt1"/>
+          </a:fontRef>
+        </p:style>
+        <p:txBody>
+          <a:bodyPr rtlCol="0" anchor="ctr"/>
+          <a:lstStyle/>
+          <a:p>
+            <a:pPr algn="ctr"/>
+            <a:r>
+              <a:rPr lang="en-US" altLang="zh-CN" dirty="0" smtClean="0"/>
+              <a:t>3</a:t>
+            </a:r>
+            <a:endParaRPr lang="zh-CN" altLang="en-US" dirty="0"/>
+          </a:p>
+        </p:txBody>
+      </p:sp>
+      <p:sp>
+        <p:nvSpPr>
+          <p:cNvPr id="14" name="矩形 13"/>
+          <p:cNvSpPr/>
+          <p:nvPr/>
+        </p:nvSpPr>
+        <p:spPr>
+          <a:xfrm flipV="1">
+            <a:off x="2270759" y="1642110"/>
+            <a:ext cx="441960" cy="95250"/>
+          </a:xfrm>
+          <a:prstGeom prst="rect">
+            <a:avLst/>
+          </a:prstGeom>
+        </p:spPr>
+        <p:style>
+          <a:lnRef idx="2">
+            <a:schemeClr val="accent1">
+              <a:shade val="50000"/>
+            </a:schemeClr>
+          </a:lnRef>
+          <a:fillRef idx="1">
+            <a:schemeClr val="accent1"/>
+          </a:fillRef>
+          <a:effectRef idx="0">
+            <a:schemeClr val="accent1"/>
+          </a:effectRef>
+          <a:fontRef idx="minor">
+            <a:schemeClr val="lt1"/>
+          </a:fontRef>
+        </p:style>
+        <p:txBody>
+          <a:bodyPr rtlCol="0" anchor="ctr"/>
+          <a:lstStyle/>
+          <a:p>
+            <a:pPr algn="ctr"/>
+            <a:r>
+              <a:rPr lang="en-US" altLang="zh-CN" dirty="0"/>
+              <a:t>0</a:t>
+            </a:r>
+            <a:endParaRPr lang="zh-CN" altLang="en-US" dirty="0"/>
+          </a:p>
+        </p:txBody>
+      </p:sp>
+      <p:sp>
+        <p:nvSpPr>
+          <p:cNvPr id="15" name="矩形 14"/>
+          <p:cNvSpPr/>
+          <p:nvPr/>
+        </p:nvSpPr>
+        <p:spPr>
+          <a:xfrm>
+            <a:off x="2270759" y="1642110"/>
+            <a:ext cx="441960" cy="419100"/>
+          </a:xfrm>
+          <a:prstGeom prst="rect">
+            <a:avLst/>
+          </a:prstGeom>
+          <a:solidFill>
+            <a:schemeClr val="tx1">
+              <a:lumMod val="95000"/>
+              <a:lumOff val="5000"/>
+            </a:schemeClr>
+          </a:solidFill>
+        </p:spPr>
+        <p:style>
+          <a:lnRef idx="2">
+            <a:schemeClr val="accent1">
+              <a:shade val="50000"/>
+            </a:schemeClr>
+          </a:lnRef>
+          <a:fillRef idx="1">
+            <a:schemeClr val="accent1"/>
+          </a:fillRef>
+          <a:effectRef idx="0">
+            <a:schemeClr val="accent1"/>
+          </a:effectRef>
+          <a:fontRef idx="minor">
+            <a:schemeClr val="lt1"/>
+          </a:fontRef>
+        </p:style>
+        <p:txBody>
+          <a:bodyPr rtlCol="0" anchor="ctr"/>
+          <a:lstStyle/>
+          <a:p>
+            <a:pPr algn="ctr"/>
+            <a:r>
+              <a:rPr lang="en-US" altLang="zh-CN" dirty="0"/>
+              <a:t>4</a:t>
+            </a:r>
+            <a:endParaRPr lang="zh-CN" altLang="en-US" dirty="0"/>
+          </a:p>
+        </p:txBody>
+      </p:sp>
+      <p:sp>
+        <p:nvSpPr>
+          <p:cNvPr id="16" name="矩形 15"/>
+          <p:cNvSpPr/>
+          <p:nvPr/>
+        </p:nvSpPr>
+        <p:spPr>
+          <a:xfrm>
+            <a:off x="2270760" y="1242060"/>
+            <a:ext cx="441960" cy="419100"/>
+          </a:xfrm>
+          <a:prstGeom prst="rect">
+            <a:avLst/>
+          </a:prstGeom>
+        </p:spPr>
+        <p:style>
+          <a:lnRef idx="2">
+            <a:schemeClr val="accent1">
+              <a:shade val="50000"/>
+            </a:schemeClr>
+          </a:lnRef>
+          <a:fillRef idx="1">
+            <a:schemeClr val="accent1"/>
+          </a:fillRef>
+          <a:effectRef idx="0">
+            <a:schemeClr val="accent1"/>
+          </a:effectRef>
+          <a:fontRef idx="minor">
+            <a:schemeClr val="lt1"/>
+          </a:fontRef>
+        </p:style>
+        <p:txBody>
+          <a:bodyPr rtlCol="0" anchor="ctr"/>
+          <a:lstStyle/>
+          <a:p>
+            <a:pPr algn="ctr"/>
+            <a:r>
+              <a:rPr lang="en-US" altLang="zh-CN" dirty="0" smtClean="0"/>
+              <a:t>2</a:t>
+            </a:r>
+            <a:endParaRPr lang="zh-CN" altLang="en-US" dirty="0"/>
+          </a:p>
+        </p:txBody>
+      </p:sp>
+      <p:sp>
+        <p:nvSpPr>
+          <p:cNvPr id="17" name="矩形 16"/>
+          <p:cNvSpPr/>
+          <p:nvPr/>
+        </p:nvSpPr>
+        <p:spPr>
+          <a:xfrm flipV="1">
+            <a:off x="2735576" y="1642110"/>
+            <a:ext cx="441960" cy="95250"/>
+          </a:xfrm>
+          <a:prstGeom prst="rect">
+            <a:avLst/>
+          </a:prstGeom>
+          <a:solidFill>
+            <a:srgbClr val="FF0000"/>
+          </a:solidFill>
+        </p:spPr>
+        <p:style>
+          <a:lnRef idx="2">
+            <a:schemeClr val="accent1">
+              <a:shade val="50000"/>
+            </a:schemeClr>
+          </a:lnRef>
+          <a:fillRef idx="1">
+            <a:schemeClr val="accent1"/>
+          </a:fillRef>
+          <a:effectRef idx="0">
+            <a:schemeClr val="accent1"/>
+          </a:effectRef>
+          <a:fontRef idx="minor">
+            <a:schemeClr val="lt1"/>
+          </a:fontRef>
+        </p:style>
+        <p:txBody>
+          <a:bodyPr rtlCol="0" anchor="ctr"/>
+          <a:lstStyle/>
+          <a:p>
+            <a:pPr algn="ctr"/>
+            <a:r>
+              <a:rPr lang="en-US" altLang="zh-CN" dirty="0"/>
+              <a:t>0</a:t>
+            </a:r>
+            <a:endParaRPr lang="zh-CN" altLang="en-US" dirty="0"/>
+          </a:p>
+        </p:txBody>
+      </p:sp>
+      <p:sp>
+        <p:nvSpPr>
+          <p:cNvPr id="18" name="矩形 17"/>
+          <p:cNvSpPr/>
+          <p:nvPr/>
+        </p:nvSpPr>
+        <p:spPr>
+          <a:xfrm>
+            <a:off x="2735576" y="1642110"/>
+            <a:ext cx="441960" cy="419100"/>
+          </a:xfrm>
+          <a:prstGeom prst="rect">
+            <a:avLst/>
+          </a:prstGeom>
+          <a:solidFill>
+            <a:srgbClr val="FF0000"/>
+          </a:solidFill>
+        </p:spPr>
+        <p:style>
+          <a:lnRef idx="2">
+            <a:schemeClr val="accent1">
+              <a:shade val="50000"/>
+            </a:schemeClr>
+          </a:lnRef>
+          <a:fillRef idx="1">
+            <a:schemeClr val="accent1"/>
+          </a:fillRef>
+          <a:effectRef idx="0">
+            <a:schemeClr val="accent1"/>
+          </a:effectRef>
+          <a:fontRef idx="minor">
+            <a:schemeClr val="lt1"/>
+          </a:fontRef>
+        </p:style>
+        <p:txBody>
+          <a:bodyPr rtlCol="0" anchor="ctr"/>
+          <a:lstStyle/>
+          <a:p>
+            <a:pPr algn="ctr"/>
+            <a:r>
+              <a:rPr lang="en-US" altLang="zh-CN" dirty="0"/>
+              <a:t>5</a:t>
+            </a:r>
+            <a:endParaRPr lang="zh-CN" altLang="en-US" dirty="0"/>
+          </a:p>
+        </p:txBody>
+      </p:sp>
+      <p:sp>
+        <p:nvSpPr>
+          <p:cNvPr id="19" name="矩形 18"/>
+          <p:cNvSpPr/>
+          <p:nvPr/>
+        </p:nvSpPr>
+        <p:spPr>
+          <a:xfrm>
+            <a:off x="2735577" y="632460"/>
+            <a:ext cx="441960" cy="1028700"/>
+          </a:xfrm>
+          <a:prstGeom prst="rect">
+            <a:avLst/>
+          </a:prstGeom>
+          <a:solidFill>
+            <a:srgbClr val="FF0000"/>
+          </a:solidFill>
+        </p:spPr>
+        <p:style>
+          <a:lnRef idx="2">
+            <a:schemeClr val="accent1">
+              <a:shade val="50000"/>
+            </a:schemeClr>
+          </a:lnRef>
+          <a:fillRef idx="1">
+            <a:schemeClr val="accent1"/>
+          </a:fillRef>
+          <a:effectRef idx="0">
+            <a:schemeClr val="accent1"/>
+          </a:effectRef>
+          <a:fontRef idx="minor">
+            <a:schemeClr val="lt1"/>
+          </a:fontRef>
+        </p:style>
+        <p:txBody>
+          <a:bodyPr rtlCol="0" anchor="ctr"/>
+          <a:lstStyle/>
+          <a:p>
+            <a:pPr algn="ctr"/>
+            <a:r>
+              <a:rPr lang="en-US" altLang="zh-CN" dirty="0" smtClean="0"/>
+              <a:t>5</a:t>
+            </a:r>
+            <a:endParaRPr lang="zh-CN" altLang="en-US" dirty="0"/>
+          </a:p>
+        </p:txBody>
+      </p:sp>
+      <p:sp>
+        <p:nvSpPr>
+          <p:cNvPr id="21" name="矩形 20"/>
+          <p:cNvSpPr/>
+          <p:nvPr/>
+        </p:nvSpPr>
+        <p:spPr>
+          <a:xfrm>
+            <a:off x="3177537" y="1645920"/>
+            <a:ext cx="441960" cy="419100"/>
+          </a:xfrm>
+          <a:prstGeom prst="rect">
+            <a:avLst/>
+          </a:prstGeom>
+          <a:solidFill>
+            <a:srgbClr val="FF0000"/>
+          </a:solidFill>
+        </p:spPr>
+        <p:style>
+          <a:lnRef idx="2">
+            <a:schemeClr val="accent1">
+              <a:shade val="50000"/>
+            </a:schemeClr>
+          </a:lnRef>
+          <a:fillRef idx="1">
+            <a:schemeClr val="accent1"/>
+          </a:fillRef>
+          <a:effectRef idx="0">
+            <a:schemeClr val="accent1"/>
+          </a:effectRef>
+          <a:fontRef idx="minor">
+            <a:schemeClr val="lt1"/>
+          </a:fontRef>
+        </p:style>
+        <p:txBody>
+          <a:bodyPr rtlCol="0" anchor="ctr"/>
+          <a:lstStyle/>
+          <a:p>
+            <a:pPr algn="ctr"/>
+            <a:r>
+              <a:rPr lang="en-US" altLang="zh-CN" dirty="0"/>
+              <a:t>6</a:t>
+            </a:r>
+            <a:endParaRPr lang="zh-CN" altLang="en-US" dirty="0"/>
+          </a:p>
+        </p:txBody>
+      </p:sp>
+      <p:sp>
+        <p:nvSpPr>
+          <p:cNvPr id="22" name="文本框 21"/>
+          <p:cNvSpPr txBox="1"/>
+          <p:nvPr/>
+        </p:nvSpPr>
+        <p:spPr>
+          <a:xfrm>
+            <a:off x="3230877" y="1363742"/>
+            <a:ext cx="335280" cy="369332"/>
+          </a:xfrm>
+          <a:prstGeom prst="rect">
+            <a:avLst/>
+          </a:prstGeom>
+          <a:noFill/>
+        </p:spPr>
+        <p:txBody>
+          <a:bodyPr wrap="square" rtlCol="0">
+            <a:spAutoFit/>
+          </a:bodyPr>
+          <a:lstStyle/>
+          <a:p>
+            <a:r>
+              <a:rPr lang="en-US" altLang="zh-CN" dirty="0" smtClean="0"/>
+              <a:t>0</a:t>
+            </a:r>
+            <a:endParaRPr lang="zh-CN" altLang="en-US" dirty="0"/>
+          </a:p>
+        </p:txBody>
+      </p:sp>
+      <p:sp>
+        <p:nvSpPr>
+          <p:cNvPr id="23" name="文本框 22"/>
+          <p:cNvSpPr txBox="1"/>
+          <p:nvPr/>
+        </p:nvSpPr>
+        <p:spPr>
+          <a:xfrm>
+            <a:off x="3695697" y="562035"/>
+            <a:ext cx="7551427" cy="584775"/>
+          </a:xfrm>
+          <a:prstGeom prst="rect">
+            <a:avLst/>
+          </a:prstGeom>
+          <a:noFill/>
+        </p:spPr>
+        <p:txBody>
+          <a:bodyPr wrap="square" rtlCol="0">
+            <a:spAutoFit/>
+          </a:bodyPr>
+          <a:lstStyle/>
+          <a:p>
+            <a:pPr>
+              <a:lnSpc>
+                <a:spcPct val="200000"/>
+              </a:lnSpc>
+            </a:pPr>
+            <a:r>
+              <a:rPr lang="en-US" altLang="zh-CN" sz="1600" dirty="0" smtClean="0">
+                <a:latin typeface="Times New Roman" panose="02020603050405020304" pitchFamily="18" charset="0"/>
+                <a:ea typeface="宋体" panose="02010600030101010101" pitchFamily="2" charset="-122"/>
+                <a:cs typeface="Times New Roman" panose="02020603050405020304" pitchFamily="18" charset="0"/>
+              </a:rPr>
+              <a:t>4</a:t>
+            </a:r>
+            <a:r>
+              <a:rPr lang="zh-CN" altLang="en-US" sz="1600" dirty="0" smtClean="0">
+                <a:latin typeface="Times New Roman" panose="02020603050405020304" pitchFamily="18" charset="0"/>
+                <a:ea typeface="宋体" panose="02010600030101010101" pitchFamily="2" charset="-122"/>
+                <a:cs typeface="Times New Roman" panose="02020603050405020304" pitchFamily="18" charset="0"/>
+              </a:rPr>
+              <a:t>、当 </a:t>
+            </a:r>
+            <a:r>
+              <a:rPr lang="en-US" altLang="zh-CN" sz="1600" dirty="0" smtClean="0">
+                <a:latin typeface="Times New Roman" panose="02020603050405020304" pitchFamily="18" charset="0"/>
+                <a:ea typeface="宋体" panose="02010600030101010101" pitchFamily="2" charset="-122"/>
+                <a:cs typeface="Times New Roman" panose="02020603050405020304" pitchFamily="18" charset="0"/>
+              </a:rPr>
+              <a:t>height = 0 </a:t>
+            </a:r>
+            <a:r>
+              <a:rPr lang="zh-CN" altLang="en-US" sz="1600" dirty="0" smtClean="0">
+                <a:latin typeface="Times New Roman" panose="02020603050405020304" pitchFamily="18" charset="0"/>
+                <a:ea typeface="宋体" panose="02010600030101010101" pitchFamily="2" charset="-122"/>
+                <a:cs typeface="Times New Roman" panose="02020603050405020304" pitchFamily="18" charset="0"/>
+              </a:rPr>
+              <a:t>的时候，</a:t>
+            </a:r>
+            <a:r>
+              <a:rPr lang="en-US" altLang="zh-CN" sz="1600" dirty="0" smtClean="0">
+                <a:latin typeface="Times New Roman" panose="02020603050405020304" pitchFamily="18" charset="0"/>
+                <a:ea typeface="宋体" panose="02010600030101010101" pitchFamily="2" charset="-122"/>
+                <a:cs typeface="Times New Roman" panose="02020603050405020304" pitchFamily="18" charset="0"/>
+              </a:rPr>
+              <a:t>height =5</a:t>
+            </a:r>
+            <a:r>
+              <a:rPr lang="zh-CN" altLang="en-US" sz="1600" dirty="0" smtClean="0">
+                <a:latin typeface="Times New Roman" panose="02020603050405020304" pitchFamily="18" charset="0"/>
+                <a:ea typeface="宋体" panose="02010600030101010101" pitchFamily="2" charset="-122"/>
+                <a:cs typeface="Times New Roman" panose="02020603050405020304" pitchFamily="18" charset="0"/>
+              </a:rPr>
+              <a:t>可以确定的最大面积可以确定，</a:t>
+            </a:r>
+            <a:r>
+              <a:rPr lang="en-US" altLang="zh-CN" sz="1600" dirty="0" smtClean="0">
+                <a:latin typeface="Times New Roman" panose="02020603050405020304" pitchFamily="18" charset="0"/>
+                <a:ea typeface="宋体" panose="02010600030101010101" pitchFamily="2" charset="-122"/>
+                <a:cs typeface="Times New Roman" panose="02020603050405020304" pitchFamily="18" charset="0"/>
+              </a:rPr>
+              <a:t>max-area =  5* 1</a:t>
+            </a:r>
+            <a:endParaRPr lang="zh-CN" altLang="en-US" dirty="0">
+              <a:latin typeface="Times New Roman" panose="02020603050405020304" pitchFamily="18" charset="0"/>
+              <a:ea typeface="宋体" panose="02010600030101010101" pitchFamily="2" charset="-122"/>
+              <a:cs typeface="Times New Roman" panose="02020603050405020304" pitchFamily="18" charset="0"/>
+            </a:endParaRPr>
+          </a:p>
+        </p:txBody>
+      </p:sp>
+      <p:sp>
+        <p:nvSpPr>
+          <p:cNvPr id="24" name="文本框 23"/>
+          <p:cNvSpPr txBox="1"/>
+          <p:nvPr/>
+        </p:nvSpPr>
+        <p:spPr>
+          <a:xfrm>
+            <a:off x="624837" y="2392442"/>
+            <a:ext cx="7551427" cy="1631216"/>
+          </a:xfrm>
+          <a:prstGeom prst="rect">
+            <a:avLst/>
+          </a:prstGeom>
+          <a:noFill/>
+        </p:spPr>
+        <p:txBody>
+          <a:bodyPr wrap="square" rtlCol="0">
+            <a:spAutoFit/>
+          </a:bodyPr>
+          <a:lstStyle/>
+          <a:p>
+            <a:pPr>
+              <a:lnSpc>
+                <a:spcPct val="200000"/>
+              </a:lnSpc>
+            </a:pPr>
+            <a:r>
+              <a:rPr lang="en-US" altLang="zh-CN" sz="1600" dirty="0">
+                <a:latin typeface="Times New Roman" panose="02020603050405020304" pitchFamily="18" charset="0"/>
+                <a:ea typeface="宋体" panose="02010600030101010101" pitchFamily="2" charset="-122"/>
+                <a:cs typeface="Times New Roman" panose="02020603050405020304" pitchFamily="18" charset="0"/>
+              </a:rPr>
+              <a:t>5</a:t>
+            </a:r>
+            <a:r>
+              <a:rPr lang="zh-CN" altLang="en-US" sz="1600" dirty="0" smtClean="0">
+                <a:latin typeface="Times New Roman" panose="02020603050405020304" pitchFamily="18" charset="0"/>
+                <a:ea typeface="宋体" panose="02010600030101010101" pitchFamily="2" charset="-122"/>
+                <a:cs typeface="Times New Roman" panose="02020603050405020304" pitchFamily="18" charset="0"/>
+              </a:rPr>
+              <a:t>、当 </a:t>
+            </a:r>
+            <a:r>
+              <a:rPr lang="en-US" altLang="zh-CN" sz="1600" dirty="0" smtClean="0">
+                <a:latin typeface="Times New Roman" panose="02020603050405020304" pitchFamily="18" charset="0"/>
+                <a:ea typeface="宋体" panose="02010600030101010101" pitchFamily="2" charset="-122"/>
+                <a:cs typeface="Times New Roman" panose="02020603050405020304" pitchFamily="18" charset="0"/>
+              </a:rPr>
+              <a:t>height = 0 </a:t>
+            </a:r>
+            <a:r>
+              <a:rPr lang="zh-CN" altLang="en-US" sz="1600" dirty="0" smtClean="0">
+                <a:latin typeface="Times New Roman" panose="02020603050405020304" pitchFamily="18" charset="0"/>
+                <a:ea typeface="宋体" panose="02010600030101010101" pitchFamily="2" charset="-122"/>
+                <a:cs typeface="Times New Roman" panose="02020603050405020304" pitchFamily="18" charset="0"/>
+              </a:rPr>
+              <a:t>的时候，</a:t>
+            </a:r>
+            <a:r>
+              <a:rPr lang="en-US" altLang="zh-CN" sz="1600" dirty="0" smtClean="0">
+                <a:latin typeface="Times New Roman" panose="02020603050405020304" pitchFamily="18" charset="0"/>
+                <a:ea typeface="宋体" panose="02010600030101010101" pitchFamily="2" charset="-122"/>
+                <a:cs typeface="Times New Roman" panose="02020603050405020304" pitchFamily="18" charset="0"/>
+              </a:rPr>
+              <a:t>height =2</a:t>
+            </a:r>
+            <a:r>
+              <a:rPr lang="zh-CN" altLang="en-US" sz="1600" dirty="0" smtClean="0">
+                <a:latin typeface="Times New Roman" panose="02020603050405020304" pitchFamily="18" charset="0"/>
+                <a:ea typeface="宋体" panose="02010600030101010101" pitchFamily="2" charset="-122"/>
+                <a:cs typeface="Times New Roman" panose="02020603050405020304" pitchFamily="18" charset="0"/>
+              </a:rPr>
+              <a:t>可以确定的最大面积可以确定，</a:t>
+            </a:r>
+            <a:r>
+              <a:rPr lang="en-US" altLang="zh-CN" sz="1600" dirty="0" err="1">
+                <a:latin typeface="Times New Roman" panose="02020603050405020304" pitchFamily="18" charset="0"/>
+                <a:ea typeface="宋体" panose="02010600030101010101" pitchFamily="2" charset="-122"/>
+                <a:cs typeface="Times New Roman" panose="02020603050405020304" pitchFamily="18" charset="0"/>
+              </a:rPr>
+              <a:t>i</a:t>
+            </a:r>
+            <a:r>
+              <a:rPr lang="en-US" altLang="zh-CN" sz="1600" dirty="0" smtClean="0">
+                <a:latin typeface="Times New Roman" panose="02020603050405020304" pitchFamily="18" charset="0"/>
+                <a:ea typeface="宋体" panose="02010600030101010101" pitchFamily="2" charset="-122"/>
+                <a:cs typeface="Times New Roman" panose="02020603050405020304" pitchFamily="18" charset="0"/>
+              </a:rPr>
+              <a:t> = 6,</a:t>
+            </a:r>
+          </a:p>
+          <a:p>
+            <a:pPr>
+              <a:lnSpc>
+                <a:spcPct val="200000"/>
+              </a:lnSpc>
+            </a:pPr>
+            <a:r>
+              <a:rPr lang="zh-CN" altLang="en-US" sz="1600" dirty="0" smtClean="0">
+                <a:latin typeface="Times New Roman" panose="02020603050405020304" pitchFamily="18" charset="0"/>
+                <a:ea typeface="宋体" panose="02010600030101010101" pitchFamily="2" charset="-122"/>
+                <a:cs typeface="Times New Roman" panose="02020603050405020304" pitchFamily="18" charset="0"/>
+              </a:rPr>
+              <a:t>此时 </a:t>
+            </a:r>
+            <a:r>
+              <a:rPr lang="en-US" altLang="zh-CN" sz="1600" dirty="0" smtClean="0">
+                <a:latin typeface="Times New Roman" panose="02020603050405020304" pitchFamily="18" charset="0"/>
+                <a:ea typeface="宋体" panose="02010600030101010101" pitchFamily="2" charset="-122"/>
+                <a:cs typeface="Times New Roman" panose="02020603050405020304" pitchFamily="18" charset="0"/>
+              </a:rPr>
+              <a:t>stack</a:t>
+            </a:r>
+            <a:r>
+              <a:rPr lang="zh-CN" altLang="en-US" sz="1600" dirty="0" smtClean="0">
+                <a:latin typeface="Times New Roman" panose="02020603050405020304" pitchFamily="18" charset="0"/>
+                <a:ea typeface="宋体" panose="02010600030101010101" pitchFamily="2" charset="-122"/>
+                <a:cs typeface="Times New Roman" panose="02020603050405020304" pitchFamily="18" charset="0"/>
+              </a:rPr>
+              <a:t>中还有：</a:t>
+            </a:r>
+            <a:r>
+              <a:rPr lang="en-US" altLang="zh-CN" sz="1600" dirty="0" smtClean="0">
+                <a:latin typeface="Times New Roman" panose="02020603050405020304" pitchFamily="18" charset="0"/>
+                <a:ea typeface="宋体" panose="02010600030101010101" pitchFamily="2" charset="-122"/>
+                <a:cs typeface="Times New Roman" panose="02020603050405020304" pitchFamily="18" charset="0"/>
+              </a:rPr>
+              <a:t>[2, 4] ,   max-area = 2 * (6 – stack[-1] - 1) = 2 * (6 – 2 - 1) = 6</a:t>
+            </a:r>
+          </a:p>
+          <a:p>
+            <a:pPr>
+              <a:lnSpc>
+                <a:spcPct val="200000"/>
+              </a:lnSpc>
+            </a:pPr>
+            <a:r>
+              <a:rPr lang="zh-CN" altLang="en-US" dirty="0" smtClean="0">
+                <a:latin typeface="Times New Roman" panose="02020603050405020304" pitchFamily="18" charset="0"/>
+                <a:ea typeface="宋体" panose="02010600030101010101" pitchFamily="2" charset="-122"/>
+                <a:cs typeface="Times New Roman" panose="02020603050405020304" pitchFamily="18" charset="0"/>
+              </a:rPr>
+              <a:t>如果 </a:t>
+            </a:r>
+            <a:r>
+              <a:rPr lang="en-US" altLang="zh-CN" dirty="0" smtClean="0">
+                <a:latin typeface="Times New Roman" panose="02020603050405020304" pitchFamily="18" charset="0"/>
+                <a:ea typeface="宋体" panose="02010600030101010101" pitchFamily="2" charset="-122"/>
+                <a:cs typeface="Times New Roman" panose="02020603050405020304" pitchFamily="18" charset="0"/>
+              </a:rPr>
+              <a:t>max-area = 2 * (6 – stack[-1]) = 2 * (6 - 4) = </a:t>
+            </a:r>
+            <a:endParaRPr lang="zh-CN" altLang="en-US" dirty="0">
+              <a:latin typeface="Times New Roman" panose="02020603050405020304" pitchFamily="18" charset="0"/>
+              <a:ea typeface="宋体" panose="02010600030101010101" pitchFamily="2" charset="-122"/>
+              <a:cs typeface="Times New Roman" panose="02020603050405020304" pitchFamily="18" charset="0"/>
+            </a:endParaRPr>
+          </a:p>
+        </p:txBody>
+      </p:sp>
+    </p:spTree>
+    <p:extLst>
+      <p:ext uri="{BB962C8B-B14F-4D97-AF65-F5344CB8AC3E}">
+        <p14:creationId xmlns:p14="http://schemas.microsoft.com/office/powerpoint/2010/main" val="17535502"/>
+      </p:ext>
+    </p:extLst>
+  </p:cSld>
+  <p:clrMapOvr>
+    <a:masterClrMapping/>
+  </p:clrMapOvr>
+</p:sld>
+</file>
+
+<file path=ppt/slides/slide11.xml><?xml version="1.0" encoding="utf-8"?>
+<p:sld xmlns:a="http://schemas.openxmlformats.org/drawingml/2006/main" xmlns:r="http://schemas.openxmlformats.org/officeDocument/2006/relationships" xmlns:p="http://schemas.openxmlformats.org/presentationml/2006/main">
+  <p:cSld>
+    <p:spTree>
+      <p:nvGrpSpPr>
+        <p:cNvPr id="1" name=""/>
+        <p:cNvGrpSpPr/>
+        <p:nvPr/>
+      </p:nvGrpSpPr>
+      <p:grpSpPr>
+        <a:xfrm>
+          <a:off x="0" y="0"/>
+          <a:ext cx="0" cy="0"/>
+          <a:chOff x="0" y="0"/>
+          <a:chExt cx="0" cy="0"/>
+        </a:xfrm>
+      </p:grpSpPr>
+      <p:sp>
+        <p:nvSpPr>
+          <p:cNvPr id="4" name="文本框 3"/>
+          <p:cNvSpPr txBox="1"/>
+          <p:nvPr/>
+        </p:nvSpPr>
+        <p:spPr>
+          <a:xfrm>
+            <a:off x="5844209" y="159026"/>
+            <a:ext cx="7442420" cy="1754326"/>
+          </a:xfrm>
+          <a:prstGeom prst="rect">
+            <a:avLst/>
+          </a:prstGeom>
+          <a:noFill/>
+        </p:spPr>
+        <p:txBody>
+          <a:bodyPr wrap="square" rtlCol="0">
+            <a:spAutoFit/>
+          </a:bodyPr>
+          <a:lstStyle/>
+          <a:p>
+            <a:pPr>
+              <a:lnSpc>
+                <a:spcPct val="150000"/>
+              </a:lnSpc>
+            </a:pPr>
+            <a:r>
+              <a:rPr lang="en-US" altLang="zh-CN" dirty="0" smtClean="0">
+                <a:latin typeface="Times New Roman" panose="02020603050405020304" pitchFamily="18" charset="0"/>
+                <a:cs typeface="Times New Roman" panose="02020603050405020304" pitchFamily="18" charset="0"/>
+              </a:rPr>
+              <a:t>Word Ladder </a:t>
+            </a:r>
+            <a:r>
+              <a:rPr lang="en-US" altLang="zh-CN" dirty="0">
+                <a:latin typeface="Times New Roman" panose="02020603050405020304" pitchFamily="18" charset="0"/>
+                <a:cs typeface="Times New Roman" panose="02020603050405020304" pitchFamily="18" charset="0"/>
+              </a:rPr>
+              <a:t>||, </a:t>
+            </a:r>
+            <a:endParaRPr lang="en-US" altLang="zh-CN" dirty="0" smtClean="0">
+              <a:latin typeface="Times New Roman" panose="02020603050405020304" pitchFamily="18" charset="0"/>
+              <a:cs typeface="Times New Roman" panose="02020603050405020304" pitchFamily="18" charset="0"/>
+            </a:endParaRPr>
+          </a:p>
+          <a:p>
+            <a:pPr lvl="1">
+              <a:lnSpc>
+                <a:spcPct val="150000"/>
+              </a:lnSpc>
+            </a:pPr>
+            <a:r>
+              <a:rPr lang="en-US" altLang="zh-CN" dirty="0" smtClean="0">
+                <a:latin typeface="Times New Roman" panose="02020603050405020304" pitchFamily="18" charset="0"/>
+                <a:cs typeface="Times New Roman" panose="02020603050405020304" pitchFamily="18" charset="0"/>
+              </a:rPr>
+              <a:t>wordlist = ["</a:t>
+            </a:r>
+            <a:r>
+              <a:rPr lang="en-US" altLang="zh-CN" dirty="0" err="1">
+                <a:latin typeface="Times New Roman" panose="02020603050405020304" pitchFamily="18" charset="0"/>
+                <a:cs typeface="Times New Roman" panose="02020603050405020304" pitchFamily="18" charset="0"/>
+              </a:rPr>
+              <a:t>hot","dot","dog","lot","log","cog</a:t>
+            </a:r>
+            <a:r>
+              <a:rPr lang="en-US" altLang="zh-CN" dirty="0">
+                <a:latin typeface="Times New Roman" panose="02020603050405020304" pitchFamily="18" charset="0"/>
+                <a:cs typeface="Times New Roman" panose="02020603050405020304" pitchFamily="18" charset="0"/>
+              </a:rPr>
+              <a:t>"] </a:t>
+            </a:r>
+            <a:endParaRPr lang="en-US" altLang="zh-CN" dirty="0" smtClean="0">
+              <a:latin typeface="Times New Roman" panose="02020603050405020304" pitchFamily="18" charset="0"/>
+              <a:cs typeface="Times New Roman" panose="02020603050405020304" pitchFamily="18" charset="0"/>
+            </a:endParaRPr>
+          </a:p>
+          <a:p>
+            <a:pPr lvl="1">
+              <a:lnSpc>
+                <a:spcPct val="150000"/>
+              </a:lnSpc>
+            </a:pPr>
+            <a:r>
+              <a:rPr lang="en-US" altLang="zh-CN" dirty="0" err="1" smtClean="0">
+                <a:latin typeface="Times New Roman" panose="02020603050405020304" pitchFamily="18" charset="0"/>
+                <a:cs typeface="Times New Roman" panose="02020603050405020304" pitchFamily="18" charset="0"/>
+              </a:rPr>
+              <a:t>beginWord</a:t>
+            </a:r>
+            <a:r>
+              <a:rPr lang="en-US" altLang="zh-CN" dirty="0" smtClean="0">
+                <a:latin typeface="Times New Roman" panose="02020603050405020304" pitchFamily="18" charset="0"/>
+                <a:cs typeface="Times New Roman" panose="02020603050405020304" pitchFamily="18" charset="0"/>
+              </a:rPr>
+              <a:t> = ‘hit’</a:t>
+            </a:r>
+          </a:p>
+          <a:p>
+            <a:pPr lvl="1">
+              <a:lnSpc>
+                <a:spcPct val="150000"/>
+              </a:lnSpc>
+            </a:pPr>
+            <a:r>
+              <a:rPr lang="en-US" altLang="zh-CN" dirty="0" err="1" smtClean="0">
+                <a:latin typeface="Times New Roman" panose="02020603050405020304" pitchFamily="18" charset="0"/>
+                <a:cs typeface="Times New Roman" panose="02020603050405020304" pitchFamily="18" charset="0"/>
+              </a:rPr>
+              <a:t>endWord</a:t>
+            </a:r>
+            <a:r>
+              <a:rPr lang="en-US" altLang="zh-CN" dirty="0" smtClean="0">
+                <a:latin typeface="Times New Roman" panose="02020603050405020304" pitchFamily="18" charset="0"/>
+                <a:cs typeface="Times New Roman" panose="02020603050405020304" pitchFamily="18" charset="0"/>
+              </a:rPr>
+              <a:t> = ‘cog’</a:t>
+            </a:r>
+            <a:endParaRPr lang="zh-CN" altLang="en-US" dirty="0">
+              <a:latin typeface="Times New Roman" panose="02020603050405020304" pitchFamily="18" charset="0"/>
+              <a:cs typeface="Times New Roman" panose="02020603050405020304" pitchFamily="18" charset="0"/>
+            </a:endParaRPr>
+          </a:p>
+        </p:txBody>
+      </p:sp>
+      <p:sp>
+        <p:nvSpPr>
+          <p:cNvPr id="7" name="矩形 6"/>
+          <p:cNvSpPr/>
+          <p:nvPr/>
+        </p:nvSpPr>
+        <p:spPr>
+          <a:xfrm>
+            <a:off x="286247" y="-23854"/>
+            <a:ext cx="548640" cy="381663"/>
+          </a:xfrm>
+          <a:prstGeom prst="rect">
+            <a:avLst/>
+          </a:prstGeom>
+        </p:spPr>
+        <p:style>
+          <a:lnRef idx="2">
+            <a:schemeClr val="accent1">
+              <a:shade val="50000"/>
+            </a:schemeClr>
+          </a:lnRef>
+          <a:fillRef idx="1">
+            <a:schemeClr val="accent1"/>
+          </a:fillRef>
+          <a:effectRef idx="0">
+            <a:schemeClr val="accent1"/>
+          </a:effectRef>
+          <a:fontRef idx="minor">
+            <a:schemeClr val="lt1"/>
+          </a:fontRef>
+        </p:style>
+        <p:txBody>
+          <a:bodyPr rtlCol="0" anchor="ctr"/>
+          <a:lstStyle/>
+          <a:p>
+            <a:pPr algn="ctr"/>
+            <a:r>
+              <a:rPr lang="en-US" altLang="zh-CN" dirty="0"/>
+              <a:t>*</a:t>
+            </a:r>
+            <a:r>
+              <a:rPr lang="en-US" altLang="zh-CN" dirty="0" err="1" smtClean="0"/>
+              <a:t>ot</a:t>
+            </a:r>
+            <a:r>
+              <a:rPr lang="en-US" altLang="zh-CN" dirty="0" smtClean="0"/>
+              <a:t>: </a:t>
+            </a:r>
+            <a:endParaRPr lang="zh-CN" altLang="en-US" dirty="0"/>
+          </a:p>
+        </p:txBody>
+      </p:sp>
+      <p:sp>
+        <p:nvSpPr>
+          <p:cNvPr id="8" name="矩形 7"/>
+          <p:cNvSpPr/>
+          <p:nvPr/>
+        </p:nvSpPr>
+        <p:spPr>
+          <a:xfrm>
+            <a:off x="1058850" y="-23853"/>
+            <a:ext cx="2662361" cy="381663"/>
+          </a:xfrm>
+          <a:prstGeom prst="rect">
+            <a:avLst/>
+          </a:prstGeom>
+        </p:spPr>
+        <p:style>
+          <a:lnRef idx="2">
+            <a:schemeClr val="accent1">
+              <a:shade val="50000"/>
+            </a:schemeClr>
+          </a:lnRef>
+          <a:fillRef idx="1">
+            <a:schemeClr val="accent1"/>
+          </a:fillRef>
+          <a:effectRef idx="0">
+            <a:schemeClr val="accent1"/>
+          </a:effectRef>
+          <a:fontRef idx="minor">
+            <a:schemeClr val="lt1"/>
+          </a:fontRef>
+        </p:style>
+        <p:txBody>
+          <a:bodyPr rtlCol="0" anchor="ctr"/>
+          <a:lstStyle/>
+          <a:p>
+            <a:pPr algn="ctr"/>
+            <a:r>
+              <a:rPr lang="en-US" altLang="zh-CN"/>
+              <a:t>'hot', 'dot', 'lot'</a:t>
+            </a:r>
+            <a:endParaRPr lang="zh-CN" altLang="en-US" dirty="0"/>
+          </a:p>
+        </p:txBody>
+      </p:sp>
+      <p:sp>
+        <p:nvSpPr>
+          <p:cNvPr id="10" name="矩形 9"/>
+          <p:cNvSpPr/>
+          <p:nvPr/>
+        </p:nvSpPr>
+        <p:spPr>
+          <a:xfrm>
+            <a:off x="286247" y="565867"/>
+            <a:ext cx="548640" cy="381663"/>
+          </a:xfrm>
+          <a:prstGeom prst="rect">
+            <a:avLst/>
+          </a:prstGeom>
+        </p:spPr>
+        <p:style>
+          <a:lnRef idx="2">
+            <a:schemeClr val="accent1">
+              <a:shade val="50000"/>
+            </a:schemeClr>
+          </a:lnRef>
+          <a:fillRef idx="1">
+            <a:schemeClr val="accent1"/>
+          </a:fillRef>
+          <a:effectRef idx="0">
+            <a:schemeClr val="accent1"/>
+          </a:effectRef>
+          <a:fontRef idx="minor">
+            <a:schemeClr val="lt1"/>
+          </a:fontRef>
+        </p:style>
+        <p:txBody>
+          <a:bodyPr rtlCol="0" anchor="ctr"/>
+          <a:lstStyle/>
+          <a:p>
+            <a:pPr algn="ctr"/>
+            <a:r>
+              <a:rPr lang="en-US" altLang="zh-CN" dirty="0" smtClean="0"/>
+              <a:t>h*t: </a:t>
+            </a:r>
+            <a:endParaRPr lang="zh-CN" altLang="en-US" dirty="0"/>
+          </a:p>
+        </p:txBody>
+      </p:sp>
+      <p:sp>
+        <p:nvSpPr>
+          <p:cNvPr id="11" name="矩形 10"/>
+          <p:cNvSpPr/>
+          <p:nvPr/>
+        </p:nvSpPr>
+        <p:spPr>
+          <a:xfrm>
+            <a:off x="1058850" y="565868"/>
+            <a:ext cx="2662361" cy="381663"/>
+          </a:xfrm>
+          <a:prstGeom prst="rect">
+            <a:avLst/>
+          </a:prstGeom>
+        </p:spPr>
+        <p:style>
+          <a:lnRef idx="2">
+            <a:schemeClr val="accent1">
+              <a:shade val="50000"/>
+            </a:schemeClr>
+          </a:lnRef>
+          <a:fillRef idx="1">
+            <a:schemeClr val="accent1"/>
+          </a:fillRef>
+          <a:effectRef idx="0">
+            <a:schemeClr val="accent1"/>
+          </a:effectRef>
+          <a:fontRef idx="minor">
+            <a:schemeClr val="lt1"/>
+          </a:fontRef>
+        </p:style>
+        <p:txBody>
+          <a:bodyPr rtlCol="0" anchor="ctr"/>
+          <a:lstStyle/>
+          <a:p>
+            <a:pPr algn="ctr"/>
+            <a:r>
+              <a:rPr lang="en-US" altLang="zh-CN" dirty="0" smtClean="0"/>
+              <a:t>'hot’</a:t>
+            </a:r>
+            <a:endParaRPr lang="zh-CN" altLang="en-US" dirty="0"/>
+          </a:p>
+        </p:txBody>
+      </p:sp>
+      <p:sp>
+        <p:nvSpPr>
+          <p:cNvPr id="12" name="矩形 11"/>
+          <p:cNvSpPr/>
+          <p:nvPr/>
+        </p:nvSpPr>
+        <p:spPr>
+          <a:xfrm>
+            <a:off x="286247" y="1155587"/>
+            <a:ext cx="548640" cy="381663"/>
+          </a:xfrm>
+          <a:prstGeom prst="rect">
+            <a:avLst/>
+          </a:prstGeom>
+        </p:spPr>
+        <p:style>
+          <a:lnRef idx="2">
+            <a:schemeClr val="accent1">
+              <a:shade val="50000"/>
+            </a:schemeClr>
+          </a:lnRef>
+          <a:fillRef idx="1">
+            <a:schemeClr val="accent1"/>
+          </a:fillRef>
+          <a:effectRef idx="0">
+            <a:schemeClr val="accent1"/>
+          </a:effectRef>
+          <a:fontRef idx="minor">
+            <a:schemeClr val="lt1"/>
+          </a:fontRef>
+        </p:style>
+        <p:txBody>
+          <a:bodyPr rtlCol="0" anchor="ctr"/>
+          <a:lstStyle/>
+          <a:p>
+            <a:pPr algn="ctr"/>
+            <a:r>
+              <a:rPr lang="en-US" altLang="zh-CN" dirty="0" smtClean="0"/>
+              <a:t>ho*: </a:t>
+            </a:r>
+            <a:endParaRPr lang="zh-CN" altLang="en-US" dirty="0"/>
+          </a:p>
+        </p:txBody>
+      </p:sp>
+      <p:sp>
+        <p:nvSpPr>
+          <p:cNvPr id="13" name="矩形 12"/>
+          <p:cNvSpPr/>
+          <p:nvPr/>
+        </p:nvSpPr>
+        <p:spPr>
+          <a:xfrm>
+            <a:off x="1058850" y="1155588"/>
+            <a:ext cx="2662361" cy="381663"/>
+          </a:xfrm>
+          <a:prstGeom prst="rect">
+            <a:avLst/>
+          </a:prstGeom>
+        </p:spPr>
+        <p:style>
+          <a:lnRef idx="2">
+            <a:schemeClr val="accent1">
+              <a:shade val="50000"/>
+            </a:schemeClr>
+          </a:lnRef>
+          <a:fillRef idx="1">
+            <a:schemeClr val="accent1"/>
+          </a:fillRef>
+          <a:effectRef idx="0">
+            <a:schemeClr val="accent1"/>
+          </a:effectRef>
+          <a:fontRef idx="minor">
+            <a:schemeClr val="lt1"/>
+          </a:fontRef>
+        </p:style>
+        <p:txBody>
+          <a:bodyPr rtlCol="0" anchor="ctr"/>
+          <a:lstStyle/>
+          <a:p>
+            <a:pPr algn="ctr"/>
+            <a:r>
+              <a:rPr lang="en-US" altLang="zh-CN" dirty="0" smtClean="0"/>
+              <a:t>‘hot</a:t>
+            </a:r>
+            <a:r>
+              <a:rPr lang="zh-CN" altLang="en-US" dirty="0" smtClean="0"/>
+              <a:t>’</a:t>
+            </a:r>
+            <a:endParaRPr lang="zh-CN" altLang="en-US" dirty="0"/>
+          </a:p>
+        </p:txBody>
+      </p:sp>
+      <p:sp>
+        <p:nvSpPr>
+          <p:cNvPr id="14" name="矩形 13"/>
+          <p:cNvSpPr/>
+          <p:nvPr/>
+        </p:nvSpPr>
+        <p:spPr>
+          <a:xfrm>
+            <a:off x="286247" y="1745307"/>
+            <a:ext cx="548640" cy="381663"/>
+          </a:xfrm>
+          <a:prstGeom prst="rect">
+            <a:avLst/>
+          </a:prstGeom>
+          <a:solidFill>
+            <a:schemeClr val="accent2"/>
+          </a:solidFill>
+        </p:spPr>
+        <p:style>
+          <a:lnRef idx="2">
+            <a:schemeClr val="accent1">
+              <a:shade val="50000"/>
+            </a:schemeClr>
+          </a:lnRef>
+          <a:fillRef idx="1">
+            <a:schemeClr val="accent1"/>
+          </a:fillRef>
+          <a:effectRef idx="0">
+            <a:schemeClr val="accent1"/>
+          </a:effectRef>
+          <a:fontRef idx="minor">
+            <a:schemeClr val="lt1"/>
+          </a:fontRef>
+        </p:style>
+        <p:txBody>
+          <a:bodyPr rtlCol="0" anchor="ctr"/>
+          <a:lstStyle/>
+          <a:p>
+            <a:pPr algn="ctr"/>
+            <a:r>
+              <a:rPr lang="en-US" altLang="zh-CN" dirty="0" smtClean="0"/>
+              <a:t>d*t: </a:t>
+            </a:r>
+            <a:endParaRPr lang="zh-CN" altLang="en-US" dirty="0"/>
+          </a:p>
+        </p:txBody>
+      </p:sp>
+      <p:sp>
+        <p:nvSpPr>
+          <p:cNvPr id="15" name="矩形 14"/>
+          <p:cNvSpPr/>
+          <p:nvPr/>
+        </p:nvSpPr>
+        <p:spPr>
+          <a:xfrm>
+            <a:off x="1058850" y="1745307"/>
+            <a:ext cx="2662361" cy="381663"/>
+          </a:xfrm>
+          <a:prstGeom prst="rect">
+            <a:avLst/>
+          </a:prstGeom>
+          <a:solidFill>
+            <a:schemeClr val="accent2"/>
+          </a:solidFill>
+        </p:spPr>
+        <p:style>
+          <a:lnRef idx="2">
+            <a:schemeClr val="accent1">
+              <a:shade val="50000"/>
+            </a:schemeClr>
+          </a:lnRef>
+          <a:fillRef idx="1">
+            <a:schemeClr val="accent1"/>
+          </a:fillRef>
+          <a:effectRef idx="0">
+            <a:schemeClr val="accent1"/>
+          </a:effectRef>
+          <a:fontRef idx="minor">
+            <a:schemeClr val="lt1"/>
+          </a:fontRef>
+        </p:style>
+        <p:txBody>
+          <a:bodyPr rtlCol="0" anchor="ctr"/>
+          <a:lstStyle/>
+          <a:p>
+            <a:pPr algn="ctr"/>
+            <a:r>
+              <a:rPr lang="en-US" altLang="zh-CN" dirty="0" smtClean="0"/>
+              <a:t>'dot’</a:t>
+            </a:r>
+            <a:endParaRPr lang="zh-CN" altLang="en-US" dirty="0"/>
+          </a:p>
+        </p:txBody>
+      </p:sp>
+      <p:sp>
+        <p:nvSpPr>
+          <p:cNvPr id="17" name="矩形 16"/>
+          <p:cNvSpPr/>
+          <p:nvPr/>
+        </p:nvSpPr>
+        <p:spPr>
+          <a:xfrm>
+            <a:off x="286247" y="2335026"/>
+            <a:ext cx="548640" cy="381663"/>
+          </a:xfrm>
+          <a:prstGeom prst="rect">
+            <a:avLst/>
+          </a:prstGeom>
+          <a:solidFill>
+            <a:schemeClr val="accent2"/>
+          </a:solidFill>
+        </p:spPr>
+        <p:style>
+          <a:lnRef idx="2">
+            <a:schemeClr val="accent1">
+              <a:shade val="50000"/>
+            </a:schemeClr>
+          </a:lnRef>
+          <a:fillRef idx="1">
+            <a:schemeClr val="accent1"/>
+          </a:fillRef>
+          <a:effectRef idx="0">
+            <a:schemeClr val="accent1"/>
+          </a:effectRef>
+          <a:fontRef idx="minor">
+            <a:schemeClr val="lt1"/>
+          </a:fontRef>
+        </p:style>
+        <p:txBody>
+          <a:bodyPr rtlCol="0" anchor="ctr"/>
+          <a:lstStyle/>
+          <a:p>
+            <a:pPr algn="ctr"/>
+            <a:r>
+              <a:rPr lang="en-US" altLang="zh-CN" dirty="0" smtClean="0"/>
+              <a:t>do*: </a:t>
+            </a:r>
+            <a:endParaRPr lang="zh-CN" altLang="en-US" dirty="0"/>
+          </a:p>
+        </p:txBody>
+      </p:sp>
+      <p:sp>
+        <p:nvSpPr>
+          <p:cNvPr id="18" name="矩形 17"/>
+          <p:cNvSpPr/>
+          <p:nvPr/>
+        </p:nvSpPr>
+        <p:spPr>
+          <a:xfrm>
+            <a:off x="1058850" y="2335026"/>
+            <a:ext cx="2662361" cy="381663"/>
+          </a:xfrm>
+          <a:prstGeom prst="rect">
+            <a:avLst/>
+          </a:prstGeom>
+          <a:solidFill>
+            <a:schemeClr val="accent2"/>
+          </a:solidFill>
+        </p:spPr>
+        <p:style>
+          <a:lnRef idx="2">
+            <a:schemeClr val="accent1">
+              <a:shade val="50000"/>
+            </a:schemeClr>
+          </a:lnRef>
+          <a:fillRef idx="1">
+            <a:schemeClr val="accent1"/>
+          </a:fillRef>
+          <a:effectRef idx="0">
+            <a:schemeClr val="accent1"/>
+          </a:effectRef>
+          <a:fontRef idx="minor">
+            <a:schemeClr val="lt1"/>
+          </a:fontRef>
+        </p:style>
+        <p:txBody>
+          <a:bodyPr rtlCol="0" anchor="ctr"/>
+          <a:lstStyle/>
+          <a:p>
+            <a:pPr algn="ctr"/>
+            <a:r>
+              <a:rPr lang="en-US" altLang="zh-CN" dirty="0" smtClean="0"/>
+              <a:t>'dot’, ‘dog’</a:t>
+            </a:r>
+            <a:endParaRPr lang="zh-CN" altLang="en-US" dirty="0"/>
+          </a:p>
+        </p:txBody>
+      </p:sp>
+      <p:sp>
+        <p:nvSpPr>
+          <p:cNvPr id="19" name="矩形 18"/>
+          <p:cNvSpPr/>
+          <p:nvPr/>
+        </p:nvSpPr>
+        <p:spPr>
+          <a:xfrm>
+            <a:off x="286247" y="2924745"/>
+            <a:ext cx="548640" cy="381663"/>
+          </a:xfrm>
+          <a:prstGeom prst="rect">
+            <a:avLst/>
+          </a:prstGeom>
+          <a:solidFill>
+            <a:schemeClr val="accent6">
+              <a:lumMod val="50000"/>
+            </a:schemeClr>
+          </a:solidFill>
+        </p:spPr>
+        <p:style>
+          <a:lnRef idx="2">
+            <a:schemeClr val="accent1">
+              <a:shade val="50000"/>
+            </a:schemeClr>
+          </a:lnRef>
+          <a:fillRef idx="1">
+            <a:schemeClr val="accent1"/>
+          </a:fillRef>
+          <a:effectRef idx="0">
+            <a:schemeClr val="accent1"/>
+          </a:effectRef>
+          <a:fontRef idx="minor">
+            <a:schemeClr val="lt1"/>
+          </a:fontRef>
+        </p:style>
+        <p:txBody>
+          <a:bodyPr rtlCol="0" anchor="ctr"/>
+          <a:lstStyle/>
+          <a:p>
+            <a:pPr algn="ctr"/>
+            <a:r>
+              <a:rPr lang="en-US" altLang="zh-CN" dirty="0" smtClean="0"/>
+              <a:t>*</a:t>
+            </a:r>
+            <a:r>
+              <a:rPr lang="en-US" altLang="zh-CN" dirty="0" err="1" smtClean="0"/>
+              <a:t>og</a:t>
+            </a:r>
+            <a:r>
+              <a:rPr lang="en-US" altLang="zh-CN" dirty="0" smtClean="0"/>
+              <a:t>: </a:t>
+            </a:r>
+            <a:endParaRPr lang="zh-CN" altLang="en-US" dirty="0"/>
+          </a:p>
+        </p:txBody>
+      </p:sp>
+      <p:sp>
+        <p:nvSpPr>
+          <p:cNvPr id="20" name="矩形 19"/>
+          <p:cNvSpPr/>
+          <p:nvPr/>
+        </p:nvSpPr>
+        <p:spPr>
+          <a:xfrm>
+            <a:off x="1058850" y="2924745"/>
+            <a:ext cx="2662361" cy="381663"/>
+          </a:xfrm>
+          <a:prstGeom prst="rect">
+            <a:avLst/>
+          </a:prstGeom>
+          <a:solidFill>
+            <a:schemeClr val="accent6">
+              <a:lumMod val="50000"/>
+            </a:schemeClr>
+          </a:solidFill>
+        </p:spPr>
+        <p:style>
+          <a:lnRef idx="2">
+            <a:schemeClr val="accent1">
+              <a:shade val="50000"/>
+            </a:schemeClr>
+          </a:lnRef>
+          <a:fillRef idx="1">
+            <a:schemeClr val="accent1"/>
+          </a:fillRef>
+          <a:effectRef idx="0">
+            <a:schemeClr val="accent1"/>
+          </a:effectRef>
+          <a:fontRef idx="minor">
+            <a:schemeClr val="lt1"/>
+          </a:fontRef>
+        </p:style>
+        <p:txBody>
+          <a:bodyPr rtlCol="0" anchor="ctr"/>
+          <a:lstStyle/>
+          <a:p>
+            <a:pPr algn="ctr"/>
+            <a:r>
+              <a:rPr lang="en-US" altLang="zh-CN" dirty="0"/>
+              <a:t>'dog', 'log', 'cog'</a:t>
+            </a:r>
+            <a:endParaRPr lang="zh-CN" altLang="en-US" dirty="0"/>
+          </a:p>
+        </p:txBody>
+      </p:sp>
+      <p:sp>
+        <p:nvSpPr>
+          <p:cNvPr id="21" name="矩形 20"/>
+          <p:cNvSpPr/>
+          <p:nvPr/>
+        </p:nvSpPr>
+        <p:spPr>
+          <a:xfrm>
+            <a:off x="286247" y="3514464"/>
+            <a:ext cx="548640" cy="381663"/>
+          </a:xfrm>
+          <a:prstGeom prst="rect">
+            <a:avLst/>
+          </a:prstGeom>
+          <a:solidFill>
+            <a:schemeClr val="accent6">
+              <a:lumMod val="50000"/>
+            </a:schemeClr>
+          </a:solidFill>
+        </p:spPr>
+        <p:style>
+          <a:lnRef idx="2">
+            <a:schemeClr val="accent1">
+              <a:shade val="50000"/>
+            </a:schemeClr>
+          </a:lnRef>
+          <a:fillRef idx="1">
+            <a:schemeClr val="accent1"/>
+          </a:fillRef>
+          <a:effectRef idx="0">
+            <a:schemeClr val="accent1"/>
+          </a:effectRef>
+          <a:fontRef idx="minor">
+            <a:schemeClr val="lt1"/>
+          </a:fontRef>
+        </p:style>
+        <p:txBody>
+          <a:bodyPr rtlCol="0" anchor="ctr"/>
+          <a:lstStyle/>
+          <a:p>
+            <a:pPr algn="ctr"/>
+            <a:r>
+              <a:rPr lang="en-US" altLang="zh-CN" dirty="0" smtClean="0"/>
+              <a:t>d*g: </a:t>
+            </a:r>
+            <a:endParaRPr lang="zh-CN" altLang="en-US" dirty="0"/>
+          </a:p>
+        </p:txBody>
+      </p:sp>
+      <p:sp>
+        <p:nvSpPr>
+          <p:cNvPr id="22" name="矩形 21"/>
+          <p:cNvSpPr/>
+          <p:nvPr/>
+        </p:nvSpPr>
+        <p:spPr>
+          <a:xfrm>
+            <a:off x="1058850" y="3514464"/>
+            <a:ext cx="2662361" cy="381663"/>
+          </a:xfrm>
+          <a:prstGeom prst="rect">
+            <a:avLst/>
+          </a:prstGeom>
+          <a:solidFill>
+            <a:schemeClr val="accent6">
+              <a:lumMod val="50000"/>
+            </a:schemeClr>
+          </a:solidFill>
+        </p:spPr>
+        <p:style>
+          <a:lnRef idx="2">
+            <a:schemeClr val="accent1">
+              <a:shade val="50000"/>
+            </a:schemeClr>
+          </a:lnRef>
+          <a:fillRef idx="1">
+            <a:schemeClr val="accent1"/>
+          </a:fillRef>
+          <a:effectRef idx="0">
+            <a:schemeClr val="accent1"/>
+          </a:effectRef>
+          <a:fontRef idx="minor">
+            <a:schemeClr val="lt1"/>
+          </a:fontRef>
+        </p:style>
+        <p:txBody>
+          <a:bodyPr rtlCol="0" anchor="ctr"/>
+          <a:lstStyle/>
+          <a:p>
+            <a:pPr algn="ctr"/>
+            <a:r>
+              <a:rPr lang="en-US" altLang="zh-CN" dirty="0" smtClean="0"/>
+              <a:t>'dog’</a:t>
+            </a:r>
+            <a:endParaRPr lang="zh-CN" altLang="en-US" dirty="0"/>
+          </a:p>
+        </p:txBody>
+      </p:sp>
+      <p:sp>
+        <p:nvSpPr>
+          <p:cNvPr id="23" name="文本框 22"/>
+          <p:cNvSpPr txBox="1"/>
+          <p:nvPr/>
+        </p:nvSpPr>
+        <p:spPr>
+          <a:xfrm>
+            <a:off x="3945174" y="453497"/>
+            <a:ext cx="1041621" cy="369332"/>
+          </a:xfrm>
+          <a:prstGeom prst="rect">
+            <a:avLst/>
+          </a:prstGeom>
+          <a:noFill/>
+        </p:spPr>
+        <p:txBody>
+          <a:bodyPr wrap="square" rtlCol="0">
+            <a:spAutoFit/>
+          </a:bodyPr>
+          <a:lstStyle/>
+          <a:p>
+            <a:r>
+              <a:rPr lang="en-US" altLang="zh-CN" dirty="0" smtClean="0"/>
+              <a:t>hot</a:t>
+            </a:r>
+            <a:endParaRPr lang="zh-CN" altLang="en-US" dirty="0"/>
+          </a:p>
+        </p:txBody>
+      </p:sp>
+      <p:sp>
+        <p:nvSpPr>
+          <p:cNvPr id="24" name="文本框 23"/>
+          <p:cNvSpPr txBox="1"/>
+          <p:nvPr/>
+        </p:nvSpPr>
+        <p:spPr>
+          <a:xfrm>
+            <a:off x="3945174" y="1965694"/>
+            <a:ext cx="1041621" cy="369332"/>
+          </a:xfrm>
+          <a:prstGeom prst="rect">
+            <a:avLst/>
+          </a:prstGeom>
+          <a:noFill/>
+        </p:spPr>
+        <p:txBody>
+          <a:bodyPr wrap="square" rtlCol="0">
+            <a:spAutoFit/>
+          </a:bodyPr>
+          <a:lstStyle/>
+          <a:p>
+            <a:r>
+              <a:rPr lang="en-US" altLang="zh-CN" dirty="0" smtClean="0"/>
+              <a:t>dot</a:t>
+            </a:r>
+            <a:endParaRPr lang="zh-CN" altLang="en-US" dirty="0"/>
+          </a:p>
+        </p:txBody>
+      </p:sp>
+      <p:sp>
+        <p:nvSpPr>
+          <p:cNvPr id="25" name="文本框 24"/>
+          <p:cNvSpPr txBox="1"/>
+          <p:nvPr/>
+        </p:nvSpPr>
+        <p:spPr>
+          <a:xfrm>
+            <a:off x="3945173" y="3145132"/>
+            <a:ext cx="1041621" cy="369332"/>
+          </a:xfrm>
+          <a:prstGeom prst="rect">
+            <a:avLst/>
+          </a:prstGeom>
+          <a:noFill/>
+        </p:spPr>
+        <p:txBody>
+          <a:bodyPr wrap="square" rtlCol="0">
+            <a:spAutoFit/>
+          </a:bodyPr>
+          <a:lstStyle/>
+          <a:p>
+            <a:r>
+              <a:rPr lang="en-US" altLang="zh-CN" dirty="0" smtClean="0"/>
+              <a:t>dog</a:t>
+            </a:r>
+            <a:endParaRPr lang="zh-CN" altLang="en-US" dirty="0"/>
+          </a:p>
+        </p:txBody>
+      </p:sp>
+      <p:sp>
+        <p:nvSpPr>
+          <p:cNvPr id="26" name="矩形 25"/>
+          <p:cNvSpPr/>
+          <p:nvPr/>
+        </p:nvSpPr>
+        <p:spPr>
+          <a:xfrm>
+            <a:off x="286247" y="4116514"/>
+            <a:ext cx="548640" cy="381663"/>
+          </a:xfrm>
+          <a:prstGeom prst="rect">
+            <a:avLst/>
+          </a:prstGeom>
+          <a:solidFill>
+            <a:schemeClr val="accent4">
+              <a:lumMod val="75000"/>
+            </a:schemeClr>
+          </a:solidFill>
+        </p:spPr>
+        <p:style>
+          <a:lnRef idx="2">
+            <a:schemeClr val="accent1">
+              <a:shade val="50000"/>
+            </a:schemeClr>
+          </a:lnRef>
+          <a:fillRef idx="1">
+            <a:schemeClr val="accent1"/>
+          </a:fillRef>
+          <a:effectRef idx="0">
+            <a:schemeClr val="accent1"/>
+          </a:effectRef>
+          <a:fontRef idx="minor">
+            <a:schemeClr val="lt1"/>
+          </a:fontRef>
+        </p:style>
+        <p:txBody>
+          <a:bodyPr rtlCol="0" anchor="ctr"/>
+          <a:lstStyle/>
+          <a:p>
+            <a:pPr algn="ctr"/>
+            <a:r>
+              <a:rPr lang="en-US" altLang="zh-CN" dirty="0" smtClean="0"/>
+              <a:t>l*t: </a:t>
+            </a:r>
+            <a:endParaRPr lang="zh-CN" altLang="en-US" dirty="0"/>
+          </a:p>
+        </p:txBody>
+      </p:sp>
+      <p:sp>
+        <p:nvSpPr>
+          <p:cNvPr id="27" name="矩形 26"/>
+          <p:cNvSpPr/>
+          <p:nvPr/>
+        </p:nvSpPr>
+        <p:spPr>
+          <a:xfrm>
+            <a:off x="1058850" y="4116514"/>
+            <a:ext cx="2662361" cy="381663"/>
+          </a:xfrm>
+          <a:prstGeom prst="rect">
+            <a:avLst/>
+          </a:prstGeom>
+          <a:solidFill>
+            <a:schemeClr val="accent4">
+              <a:lumMod val="75000"/>
+            </a:schemeClr>
+          </a:solidFill>
+        </p:spPr>
+        <p:style>
+          <a:lnRef idx="2">
+            <a:schemeClr val="accent1">
+              <a:shade val="50000"/>
+            </a:schemeClr>
+          </a:lnRef>
+          <a:fillRef idx="1">
+            <a:schemeClr val="accent1"/>
+          </a:fillRef>
+          <a:effectRef idx="0">
+            <a:schemeClr val="accent1"/>
+          </a:effectRef>
+          <a:fontRef idx="minor">
+            <a:schemeClr val="lt1"/>
+          </a:fontRef>
+        </p:style>
+        <p:txBody>
+          <a:bodyPr rtlCol="0" anchor="ctr"/>
+          <a:lstStyle/>
+          <a:p>
+            <a:pPr algn="ctr"/>
+            <a:r>
+              <a:rPr lang="en-US" altLang="zh-CN" dirty="0" smtClean="0"/>
+              <a:t>‘lot’</a:t>
+            </a:r>
+            <a:endParaRPr lang="zh-CN" altLang="en-US" dirty="0"/>
+          </a:p>
+        </p:txBody>
+      </p:sp>
+      <p:sp>
+        <p:nvSpPr>
+          <p:cNvPr id="28" name="矩形 27"/>
+          <p:cNvSpPr/>
+          <p:nvPr/>
+        </p:nvSpPr>
+        <p:spPr>
+          <a:xfrm>
+            <a:off x="286247" y="4706233"/>
+            <a:ext cx="548640" cy="381663"/>
+          </a:xfrm>
+          <a:prstGeom prst="rect">
+            <a:avLst/>
+          </a:prstGeom>
+          <a:solidFill>
+            <a:schemeClr val="accent4">
+              <a:lumMod val="75000"/>
+            </a:schemeClr>
+          </a:solidFill>
+        </p:spPr>
+        <p:style>
+          <a:lnRef idx="2">
+            <a:schemeClr val="accent1">
+              <a:shade val="50000"/>
+            </a:schemeClr>
+          </a:lnRef>
+          <a:fillRef idx="1">
+            <a:schemeClr val="accent1"/>
+          </a:fillRef>
+          <a:effectRef idx="0">
+            <a:schemeClr val="accent1"/>
+          </a:effectRef>
+          <a:fontRef idx="minor">
+            <a:schemeClr val="lt1"/>
+          </a:fontRef>
+        </p:style>
+        <p:txBody>
+          <a:bodyPr rtlCol="0" anchor="ctr"/>
+          <a:lstStyle/>
+          <a:p>
+            <a:pPr algn="ctr"/>
+            <a:r>
+              <a:rPr lang="en-US" altLang="zh-CN" dirty="0"/>
+              <a:t>l</a:t>
+            </a:r>
+            <a:r>
+              <a:rPr lang="en-US" altLang="zh-CN" dirty="0" smtClean="0"/>
+              <a:t>o*: </a:t>
+            </a:r>
+            <a:endParaRPr lang="zh-CN" altLang="en-US" dirty="0"/>
+          </a:p>
+        </p:txBody>
+      </p:sp>
+      <p:sp>
+        <p:nvSpPr>
+          <p:cNvPr id="29" name="矩形 28"/>
+          <p:cNvSpPr/>
+          <p:nvPr/>
+        </p:nvSpPr>
+        <p:spPr>
+          <a:xfrm>
+            <a:off x="1058850" y="4706233"/>
+            <a:ext cx="2662361" cy="381663"/>
+          </a:xfrm>
+          <a:prstGeom prst="rect">
+            <a:avLst/>
+          </a:prstGeom>
+          <a:solidFill>
+            <a:schemeClr val="accent4">
+              <a:lumMod val="75000"/>
+            </a:schemeClr>
+          </a:solidFill>
+        </p:spPr>
+        <p:style>
+          <a:lnRef idx="2">
+            <a:schemeClr val="accent1">
+              <a:shade val="50000"/>
+            </a:schemeClr>
+          </a:lnRef>
+          <a:fillRef idx="1">
+            <a:schemeClr val="accent1"/>
+          </a:fillRef>
+          <a:effectRef idx="0">
+            <a:schemeClr val="accent1"/>
+          </a:effectRef>
+          <a:fontRef idx="minor">
+            <a:schemeClr val="lt1"/>
+          </a:fontRef>
+        </p:style>
+        <p:txBody>
+          <a:bodyPr rtlCol="0" anchor="ctr"/>
+          <a:lstStyle/>
+          <a:p>
+            <a:pPr algn="ctr"/>
+            <a:r>
+              <a:rPr lang="en-US" altLang="zh-CN" dirty="0"/>
+              <a:t>'lot', 'log'</a:t>
+            </a:r>
+            <a:endParaRPr lang="zh-CN" altLang="en-US" dirty="0"/>
+          </a:p>
+        </p:txBody>
+      </p:sp>
+      <p:sp>
+        <p:nvSpPr>
+          <p:cNvPr id="30" name="文本框 29"/>
+          <p:cNvSpPr txBox="1"/>
+          <p:nvPr/>
+        </p:nvSpPr>
+        <p:spPr>
+          <a:xfrm>
+            <a:off x="3945173" y="4336901"/>
+            <a:ext cx="1041621" cy="369332"/>
+          </a:xfrm>
+          <a:prstGeom prst="rect">
+            <a:avLst/>
+          </a:prstGeom>
+          <a:noFill/>
+        </p:spPr>
+        <p:txBody>
+          <a:bodyPr wrap="square" rtlCol="0">
+            <a:spAutoFit/>
+          </a:bodyPr>
+          <a:lstStyle/>
+          <a:p>
+            <a:r>
+              <a:rPr lang="en-US" altLang="zh-CN" dirty="0" smtClean="0"/>
+              <a:t>lot</a:t>
+            </a:r>
+            <a:endParaRPr lang="zh-CN" altLang="en-US" dirty="0"/>
+          </a:p>
+        </p:txBody>
+      </p:sp>
+      <p:sp>
+        <p:nvSpPr>
+          <p:cNvPr id="32" name="矩形 31"/>
+          <p:cNvSpPr/>
+          <p:nvPr/>
+        </p:nvSpPr>
+        <p:spPr>
+          <a:xfrm>
+            <a:off x="286247" y="5295952"/>
+            <a:ext cx="548640" cy="381663"/>
+          </a:xfrm>
+          <a:prstGeom prst="rect">
+            <a:avLst/>
+          </a:prstGeom>
+          <a:solidFill>
+            <a:schemeClr val="tx2"/>
+          </a:solidFill>
+        </p:spPr>
+        <p:style>
+          <a:lnRef idx="2">
+            <a:schemeClr val="accent1">
+              <a:shade val="50000"/>
+            </a:schemeClr>
+          </a:lnRef>
+          <a:fillRef idx="1">
+            <a:schemeClr val="accent1"/>
+          </a:fillRef>
+          <a:effectRef idx="0">
+            <a:schemeClr val="accent1"/>
+          </a:effectRef>
+          <a:fontRef idx="minor">
+            <a:schemeClr val="lt1"/>
+          </a:fontRef>
+        </p:style>
+        <p:txBody>
+          <a:bodyPr rtlCol="0" anchor="ctr"/>
+          <a:lstStyle/>
+          <a:p>
+            <a:pPr algn="ctr"/>
+            <a:r>
+              <a:rPr lang="en-US" altLang="zh-CN" dirty="0" smtClean="0"/>
+              <a:t>l*g: </a:t>
+            </a:r>
+            <a:endParaRPr lang="zh-CN" altLang="en-US" dirty="0"/>
+          </a:p>
+        </p:txBody>
+      </p:sp>
+      <p:sp>
+        <p:nvSpPr>
+          <p:cNvPr id="33" name="矩形 32"/>
+          <p:cNvSpPr/>
+          <p:nvPr/>
+        </p:nvSpPr>
+        <p:spPr>
+          <a:xfrm>
+            <a:off x="1058850" y="5295952"/>
+            <a:ext cx="2662361" cy="381663"/>
+          </a:xfrm>
+          <a:prstGeom prst="rect">
+            <a:avLst/>
+          </a:prstGeom>
+          <a:solidFill>
+            <a:schemeClr val="tx2"/>
+          </a:solidFill>
+        </p:spPr>
+        <p:style>
+          <a:lnRef idx="2">
+            <a:schemeClr val="accent1">
+              <a:shade val="50000"/>
+            </a:schemeClr>
+          </a:lnRef>
+          <a:fillRef idx="1">
+            <a:schemeClr val="accent1"/>
+          </a:fillRef>
+          <a:effectRef idx="0">
+            <a:schemeClr val="accent1"/>
+          </a:effectRef>
+          <a:fontRef idx="minor">
+            <a:schemeClr val="lt1"/>
+          </a:fontRef>
+        </p:style>
+        <p:txBody>
+          <a:bodyPr rtlCol="0" anchor="ctr"/>
+          <a:lstStyle/>
+          <a:p>
+            <a:pPr algn="ctr"/>
+            <a:r>
+              <a:rPr lang="en-US" altLang="zh-CN" dirty="0" smtClean="0"/>
+              <a:t>'log</a:t>
+            </a:r>
+            <a:r>
+              <a:rPr lang="en-US" altLang="zh-CN" dirty="0"/>
+              <a:t>'</a:t>
+            </a:r>
+            <a:endParaRPr lang="zh-CN" altLang="en-US" dirty="0"/>
+          </a:p>
+        </p:txBody>
+      </p:sp>
+      <p:sp>
+        <p:nvSpPr>
+          <p:cNvPr id="34" name="文本框 33"/>
+          <p:cNvSpPr txBox="1"/>
+          <p:nvPr/>
+        </p:nvSpPr>
+        <p:spPr>
+          <a:xfrm>
+            <a:off x="3945172" y="5295952"/>
+            <a:ext cx="1041621" cy="369332"/>
+          </a:xfrm>
+          <a:prstGeom prst="rect">
+            <a:avLst/>
+          </a:prstGeom>
+          <a:solidFill>
+            <a:schemeClr val="tx2"/>
+          </a:solidFill>
+        </p:spPr>
+        <p:txBody>
+          <a:bodyPr wrap="square" rtlCol="0">
+            <a:spAutoFit/>
+          </a:bodyPr>
+          <a:lstStyle/>
+          <a:p>
+            <a:r>
+              <a:rPr lang="en-US" altLang="zh-CN" dirty="0" smtClean="0"/>
+              <a:t>log</a:t>
+            </a:r>
+            <a:endParaRPr lang="zh-CN" altLang="en-US" dirty="0"/>
+          </a:p>
+        </p:txBody>
+      </p:sp>
+      <p:sp>
+        <p:nvSpPr>
+          <p:cNvPr id="35" name="矩形 34"/>
+          <p:cNvSpPr/>
+          <p:nvPr/>
+        </p:nvSpPr>
+        <p:spPr>
+          <a:xfrm>
+            <a:off x="286247" y="6454976"/>
+            <a:ext cx="548640" cy="381663"/>
+          </a:xfrm>
+          <a:prstGeom prst="rect">
+            <a:avLst/>
+          </a:prstGeom>
+          <a:solidFill>
+            <a:schemeClr val="accent2">
+              <a:lumMod val="75000"/>
+            </a:schemeClr>
+          </a:solidFill>
+        </p:spPr>
+        <p:style>
+          <a:lnRef idx="2">
+            <a:schemeClr val="accent1">
+              <a:shade val="50000"/>
+            </a:schemeClr>
+          </a:lnRef>
+          <a:fillRef idx="1">
+            <a:schemeClr val="accent1"/>
+          </a:fillRef>
+          <a:effectRef idx="0">
+            <a:schemeClr val="accent1"/>
+          </a:effectRef>
+          <a:fontRef idx="minor">
+            <a:schemeClr val="lt1"/>
+          </a:fontRef>
+        </p:style>
+        <p:txBody>
+          <a:bodyPr rtlCol="0" anchor="ctr"/>
+          <a:lstStyle/>
+          <a:p>
+            <a:pPr algn="ctr"/>
+            <a:r>
+              <a:rPr lang="en-US" altLang="zh-CN" dirty="0"/>
+              <a:t>c</a:t>
+            </a:r>
+            <a:r>
+              <a:rPr lang="en-US" altLang="zh-CN" dirty="0" smtClean="0"/>
+              <a:t>o</a:t>
+            </a:r>
+            <a:r>
+              <a:rPr lang="en-US" altLang="zh-CN" dirty="0"/>
+              <a:t>*</a:t>
+            </a:r>
+            <a:r>
+              <a:rPr lang="en-US" altLang="zh-CN" dirty="0" smtClean="0"/>
+              <a:t>: </a:t>
+            </a:r>
+            <a:endParaRPr lang="zh-CN" altLang="en-US" dirty="0"/>
+          </a:p>
+        </p:txBody>
+      </p:sp>
+      <p:sp>
+        <p:nvSpPr>
+          <p:cNvPr id="36" name="矩形 35"/>
+          <p:cNvSpPr/>
+          <p:nvPr/>
+        </p:nvSpPr>
+        <p:spPr>
+          <a:xfrm>
+            <a:off x="1058850" y="6454976"/>
+            <a:ext cx="2662361" cy="381663"/>
+          </a:xfrm>
+          <a:prstGeom prst="rect">
+            <a:avLst/>
+          </a:prstGeom>
+          <a:solidFill>
+            <a:schemeClr val="accent2">
+              <a:lumMod val="75000"/>
+            </a:schemeClr>
+          </a:solidFill>
+        </p:spPr>
+        <p:style>
+          <a:lnRef idx="2">
+            <a:schemeClr val="accent1">
+              <a:shade val="50000"/>
+            </a:schemeClr>
+          </a:lnRef>
+          <a:fillRef idx="1">
+            <a:schemeClr val="accent1"/>
+          </a:fillRef>
+          <a:effectRef idx="0">
+            <a:schemeClr val="accent1"/>
+          </a:effectRef>
+          <a:fontRef idx="minor">
+            <a:schemeClr val="lt1"/>
+          </a:fontRef>
+        </p:style>
+        <p:txBody>
+          <a:bodyPr rtlCol="0" anchor="ctr"/>
+          <a:lstStyle/>
+          <a:p>
+            <a:pPr algn="ctr"/>
+            <a:r>
+              <a:rPr lang="en-US" altLang="zh-CN" dirty="0" smtClean="0"/>
+              <a:t>‘cog</a:t>
+            </a:r>
+            <a:r>
+              <a:rPr lang="en-US" altLang="zh-CN" dirty="0"/>
+              <a:t>'</a:t>
+            </a:r>
+            <a:endParaRPr lang="zh-CN" altLang="en-US" dirty="0"/>
+          </a:p>
+        </p:txBody>
+      </p:sp>
+      <p:sp>
+        <p:nvSpPr>
+          <p:cNvPr id="38" name="矩形 37"/>
+          <p:cNvSpPr/>
+          <p:nvPr/>
+        </p:nvSpPr>
+        <p:spPr>
+          <a:xfrm>
+            <a:off x="286247" y="5898002"/>
+            <a:ext cx="548640" cy="381663"/>
+          </a:xfrm>
+          <a:prstGeom prst="rect">
+            <a:avLst/>
+          </a:prstGeom>
+          <a:solidFill>
+            <a:schemeClr val="tx2"/>
+          </a:solidFill>
+        </p:spPr>
+        <p:style>
+          <a:lnRef idx="2">
+            <a:schemeClr val="accent1">
+              <a:shade val="50000"/>
+            </a:schemeClr>
+          </a:lnRef>
+          <a:fillRef idx="1">
+            <a:schemeClr val="accent1"/>
+          </a:fillRef>
+          <a:effectRef idx="0">
+            <a:schemeClr val="accent1"/>
+          </a:effectRef>
+          <a:fontRef idx="minor">
+            <a:schemeClr val="lt1"/>
+          </a:fontRef>
+        </p:style>
+        <p:txBody>
+          <a:bodyPr rtlCol="0" anchor="ctr"/>
+          <a:lstStyle/>
+          <a:p>
+            <a:pPr algn="ctr"/>
+            <a:r>
+              <a:rPr lang="en-US" altLang="zh-CN" dirty="0"/>
+              <a:t>c</a:t>
+            </a:r>
+            <a:r>
+              <a:rPr lang="en-US" altLang="zh-CN" dirty="0" smtClean="0"/>
+              <a:t>*g: </a:t>
+            </a:r>
+            <a:endParaRPr lang="zh-CN" altLang="en-US" dirty="0"/>
+          </a:p>
+        </p:txBody>
+      </p:sp>
+      <p:sp>
+        <p:nvSpPr>
+          <p:cNvPr id="39" name="矩形 38"/>
+          <p:cNvSpPr/>
+          <p:nvPr/>
+        </p:nvSpPr>
+        <p:spPr>
+          <a:xfrm>
+            <a:off x="1058850" y="5898002"/>
+            <a:ext cx="2662361" cy="381663"/>
+          </a:xfrm>
+          <a:prstGeom prst="rect">
+            <a:avLst/>
+          </a:prstGeom>
+          <a:solidFill>
+            <a:schemeClr val="tx2"/>
+          </a:solidFill>
+        </p:spPr>
+        <p:style>
+          <a:lnRef idx="2">
+            <a:schemeClr val="accent1">
+              <a:shade val="50000"/>
+            </a:schemeClr>
+          </a:lnRef>
+          <a:fillRef idx="1">
+            <a:schemeClr val="accent1"/>
+          </a:fillRef>
+          <a:effectRef idx="0">
+            <a:schemeClr val="accent1"/>
+          </a:effectRef>
+          <a:fontRef idx="minor">
+            <a:schemeClr val="lt1"/>
+          </a:fontRef>
+        </p:style>
+        <p:txBody>
+          <a:bodyPr rtlCol="0" anchor="ctr"/>
+          <a:lstStyle/>
+          <a:p>
+            <a:pPr algn="ctr"/>
+            <a:r>
+              <a:rPr lang="en-US" altLang="zh-CN" dirty="0" smtClean="0"/>
+              <a:t>'log</a:t>
+            </a:r>
+            <a:r>
+              <a:rPr lang="en-US" altLang="zh-CN" dirty="0"/>
+              <a:t>'</a:t>
+            </a:r>
+            <a:endParaRPr lang="zh-CN" altLang="en-US" dirty="0"/>
+          </a:p>
+        </p:txBody>
+      </p:sp>
+      <p:sp>
+        <p:nvSpPr>
+          <p:cNvPr id="40" name="文本框 39"/>
+          <p:cNvSpPr txBox="1"/>
+          <p:nvPr/>
+        </p:nvSpPr>
+        <p:spPr>
+          <a:xfrm>
+            <a:off x="3945171" y="6448601"/>
+            <a:ext cx="1041621" cy="369332"/>
+          </a:xfrm>
+          <a:prstGeom prst="rect">
+            <a:avLst/>
+          </a:prstGeom>
+          <a:solidFill>
+            <a:schemeClr val="accent2">
+              <a:lumMod val="75000"/>
+            </a:schemeClr>
+          </a:solidFill>
+        </p:spPr>
+        <p:txBody>
+          <a:bodyPr wrap="square" rtlCol="0">
+            <a:spAutoFit/>
+          </a:bodyPr>
+          <a:lstStyle/>
+          <a:p>
+            <a:r>
+              <a:rPr lang="en-US" altLang="zh-CN" dirty="0" smtClean="0"/>
+              <a:t>cog</a:t>
+            </a:r>
+            <a:endParaRPr lang="zh-CN" altLang="en-US" dirty="0"/>
+          </a:p>
+        </p:txBody>
+      </p:sp>
+    </p:spTree>
+    <p:extLst>
+      <p:ext uri="{BB962C8B-B14F-4D97-AF65-F5344CB8AC3E}">
+        <p14:creationId xmlns:p14="http://schemas.microsoft.com/office/powerpoint/2010/main" val="2618946260"/>
+      </p:ext>
+    </p:extLst>
+  </p:cSld>
+  <p:clrMapOvr>
+    <a:masterClrMapping/>
+  </p:clrMapOvr>
+</p:sld>
+</file>
+
 <file path=ppt/slides/slide2.xml><?xml version="1.0" encoding="utf-8"?>
 <p:sld xmlns:a="http://schemas.openxmlformats.org/drawingml/2006/main" xmlns:r="http://schemas.openxmlformats.org/officeDocument/2006/relationships" xmlns:p="http://schemas.openxmlformats.org/presentationml/2006/main">
   <p:cSld>
@@ -17203,6 +20261,3461 @@
     <p:extLst>
       <p:ext uri="{BB962C8B-B14F-4D97-AF65-F5344CB8AC3E}">
         <p14:creationId xmlns:p14="http://schemas.microsoft.com/office/powerpoint/2010/main" val="3435801649"/>
+      </p:ext>
+    </p:extLst>
+  </p:cSld>
+  <p:clrMapOvr>
+    <a:masterClrMapping/>
+  </p:clrMapOvr>
+</p:sld>
+</file>
+
+<file path=ppt/slides/slide8.xml><?xml version="1.0" encoding="utf-8"?>
+<p:sld xmlns:a="http://schemas.openxmlformats.org/drawingml/2006/main" xmlns:r="http://schemas.openxmlformats.org/officeDocument/2006/relationships" xmlns:p="http://schemas.openxmlformats.org/presentationml/2006/main">
+  <p:cSld>
+    <p:spTree>
+      <p:nvGrpSpPr>
+        <p:cNvPr id="1" name=""/>
+        <p:cNvGrpSpPr/>
+        <p:nvPr/>
+      </p:nvGrpSpPr>
+      <p:grpSpPr>
+        <a:xfrm>
+          <a:off x="0" y="0"/>
+          <a:ext cx="0" cy="0"/>
+          <a:chOff x="0" y="0"/>
+          <a:chExt cx="0" cy="0"/>
+        </a:xfrm>
+      </p:grpSpPr>
+      <p:sp>
+        <p:nvSpPr>
+          <p:cNvPr id="4" name="矩形 3"/>
+          <p:cNvSpPr/>
+          <p:nvPr/>
+        </p:nvSpPr>
+        <p:spPr>
+          <a:xfrm>
+            <a:off x="967740" y="1120140"/>
+            <a:ext cx="441960" cy="800100"/>
+          </a:xfrm>
+          <a:prstGeom prst="rect">
+            <a:avLst/>
+          </a:prstGeom>
+        </p:spPr>
+        <p:style>
+          <a:lnRef idx="2">
+            <a:schemeClr val="accent1">
+              <a:shade val="50000"/>
+            </a:schemeClr>
+          </a:lnRef>
+          <a:fillRef idx="1">
+            <a:schemeClr val="accent1"/>
+          </a:fillRef>
+          <a:effectRef idx="0">
+            <a:schemeClr val="accent1"/>
+          </a:effectRef>
+          <a:fontRef idx="minor">
+            <a:schemeClr val="lt1"/>
+          </a:fontRef>
+        </p:style>
+        <p:txBody>
+          <a:bodyPr rtlCol="0" anchor="ctr"/>
+          <a:lstStyle/>
+          <a:p>
+            <a:pPr algn="ctr"/>
+            <a:r>
+              <a:rPr lang="en-US" altLang="zh-CN" dirty="0" smtClean="0"/>
+              <a:t>3</a:t>
+            </a:r>
+            <a:endParaRPr lang="zh-CN" altLang="en-US" dirty="0"/>
+          </a:p>
+        </p:txBody>
+      </p:sp>
+      <p:sp>
+        <p:nvSpPr>
+          <p:cNvPr id="5" name="矩形 4"/>
+          <p:cNvSpPr/>
+          <p:nvPr/>
+        </p:nvSpPr>
+        <p:spPr>
+          <a:xfrm>
+            <a:off x="1409700" y="510540"/>
+            <a:ext cx="441960" cy="1409700"/>
+          </a:xfrm>
+          <a:prstGeom prst="rect">
+            <a:avLst/>
+          </a:prstGeom>
+        </p:spPr>
+        <p:style>
+          <a:lnRef idx="2">
+            <a:schemeClr val="accent1">
+              <a:shade val="50000"/>
+            </a:schemeClr>
+          </a:lnRef>
+          <a:fillRef idx="1">
+            <a:schemeClr val="accent1"/>
+          </a:fillRef>
+          <a:effectRef idx="0">
+            <a:schemeClr val="accent1"/>
+          </a:effectRef>
+          <a:fontRef idx="minor">
+            <a:schemeClr val="lt1"/>
+          </a:fontRef>
+        </p:style>
+        <p:txBody>
+          <a:bodyPr rtlCol="0" anchor="ctr"/>
+          <a:lstStyle/>
+          <a:p>
+            <a:pPr algn="ctr"/>
+            <a:r>
+              <a:rPr lang="en-US" altLang="zh-CN" dirty="0" smtClean="0"/>
+              <a:t>6</a:t>
+            </a:r>
+            <a:endParaRPr lang="zh-CN" altLang="en-US" dirty="0"/>
+          </a:p>
+        </p:txBody>
+      </p:sp>
+      <p:sp>
+        <p:nvSpPr>
+          <p:cNvPr id="6" name="矩形 5"/>
+          <p:cNvSpPr/>
+          <p:nvPr/>
+        </p:nvSpPr>
+        <p:spPr>
+          <a:xfrm>
+            <a:off x="1851660" y="68580"/>
+            <a:ext cx="441960" cy="1851660"/>
+          </a:xfrm>
+          <a:prstGeom prst="rect">
+            <a:avLst/>
+          </a:prstGeom>
+        </p:spPr>
+        <p:style>
+          <a:lnRef idx="2">
+            <a:schemeClr val="accent1">
+              <a:shade val="50000"/>
+            </a:schemeClr>
+          </a:lnRef>
+          <a:fillRef idx="1">
+            <a:schemeClr val="accent1"/>
+          </a:fillRef>
+          <a:effectRef idx="0">
+            <a:schemeClr val="accent1"/>
+          </a:effectRef>
+          <a:fontRef idx="minor">
+            <a:schemeClr val="lt1"/>
+          </a:fontRef>
+        </p:style>
+        <p:txBody>
+          <a:bodyPr rtlCol="0" anchor="ctr"/>
+          <a:lstStyle/>
+          <a:p>
+            <a:pPr algn="ctr"/>
+            <a:r>
+              <a:rPr lang="en-US" altLang="zh-CN" dirty="0" smtClean="0"/>
+              <a:t>8</a:t>
+            </a:r>
+            <a:endParaRPr lang="zh-CN" altLang="en-US" dirty="0"/>
+          </a:p>
+        </p:txBody>
+      </p:sp>
+      <p:sp>
+        <p:nvSpPr>
+          <p:cNvPr id="7" name="矩形 6"/>
+          <p:cNvSpPr/>
+          <p:nvPr/>
+        </p:nvSpPr>
+        <p:spPr>
+          <a:xfrm>
+            <a:off x="2293620" y="883920"/>
+            <a:ext cx="441960" cy="1036320"/>
+          </a:xfrm>
+          <a:prstGeom prst="rect">
+            <a:avLst/>
+          </a:prstGeom>
+          <a:solidFill>
+            <a:schemeClr val="accent2"/>
+          </a:solidFill>
+        </p:spPr>
+        <p:style>
+          <a:lnRef idx="2">
+            <a:schemeClr val="accent1">
+              <a:shade val="50000"/>
+            </a:schemeClr>
+          </a:lnRef>
+          <a:fillRef idx="1">
+            <a:schemeClr val="accent1"/>
+          </a:fillRef>
+          <a:effectRef idx="0">
+            <a:schemeClr val="accent1"/>
+          </a:effectRef>
+          <a:fontRef idx="minor">
+            <a:schemeClr val="lt1"/>
+          </a:fontRef>
+        </p:style>
+        <p:txBody>
+          <a:bodyPr rtlCol="0" anchor="ctr"/>
+          <a:lstStyle/>
+          <a:p>
+            <a:pPr algn="ctr"/>
+            <a:r>
+              <a:rPr lang="en-US" altLang="zh-CN" dirty="0" smtClean="0"/>
+              <a:t>4</a:t>
+            </a:r>
+            <a:endParaRPr lang="zh-CN" altLang="en-US" dirty="0"/>
+          </a:p>
+        </p:txBody>
+      </p:sp>
+      <p:sp>
+        <p:nvSpPr>
+          <p:cNvPr id="8" name="矩形 7"/>
+          <p:cNvSpPr/>
+          <p:nvPr/>
+        </p:nvSpPr>
+        <p:spPr>
+          <a:xfrm>
+            <a:off x="967740" y="1920240"/>
+            <a:ext cx="441960" cy="419100"/>
+          </a:xfrm>
+          <a:prstGeom prst="rect">
+            <a:avLst/>
+          </a:prstGeom>
+          <a:solidFill>
+            <a:schemeClr val="tx1">
+              <a:lumMod val="95000"/>
+              <a:lumOff val="5000"/>
+            </a:schemeClr>
+          </a:solidFill>
+        </p:spPr>
+        <p:style>
+          <a:lnRef idx="2">
+            <a:schemeClr val="accent1">
+              <a:shade val="50000"/>
+            </a:schemeClr>
+          </a:lnRef>
+          <a:fillRef idx="1">
+            <a:schemeClr val="accent1"/>
+          </a:fillRef>
+          <a:effectRef idx="0">
+            <a:schemeClr val="accent1"/>
+          </a:effectRef>
+          <a:fontRef idx="minor">
+            <a:schemeClr val="lt1"/>
+          </a:fontRef>
+        </p:style>
+        <p:txBody>
+          <a:bodyPr rtlCol="0" anchor="ctr"/>
+          <a:lstStyle/>
+          <a:p>
+            <a:pPr algn="ctr"/>
+            <a:r>
+              <a:rPr lang="en-US" altLang="zh-CN" dirty="0" smtClean="0"/>
+              <a:t>0</a:t>
+            </a:r>
+            <a:endParaRPr lang="zh-CN" altLang="en-US" dirty="0"/>
+          </a:p>
+        </p:txBody>
+      </p:sp>
+      <p:sp>
+        <p:nvSpPr>
+          <p:cNvPr id="9" name="矩形 8"/>
+          <p:cNvSpPr/>
+          <p:nvPr/>
+        </p:nvSpPr>
+        <p:spPr>
+          <a:xfrm>
+            <a:off x="1409700" y="1920240"/>
+            <a:ext cx="441960" cy="419100"/>
+          </a:xfrm>
+          <a:prstGeom prst="rect">
+            <a:avLst/>
+          </a:prstGeom>
+          <a:solidFill>
+            <a:schemeClr val="tx1">
+              <a:lumMod val="95000"/>
+              <a:lumOff val="5000"/>
+            </a:schemeClr>
+          </a:solidFill>
+        </p:spPr>
+        <p:style>
+          <a:lnRef idx="2">
+            <a:schemeClr val="accent1">
+              <a:shade val="50000"/>
+            </a:schemeClr>
+          </a:lnRef>
+          <a:fillRef idx="1">
+            <a:schemeClr val="accent1"/>
+          </a:fillRef>
+          <a:effectRef idx="0">
+            <a:schemeClr val="accent1"/>
+          </a:effectRef>
+          <a:fontRef idx="minor">
+            <a:schemeClr val="lt1"/>
+          </a:fontRef>
+        </p:style>
+        <p:txBody>
+          <a:bodyPr rtlCol="0" anchor="ctr"/>
+          <a:lstStyle/>
+          <a:p>
+            <a:pPr algn="ctr"/>
+            <a:r>
+              <a:rPr lang="en-US" altLang="zh-CN" dirty="0" smtClean="0"/>
+              <a:t>1</a:t>
+            </a:r>
+            <a:endParaRPr lang="zh-CN" altLang="en-US" dirty="0"/>
+          </a:p>
+        </p:txBody>
+      </p:sp>
+      <p:sp>
+        <p:nvSpPr>
+          <p:cNvPr id="10" name="矩形 9"/>
+          <p:cNvSpPr/>
+          <p:nvPr/>
+        </p:nvSpPr>
+        <p:spPr>
+          <a:xfrm>
+            <a:off x="1851660" y="1920240"/>
+            <a:ext cx="441960" cy="419100"/>
+          </a:xfrm>
+          <a:prstGeom prst="rect">
+            <a:avLst/>
+          </a:prstGeom>
+          <a:solidFill>
+            <a:schemeClr val="tx1">
+              <a:lumMod val="95000"/>
+              <a:lumOff val="5000"/>
+            </a:schemeClr>
+          </a:solidFill>
+        </p:spPr>
+        <p:style>
+          <a:lnRef idx="2">
+            <a:schemeClr val="accent1">
+              <a:shade val="50000"/>
+            </a:schemeClr>
+          </a:lnRef>
+          <a:fillRef idx="1">
+            <a:schemeClr val="accent1"/>
+          </a:fillRef>
+          <a:effectRef idx="0">
+            <a:schemeClr val="accent1"/>
+          </a:effectRef>
+          <a:fontRef idx="minor">
+            <a:schemeClr val="lt1"/>
+          </a:fontRef>
+        </p:style>
+        <p:txBody>
+          <a:bodyPr rtlCol="0" anchor="ctr"/>
+          <a:lstStyle/>
+          <a:p>
+            <a:pPr algn="ctr"/>
+            <a:r>
+              <a:rPr lang="en-US" altLang="zh-CN" dirty="0" smtClean="0"/>
+              <a:t>2</a:t>
+            </a:r>
+            <a:endParaRPr lang="zh-CN" altLang="en-US" dirty="0"/>
+          </a:p>
+        </p:txBody>
+      </p:sp>
+      <p:sp>
+        <p:nvSpPr>
+          <p:cNvPr id="11" name="矩形 10"/>
+          <p:cNvSpPr/>
+          <p:nvPr/>
+        </p:nvSpPr>
+        <p:spPr>
+          <a:xfrm>
+            <a:off x="2293620" y="1920240"/>
+            <a:ext cx="441960" cy="419100"/>
+          </a:xfrm>
+          <a:prstGeom prst="rect">
+            <a:avLst/>
+          </a:prstGeom>
+          <a:solidFill>
+            <a:schemeClr val="tx1">
+              <a:lumMod val="95000"/>
+              <a:lumOff val="5000"/>
+            </a:schemeClr>
+          </a:solidFill>
+        </p:spPr>
+        <p:style>
+          <a:lnRef idx="2">
+            <a:schemeClr val="accent1">
+              <a:shade val="50000"/>
+            </a:schemeClr>
+          </a:lnRef>
+          <a:fillRef idx="1">
+            <a:schemeClr val="accent1"/>
+          </a:fillRef>
+          <a:effectRef idx="0">
+            <a:schemeClr val="accent1"/>
+          </a:effectRef>
+          <a:fontRef idx="minor">
+            <a:schemeClr val="lt1"/>
+          </a:fontRef>
+        </p:style>
+        <p:txBody>
+          <a:bodyPr rtlCol="0" anchor="ctr"/>
+          <a:lstStyle/>
+          <a:p>
+            <a:pPr algn="ctr"/>
+            <a:r>
+              <a:rPr lang="en-US" altLang="zh-CN" dirty="0" smtClean="0"/>
+              <a:t>3</a:t>
+            </a:r>
+            <a:endParaRPr lang="zh-CN" altLang="en-US" dirty="0"/>
+          </a:p>
+        </p:txBody>
+      </p:sp>
+      <p:sp>
+        <p:nvSpPr>
+          <p:cNvPr id="12" name="文本框 11"/>
+          <p:cNvSpPr txBox="1"/>
+          <p:nvPr/>
+        </p:nvSpPr>
+        <p:spPr>
+          <a:xfrm>
+            <a:off x="3177540" y="201930"/>
+            <a:ext cx="5905500" cy="1200329"/>
+          </a:xfrm>
+          <a:prstGeom prst="rect">
+            <a:avLst/>
+          </a:prstGeom>
+          <a:noFill/>
+        </p:spPr>
+        <p:txBody>
+          <a:bodyPr wrap="square" rtlCol="0">
+            <a:spAutoFit/>
+          </a:bodyPr>
+          <a:lstStyle/>
+          <a:p>
+            <a:pPr>
+              <a:lnSpc>
+                <a:spcPct val="200000"/>
+              </a:lnSpc>
+            </a:pPr>
+            <a:r>
+              <a:rPr lang="en-US" altLang="zh-CN" dirty="0" smtClean="0">
+                <a:latin typeface="Times New Roman" panose="02020603050405020304" pitchFamily="18" charset="0"/>
+                <a:ea typeface="宋体" panose="02010600030101010101" pitchFamily="2" charset="-122"/>
+                <a:cs typeface="Times New Roman" panose="02020603050405020304" pitchFamily="18" charset="0"/>
+              </a:rPr>
+              <a:t>1</a:t>
+            </a:r>
+            <a:r>
+              <a:rPr lang="zh-CN" altLang="en-US" dirty="0" smtClean="0">
+                <a:latin typeface="Times New Roman" panose="02020603050405020304" pitchFamily="18" charset="0"/>
+                <a:ea typeface="宋体" panose="02010600030101010101" pitchFamily="2" charset="-122"/>
+                <a:cs typeface="Times New Roman" panose="02020603050405020304" pitchFamily="18" charset="0"/>
+              </a:rPr>
+              <a:t>、当下一个 </a:t>
+            </a:r>
+            <a:r>
+              <a:rPr lang="en-US" altLang="zh-CN" dirty="0" smtClean="0">
+                <a:latin typeface="Times New Roman" panose="02020603050405020304" pitchFamily="18" charset="0"/>
+                <a:ea typeface="宋体" panose="02010600030101010101" pitchFamily="2" charset="-122"/>
+                <a:cs typeface="Times New Roman" panose="02020603050405020304" pitchFamily="18" charset="0"/>
+              </a:rPr>
+              <a:t>height == 4 </a:t>
+            </a:r>
+            <a:r>
+              <a:rPr lang="zh-CN" altLang="en-US" dirty="0" smtClean="0">
+                <a:latin typeface="Times New Roman" panose="02020603050405020304" pitchFamily="18" charset="0"/>
+                <a:ea typeface="宋体" panose="02010600030101010101" pitchFamily="2" charset="-122"/>
+                <a:cs typeface="Times New Roman" panose="02020603050405020304" pitchFamily="18" charset="0"/>
+              </a:rPr>
+              <a:t>的时候，</a:t>
+            </a:r>
+            <a:r>
+              <a:rPr lang="en-US" altLang="zh-CN" dirty="0" smtClean="0">
+                <a:latin typeface="Times New Roman" panose="02020603050405020304" pitchFamily="18" charset="0"/>
+                <a:ea typeface="宋体" panose="02010600030101010101" pitchFamily="2" charset="-122"/>
+                <a:cs typeface="Times New Roman" panose="02020603050405020304" pitchFamily="18" charset="0"/>
+              </a:rPr>
+              <a:t>height = 8</a:t>
+            </a:r>
+            <a:r>
+              <a:rPr lang="zh-CN" altLang="en-US" dirty="0" smtClean="0">
+                <a:latin typeface="Times New Roman" panose="02020603050405020304" pitchFamily="18" charset="0"/>
+                <a:ea typeface="宋体" panose="02010600030101010101" pitchFamily="2" charset="-122"/>
+                <a:cs typeface="Times New Roman" panose="02020603050405020304" pitchFamily="18" charset="0"/>
+              </a:rPr>
+              <a:t>最大构成的矩形面积可以确定：</a:t>
+            </a:r>
+            <a:r>
+              <a:rPr lang="en-US" altLang="zh-CN" dirty="0" err="1" smtClean="0">
+                <a:latin typeface="Times New Roman" panose="02020603050405020304" pitchFamily="18" charset="0"/>
+                <a:ea typeface="宋体" panose="02010600030101010101" pitchFamily="2" charset="-122"/>
+                <a:cs typeface="Times New Roman" panose="02020603050405020304" pitchFamily="18" charset="0"/>
+              </a:rPr>
+              <a:t>max_area</a:t>
+            </a:r>
+            <a:r>
+              <a:rPr lang="en-US" altLang="zh-CN" dirty="0" smtClean="0">
+                <a:latin typeface="Times New Roman" panose="02020603050405020304" pitchFamily="18" charset="0"/>
+                <a:ea typeface="宋体" panose="02010600030101010101" pitchFamily="2" charset="-122"/>
+                <a:cs typeface="Times New Roman" panose="02020603050405020304" pitchFamily="18" charset="0"/>
+              </a:rPr>
+              <a:t>(8) = 8 * (3 – 1 - 1)</a:t>
+            </a:r>
+            <a:endParaRPr lang="zh-CN" altLang="en-US" dirty="0">
+              <a:latin typeface="Times New Roman" panose="02020603050405020304" pitchFamily="18" charset="0"/>
+              <a:ea typeface="宋体" panose="02010600030101010101" pitchFamily="2" charset="-122"/>
+              <a:cs typeface="Times New Roman" panose="02020603050405020304" pitchFamily="18" charset="0"/>
+            </a:endParaRPr>
+          </a:p>
+        </p:txBody>
+      </p:sp>
+      <p:sp>
+        <p:nvSpPr>
+          <p:cNvPr id="13" name="矩形 12"/>
+          <p:cNvSpPr/>
+          <p:nvPr/>
+        </p:nvSpPr>
+        <p:spPr>
+          <a:xfrm>
+            <a:off x="967740" y="3771900"/>
+            <a:ext cx="441960" cy="800100"/>
+          </a:xfrm>
+          <a:prstGeom prst="rect">
+            <a:avLst/>
+          </a:prstGeom>
+        </p:spPr>
+        <p:style>
+          <a:lnRef idx="2">
+            <a:schemeClr val="accent1">
+              <a:shade val="50000"/>
+            </a:schemeClr>
+          </a:lnRef>
+          <a:fillRef idx="1">
+            <a:schemeClr val="accent1"/>
+          </a:fillRef>
+          <a:effectRef idx="0">
+            <a:schemeClr val="accent1"/>
+          </a:effectRef>
+          <a:fontRef idx="minor">
+            <a:schemeClr val="lt1"/>
+          </a:fontRef>
+        </p:style>
+        <p:txBody>
+          <a:bodyPr rtlCol="0" anchor="ctr"/>
+          <a:lstStyle/>
+          <a:p>
+            <a:pPr algn="ctr"/>
+            <a:r>
+              <a:rPr lang="en-US" altLang="zh-CN" dirty="0" smtClean="0"/>
+              <a:t>3</a:t>
+            </a:r>
+            <a:endParaRPr lang="zh-CN" altLang="en-US" dirty="0"/>
+          </a:p>
+        </p:txBody>
+      </p:sp>
+      <p:sp>
+        <p:nvSpPr>
+          <p:cNvPr id="14" name="矩形 13"/>
+          <p:cNvSpPr/>
+          <p:nvPr/>
+        </p:nvSpPr>
+        <p:spPr>
+          <a:xfrm>
+            <a:off x="1409700" y="3162300"/>
+            <a:ext cx="441960" cy="1409700"/>
+          </a:xfrm>
+          <a:prstGeom prst="rect">
+            <a:avLst/>
+          </a:prstGeom>
+        </p:spPr>
+        <p:style>
+          <a:lnRef idx="2">
+            <a:schemeClr val="accent1">
+              <a:shade val="50000"/>
+            </a:schemeClr>
+          </a:lnRef>
+          <a:fillRef idx="1">
+            <a:schemeClr val="accent1"/>
+          </a:fillRef>
+          <a:effectRef idx="0">
+            <a:schemeClr val="accent1"/>
+          </a:effectRef>
+          <a:fontRef idx="minor">
+            <a:schemeClr val="lt1"/>
+          </a:fontRef>
+        </p:style>
+        <p:txBody>
+          <a:bodyPr rtlCol="0" anchor="ctr"/>
+          <a:lstStyle/>
+          <a:p>
+            <a:pPr algn="ctr"/>
+            <a:r>
+              <a:rPr lang="en-US" altLang="zh-CN" dirty="0" smtClean="0"/>
+              <a:t>6</a:t>
+            </a:r>
+            <a:endParaRPr lang="zh-CN" altLang="en-US" dirty="0"/>
+          </a:p>
+        </p:txBody>
+      </p:sp>
+      <p:sp>
+        <p:nvSpPr>
+          <p:cNvPr id="16" name="矩形 15"/>
+          <p:cNvSpPr/>
+          <p:nvPr/>
+        </p:nvSpPr>
+        <p:spPr>
+          <a:xfrm>
+            <a:off x="2293620" y="3535680"/>
+            <a:ext cx="441960" cy="1036320"/>
+          </a:xfrm>
+          <a:prstGeom prst="rect">
+            <a:avLst/>
+          </a:prstGeom>
+          <a:solidFill>
+            <a:schemeClr val="accent2"/>
+          </a:solidFill>
+        </p:spPr>
+        <p:style>
+          <a:lnRef idx="2">
+            <a:schemeClr val="accent1">
+              <a:shade val="50000"/>
+            </a:schemeClr>
+          </a:lnRef>
+          <a:fillRef idx="1">
+            <a:schemeClr val="accent1"/>
+          </a:fillRef>
+          <a:effectRef idx="0">
+            <a:schemeClr val="accent1"/>
+          </a:effectRef>
+          <a:fontRef idx="minor">
+            <a:schemeClr val="lt1"/>
+          </a:fontRef>
+        </p:style>
+        <p:txBody>
+          <a:bodyPr rtlCol="0" anchor="ctr"/>
+          <a:lstStyle/>
+          <a:p>
+            <a:pPr algn="ctr"/>
+            <a:r>
+              <a:rPr lang="en-US" altLang="zh-CN" dirty="0" smtClean="0"/>
+              <a:t>4</a:t>
+            </a:r>
+            <a:endParaRPr lang="zh-CN" altLang="en-US" dirty="0"/>
+          </a:p>
+        </p:txBody>
+      </p:sp>
+      <p:sp>
+        <p:nvSpPr>
+          <p:cNvPr id="17" name="矩形 16"/>
+          <p:cNvSpPr/>
+          <p:nvPr/>
+        </p:nvSpPr>
+        <p:spPr>
+          <a:xfrm>
+            <a:off x="967740" y="4572000"/>
+            <a:ext cx="441960" cy="419100"/>
+          </a:xfrm>
+          <a:prstGeom prst="rect">
+            <a:avLst/>
+          </a:prstGeom>
+          <a:solidFill>
+            <a:schemeClr val="tx1">
+              <a:lumMod val="95000"/>
+              <a:lumOff val="5000"/>
+            </a:schemeClr>
+          </a:solidFill>
+        </p:spPr>
+        <p:style>
+          <a:lnRef idx="2">
+            <a:schemeClr val="accent1">
+              <a:shade val="50000"/>
+            </a:schemeClr>
+          </a:lnRef>
+          <a:fillRef idx="1">
+            <a:schemeClr val="accent1"/>
+          </a:fillRef>
+          <a:effectRef idx="0">
+            <a:schemeClr val="accent1"/>
+          </a:effectRef>
+          <a:fontRef idx="minor">
+            <a:schemeClr val="lt1"/>
+          </a:fontRef>
+        </p:style>
+        <p:txBody>
+          <a:bodyPr rtlCol="0" anchor="ctr"/>
+          <a:lstStyle/>
+          <a:p>
+            <a:pPr algn="ctr"/>
+            <a:r>
+              <a:rPr lang="en-US" altLang="zh-CN" dirty="0" smtClean="0"/>
+              <a:t>0</a:t>
+            </a:r>
+            <a:endParaRPr lang="zh-CN" altLang="en-US" dirty="0"/>
+          </a:p>
+        </p:txBody>
+      </p:sp>
+      <p:sp>
+        <p:nvSpPr>
+          <p:cNvPr id="18" name="矩形 17"/>
+          <p:cNvSpPr/>
+          <p:nvPr/>
+        </p:nvSpPr>
+        <p:spPr>
+          <a:xfrm>
+            <a:off x="1409700" y="4572000"/>
+            <a:ext cx="441960" cy="419100"/>
+          </a:xfrm>
+          <a:prstGeom prst="rect">
+            <a:avLst/>
+          </a:prstGeom>
+          <a:solidFill>
+            <a:schemeClr val="tx1">
+              <a:lumMod val="95000"/>
+              <a:lumOff val="5000"/>
+            </a:schemeClr>
+          </a:solidFill>
+        </p:spPr>
+        <p:style>
+          <a:lnRef idx="2">
+            <a:schemeClr val="accent1">
+              <a:shade val="50000"/>
+            </a:schemeClr>
+          </a:lnRef>
+          <a:fillRef idx="1">
+            <a:schemeClr val="accent1"/>
+          </a:fillRef>
+          <a:effectRef idx="0">
+            <a:schemeClr val="accent1"/>
+          </a:effectRef>
+          <a:fontRef idx="minor">
+            <a:schemeClr val="lt1"/>
+          </a:fontRef>
+        </p:style>
+        <p:txBody>
+          <a:bodyPr rtlCol="0" anchor="ctr"/>
+          <a:lstStyle/>
+          <a:p>
+            <a:pPr algn="ctr"/>
+            <a:r>
+              <a:rPr lang="en-US" altLang="zh-CN" dirty="0" smtClean="0"/>
+              <a:t>1</a:t>
+            </a:r>
+            <a:endParaRPr lang="zh-CN" altLang="en-US" dirty="0"/>
+          </a:p>
+        </p:txBody>
+      </p:sp>
+      <p:sp>
+        <p:nvSpPr>
+          <p:cNvPr id="20" name="矩形 19"/>
+          <p:cNvSpPr/>
+          <p:nvPr/>
+        </p:nvSpPr>
+        <p:spPr>
+          <a:xfrm>
+            <a:off x="2293620" y="4572000"/>
+            <a:ext cx="441960" cy="419100"/>
+          </a:xfrm>
+          <a:prstGeom prst="rect">
+            <a:avLst/>
+          </a:prstGeom>
+          <a:solidFill>
+            <a:schemeClr val="tx1">
+              <a:lumMod val="95000"/>
+              <a:lumOff val="5000"/>
+            </a:schemeClr>
+          </a:solidFill>
+        </p:spPr>
+        <p:style>
+          <a:lnRef idx="2">
+            <a:schemeClr val="accent1">
+              <a:shade val="50000"/>
+            </a:schemeClr>
+          </a:lnRef>
+          <a:fillRef idx="1">
+            <a:schemeClr val="accent1"/>
+          </a:fillRef>
+          <a:effectRef idx="0">
+            <a:schemeClr val="accent1"/>
+          </a:effectRef>
+          <a:fontRef idx="minor">
+            <a:schemeClr val="lt1"/>
+          </a:fontRef>
+        </p:style>
+        <p:txBody>
+          <a:bodyPr rtlCol="0" anchor="ctr"/>
+          <a:lstStyle/>
+          <a:p>
+            <a:pPr algn="ctr"/>
+            <a:r>
+              <a:rPr lang="en-US" altLang="zh-CN" dirty="0" smtClean="0"/>
+              <a:t>3</a:t>
+            </a:r>
+            <a:endParaRPr lang="zh-CN" altLang="en-US" dirty="0"/>
+          </a:p>
+        </p:txBody>
+      </p:sp>
+      <p:sp>
+        <p:nvSpPr>
+          <p:cNvPr id="21" name="文本框 20"/>
+          <p:cNvSpPr txBox="1"/>
+          <p:nvPr/>
+        </p:nvSpPr>
+        <p:spPr>
+          <a:xfrm>
+            <a:off x="2941320" y="3162300"/>
+            <a:ext cx="5905500" cy="1200329"/>
+          </a:xfrm>
+          <a:prstGeom prst="rect">
+            <a:avLst/>
+          </a:prstGeom>
+          <a:noFill/>
+        </p:spPr>
+        <p:txBody>
+          <a:bodyPr wrap="square" rtlCol="0">
+            <a:spAutoFit/>
+          </a:bodyPr>
+          <a:lstStyle/>
+          <a:p>
+            <a:pPr>
+              <a:lnSpc>
+                <a:spcPct val="200000"/>
+              </a:lnSpc>
+            </a:pPr>
+            <a:r>
+              <a:rPr lang="en-US" altLang="zh-CN" dirty="0" smtClean="0">
+                <a:latin typeface="Times New Roman" panose="02020603050405020304" pitchFamily="18" charset="0"/>
+                <a:ea typeface="宋体" panose="02010600030101010101" pitchFamily="2" charset="-122"/>
+                <a:cs typeface="Times New Roman" panose="02020603050405020304" pitchFamily="18" charset="0"/>
+              </a:rPr>
+              <a:t>1</a:t>
+            </a:r>
+            <a:r>
+              <a:rPr lang="zh-CN" altLang="en-US" dirty="0" smtClean="0">
+                <a:latin typeface="Times New Roman" panose="02020603050405020304" pitchFamily="18" charset="0"/>
+                <a:ea typeface="宋体" panose="02010600030101010101" pitchFamily="2" charset="-122"/>
+                <a:cs typeface="Times New Roman" panose="02020603050405020304" pitchFamily="18" charset="0"/>
+              </a:rPr>
+              <a:t>、当下一个 </a:t>
+            </a:r>
+            <a:r>
+              <a:rPr lang="en-US" altLang="zh-CN" dirty="0" smtClean="0">
+                <a:latin typeface="Times New Roman" panose="02020603050405020304" pitchFamily="18" charset="0"/>
+                <a:ea typeface="宋体" panose="02010600030101010101" pitchFamily="2" charset="-122"/>
+                <a:cs typeface="Times New Roman" panose="02020603050405020304" pitchFamily="18" charset="0"/>
+              </a:rPr>
+              <a:t>height == 4 </a:t>
+            </a:r>
+            <a:r>
+              <a:rPr lang="zh-CN" altLang="en-US" dirty="0" smtClean="0">
+                <a:latin typeface="Times New Roman" panose="02020603050405020304" pitchFamily="18" charset="0"/>
+                <a:ea typeface="宋体" panose="02010600030101010101" pitchFamily="2" charset="-122"/>
+                <a:cs typeface="Times New Roman" panose="02020603050405020304" pitchFamily="18" charset="0"/>
+              </a:rPr>
+              <a:t>的时候，</a:t>
+            </a:r>
+            <a:r>
+              <a:rPr lang="en-US" altLang="zh-CN" dirty="0" smtClean="0">
+                <a:latin typeface="Times New Roman" panose="02020603050405020304" pitchFamily="18" charset="0"/>
+                <a:ea typeface="宋体" panose="02010600030101010101" pitchFamily="2" charset="-122"/>
+                <a:cs typeface="Times New Roman" panose="02020603050405020304" pitchFamily="18" charset="0"/>
+              </a:rPr>
+              <a:t>height = 6</a:t>
+            </a:r>
+            <a:r>
+              <a:rPr lang="zh-CN" altLang="en-US" dirty="0" smtClean="0">
+                <a:latin typeface="Times New Roman" panose="02020603050405020304" pitchFamily="18" charset="0"/>
+                <a:ea typeface="宋体" panose="02010600030101010101" pitchFamily="2" charset="-122"/>
+                <a:cs typeface="Times New Roman" panose="02020603050405020304" pitchFamily="18" charset="0"/>
+              </a:rPr>
+              <a:t>最大构成的矩形面积可以确定：</a:t>
+            </a:r>
+            <a:r>
+              <a:rPr lang="en-US" altLang="zh-CN" dirty="0" err="1" smtClean="0">
+                <a:latin typeface="Times New Roman" panose="02020603050405020304" pitchFamily="18" charset="0"/>
+                <a:ea typeface="宋体" panose="02010600030101010101" pitchFamily="2" charset="-122"/>
+                <a:cs typeface="Times New Roman" panose="02020603050405020304" pitchFamily="18" charset="0"/>
+              </a:rPr>
+              <a:t>max_area</a:t>
+            </a:r>
+            <a:r>
+              <a:rPr lang="en-US" altLang="zh-CN" dirty="0" smtClean="0">
+                <a:latin typeface="Times New Roman" panose="02020603050405020304" pitchFamily="18" charset="0"/>
+                <a:ea typeface="宋体" panose="02010600030101010101" pitchFamily="2" charset="-122"/>
+                <a:cs typeface="Times New Roman" panose="02020603050405020304" pitchFamily="18" charset="0"/>
+              </a:rPr>
+              <a:t>(6) = 6 * (3 – 0- 1)</a:t>
+            </a:r>
+            <a:endParaRPr lang="zh-CN" altLang="en-US" dirty="0">
+              <a:latin typeface="Times New Roman" panose="02020603050405020304" pitchFamily="18" charset="0"/>
+              <a:ea typeface="宋体" panose="02010600030101010101" pitchFamily="2" charset="-122"/>
+              <a:cs typeface="Times New Roman" panose="02020603050405020304" pitchFamily="18" charset="0"/>
+            </a:endParaRPr>
+          </a:p>
+        </p:txBody>
+      </p:sp>
+      <p:sp>
+        <p:nvSpPr>
+          <p:cNvPr id="22" name="矩形 21"/>
+          <p:cNvSpPr/>
+          <p:nvPr/>
+        </p:nvSpPr>
+        <p:spPr>
+          <a:xfrm>
+            <a:off x="1851660" y="2720340"/>
+            <a:ext cx="441960" cy="1851660"/>
+          </a:xfrm>
+          <a:prstGeom prst="rect">
+            <a:avLst/>
+          </a:prstGeom>
+          <a:solidFill>
+            <a:srgbClr val="FF0000"/>
+          </a:solidFill>
+        </p:spPr>
+        <p:style>
+          <a:lnRef idx="2">
+            <a:schemeClr val="accent1">
+              <a:shade val="50000"/>
+            </a:schemeClr>
+          </a:lnRef>
+          <a:fillRef idx="1">
+            <a:schemeClr val="accent1"/>
+          </a:fillRef>
+          <a:effectRef idx="0">
+            <a:schemeClr val="accent1"/>
+          </a:effectRef>
+          <a:fontRef idx="minor">
+            <a:schemeClr val="lt1"/>
+          </a:fontRef>
+        </p:style>
+        <p:txBody>
+          <a:bodyPr rtlCol="0" anchor="ctr"/>
+          <a:lstStyle/>
+          <a:p>
+            <a:pPr algn="ctr"/>
+            <a:r>
+              <a:rPr lang="en-US" altLang="zh-CN" dirty="0" smtClean="0"/>
+              <a:t>8</a:t>
+            </a:r>
+            <a:endParaRPr lang="zh-CN" altLang="en-US" dirty="0"/>
+          </a:p>
+        </p:txBody>
+      </p:sp>
+      <p:sp>
+        <p:nvSpPr>
+          <p:cNvPr id="23" name="矩形 22"/>
+          <p:cNvSpPr/>
+          <p:nvPr/>
+        </p:nvSpPr>
+        <p:spPr>
+          <a:xfrm>
+            <a:off x="1851660" y="4572000"/>
+            <a:ext cx="441960" cy="419100"/>
+          </a:xfrm>
+          <a:prstGeom prst="rect">
+            <a:avLst/>
+          </a:prstGeom>
+          <a:solidFill>
+            <a:srgbClr val="FF0000"/>
+          </a:solidFill>
+        </p:spPr>
+        <p:style>
+          <a:lnRef idx="2">
+            <a:schemeClr val="accent1">
+              <a:shade val="50000"/>
+            </a:schemeClr>
+          </a:lnRef>
+          <a:fillRef idx="1">
+            <a:schemeClr val="accent1"/>
+          </a:fillRef>
+          <a:effectRef idx="0">
+            <a:schemeClr val="accent1"/>
+          </a:effectRef>
+          <a:fontRef idx="minor">
+            <a:schemeClr val="lt1"/>
+          </a:fontRef>
+        </p:style>
+        <p:txBody>
+          <a:bodyPr rtlCol="0" anchor="ctr"/>
+          <a:lstStyle/>
+          <a:p>
+            <a:pPr algn="ctr"/>
+            <a:r>
+              <a:rPr lang="en-US" altLang="zh-CN" dirty="0" smtClean="0"/>
+              <a:t>2</a:t>
+            </a:r>
+            <a:endParaRPr lang="zh-CN" altLang="en-US" dirty="0"/>
+          </a:p>
+        </p:txBody>
+      </p:sp>
+    </p:spTree>
+    <p:extLst>
+      <p:ext uri="{BB962C8B-B14F-4D97-AF65-F5344CB8AC3E}">
+        <p14:creationId xmlns:p14="http://schemas.microsoft.com/office/powerpoint/2010/main" val="672264231"/>
+      </p:ext>
+    </p:extLst>
+  </p:cSld>
+  <p:clrMapOvr>
+    <a:masterClrMapping/>
+  </p:clrMapOvr>
+</p:sld>
+</file>
+
+<file path=ppt/slides/slide9.xml><?xml version="1.0" encoding="utf-8"?>
+<p:sld xmlns:a="http://schemas.openxmlformats.org/drawingml/2006/main" xmlns:r="http://schemas.openxmlformats.org/officeDocument/2006/relationships" xmlns:p="http://schemas.openxmlformats.org/presentationml/2006/main">
+  <p:cSld>
+    <p:spTree>
+      <p:nvGrpSpPr>
+        <p:cNvPr id="1" name=""/>
+        <p:cNvGrpSpPr/>
+        <p:nvPr/>
+      </p:nvGrpSpPr>
+      <p:grpSpPr>
+        <a:xfrm>
+          <a:off x="0" y="0"/>
+          <a:ext cx="0" cy="0"/>
+          <a:chOff x="0" y="0"/>
+          <a:chExt cx="0" cy="0"/>
+        </a:xfrm>
+      </p:grpSpPr>
+      <p:sp>
+        <p:nvSpPr>
+          <p:cNvPr id="4" name="矩形 3"/>
+          <p:cNvSpPr/>
+          <p:nvPr/>
+        </p:nvSpPr>
+        <p:spPr>
+          <a:xfrm>
+            <a:off x="93080" y="96262"/>
+            <a:ext cx="2267479" cy="369332"/>
+          </a:xfrm>
+          <a:prstGeom prst="rect">
+            <a:avLst/>
+          </a:prstGeom>
+        </p:spPr>
+        <p:txBody>
+          <a:bodyPr wrap="square">
+            <a:spAutoFit/>
+          </a:bodyPr>
+          <a:lstStyle/>
+          <a:p>
+            <a:r>
+              <a:rPr lang="en-US" altLang="zh-CN" dirty="0">
+                <a:latin typeface="Times New Roman" panose="02020603050405020304" pitchFamily="18" charset="0"/>
+                <a:cs typeface="Times New Roman" panose="02020603050405020304" pitchFamily="18" charset="0"/>
+              </a:rPr>
+              <a:t>[4</a:t>
+            </a:r>
+            <a:r>
+              <a:rPr lang="en-US" altLang="zh-CN" dirty="0" smtClean="0">
+                <a:latin typeface="Times New Roman" panose="02020603050405020304" pitchFamily="18" charset="0"/>
+                <a:cs typeface="Times New Roman" panose="02020603050405020304" pitchFamily="18" charset="0"/>
+              </a:rPr>
+              <a:t>, 2, 0, 3, 2, 5</a:t>
+            </a:r>
+            <a:r>
+              <a:rPr lang="en-US" altLang="zh-CN" dirty="0">
+                <a:latin typeface="Times New Roman" panose="02020603050405020304" pitchFamily="18" charset="0"/>
+                <a:cs typeface="Times New Roman" panose="02020603050405020304" pitchFamily="18" charset="0"/>
+              </a:rPr>
+              <a:t>]</a:t>
+            </a:r>
+            <a:endParaRPr lang="zh-CN" altLang="en-US" dirty="0">
+              <a:latin typeface="Times New Roman" panose="02020603050405020304" pitchFamily="18" charset="0"/>
+              <a:cs typeface="Times New Roman" panose="02020603050405020304" pitchFamily="18" charset="0"/>
+            </a:endParaRPr>
+          </a:p>
+        </p:txBody>
+      </p:sp>
+      <p:sp>
+        <p:nvSpPr>
+          <p:cNvPr id="5" name="矩形 4"/>
+          <p:cNvSpPr/>
+          <p:nvPr/>
+        </p:nvSpPr>
+        <p:spPr>
+          <a:xfrm>
+            <a:off x="929640" y="593408"/>
+            <a:ext cx="441960" cy="800100"/>
+          </a:xfrm>
+          <a:prstGeom prst="rect">
+            <a:avLst/>
+          </a:prstGeom>
+          <a:solidFill>
+            <a:srgbClr val="FF0000"/>
+          </a:solidFill>
+        </p:spPr>
+        <p:style>
+          <a:lnRef idx="2">
+            <a:schemeClr val="accent1">
+              <a:shade val="50000"/>
+            </a:schemeClr>
+          </a:lnRef>
+          <a:fillRef idx="1">
+            <a:schemeClr val="accent1"/>
+          </a:fillRef>
+          <a:effectRef idx="0">
+            <a:schemeClr val="accent1"/>
+          </a:effectRef>
+          <a:fontRef idx="minor">
+            <a:schemeClr val="lt1"/>
+          </a:fontRef>
+        </p:style>
+        <p:txBody>
+          <a:bodyPr rtlCol="0" anchor="ctr"/>
+          <a:lstStyle/>
+          <a:p>
+            <a:pPr algn="ctr"/>
+            <a:r>
+              <a:rPr lang="en-US" altLang="zh-CN" dirty="0" smtClean="0"/>
+              <a:t>4</a:t>
+            </a:r>
+            <a:endParaRPr lang="zh-CN" altLang="en-US" dirty="0"/>
+          </a:p>
+        </p:txBody>
+      </p:sp>
+      <p:sp>
+        <p:nvSpPr>
+          <p:cNvPr id="9" name="矩形 8"/>
+          <p:cNvSpPr/>
+          <p:nvPr/>
+        </p:nvSpPr>
+        <p:spPr>
+          <a:xfrm>
+            <a:off x="929640" y="1393508"/>
+            <a:ext cx="441960" cy="419100"/>
+          </a:xfrm>
+          <a:prstGeom prst="rect">
+            <a:avLst/>
+          </a:prstGeom>
+          <a:solidFill>
+            <a:srgbClr val="FF0000"/>
+          </a:solidFill>
+        </p:spPr>
+        <p:style>
+          <a:lnRef idx="2">
+            <a:schemeClr val="accent1">
+              <a:shade val="50000"/>
+            </a:schemeClr>
+          </a:lnRef>
+          <a:fillRef idx="1">
+            <a:schemeClr val="accent1"/>
+          </a:fillRef>
+          <a:effectRef idx="0">
+            <a:schemeClr val="accent1"/>
+          </a:effectRef>
+          <a:fontRef idx="minor">
+            <a:schemeClr val="lt1"/>
+          </a:fontRef>
+        </p:style>
+        <p:txBody>
+          <a:bodyPr rtlCol="0" anchor="ctr"/>
+          <a:lstStyle/>
+          <a:p>
+            <a:pPr algn="ctr"/>
+            <a:r>
+              <a:rPr lang="en-US" altLang="zh-CN" dirty="0" smtClean="0"/>
+              <a:t>0</a:t>
+            </a:r>
+            <a:endParaRPr lang="zh-CN" altLang="en-US" dirty="0"/>
+          </a:p>
+        </p:txBody>
+      </p:sp>
+      <p:sp>
+        <p:nvSpPr>
+          <p:cNvPr id="14" name="矩形 13"/>
+          <p:cNvSpPr/>
+          <p:nvPr/>
+        </p:nvSpPr>
+        <p:spPr>
+          <a:xfrm>
+            <a:off x="1371600" y="974408"/>
+            <a:ext cx="441960" cy="419100"/>
+          </a:xfrm>
+          <a:prstGeom prst="rect">
+            <a:avLst/>
+          </a:prstGeom>
+        </p:spPr>
+        <p:style>
+          <a:lnRef idx="2">
+            <a:schemeClr val="accent1">
+              <a:shade val="50000"/>
+            </a:schemeClr>
+          </a:lnRef>
+          <a:fillRef idx="1">
+            <a:schemeClr val="accent1"/>
+          </a:fillRef>
+          <a:effectRef idx="0">
+            <a:schemeClr val="accent1"/>
+          </a:effectRef>
+          <a:fontRef idx="minor">
+            <a:schemeClr val="lt1"/>
+          </a:fontRef>
+        </p:style>
+        <p:txBody>
+          <a:bodyPr rtlCol="0" anchor="ctr"/>
+          <a:lstStyle/>
+          <a:p>
+            <a:pPr algn="ctr"/>
+            <a:r>
+              <a:rPr lang="en-US" altLang="zh-CN" dirty="0" smtClean="0"/>
+              <a:t>2</a:t>
+            </a:r>
+            <a:endParaRPr lang="zh-CN" altLang="en-US" dirty="0"/>
+          </a:p>
+        </p:txBody>
+      </p:sp>
+      <p:sp>
+        <p:nvSpPr>
+          <p:cNvPr id="15" name="矩形 14"/>
+          <p:cNvSpPr/>
+          <p:nvPr/>
+        </p:nvSpPr>
+        <p:spPr>
+          <a:xfrm>
+            <a:off x="1371600" y="1393508"/>
+            <a:ext cx="441960" cy="419100"/>
+          </a:xfrm>
+          <a:prstGeom prst="rect">
+            <a:avLst/>
+          </a:prstGeom>
+          <a:solidFill>
+            <a:schemeClr val="tx1">
+              <a:lumMod val="95000"/>
+              <a:lumOff val="5000"/>
+            </a:schemeClr>
+          </a:solidFill>
+        </p:spPr>
+        <p:style>
+          <a:lnRef idx="2">
+            <a:schemeClr val="accent1">
+              <a:shade val="50000"/>
+            </a:schemeClr>
+          </a:lnRef>
+          <a:fillRef idx="1">
+            <a:schemeClr val="accent1"/>
+          </a:fillRef>
+          <a:effectRef idx="0">
+            <a:schemeClr val="accent1"/>
+          </a:effectRef>
+          <a:fontRef idx="minor">
+            <a:schemeClr val="lt1"/>
+          </a:fontRef>
+        </p:style>
+        <p:txBody>
+          <a:bodyPr rtlCol="0" anchor="ctr"/>
+          <a:lstStyle/>
+          <a:p>
+            <a:pPr algn="ctr"/>
+            <a:r>
+              <a:rPr lang="en-US" altLang="zh-CN" dirty="0" smtClean="0"/>
+              <a:t>1</a:t>
+            </a:r>
+            <a:endParaRPr lang="zh-CN" altLang="en-US" dirty="0"/>
+          </a:p>
+        </p:txBody>
+      </p:sp>
+      <p:sp>
+        <p:nvSpPr>
+          <p:cNvPr id="16" name="文本框 15"/>
+          <p:cNvSpPr txBox="1"/>
+          <p:nvPr/>
+        </p:nvSpPr>
+        <p:spPr>
+          <a:xfrm>
+            <a:off x="2034540" y="972324"/>
+            <a:ext cx="10066020" cy="584775"/>
+          </a:xfrm>
+          <a:prstGeom prst="rect">
+            <a:avLst/>
+          </a:prstGeom>
+          <a:noFill/>
+        </p:spPr>
+        <p:txBody>
+          <a:bodyPr wrap="square" rtlCol="0">
+            <a:spAutoFit/>
+          </a:bodyPr>
+          <a:lstStyle/>
+          <a:p>
+            <a:pPr>
+              <a:lnSpc>
+                <a:spcPct val="200000"/>
+              </a:lnSpc>
+            </a:pPr>
+            <a:r>
+              <a:rPr lang="en-US" altLang="zh-CN" sz="1600" dirty="0" smtClean="0">
+                <a:latin typeface="Times New Roman" panose="02020603050405020304" pitchFamily="18" charset="0"/>
+                <a:ea typeface="宋体" panose="02010600030101010101" pitchFamily="2" charset="-122"/>
+                <a:cs typeface="Times New Roman" panose="02020603050405020304" pitchFamily="18" charset="0"/>
+              </a:rPr>
+              <a:t>1</a:t>
+            </a:r>
+            <a:r>
+              <a:rPr lang="zh-CN" altLang="en-US" sz="1600" dirty="0" smtClean="0">
+                <a:latin typeface="Times New Roman" panose="02020603050405020304" pitchFamily="18" charset="0"/>
+                <a:ea typeface="宋体" panose="02010600030101010101" pitchFamily="2" charset="-122"/>
+                <a:cs typeface="Times New Roman" panose="02020603050405020304" pitchFamily="18" charset="0"/>
+              </a:rPr>
+              <a:t>、当 </a:t>
+            </a:r>
+            <a:r>
+              <a:rPr lang="en-US" altLang="zh-CN" sz="1600" dirty="0" smtClean="0">
+                <a:latin typeface="Times New Roman" panose="02020603050405020304" pitchFamily="18" charset="0"/>
+                <a:ea typeface="宋体" panose="02010600030101010101" pitchFamily="2" charset="-122"/>
+                <a:cs typeface="Times New Roman" panose="02020603050405020304" pitchFamily="18" charset="0"/>
+              </a:rPr>
+              <a:t>height = 2 </a:t>
+            </a:r>
+            <a:r>
+              <a:rPr lang="zh-CN" altLang="en-US" sz="1600" dirty="0" smtClean="0">
+                <a:latin typeface="Times New Roman" panose="02020603050405020304" pitchFamily="18" charset="0"/>
+                <a:ea typeface="宋体" panose="02010600030101010101" pitchFamily="2" charset="-122"/>
+                <a:cs typeface="Times New Roman" panose="02020603050405020304" pitchFamily="18" charset="0"/>
+              </a:rPr>
+              <a:t>的时候，</a:t>
+            </a:r>
+            <a:r>
+              <a:rPr lang="en-US" altLang="zh-CN" sz="1600" dirty="0" smtClean="0">
+                <a:latin typeface="Times New Roman" panose="02020603050405020304" pitchFamily="18" charset="0"/>
+                <a:ea typeface="宋体" panose="02010600030101010101" pitchFamily="2" charset="-122"/>
+                <a:cs typeface="Times New Roman" panose="02020603050405020304" pitchFamily="18" charset="0"/>
+              </a:rPr>
+              <a:t>height = 4 </a:t>
+            </a:r>
+            <a:r>
+              <a:rPr lang="zh-CN" altLang="en-US" sz="1600" dirty="0" smtClean="0">
+                <a:latin typeface="Times New Roman" panose="02020603050405020304" pitchFamily="18" charset="0"/>
+                <a:ea typeface="宋体" panose="02010600030101010101" pitchFamily="2" charset="-122"/>
+                <a:cs typeface="Times New Roman" panose="02020603050405020304" pitchFamily="18" charset="0"/>
+              </a:rPr>
+              <a:t>可以确定的最大面积可以确定，</a:t>
+            </a:r>
+            <a:r>
+              <a:rPr lang="en-US" altLang="zh-CN" sz="1600" dirty="0" smtClean="0">
+                <a:latin typeface="Times New Roman" panose="02020603050405020304" pitchFamily="18" charset="0"/>
+                <a:ea typeface="宋体" panose="02010600030101010101" pitchFamily="2" charset="-122"/>
+                <a:cs typeface="Times New Roman" panose="02020603050405020304" pitchFamily="18" charset="0"/>
+              </a:rPr>
+              <a:t>max-area =  4 * (1)</a:t>
+            </a:r>
+            <a:endParaRPr lang="zh-CN" altLang="en-US" dirty="0">
+              <a:latin typeface="Times New Roman" panose="02020603050405020304" pitchFamily="18" charset="0"/>
+              <a:ea typeface="宋体" panose="02010600030101010101" pitchFamily="2" charset="-122"/>
+              <a:cs typeface="Times New Roman" panose="02020603050405020304" pitchFamily="18" charset="0"/>
+            </a:endParaRPr>
+          </a:p>
+        </p:txBody>
+      </p:sp>
+      <p:sp>
+        <p:nvSpPr>
+          <p:cNvPr id="17" name="矩形 16"/>
+          <p:cNvSpPr/>
+          <p:nvPr/>
+        </p:nvSpPr>
+        <p:spPr>
+          <a:xfrm>
+            <a:off x="929640" y="2076450"/>
+            <a:ext cx="441960" cy="800100"/>
+          </a:xfrm>
+          <a:prstGeom prst="rect">
+            <a:avLst/>
+          </a:prstGeom>
+          <a:solidFill>
+            <a:srgbClr val="FF0000"/>
+          </a:solidFill>
+        </p:spPr>
+        <p:style>
+          <a:lnRef idx="2">
+            <a:schemeClr val="accent1">
+              <a:shade val="50000"/>
+            </a:schemeClr>
+          </a:lnRef>
+          <a:fillRef idx="1">
+            <a:schemeClr val="accent1"/>
+          </a:fillRef>
+          <a:effectRef idx="0">
+            <a:schemeClr val="accent1"/>
+          </a:effectRef>
+          <a:fontRef idx="minor">
+            <a:schemeClr val="lt1"/>
+          </a:fontRef>
+        </p:style>
+        <p:txBody>
+          <a:bodyPr rtlCol="0" anchor="ctr"/>
+          <a:lstStyle/>
+          <a:p>
+            <a:pPr algn="ctr"/>
+            <a:r>
+              <a:rPr lang="en-US" altLang="zh-CN" dirty="0" smtClean="0"/>
+              <a:t>4</a:t>
+            </a:r>
+            <a:endParaRPr lang="zh-CN" altLang="en-US" dirty="0"/>
+          </a:p>
+        </p:txBody>
+      </p:sp>
+      <p:sp>
+        <p:nvSpPr>
+          <p:cNvPr id="18" name="矩形 17"/>
+          <p:cNvSpPr/>
+          <p:nvPr/>
+        </p:nvSpPr>
+        <p:spPr>
+          <a:xfrm>
+            <a:off x="929640" y="2876550"/>
+            <a:ext cx="441960" cy="419100"/>
+          </a:xfrm>
+          <a:prstGeom prst="rect">
+            <a:avLst/>
+          </a:prstGeom>
+          <a:solidFill>
+            <a:srgbClr val="FF0000"/>
+          </a:solidFill>
+        </p:spPr>
+        <p:style>
+          <a:lnRef idx="2">
+            <a:schemeClr val="accent1">
+              <a:shade val="50000"/>
+            </a:schemeClr>
+          </a:lnRef>
+          <a:fillRef idx="1">
+            <a:schemeClr val="accent1"/>
+          </a:fillRef>
+          <a:effectRef idx="0">
+            <a:schemeClr val="accent1"/>
+          </a:effectRef>
+          <a:fontRef idx="minor">
+            <a:schemeClr val="lt1"/>
+          </a:fontRef>
+        </p:style>
+        <p:txBody>
+          <a:bodyPr rtlCol="0" anchor="ctr"/>
+          <a:lstStyle/>
+          <a:p>
+            <a:pPr algn="ctr"/>
+            <a:r>
+              <a:rPr lang="en-US" altLang="zh-CN" dirty="0" smtClean="0"/>
+              <a:t>0</a:t>
+            </a:r>
+            <a:endParaRPr lang="zh-CN" altLang="en-US" dirty="0"/>
+          </a:p>
+        </p:txBody>
+      </p:sp>
+      <p:sp>
+        <p:nvSpPr>
+          <p:cNvPr id="19" name="矩形 18"/>
+          <p:cNvSpPr/>
+          <p:nvPr/>
+        </p:nvSpPr>
+        <p:spPr>
+          <a:xfrm>
+            <a:off x="1371600" y="2457450"/>
+            <a:ext cx="441960" cy="419100"/>
+          </a:xfrm>
+          <a:prstGeom prst="rect">
+            <a:avLst/>
+          </a:prstGeom>
+        </p:spPr>
+        <p:style>
+          <a:lnRef idx="2">
+            <a:schemeClr val="accent1">
+              <a:shade val="50000"/>
+            </a:schemeClr>
+          </a:lnRef>
+          <a:fillRef idx="1">
+            <a:schemeClr val="accent1"/>
+          </a:fillRef>
+          <a:effectRef idx="0">
+            <a:schemeClr val="accent1"/>
+          </a:effectRef>
+          <a:fontRef idx="minor">
+            <a:schemeClr val="lt1"/>
+          </a:fontRef>
+        </p:style>
+        <p:txBody>
+          <a:bodyPr rtlCol="0" anchor="ctr"/>
+          <a:lstStyle/>
+          <a:p>
+            <a:pPr algn="ctr"/>
+            <a:r>
+              <a:rPr lang="en-US" altLang="zh-CN" dirty="0" smtClean="0"/>
+              <a:t>2</a:t>
+            </a:r>
+            <a:endParaRPr lang="zh-CN" altLang="en-US" dirty="0"/>
+          </a:p>
+        </p:txBody>
+      </p:sp>
+      <p:sp>
+        <p:nvSpPr>
+          <p:cNvPr id="20" name="矩形 19"/>
+          <p:cNvSpPr/>
+          <p:nvPr/>
+        </p:nvSpPr>
+        <p:spPr>
+          <a:xfrm>
+            <a:off x="1371600" y="2876550"/>
+            <a:ext cx="441960" cy="419100"/>
+          </a:xfrm>
+          <a:prstGeom prst="rect">
+            <a:avLst/>
+          </a:prstGeom>
+          <a:solidFill>
+            <a:schemeClr val="tx1">
+              <a:lumMod val="95000"/>
+              <a:lumOff val="5000"/>
+            </a:schemeClr>
+          </a:solidFill>
+        </p:spPr>
+        <p:style>
+          <a:lnRef idx="2">
+            <a:schemeClr val="accent1">
+              <a:shade val="50000"/>
+            </a:schemeClr>
+          </a:lnRef>
+          <a:fillRef idx="1">
+            <a:schemeClr val="accent1"/>
+          </a:fillRef>
+          <a:effectRef idx="0">
+            <a:schemeClr val="accent1"/>
+          </a:effectRef>
+          <a:fontRef idx="minor">
+            <a:schemeClr val="lt1"/>
+          </a:fontRef>
+        </p:style>
+        <p:txBody>
+          <a:bodyPr rtlCol="0" anchor="ctr"/>
+          <a:lstStyle/>
+          <a:p>
+            <a:pPr algn="ctr"/>
+            <a:r>
+              <a:rPr lang="en-US" altLang="zh-CN" dirty="0" smtClean="0"/>
+              <a:t>1</a:t>
+            </a:r>
+            <a:endParaRPr lang="zh-CN" altLang="en-US" dirty="0"/>
+          </a:p>
+        </p:txBody>
+      </p:sp>
+      <p:sp>
+        <p:nvSpPr>
+          <p:cNvPr id="21" name="矩形 20"/>
+          <p:cNvSpPr/>
+          <p:nvPr/>
+        </p:nvSpPr>
+        <p:spPr>
+          <a:xfrm flipV="1">
+            <a:off x="1813560" y="2876550"/>
+            <a:ext cx="441960" cy="95250"/>
+          </a:xfrm>
+          <a:prstGeom prst="rect">
+            <a:avLst/>
+          </a:prstGeom>
+        </p:spPr>
+        <p:style>
+          <a:lnRef idx="2">
+            <a:schemeClr val="accent1">
+              <a:shade val="50000"/>
+            </a:schemeClr>
+          </a:lnRef>
+          <a:fillRef idx="1">
+            <a:schemeClr val="accent1"/>
+          </a:fillRef>
+          <a:effectRef idx="0">
+            <a:schemeClr val="accent1"/>
+          </a:effectRef>
+          <a:fontRef idx="minor">
+            <a:schemeClr val="lt1"/>
+          </a:fontRef>
+        </p:style>
+        <p:txBody>
+          <a:bodyPr rtlCol="0" anchor="ctr"/>
+          <a:lstStyle/>
+          <a:p>
+            <a:pPr algn="ctr"/>
+            <a:r>
+              <a:rPr lang="en-US" altLang="zh-CN" dirty="0"/>
+              <a:t>0</a:t>
+            </a:r>
+            <a:endParaRPr lang="zh-CN" altLang="en-US" dirty="0"/>
+          </a:p>
+        </p:txBody>
+      </p:sp>
+      <p:sp>
+        <p:nvSpPr>
+          <p:cNvPr id="22" name="矩形 21"/>
+          <p:cNvSpPr/>
+          <p:nvPr/>
+        </p:nvSpPr>
+        <p:spPr>
+          <a:xfrm>
+            <a:off x="1813560" y="2876550"/>
+            <a:ext cx="441960" cy="419100"/>
+          </a:xfrm>
+          <a:prstGeom prst="rect">
+            <a:avLst/>
+          </a:prstGeom>
+          <a:solidFill>
+            <a:schemeClr val="tx1">
+              <a:lumMod val="95000"/>
+              <a:lumOff val="5000"/>
+            </a:schemeClr>
+          </a:solidFill>
+        </p:spPr>
+        <p:style>
+          <a:lnRef idx="2">
+            <a:schemeClr val="accent1">
+              <a:shade val="50000"/>
+            </a:schemeClr>
+          </a:lnRef>
+          <a:fillRef idx="1">
+            <a:schemeClr val="accent1"/>
+          </a:fillRef>
+          <a:effectRef idx="0">
+            <a:schemeClr val="accent1"/>
+          </a:effectRef>
+          <a:fontRef idx="minor">
+            <a:schemeClr val="lt1"/>
+          </a:fontRef>
+        </p:style>
+        <p:txBody>
+          <a:bodyPr rtlCol="0" anchor="ctr"/>
+          <a:lstStyle/>
+          <a:p>
+            <a:pPr algn="ctr"/>
+            <a:r>
+              <a:rPr lang="en-US" altLang="zh-CN" dirty="0"/>
+              <a:t>2</a:t>
+            </a:r>
+            <a:endParaRPr lang="zh-CN" altLang="en-US" dirty="0"/>
+          </a:p>
+        </p:txBody>
+      </p:sp>
+      <p:sp>
+        <p:nvSpPr>
+          <p:cNvPr id="23" name="文本框 22"/>
+          <p:cNvSpPr txBox="1"/>
+          <p:nvPr/>
+        </p:nvSpPr>
+        <p:spPr>
+          <a:xfrm>
+            <a:off x="2461259" y="2457450"/>
+            <a:ext cx="9965319" cy="584775"/>
+          </a:xfrm>
+          <a:prstGeom prst="rect">
+            <a:avLst/>
+          </a:prstGeom>
+          <a:noFill/>
+        </p:spPr>
+        <p:txBody>
+          <a:bodyPr wrap="square" rtlCol="0">
+            <a:spAutoFit/>
+          </a:bodyPr>
+          <a:lstStyle/>
+          <a:p>
+            <a:pPr>
+              <a:lnSpc>
+                <a:spcPct val="200000"/>
+              </a:lnSpc>
+            </a:pPr>
+            <a:r>
+              <a:rPr lang="en-US" altLang="zh-CN" sz="1600" dirty="0" smtClean="0">
+                <a:latin typeface="Times New Roman" panose="02020603050405020304" pitchFamily="18" charset="0"/>
+                <a:ea typeface="宋体" panose="02010600030101010101" pitchFamily="2" charset="-122"/>
+                <a:cs typeface="Times New Roman" panose="02020603050405020304" pitchFamily="18" charset="0"/>
+              </a:rPr>
+              <a:t>2</a:t>
+            </a:r>
+            <a:r>
+              <a:rPr lang="zh-CN" altLang="en-US" sz="1600" dirty="0" smtClean="0">
+                <a:latin typeface="Times New Roman" panose="02020603050405020304" pitchFamily="18" charset="0"/>
+                <a:ea typeface="宋体" panose="02010600030101010101" pitchFamily="2" charset="-122"/>
+                <a:cs typeface="Times New Roman" panose="02020603050405020304" pitchFamily="18" charset="0"/>
+              </a:rPr>
+              <a:t>、当 </a:t>
+            </a:r>
+            <a:r>
+              <a:rPr lang="en-US" altLang="zh-CN" sz="1600" dirty="0" smtClean="0">
+                <a:latin typeface="Times New Roman" panose="02020603050405020304" pitchFamily="18" charset="0"/>
+                <a:ea typeface="宋体" panose="02010600030101010101" pitchFamily="2" charset="-122"/>
+                <a:cs typeface="Times New Roman" panose="02020603050405020304" pitchFamily="18" charset="0"/>
+              </a:rPr>
+              <a:t>height = 0 </a:t>
+            </a:r>
+            <a:r>
+              <a:rPr lang="zh-CN" altLang="en-US" sz="1600" dirty="0" smtClean="0">
+                <a:latin typeface="Times New Roman" panose="02020603050405020304" pitchFamily="18" charset="0"/>
+                <a:ea typeface="宋体" panose="02010600030101010101" pitchFamily="2" charset="-122"/>
+                <a:cs typeface="Times New Roman" panose="02020603050405020304" pitchFamily="18" charset="0"/>
+              </a:rPr>
+              <a:t>的时候，</a:t>
+            </a:r>
+            <a:r>
+              <a:rPr lang="en-US" altLang="zh-CN" sz="1600" dirty="0" smtClean="0">
+                <a:latin typeface="Times New Roman" panose="02020603050405020304" pitchFamily="18" charset="0"/>
+                <a:ea typeface="宋体" panose="02010600030101010101" pitchFamily="2" charset="-122"/>
+                <a:cs typeface="Times New Roman" panose="02020603050405020304" pitchFamily="18" charset="0"/>
+              </a:rPr>
+              <a:t>height = 2</a:t>
+            </a:r>
+            <a:r>
+              <a:rPr lang="zh-CN" altLang="en-US" sz="1600" dirty="0" smtClean="0">
+                <a:latin typeface="Times New Roman" panose="02020603050405020304" pitchFamily="18" charset="0"/>
+                <a:ea typeface="宋体" panose="02010600030101010101" pitchFamily="2" charset="-122"/>
+                <a:cs typeface="Times New Roman" panose="02020603050405020304" pitchFamily="18" charset="0"/>
+              </a:rPr>
+              <a:t>可以确定的最大面积可以确定，</a:t>
+            </a:r>
+            <a:r>
+              <a:rPr lang="en-US" altLang="zh-CN" sz="1600" dirty="0" smtClean="0">
+                <a:latin typeface="Times New Roman" panose="02020603050405020304" pitchFamily="18" charset="0"/>
+                <a:ea typeface="宋体" panose="02010600030101010101" pitchFamily="2" charset="-122"/>
+                <a:cs typeface="Times New Roman" panose="02020603050405020304" pitchFamily="18" charset="0"/>
+              </a:rPr>
+              <a:t>max-area =  2 * (2)</a:t>
+            </a:r>
+            <a:endParaRPr lang="zh-CN" altLang="en-US" dirty="0">
+              <a:latin typeface="Times New Roman" panose="02020603050405020304" pitchFamily="18" charset="0"/>
+              <a:ea typeface="宋体" panose="02010600030101010101" pitchFamily="2" charset="-122"/>
+              <a:cs typeface="Times New Roman" panose="02020603050405020304" pitchFamily="18" charset="0"/>
+            </a:endParaRPr>
+          </a:p>
+        </p:txBody>
+      </p:sp>
+      <p:sp>
+        <p:nvSpPr>
+          <p:cNvPr id="24" name="文本框 23"/>
+          <p:cNvSpPr txBox="1"/>
+          <p:nvPr/>
+        </p:nvSpPr>
+        <p:spPr>
+          <a:xfrm>
+            <a:off x="1866900" y="2552700"/>
+            <a:ext cx="335280" cy="369332"/>
+          </a:xfrm>
+          <a:prstGeom prst="rect">
+            <a:avLst/>
+          </a:prstGeom>
+          <a:noFill/>
+        </p:spPr>
+        <p:txBody>
+          <a:bodyPr wrap="square" rtlCol="0">
+            <a:spAutoFit/>
+          </a:bodyPr>
+          <a:lstStyle/>
+          <a:p>
+            <a:r>
+              <a:rPr lang="en-US" altLang="zh-CN" dirty="0" smtClean="0"/>
+              <a:t>0</a:t>
+            </a:r>
+            <a:endParaRPr lang="zh-CN" altLang="en-US" dirty="0"/>
+          </a:p>
+        </p:txBody>
+      </p:sp>
+      <p:sp>
+        <p:nvSpPr>
+          <p:cNvPr id="25" name="矩形 24"/>
+          <p:cNvSpPr/>
+          <p:nvPr/>
+        </p:nvSpPr>
+        <p:spPr>
+          <a:xfrm>
+            <a:off x="929640" y="3676650"/>
+            <a:ext cx="441960" cy="800100"/>
+          </a:xfrm>
+          <a:prstGeom prst="rect">
+            <a:avLst/>
+          </a:prstGeom>
+          <a:solidFill>
+            <a:srgbClr val="FF0000"/>
+          </a:solidFill>
+        </p:spPr>
+        <p:style>
+          <a:lnRef idx="2">
+            <a:schemeClr val="accent1">
+              <a:shade val="50000"/>
+            </a:schemeClr>
+          </a:lnRef>
+          <a:fillRef idx="1">
+            <a:schemeClr val="accent1"/>
+          </a:fillRef>
+          <a:effectRef idx="0">
+            <a:schemeClr val="accent1"/>
+          </a:effectRef>
+          <a:fontRef idx="minor">
+            <a:schemeClr val="lt1"/>
+          </a:fontRef>
+        </p:style>
+        <p:txBody>
+          <a:bodyPr rtlCol="0" anchor="ctr"/>
+          <a:lstStyle/>
+          <a:p>
+            <a:pPr algn="ctr"/>
+            <a:r>
+              <a:rPr lang="en-US" altLang="zh-CN" dirty="0" smtClean="0"/>
+              <a:t>4</a:t>
+            </a:r>
+            <a:endParaRPr lang="zh-CN" altLang="en-US" dirty="0"/>
+          </a:p>
+        </p:txBody>
+      </p:sp>
+      <p:sp>
+        <p:nvSpPr>
+          <p:cNvPr id="26" name="矩形 25"/>
+          <p:cNvSpPr/>
+          <p:nvPr/>
+        </p:nvSpPr>
+        <p:spPr>
+          <a:xfrm>
+            <a:off x="929640" y="4476750"/>
+            <a:ext cx="441960" cy="419100"/>
+          </a:xfrm>
+          <a:prstGeom prst="rect">
+            <a:avLst/>
+          </a:prstGeom>
+          <a:solidFill>
+            <a:srgbClr val="FF0000"/>
+          </a:solidFill>
+        </p:spPr>
+        <p:style>
+          <a:lnRef idx="2">
+            <a:schemeClr val="accent1">
+              <a:shade val="50000"/>
+            </a:schemeClr>
+          </a:lnRef>
+          <a:fillRef idx="1">
+            <a:schemeClr val="accent1"/>
+          </a:fillRef>
+          <a:effectRef idx="0">
+            <a:schemeClr val="accent1"/>
+          </a:effectRef>
+          <a:fontRef idx="minor">
+            <a:schemeClr val="lt1"/>
+          </a:fontRef>
+        </p:style>
+        <p:txBody>
+          <a:bodyPr rtlCol="0" anchor="ctr"/>
+          <a:lstStyle/>
+          <a:p>
+            <a:pPr algn="ctr"/>
+            <a:r>
+              <a:rPr lang="en-US" altLang="zh-CN" dirty="0" smtClean="0"/>
+              <a:t>0</a:t>
+            </a:r>
+            <a:endParaRPr lang="zh-CN" altLang="en-US" dirty="0"/>
+          </a:p>
+        </p:txBody>
+      </p:sp>
+      <p:sp>
+        <p:nvSpPr>
+          <p:cNvPr id="27" name="矩形 26"/>
+          <p:cNvSpPr/>
+          <p:nvPr/>
+        </p:nvSpPr>
+        <p:spPr>
+          <a:xfrm>
+            <a:off x="1371600" y="4057650"/>
+            <a:ext cx="441960" cy="419100"/>
+          </a:xfrm>
+          <a:prstGeom prst="rect">
+            <a:avLst/>
+          </a:prstGeom>
+          <a:solidFill>
+            <a:srgbClr val="FF0000"/>
+          </a:solidFill>
+        </p:spPr>
+        <p:style>
+          <a:lnRef idx="2">
+            <a:schemeClr val="accent1">
+              <a:shade val="50000"/>
+            </a:schemeClr>
+          </a:lnRef>
+          <a:fillRef idx="1">
+            <a:schemeClr val="accent1"/>
+          </a:fillRef>
+          <a:effectRef idx="0">
+            <a:schemeClr val="accent1"/>
+          </a:effectRef>
+          <a:fontRef idx="minor">
+            <a:schemeClr val="lt1"/>
+          </a:fontRef>
+        </p:style>
+        <p:txBody>
+          <a:bodyPr rtlCol="0" anchor="ctr"/>
+          <a:lstStyle/>
+          <a:p>
+            <a:pPr algn="ctr"/>
+            <a:r>
+              <a:rPr lang="en-US" altLang="zh-CN" dirty="0" smtClean="0"/>
+              <a:t>2</a:t>
+            </a:r>
+            <a:endParaRPr lang="zh-CN" altLang="en-US" dirty="0"/>
+          </a:p>
+        </p:txBody>
+      </p:sp>
+      <p:sp>
+        <p:nvSpPr>
+          <p:cNvPr id="28" name="矩形 27"/>
+          <p:cNvSpPr/>
+          <p:nvPr/>
+        </p:nvSpPr>
+        <p:spPr>
+          <a:xfrm>
+            <a:off x="1371600" y="4476750"/>
+            <a:ext cx="441960" cy="419100"/>
+          </a:xfrm>
+          <a:prstGeom prst="rect">
+            <a:avLst/>
+          </a:prstGeom>
+          <a:solidFill>
+            <a:srgbClr val="FF0000"/>
+          </a:solidFill>
+        </p:spPr>
+        <p:style>
+          <a:lnRef idx="2">
+            <a:schemeClr val="accent1">
+              <a:shade val="50000"/>
+            </a:schemeClr>
+          </a:lnRef>
+          <a:fillRef idx="1">
+            <a:schemeClr val="accent1"/>
+          </a:fillRef>
+          <a:effectRef idx="0">
+            <a:schemeClr val="accent1"/>
+          </a:effectRef>
+          <a:fontRef idx="minor">
+            <a:schemeClr val="lt1"/>
+          </a:fontRef>
+        </p:style>
+        <p:txBody>
+          <a:bodyPr rtlCol="0" anchor="ctr"/>
+          <a:lstStyle/>
+          <a:p>
+            <a:pPr algn="ctr"/>
+            <a:r>
+              <a:rPr lang="en-US" altLang="zh-CN" dirty="0" smtClean="0"/>
+              <a:t>1</a:t>
+            </a:r>
+            <a:endParaRPr lang="zh-CN" altLang="en-US" dirty="0"/>
+          </a:p>
+        </p:txBody>
+      </p:sp>
+      <p:sp>
+        <p:nvSpPr>
+          <p:cNvPr id="29" name="矩形 28"/>
+          <p:cNvSpPr/>
+          <p:nvPr/>
+        </p:nvSpPr>
+        <p:spPr>
+          <a:xfrm flipV="1">
+            <a:off x="1813560" y="4476750"/>
+            <a:ext cx="441960" cy="95250"/>
+          </a:xfrm>
+          <a:prstGeom prst="rect">
+            <a:avLst/>
+          </a:prstGeom>
+        </p:spPr>
+        <p:style>
+          <a:lnRef idx="2">
+            <a:schemeClr val="accent1">
+              <a:shade val="50000"/>
+            </a:schemeClr>
+          </a:lnRef>
+          <a:fillRef idx="1">
+            <a:schemeClr val="accent1"/>
+          </a:fillRef>
+          <a:effectRef idx="0">
+            <a:schemeClr val="accent1"/>
+          </a:effectRef>
+          <a:fontRef idx="minor">
+            <a:schemeClr val="lt1"/>
+          </a:fontRef>
+        </p:style>
+        <p:txBody>
+          <a:bodyPr rtlCol="0" anchor="ctr"/>
+          <a:lstStyle/>
+          <a:p>
+            <a:pPr algn="ctr"/>
+            <a:r>
+              <a:rPr lang="en-US" altLang="zh-CN" dirty="0"/>
+              <a:t>0</a:t>
+            </a:r>
+            <a:endParaRPr lang="zh-CN" altLang="en-US" dirty="0"/>
+          </a:p>
+        </p:txBody>
+      </p:sp>
+      <p:sp>
+        <p:nvSpPr>
+          <p:cNvPr id="30" name="矩形 29"/>
+          <p:cNvSpPr/>
+          <p:nvPr/>
+        </p:nvSpPr>
+        <p:spPr>
+          <a:xfrm>
+            <a:off x="1813560" y="4476750"/>
+            <a:ext cx="441960" cy="419100"/>
+          </a:xfrm>
+          <a:prstGeom prst="rect">
+            <a:avLst/>
+          </a:prstGeom>
+          <a:solidFill>
+            <a:schemeClr val="tx1">
+              <a:lumMod val="95000"/>
+              <a:lumOff val="5000"/>
+            </a:schemeClr>
+          </a:solidFill>
+        </p:spPr>
+        <p:style>
+          <a:lnRef idx="2">
+            <a:schemeClr val="accent1">
+              <a:shade val="50000"/>
+            </a:schemeClr>
+          </a:lnRef>
+          <a:fillRef idx="1">
+            <a:schemeClr val="accent1"/>
+          </a:fillRef>
+          <a:effectRef idx="0">
+            <a:schemeClr val="accent1"/>
+          </a:effectRef>
+          <a:fontRef idx="minor">
+            <a:schemeClr val="lt1"/>
+          </a:fontRef>
+        </p:style>
+        <p:txBody>
+          <a:bodyPr rtlCol="0" anchor="ctr"/>
+          <a:lstStyle/>
+          <a:p>
+            <a:pPr algn="ctr"/>
+            <a:r>
+              <a:rPr lang="en-US" altLang="zh-CN" dirty="0"/>
+              <a:t>2</a:t>
+            </a:r>
+            <a:endParaRPr lang="zh-CN" altLang="en-US" dirty="0"/>
+          </a:p>
+        </p:txBody>
+      </p:sp>
+      <p:sp>
+        <p:nvSpPr>
+          <p:cNvPr id="31" name="文本框 30"/>
+          <p:cNvSpPr txBox="1"/>
+          <p:nvPr/>
+        </p:nvSpPr>
+        <p:spPr>
+          <a:xfrm>
+            <a:off x="1866900" y="4152900"/>
+            <a:ext cx="335280" cy="369332"/>
+          </a:xfrm>
+          <a:prstGeom prst="rect">
+            <a:avLst/>
+          </a:prstGeom>
+          <a:noFill/>
+        </p:spPr>
+        <p:txBody>
+          <a:bodyPr wrap="square" rtlCol="0">
+            <a:spAutoFit/>
+          </a:bodyPr>
+          <a:lstStyle/>
+          <a:p>
+            <a:r>
+              <a:rPr lang="en-US" altLang="zh-CN" dirty="0" smtClean="0"/>
+              <a:t>0</a:t>
+            </a:r>
+            <a:endParaRPr lang="zh-CN" altLang="en-US" dirty="0"/>
+          </a:p>
+        </p:txBody>
+      </p:sp>
+      <p:sp>
+        <p:nvSpPr>
+          <p:cNvPr id="32" name="矩形 31"/>
+          <p:cNvSpPr/>
+          <p:nvPr/>
+        </p:nvSpPr>
+        <p:spPr>
+          <a:xfrm flipV="1">
+            <a:off x="2240279" y="4476750"/>
+            <a:ext cx="441960" cy="95250"/>
+          </a:xfrm>
+          <a:prstGeom prst="rect">
+            <a:avLst/>
+          </a:prstGeom>
+        </p:spPr>
+        <p:style>
+          <a:lnRef idx="2">
+            <a:schemeClr val="accent1">
+              <a:shade val="50000"/>
+            </a:schemeClr>
+          </a:lnRef>
+          <a:fillRef idx="1">
+            <a:schemeClr val="accent1"/>
+          </a:fillRef>
+          <a:effectRef idx="0">
+            <a:schemeClr val="accent1"/>
+          </a:effectRef>
+          <a:fontRef idx="minor">
+            <a:schemeClr val="lt1"/>
+          </a:fontRef>
+        </p:style>
+        <p:txBody>
+          <a:bodyPr rtlCol="0" anchor="ctr"/>
+          <a:lstStyle/>
+          <a:p>
+            <a:pPr algn="ctr"/>
+            <a:r>
+              <a:rPr lang="en-US" altLang="zh-CN" dirty="0"/>
+              <a:t>0</a:t>
+            </a:r>
+            <a:endParaRPr lang="zh-CN" altLang="en-US" dirty="0"/>
+          </a:p>
+        </p:txBody>
+      </p:sp>
+      <p:sp>
+        <p:nvSpPr>
+          <p:cNvPr id="33" name="矩形 32"/>
+          <p:cNvSpPr/>
+          <p:nvPr/>
+        </p:nvSpPr>
+        <p:spPr>
+          <a:xfrm>
+            <a:off x="2240279" y="4476750"/>
+            <a:ext cx="441960" cy="419100"/>
+          </a:xfrm>
+          <a:prstGeom prst="rect">
+            <a:avLst/>
+          </a:prstGeom>
+          <a:solidFill>
+            <a:schemeClr val="tx1">
+              <a:lumMod val="95000"/>
+              <a:lumOff val="5000"/>
+            </a:schemeClr>
+          </a:solidFill>
+        </p:spPr>
+        <p:style>
+          <a:lnRef idx="2">
+            <a:schemeClr val="accent1">
+              <a:shade val="50000"/>
+            </a:schemeClr>
+          </a:lnRef>
+          <a:fillRef idx="1">
+            <a:schemeClr val="accent1"/>
+          </a:fillRef>
+          <a:effectRef idx="0">
+            <a:schemeClr val="accent1"/>
+          </a:effectRef>
+          <a:fontRef idx="minor">
+            <a:schemeClr val="lt1"/>
+          </a:fontRef>
+        </p:style>
+        <p:txBody>
+          <a:bodyPr rtlCol="0" anchor="ctr"/>
+          <a:lstStyle/>
+          <a:p>
+            <a:pPr algn="ctr"/>
+            <a:r>
+              <a:rPr lang="en-US" altLang="zh-CN" dirty="0" smtClean="0"/>
+              <a:t>3</a:t>
+            </a:r>
+            <a:endParaRPr lang="zh-CN" altLang="en-US" dirty="0"/>
+          </a:p>
+        </p:txBody>
+      </p:sp>
+      <p:sp>
+        <p:nvSpPr>
+          <p:cNvPr id="35" name="矩形 34"/>
+          <p:cNvSpPr/>
+          <p:nvPr/>
+        </p:nvSpPr>
+        <p:spPr>
+          <a:xfrm>
+            <a:off x="2240280" y="3886200"/>
+            <a:ext cx="441960" cy="609600"/>
+          </a:xfrm>
+          <a:prstGeom prst="rect">
+            <a:avLst/>
+          </a:prstGeom>
+        </p:spPr>
+        <p:style>
+          <a:lnRef idx="2">
+            <a:schemeClr val="accent1">
+              <a:shade val="50000"/>
+            </a:schemeClr>
+          </a:lnRef>
+          <a:fillRef idx="1">
+            <a:schemeClr val="accent1"/>
+          </a:fillRef>
+          <a:effectRef idx="0">
+            <a:schemeClr val="accent1"/>
+          </a:effectRef>
+          <a:fontRef idx="minor">
+            <a:schemeClr val="lt1"/>
+          </a:fontRef>
+        </p:style>
+        <p:txBody>
+          <a:bodyPr rtlCol="0" anchor="ctr"/>
+          <a:lstStyle/>
+          <a:p>
+            <a:pPr algn="ctr"/>
+            <a:r>
+              <a:rPr lang="en-US" altLang="zh-CN" dirty="0" smtClean="0"/>
+              <a:t>3</a:t>
+            </a:r>
+            <a:endParaRPr lang="zh-CN" altLang="en-US" dirty="0"/>
+          </a:p>
+        </p:txBody>
+      </p:sp>
+      <p:sp>
+        <p:nvSpPr>
+          <p:cNvPr id="36" name="矩形 35"/>
+          <p:cNvSpPr/>
+          <p:nvPr/>
+        </p:nvSpPr>
+        <p:spPr>
+          <a:xfrm flipV="1">
+            <a:off x="2682239" y="4476750"/>
+            <a:ext cx="441960" cy="95250"/>
+          </a:xfrm>
+          <a:prstGeom prst="rect">
+            <a:avLst/>
+          </a:prstGeom>
+        </p:spPr>
+        <p:style>
+          <a:lnRef idx="2">
+            <a:schemeClr val="accent1">
+              <a:shade val="50000"/>
+            </a:schemeClr>
+          </a:lnRef>
+          <a:fillRef idx="1">
+            <a:schemeClr val="accent1"/>
+          </a:fillRef>
+          <a:effectRef idx="0">
+            <a:schemeClr val="accent1"/>
+          </a:effectRef>
+          <a:fontRef idx="minor">
+            <a:schemeClr val="lt1"/>
+          </a:fontRef>
+        </p:style>
+        <p:txBody>
+          <a:bodyPr rtlCol="0" anchor="ctr"/>
+          <a:lstStyle/>
+          <a:p>
+            <a:pPr algn="ctr"/>
+            <a:r>
+              <a:rPr lang="en-US" altLang="zh-CN" dirty="0"/>
+              <a:t>0</a:t>
+            </a:r>
+            <a:endParaRPr lang="zh-CN" altLang="en-US" dirty="0"/>
+          </a:p>
+        </p:txBody>
+      </p:sp>
+      <p:sp>
+        <p:nvSpPr>
+          <p:cNvPr id="37" name="矩形 36"/>
+          <p:cNvSpPr/>
+          <p:nvPr/>
+        </p:nvSpPr>
+        <p:spPr>
+          <a:xfrm>
+            <a:off x="2682239" y="4476750"/>
+            <a:ext cx="441960" cy="419100"/>
+          </a:xfrm>
+          <a:prstGeom prst="rect">
+            <a:avLst/>
+          </a:prstGeom>
+          <a:solidFill>
+            <a:schemeClr val="tx1">
+              <a:lumMod val="95000"/>
+              <a:lumOff val="5000"/>
+            </a:schemeClr>
+          </a:solidFill>
+        </p:spPr>
+        <p:style>
+          <a:lnRef idx="2">
+            <a:schemeClr val="accent1">
+              <a:shade val="50000"/>
+            </a:schemeClr>
+          </a:lnRef>
+          <a:fillRef idx="1">
+            <a:schemeClr val="accent1"/>
+          </a:fillRef>
+          <a:effectRef idx="0">
+            <a:schemeClr val="accent1"/>
+          </a:effectRef>
+          <a:fontRef idx="minor">
+            <a:schemeClr val="lt1"/>
+          </a:fontRef>
+        </p:style>
+        <p:txBody>
+          <a:bodyPr rtlCol="0" anchor="ctr"/>
+          <a:lstStyle/>
+          <a:p>
+            <a:pPr algn="ctr"/>
+            <a:r>
+              <a:rPr lang="en-US" altLang="zh-CN" dirty="0"/>
+              <a:t>4</a:t>
+            </a:r>
+            <a:endParaRPr lang="zh-CN" altLang="en-US" dirty="0"/>
+          </a:p>
+        </p:txBody>
+      </p:sp>
+      <p:sp>
+        <p:nvSpPr>
+          <p:cNvPr id="38" name="矩形 37"/>
+          <p:cNvSpPr/>
+          <p:nvPr/>
+        </p:nvSpPr>
+        <p:spPr>
+          <a:xfrm>
+            <a:off x="2682240" y="4076700"/>
+            <a:ext cx="441960" cy="419100"/>
+          </a:xfrm>
+          <a:prstGeom prst="rect">
+            <a:avLst/>
+          </a:prstGeom>
+        </p:spPr>
+        <p:style>
+          <a:lnRef idx="2">
+            <a:schemeClr val="accent1">
+              <a:shade val="50000"/>
+            </a:schemeClr>
+          </a:lnRef>
+          <a:fillRef idx="1">
+            <a:schemeClr val="accent1"/>
+          </a:fillRef>
+          <a:effectRef idx="0">
+            <a:schemeClr val="accent1"/>
+          </a:effectRef>
+          <a:fontRef idx="minor">
+            <a:schemeClr val="lt1"/>
+          </a:fontRef>
+        </p:style>
+        <p:txBody>
+          <a:bodyPr rtlCol="0" anchor="ctr"/>
+          <a:lstStyle/>
+          <a:p>
+            <a:pPr algn="ctr"/>
+            <a:r>
+              <a:rPr lang="en-US" altLang="zh-CN" dirty="0" smtClean="0"/>
+              <a:t>2</a:t>
+            </a:r>
+            <a:endParaRPr lang="zh-CN" altLang="en-US" dirty="0"/>
+          </a:p>
+        </p:txBody>
+      </p:sp>
+      <p:sp>
+        <p:nvSpPr>
+          <p:cNvPr id="39" name="文本框 38"/>
+          <p:cNvSpPr txBox="1"/>
+          <p:nvPr/>
+        </p:nvSpPr>
+        <p:spPr>
+          <a:xfrm>
+            <a:off x="3238499" y="3937457"/>
+            <a:ext cx="8808721" cy="584775"/>
+          </a:xfrm>
+          <a:prstGeom prst="rect">
+            <a:avLst/>
+          </a:prstGeom>
+          <a:noFill/>
+        </p:spPr>
+        <p:txBody>
+          <a:bodyPr wrap="square" rtlCol="0">
+            <a:spAutoFit/>
+          </a:bodyPr>
+          <a:lstStyle/>
+          <a:p>
+            <a:pPr>
+              <a:lnSpc>
+                <a:spcPct val="200000"/>
+              </a:lnSpc>
+            </a:pPr>
+            <a:r>
+              <a:rPr lang="en-US" altLang="zh-CN" sz="1600" dirty="0" smtClean="0">
+                <a:latin typeface="Times New Roman" panose="02020603050405020304" pitchFamily="18" charset="0"/>
+                <a:ea typeface="宋体" panose="02010600030101010101" pitchFamily="2" charset="-122"/>
+                <a:cs typeface="Times New Roman" panose="02020603050405020304" pitchFamily="18" charset="0"/>
+              </a:rPr>
+              <a:t>3</a:t>
+            </a:r>
+            <a:r>
+              <a:rPr lang="zh-CN" altLang="en-US" sz="1600" dirty="0" smtClean="0">
+                <a:latin typeface="Times New Roman" panose="02020603050405020304" pitchFamily="18" charset="0"/>
+                <a:ea typeface="宋体" panose="02010600030101010101" pitchFamily="2" charset="-122"/>
+                <a:cs typeface="Times New Roman" panose="02020603050405020304" pitchFamily="18" charset="0"/>
+              </a:rPr>
+              <a:t>、当 </a:t>
+            </a:r>
+            <a:r>
+              <a:rPr lang="en-US" altLang="zh-CN" sz="1600" dirty="0" smtClean="0">
+                <a:latin typeface="Times New Roman" panose="02020603050405020304" pitchFamily="18" charset="0"/>
+                <a:ea typeface="宋体" panose="02010600030101010101" pitchFamily="2" charset="-122"/>
+                <a:cs typeface="Times New Roman" panose="02020603050405020304" pitchFamily="18" charset="0"/>
+              </a:rPr>
+              <a:t>height = 2 </a:t>
+            </a:r>
+            <a:r>
+              <a:rPr lang="zh-CN" altLang="en-US" sz="1600" dirty="0" smtClean="0">
+                <a:latin typeface="Times New Roman" panose="02020603050405020304" pitchFamily="18" charset="0"/>
+                <a:ea typeface="宋体" panose="02010600030101010101" pitchFamily="2" charset="-122"/>
+                <a:cs typeface="Times New Roman" panose="02020603050405020304" pitchFamily="18" charset="0"/>
+              </a:rPr>
+              <a:t>的时候，</a:t>
+            </a:r>
+            <a:r>
+              <a:rPr lang="en-US" altLang="zh-CN" sz="1600" dirty="0" smtClean="0">
+                <a:latin typeface="Times New Roman" panose="02020603050405020304" pitchFamily="18" charset="0"/>
+                <a:ea typeface="宋体" panose="02010600030101010101" pitchFamily="2" charset="-122"/>
+                <a:cs typeface="Times New Roman" panose="02020603050405020304" pitchFamily="18" charset="0"/>
+              </a:rPr>
+              <a:t>height = 3</a:t>
+            </a:r>
+            <a:r>
+              <a:rPr lang="zh-CN" altLang="en-US" sz="1600" dirty="0" smtClean="0">
+                <a:latin typeface="Times New Roman" panose="02020603050405020304" pitchFamily="18" charset="0"/>
+                <a:ea typeface="宋体" panose="02010600030101010101" pitchFamily="2" charset="-122"/>
+                <a:cs typeface="Times New Roman" panose="02020603050405020304" pitchFamily="18" charset="0"/>
+              </a:rPr>
+              <a:t>可以确定的最大面积可以确定，</a:t>
+            </a:r>
+            <a:r>
+              <a:rPr lang="en-US" altLang="zh-CN" sz="1600" dirty="0" smtClean="0">
+                <a:latin typeface="Times New Roman" panose="02020603050405020304" pitchFamily="18" charset="0"/>
+                <a:ea typeface="宋体" panose="02010600030101010101" pitchFamily="2" charset="-122"/>
+                <a:cs typeface="Times New Roman" panose="02020603050405020304" pitchFamily="18" charset="0"/>
+              </a:rPr>
+              <a:t>max-area =  3 * 1</a:t>
+            </a:r>
+            <a:endParaRPr lang="zh-CN" altLang="en-US" dirty="0">
+              <a:latin typeface="Times New Roman" panose="02020603050405020304" pitchFamily="18" charset="0"/>
+              <a:ea typeface="宋体" panose="02010600030101010101" pitchFamily="2" charset="-122"/>
+              <a:cs typeface="Times New Roman" panose="02020603050405020304" pitchFamily="18" charset="0"/>
+            </a:endParaRPr>
+          </a:p>
+        </p:txBody>
+      </p:sp>
+      <p:sp>
+        <p:nvSpPr>
+          <p:cNvPr id="40" name="矩形 39"/>
+          <p:cNvSpPr/>
+          <p:nvPr/>
+        </p:nvSpPr>
+        <p:spPr>
+          <a:xfrm>
+            <a:off x="929640" y="5162550"/>
+            <a:ext cx="441960" cy="800100"/>
+          </a:xfrm>
+          <a:prstGeom prst="rect">
+            <a:avLst/>
+          </a:prstGeom>
+          <a:solidFill>
+            <a:srgbClr val="FF0000"/>
+          </a:solidFill>
+        </p:spPr>
+        <p:style>
+          <a:lnRef idx="2">
+            <a:schemeClr val="accent1">
+              <a:shade val="50000"/>
+            </a:schemeClr>
+          </a:lnRef>
+          <a:fillRef idx="1">
+            <a:schemeClr val="accent1"/>
+          </a:fillRef>
+          <a:effectRef idx="0">
+            <a:schemeClr val="accent1"/>
+          </a:effectRef>
+          <a:fontRef idx="minor">
+            <a:schemeClr val="lt1"/>
+          </a:fontRef>
+        </p:style>
+        <p:txBody>
+          <a:bodyPr rtlCol="0" anchor="ctr"/>
+          <a:lstStyle/>
+          <a:p>
+            <a:pPr algn="ctr"/>
+            <a:r>
+              <a:rPr lang="en-US" altLang="zh-CN" dirty="0" smtClean="0"/>
+              <a:t>4</a:t>
+            </a:r>
+            <a:endParaRPr lang="zh-CN" altLang="en-US" dirty="0"/>
+          </a:p>
+        </p:txBody>
+      </p:sp>
+      <p:sp>
+        <p:nvSpPr>
+          <p:cNvPr id="41" name="矩形 40"/>
+          <p:cNvSpPr/>
+          <p:nvPr/>
+        </p:nvSpPr>
+        <p:spPr>
+          <a:xfrm>
+            <a:off x="929640" y="5962650"/>
+            <a:ext cx="441960" cy="419100"/>
+          </a:xfrm>
+          <a:prstGeom prst="rect">
+            <a:avLst/>
+          </a:prstGeom>
+          <a:solidFill>
+            <a:srgbClr val="FF0000"/>
+          </a:solidFill>
+        </p:spPr>
+        <p:style>
+          <a:lnRef idx="2">
+            <a:schemeClr val="accent1">
+              <a:shade val="50000"/>
+            </a:schemeClr>
+          </a:lnRef>
+          <a:fillRef idx="1">
+            <a:schemeClr val="accent1"/>
+          </a:fillRef>
+          <a:effectRef idx="0">
+            <a:schemeClr val="accent1"/>
+          </a:effectRef>
+          <a:fontRef idx="minor">
+            <a:schemeClr val="lt1"/>
+          </a:fontRef>
+        </p:style>
+        <p:txBody>
+          <a:bodyPr rtlCol="0" anchor="ctr"/>
+          <a:lstStyle/>
+          <a:p>
+            <a:pPr algn="ctr"/>
+            <a:r>
+              <a:rPr lang="en-US" altLang="zh-CN" dirty="0" smtClean="0"/>
+              <a:t>0</a:t>
+            </a:r>
+            <a:endParaRPr lang="zh-CN" altLang="en-US" dirty="0"/>
+          </a:p>
+        </p:txBody>
+      </p:sp>
+      <p:sp>
+        <p:nvSpPr>
+          <p:cNvPr id="42" name="矩形 41"/>
+          <p:cNvSpPr/>
+          <p:nvPr/>
+        </p:nvSpPr>
+        <p:spPr>
+          <a:xfrm>
+            <a:off x="1371600" y="5543550"/>
+            <a:ext cx="441960" cy="419100"/>
+          </a:xfrm>
+          <a:prstGeom prst="rect">
+            <a:avLst/>
+          </a:prstGeom>
+          <a:solidFill>
+            <a:srgbClr val="FF0000"/>
+          </a:solidFill>
+        </p:spPr>
+        <p:style>
+          <a:lnRef idx="2">
+            <a:schemeClr val="accent1">
+              <a:shade val="50000"/>
+            </a:schemeClr>
+          </a:lnRef>
+          <a:fillRef idx="1">
+            <a:schemeClr val="accent1"/>
+          </a:fillRef>
+          <a:effectRef idx="0">
+            <a:schemeClr val="accent1"/>
+          </a:effectRef>
+          <a:fontRef idx="minor">
+            <a:schemeClr val="lt1"/>
+          </a:fontRef>
+        </p:style>
+        <p:txBody>
+          <a:bodyPr rtlCol="0" anchor="ctr"/>
+          <a:lstStyle/>
+          <a:p>
+            <a:pPr algn="ctr"/>
+            <a:r>
+              <a:rPr lang="en-US" altLang="zh-CN" dirty="0" smtClean="0"/>
+              <a:t>2</a:t>
+            </a:r>
+            <a:endParaRPr lang="zh-CN" altLang="en-US" dirty="0"/>
+          </a:p>
+        </p:txBody>
+      </p:sp>
+      <p:sp>
+        <p:nvSpPr>
+          <p:cNvPr id="43" name="矩形 42"/>
+          <p:cNvSpPr/>
+          <p:nvPr/>
+        </p:nvSpPr>
+        <p:spPr>
+          <a:xfrm>
+            <a:off x="1371600" y="5962650"/>
+            <a:ext cx="441960" cy="419100"/>
+          </a:xfrm>
+          <a:prstGeom prst="rect">
+            <a:avLst/>
+          </a:prstGeom>
+          <a:solidFill>
+            <a:srgbClr val="FF0000"/>
+          </a:solidFill>
+        </p:spPr>
+        <p:style>
+          <a:lnRef idx="2">
+            <a:schemeClr val="accent1">
+              <a:shade val="50000"/>
+            </a:schemeClr>
+          </a:lnRef>
+          <a:fillRef idx="1">
+            <a:schemeClr val="accent1"/>
+          </a:fillRef>
+          <a:effectRef idx="0">
+            <a:schemeClr val="accent1"/>
+          </a:effectRef>
+          <a:fontRef idx="minor">
+            <a:schemeClr val="lt1"/>
+          </a:fontRef>
+        </p:style>
+        <p:txBody>
+          <a:bodyPr rtlCol="0" anchor="ctr"/>
+          <a:lstStyle/>
+          <a:p>
+            <a:pPr algn="ctr"/>
+            <a:r>
+              <a:rPr lang="en-US" altLang="zh-CN" dirty="0" smtClean="0"/>
+              <a:t>1</a:t>
+            </a:r>
+            <a:endParaRPr lang="zh-CN" altLang="en-US" dirty="0"/>
+          </a:p>
+        </p:txBody>
+      </p:sp>
+      <p:sp>
+        <p:nvSpPr>
+          <p:cNvPr id="44" name="矩形 43"/>
+          <p:cNvSpPr/>
+          <p:nvPr/>
+        </p:nvSpPr>
+        <p:spPr>
+          <a:xfrm flipV="1">
+            <a:off x="1813560" y="5962650"/>
+            <a:ext cx="441960" cy="95250"/>
+          </a:xfrm>
+          <a:prstGeom prst="rect">
+            <a:avLst/>
+          </a:prstGeom>
+        </p:spPr>
+        <p:style>
+          <a:lnRef idx="2">
+            <a:schemeClr val="accent1">
+              <a:shade val="50000"/>
+            </a:schemeClr>
+          </a:lnRef>
+          <a:fillRef idx="1">
+            <a:schemeClr val="accent1"/>
+          </a:fillRef>
+          <a:effectRef idx="0">
+            <a:schemeClr val="accent1"/>
+          </a:effectRef>
+          <a:fontRef idx="minor">
+            <a:schemeClr val="lt1"/>
+          </a:fontRef>
+        </p:style>
+        <p:txBody>
+          <a:bodyPr rtlCol="0" anchor="ctr"/>
+          <a:lstStyle/>
+          <a:p>
+            <a:pPr algn="ctr"/>
+            <a:r>
+              <a:rPr lang="en-US" altLang="zh-CN" dirty="0"/>
+              <a:t>0</a:t>
+            </a:r>
+            <a:endParaRPr lang="zh-CN" altLang="en-US" dirty="0"/>
+          </a:p>
+        </p:txBody>
+      </p:sp>
+      <p:sp>
+        <p:nvSpPr>
+          <p:cNvPr id="45" name="矩形 44"/>
+          <p:cNvSpPr/>
+          <p:nvPr/>
+        </p:nvSpPr>
+        <p:spPr>
+          <a:xfrm>
+            <a:off x="1813560" y="5962650"/>
+            <a:ext cx="441960" cy="419100"/>
+          </a:xfrm>
+          <a:prstGeom prst="rect">
+            <a:avLst/>
+          </a:prstGeom>
+          <a:solidFill>
+            <a:srgbClr val="FF0000"/>
+          </a:solidFill>
+        </p:spPr>
+        <p:style>
+          <a:lnRef idx="2">
+            <a:schemeClr val="accent1">
+              <a:shade val="50000"/>
+            </a:schemeClr>
+          </a:lnRef>
+          <a:fillRef idx="1">
+            <a:schemeClr val="accent1"/>
+          </a:fillRef>
+          <a:effectRef idx="0">
+            <a:schemeClr val="accent1"/>
+          </a:effectRef>
+          <a:fontRef idx="minor">
+            <a:schemeClr val="lt1"/>
+          </a:fontRef>
+        </p:style>
+        <p:txBody>
+          <a:bodyPr rtlCol="0" anchor="ctr"/>
+          <a:lstStyle/>
+          <a:p>
+            <a:pPr algn="ctr"/>
+            <a:r>
+              <a:rPr lang="en-US" altLang="zh-CN" dirty="0"/>
+              <a:t>2</a:t>
+            </a:r>
+            <a:endParaRPr lang="zh-CN" altLang="en-US" dirty="0"/>
+          </a:p>
+        </p:txBody>
+      </p:sp>
+      <p:sp>
+        <p:nvSpPr>
+          <p:cNvPr id="46" name="文本框 45"/>
+          <p:cNvSpPr txBox="1"/>
+          <p:nvPr/>
+        </p:nvSpPr>
+        <p:spPr>
+          <a:xfrm>
+            <a:off x="1866900" y="5638800"/>
+            <a:ext cx="335280" cy="369332"/>
+          </a:xfrm>
+          <a:prstGeom prst="rect">
+            <a:avLst/>
+          </a:prstGeom>
+          <a:noFill/>
+        </p:spPr>
+        <p:txBody>
+          <a:bodyPr wrap="square" rtlCol="0">
+            <a:spAutoFit/>
+          </a:bodyPr>
+          <a:lstStyle/>
+          <a:p>
+            <a:r>
+              <a:rPr lang="en-US" altLang="zh-CN" dirty="0" smtClean="0"/>
+              <a:t>0</a:t>
+            </a:r>
+            <a:endParaRPr lang="zh-CN" altLang="en-US" dirty="0"/>
+          </a:p>
+        </p:txBody>
+      </p:sp>
+      <p:sp>
+        <p:nvSpPr>
+          <p:cNvPr id="47" name="矩形 46"/>
+          <p:cNvSpPr/>
+          <p:nvPr/>
+        </p:nvSpPr>
+        <p:spPr>
+          <a:xfrm flipV="1">
+            <a:off x="2240279" y="5962650"/>
+            <a:ext cx="441960" cy="95250"/>
+          </a:xfrm>
+          <a:prstGeom prst="rect">
+            <a:avLst/>
+          </a:prstGeom>
+          <a:solidFill>
+            <a:srgbClr val="FF0000"/>
+          </a:solidFill>
+        </p:spPr>
+        <p:style>
+          <a:lnRef idx="2">
+            <a:schemeClr val="accent1">
+              <a:shade val="50000"/>
+            </a:schemeClr>
+          </a:lnRef>
+          <a:fillRef idx="1">
+            <a:schemeClr val="accent1"/>
+          </a:fillRef>
+          <a:effectRef idx="0">
+            <a:schemeClr val="accent1"/>
+          </a:effectRef>
+          <a:fontRef idx="minor">
+            <a:schemeClr val="lt1"/>
+          </a:fontRef>
+        </p:style>
+        <p:txBody>
+          <a:bodyPr rtlCol="0" anchor="ctr"/>
+          <a:lstStyle/>
+          <a:p>
+            <a:pPr algn="ctr"/>
+            <a:r>
+              <a:rPr lang="en-US" altLang="zh-CN" dirty="0"/>
+              <a:t>0</a:t>
+            </a:r>
+            <a:endParaRPr lang="zh-CN" altLang="en-US" dirty="0"/>
+          </a:p>
+        </p:txBody>
+      </p:sp>
+      <p:sp>
+        <p:nvSpPr>
+          <p:cNvPr id="48" name="矩形 47"/>
+          <p:cNvSpPr/>
+          <p:nvPr/>
+        </p:nvSpPr>
+        <p:spPr>
+          <a:xfrm>
+            <a:off x="2240279" y="5962650"/>
+            <a:ext cx="441960" cy="419100"/>
+          </a:xfrm>
+          <a:prstGeom prst="rect">
+            <a:avLst/>
+          </a:prstGeom>
+          <a:solidFill>
+            <a:srgbClr val="FF0000"/>
+          </a:solidFill>
+        </p:spPr>
+        <p:style>
+          <a:lnRef idx="2">
+            <a:schemeClr val="accent1">
+              <a:shade val="50000"/>
+            </a:schemeClr>
+          </a:lnRef>
+          <a:fillRef idx="1">
+            <a:schemeClr val="accent1"/>
+          </a:fillRef>
+          <a:effectRef idx="0">
+            <a:schemeClr val="accent1"/>
+          </a:effectRef>
+          <a:fontRef idx="minor">
+            <a:schemeClr val="lt1"/>
+          </a:fontRef>
+        </p:style>
+        <p:txBody>
+          <a:bodyPr rtlCol="0" anchor="ctr"/>
+          <a:lstStyle/>
+          <a:p>
+            <a:pPr algn="ctr"/>
+            <a:r>
+              <a:rPr lang="en-US" altLang="zh-CN" dirty="0" smtClean="0"/>
+              <a:t>3</a:t>
+            </a:r>
+            <a:endParaRPr lang="zh-CN" altLang="en-US" dirty="0"/>
+          </a:p>
+        </p:txBody>
+      </p:sp>
+      <p:sp>
+        <p:nvSpPr>
+          <p:cNvPr id="49" name="矩形 48"/>
+          <p:cNvSpPr/>
+          <p:nvPr/>
+        </p:nvSpPr>
+        <p:spPr>
+          <a:xfrm>
+            <a:off x="2240280" y="5372100"/>
+            <a:ext cx="441960" cy="609600"/>
+          </a:xfrm>
+          <a:prstGeom prst="rect">
+            <a:avLst/>
+          </a:prstGeom>
+          <a:solidFill>
+            <a:srgbClr val="FF0000"/>
+          </a:solidFill>
+        </p:spPr>
+        <p:style>
+          <a:lnRef idx="2">
+            <a:schemeClr val="accent1">
+              <a:shade val="50000"/>
+            </a:schemeClr>
+          </a:lnRef>
+          <a:fillRef idx="1">
+            <a:schemeClr val="accent1"/>
+          </a:fillRef>
+          <a:effectRef idx="0">
+            <a:schemeClr val="accent1"/>
+          </a:effectRef>
+          <a:fontRef idx="minor">
+            <a:schemeClr val="lt1"/>
+          </a:fontRef>
+        </p:style>
+        <p:txBody>
+          <a:bodyPr rtlCol="0" anchor="ctr"/>
+          <a:lstStyle/>
+          <a:p>
+            <a:pPr algn="ctr"/>
+            <a:r>
+              <a:rPr lang="en-US" altLang="zh-CN" dirty="0" smtClean="0"/>
+              <a:t>3</a:t>
+            </a:r>
+            <a:endParaRPr lang="zh-CN" altLang="en-US" dirty="0"/>
+          </a:p>
+        </p:txBody>
+      </p:sp>
+      <p:sp>
+        <p:nvSpPr>
+          <p:cNvPr id="50" name="矩形 49"/>
+          <p:cNvSpPr/>
+          <p:nvPr/>
+        </p:nvSpPr>
+        <p:spPr>
+          <a:xfrm flipV="1">
+            <a:off x="2682239" y="5962650"/>
+            <a:ext cx="441960" cy="95250"/>
+          </a:xfrm>
+          <a:prstGeom prst="rect">
+            <a:avLst/>
+          </a:prstGeom>
+        </p:spPr>
+        <p:style>
+          <a:lnRef idx="2">
+            <a:schemeClr val="accent1">
+              <a:shade val="50000"/>
+            </a:schemeClr>
+          </a:lnRef>
+          <a:fillRef idx="1">
+            <a:schemeClr val="accent1"/>
+          </a:fillRef>
+          <a:effectRef idx="0">
+            <a:schemeClr val="accent1"/>
+          </a:effectRef>
+          <a:fontRef idx="minor">
+            <a:schemeClr val="lt1"/>
+          </a:fontRef>
+        </p:style>
+        <p:txBody>
+          <a:bodyPr rtlCol="0" anchor="ctr"/>
+          <a:lstStyle/>
+          <a:p>
+            <a:pPr algn="ctr"/>
+            <a:r>
+              <a:rPr lang="en-US" altLang="zh-CN" dirty="0"/>
+              <a:t>0</a:t>
+            </a:r>
+            <a:endParaRPr lang="zh-CN" altLang="en-US" dirty="0"/>
+          </a:p>
+        </p:txBody>
+      </p:sp>
+      <p:sp>
+        <p:nvSpPr>
+          <p:cNvPr id="51" name="矩形 50"/>
+          <p:cNvSpPr/>
+          <p:nvPr/>
+        </p:nvSpPr>
+        <p:spPr>
+          <a:xfrm>
+            <a:off x="2682239" y="5962650"/>
+            <a:ext cx="441960" cy="419100"/>
+          </a:xfrm>
+          <a:prstGeom prst="rect">
+            <a:avLst/>
+          </a:prstGeom>
+          <a:solidFill>
+            <a:schemeClr val="tx1">
+              <a:lumMod val="95000"/>
+              <a:lumOff val="5000"/>
+            </a:schemeClr>
+          </a:solidFill>
+        </p:spPr>
+        <p:style>
+          <a:lnRef idx="2">
+            <a:schemeClr val="accent1">
+              <a:shade val="50000"/>
+            </a:schemeClr>
+          </a:lnRef>
+          <a:fillRef idx="1">
+            <a:schemeClr val="accent1"/>
+          </a:fillRef>
+          <a:effectRef idx="0">
+            <a:schemeClr val="accent1"/>
+          </a:effectRef>
+          <a:fontRef idx="minor">
+            <a:schemeClr val="lt1"/>
+          </a:fontRef>
+        </p:style>
+        <p:txBody>
+          <a:bodyPr rtlCol="0" anchor="ctr"/>
+          <a:lstStyle/>
+          <a:p>
+            <a:pPr algn="ctr"/>
+            <a:r>
+              <a:rPr lang="en-US" altLang="zh-CN" dirty="0"/>
+              <a:t>4</a:t>
+            </a:r>
+            <a:endParaRPr lang="zh-CN" altLang="en-US" dirty="0"/>
+          </a:p>
+        </p:txBody>
+      </p:sp>
+      <p:sp>
+        <p:nvSpPr>
+          <p:cNvPr id="52" name="矩形 51"/>
+          <p:cNvSpPr/>
+          <p:nvPr/>
+        </p:nvSpPr>
+        <p:spPr>
+          <a:xfrm>
+            <a:off x="2682240" y="5562600"/>
+            <a:ext cx="441960" cy="419100"/>
+          </a:xfrm>
+          <a:prstGeom prst="rect">
+            <a:avLst/>
+          </a:prstGeom>
+        </p:spPr>
+        <p:style>
+          <a:lnRef idx="2">
+            <a:schemeClr val="accent1">
+              <a:shade val="50000"/>
+            </a:schemeClr>
+          </a:lnRef>
+          <a:fillRef idx="1">
+            <a:schemeClr val="accent1"/>
+          </a:fillRef>
+          <a:effectRef idx="0">
+            <a:schemeClr val="accent1"/>
+          </a:effectRef>
+          <a:fontRef idx="minor">
+            <a:schemeClr val="lt1"/>
+          </a:fontRef>
+        </p:style>
+        <p:txBody>
+          <a:bodyPr rtlCol="0" anchor="ctr"/>
+          <a:lstStyle/>
+          <a:p>
+            <a:pPr algn="ctr"/>
+            <a:r>
+              <a:rPr lang="en-US" altLang="zh-CN" dirty="0" smtClean="0"/>
+              <a:t>2</a:t>
+            </a:r>
+            <a:endParaRPr lang="zh-CN" altLang="en-US" dirty="0"/>
+          </a:p>
+        </p:txBody>
+      </p:sp>
+      <p:sp>
+        <p:nvSpPr>
+          <p:cNvPr id="53" name="矩形 52"/>
+          <p:cNvSpPr/>
+          <p:nvPr/>
+        </p:nvSpPr>
+        <p:spPr>
+          <a:xfrm flipV="1">
+            <a:off x="3147056" y="5962650"/>
+            <a:ext cx="441960" cy="95250"/>
+          </a:xfrm>
+          <a:prstGeom prst="rect">
+            <a:avLst/>
+          </a:prstGeom>
+        </p:spPr>
+        <p:style>
+          <a:lnRef idx="2">
+            <a:schemeClr val="accent1">
+              <a:shade val="50000"/>
+            </a:schemeClr>
+          </a:lnRef>
+          <a:fillRef idx="1">
+            <a:schemeClr val="accent1"/>
+          </a:fillRef>
+          <a:effectRef idx="0">
+            <a:schemeClr val="accent1"/>
+          </a:effectRef>
+          <a:fontRef idx="minor">
+            <a:schemeClr val="lt1"/>
+          </a:fontRef>
+        </p:style>
+        <p:txBody>
+          <a:bodyPr rtlCol="0" anchor="ctr"/>
+          <a:lstStyle/>
+          <a:p>
+            <a:pPr algn="ctr"/>
+            <a:r>
+              <a:rPr lang="en-US" altLang="zh-CN" dirty="0"/>
+              <a:t>0</a:t>
+            </a:r>
+            <a:endParaRPr lang="zh-CN" altLang="en-US" dirty="0"/>
+          </a:p>
+        </p:txBody>
+      </p:sp>
+      <p:sp>
+        <p:nvSpPr>
+          <p:cNvPr id="54" name="矩形 53"/>
+          <p:cNvSpPr/>
+          <p:nvPr/>
+        </p:nvSpPr>
+        <p:spPr>
+          <a:xfrm>
+            <a:off x="3147056" y="5962650"/>
+            <a:ext cx="441960" cy="419100"/>
+          </a:xfrm>
+          <a:prstGeom prst="rect">
+            <a:avLst/>
+          </a:prstGeom>
+          <a:solidFill>
+            <a:schemeClr val="tx1">
+              <a:lumMod val="95000"/>
+              <a:lumOff val="5000"/>
+            </a:schemeClr>
+          </a:solidFill>
+        </p:spPr>
+        <p:style>
+          <a:lnRef idx="2">
+            <a:schemeClr val="accent1">
+              <a:shade val="50000"/>
+            </a:schemeClr>
+          </a:lnRef>
+          <a:fillRef idx="1">
+            <a:schemeClr val="accent1"/>
+          </a:fillRef>
+          <a:effectRef idx="0">
+            <a:schemeClr val="accent1"/>
+          </a:effectRef>
+          <a:fontRef idx="minor">
+            <a:schemeClr val="lt1"/>
+          </a:fontRef>
+        </p:style>
+        <p:txBody>
+          <a:bodyPr rtlCol="0" anchor="ctr"/>
+          <a:lstStyle/>
+          <a:p>
+            <a:pPr algn="ctr"/>
+            <a:r>
+              <a:rPr lang="en-US" altLang="zh-CN" dirty="0"/>
+              <a:t>5</a:t>
+            </a:r>
+            <a:endParaRPr lang="zh-CN" altLang="en-US" dirty="0"/>
+          </a:p>
+        </p:txBody>
+      </p:sp>
+      <p:sp>
+        <p:nvSpPr>
+          <p:cNvPr id="55" name="矩形 54"/>
+          <p:cNvSpPr/>
+          <p:nvPr/>
+        </p:nvSpPr>
+        <p:spPr>
+          <a:xfrm>
+            <a:off x="3147057" y="4953000"/>
+            <a:ext cx="441960" cy="1028700"/>
+          </a:xfrm>
+          <a:prstGeom prst="rect">
+            <a:avLst/>
+          </a:prstGeom>
+        </p:spPr>
+        <p:style>
+          <a:lnRef idx="2">
+            <a:schemeClr val="accent1">
+              <a:shade val="50000"/>
+            </a:schemeClr>
+          </a:lnRef>
+          <a:fillRef idx="1">
+            <a:schemeClr val="accent1"/>
+          </a:fillRef>
+          <a:effectRef idx="0">
+            <a:schemeClr val="accent1"/>
+          </a:effectRef>
+          <a:fontRef idx="minor">
+            <a:schemeClr val="lt1"/>
+          </a:fontRef>
+        </p:style>
+        <p:txBody>
+          <a:bodyPr rtlCol="0" anchor="ctr"/>
+          <a:lstStyle/>
+          <a:p>
+            <a:pPr algn="ctr"/>
+            <a:r>
+              <a:rPr lang="en-US" altLang="zh-CN" dirty="0" smtClean="0"/>
+              <a:t>5</a:t>
+            </a:r>
+            <a:endParaRPr lang="zh-CN" altLang="en-US" dirty="0"/>
+          </a:p>
+        </p:txBody>
+      </p:sp>
+      <p:sp>
+        <p:nvSpPr>
+          <p:cNvPr id="56" name="矩形 55"/>
+          <p:cNvSpPr/>
+          <p:nvPr/>
+        </p:nvSpPr>
+        <p:spPr>
+          <a:xfrm flipV="1">
+            <a:off x="3589017" y="6008132"/>
+            <a:ext cx="441960" cy="95250"/>
+          </a:xfrm>
+          <a:prstGeom prst="rect">
+            <a:avLst/>
+          </a:prstGeom>
+        </p:spPr>
+        <p:style>
+          <a:lnRef idx="2">
+            <a:schemeClr val="accent1">
+              <a:shade val="50000"/>
+            </a:schemeClr>
+          </a:lnRef>
+          <a:fillRef idx="1">
+            <a:schemeClr val="accent1"/>
+          </a:fillRef>
+          <a:effectRef idx="0">
+            <a:schemeClr val="accent1"/>
+          </a:effectRef>
+          <a:fontRef idx="minor">
+            <a:schemeClr val="lt1"/>
+          </a:fontRef>
+        </p:style>
+        <p:txBody>
+          <a:bodyPr rtlCol="0" anchor="ctr"/>
+          <a:lstStyle/>
+          <a:p>
+            <a:pPr algn="ctr"/>
+            <a:r>
+              <a:rPr lang="en-US" altLang="zh-CN" dirty="0"/>
+              <a:t>0</a:t>
+            </a:r>
+            <a:endParaRPr lang="zh-CN" altLang="en-US" dirty="0"/>
+          </a:p>
+        </p:txBody>
+      </p:sp>
+      <p:sp>
+        <p:nvSpPr>
+          <p:cNvPr id="57" name="矩形 56"/>
+          <p:cNvSpPr/>
+          <p:nvPr/>
+        </p:nvSpPr>
+        <p:spPr>
+          <a:xfrm>
+            <a:off x="3604256" y="5981700"/>
+            <a:ext cx="441960" cy="419100"/>
+          </a:xfrm>
+          <a:prstGeom prst="rect">
+            <a:avLst/>
+          </a:prstGeom>
+          <a:solidFill>
+            <a:srgbClr val="FF0000"/>
+          </a:solidFill>
+        </p:spPr>
+        <p:style>
+          <a:lnRef idx="2">
+            <a:schemeClr val="accent1">
+              <a:shade val="50000"/>
+            </a:schemeClr>
+          </a:lnRef>
+          <a:fillRef idx="1">
+            <a:schemeClr val="accent1"/>
+          </a:fillRef>
+          <a:effectRef idx="0">
+            <a:schemeClr val="accent1"/>
+          </a:effectRef>
+          <a:fontRef idx="minor">
+            <a:schemeClr val="lt1"/>
+          </a:fontRef>
+        </p:style>
+        <p:txBody>
+          <a:bodyPr rtlCol="0" anchor="ctr"/>
+          <a:lstStyle/>
+          <a:p>
+            <a:pPr algn="ctr"/>
+            <a:r>
+              <a:rPr lang="en-US" altLang="zh-CN" dirty="0"/>
+              <a:t>6</a:t>
+            </a:r>
+            <a:endParaRPr lang="zh-CN" altLang="en-US" dirty="0"/>
+          </a:p>
+        </p:txBody>
+      </p:sp>
+      <p:sp>
+        <p:nvSpPr>
+          <p:cNvPr id="58" name="文本框 57"/>
+          <p:cNvSpPr txBox="1"/>
+          <p:nvPr/>
+        </p:nvSpPr>
+        <p:spPr>
+          <a:xfrm>
+            <a:off x="3642357" y="5684282"/>
+            <a:ext cx="335280" cy="369332"/>
+          </a:xfrm>
+          <a:prstGeom prst="rect">
+            <a:avLst/>
+          </a:prstGeom>
+          <a:noFill/>
+        </p:spPr>
+        <p:txBody>
+          <a:bodyPr wrap="square" rtlCol="0">
+            <a:spAutoFit/>
+          </a:bodyPr>
+          <a:lstStyle/>
+          <a:p>
+            <a:r>
+              <a:rPr lang="en-US" altLang="zh-CN" dirty="0" smtClean="0"/>
+              <a:t>0</a:t>
+            </a:r>
+            <a:endParaRPr lang="zh-CN" altLang="en-US" dirty="0"/>
+          </a:p>
+        </p:txBody>
+      </p:sp>
+      <p:sp>
+        <p:nvSpPr>
+          <p:cNvPr id="59" name="文本框 58"/>
+          <p:cNvSpPr txBox="1"/>
+          <p:nvPr/>
+        </p:nvSpPr>
+        <p:spPr>
+          <a:xfrm>
+            <a:off x="3855713" y="4680406"/>
+            <a:ext cx="7551427" cy="584775"/>
+          </a:xfrm>
+          <a:prstGeom prst="rect">
+            <a:avLst/>
+          </a:prstGeom>
+          <a:noFill/>
+        </p:spPr>
+        <p:txBody>
+          <a:bodyPr wrap="square" rtlCol="0">
+            <a:spAutoFit/>
+          </a:bodyPr>
+          <a:lstStyle/>
+          <a:p>
+            <a:pPr>
+              <a:lnSpc>
+                <a:spcPct val="200000"/>
+              </a:lnSpc>
+            </a:pPr>
+            <a:r>
+              <a:rPr lang="en-US" altLang="zh-CN" sz="1600" dirty="0" smtClean="0">
+                <a:latin typeface="Times New Roman" panose="02020603050405020304" pitchFamily="18" charset="0"/>
+                <a:ea typeface="宋体" panose="02010600030101010101" pitchFamily="2" charset="-122"/>
+                <a:cs typeface="Times New Roman" panose="02020603050405020304" pitchFamily="18" charset="0"/>
+              </a:rPr>
+              <a:t>4</a:t>
+            </a:r>
+            <a:r>
+              <a:rPr lang="zh-CN" altLang="en-US" sz="1600" dirty="0" smtClean="0">
+                <a:latin typeface="Times New Roman" panose="02020603050405020304" pitchFamily="18" charset="0"/>
+                <a:ea typeface="宋体" panose="02010600030101010101" pitchFamily="2" charset="-122"/>
+                <a:cs typeface="Times New Roman" panose="02020603050405020304" pitchFamily="18" charset="0"/>
+              </a:rPr>
+              <a:t>、当 </a:t>
+            </a:r>
+            <a:r>
+              <a:rPr lang="en-US" altLang="zh-CN" sz="1600" dirty="0" smtClean="0">
+                <a:latin typeface="Times New Roman" panose="02020603050405020304" pitchFamily="18" charset="0"/>
+                <a:ea typeface="宋体" panose="02010600030101010101" pitchFamily="2" charset="-122"/>
+                <a:cs typeface="Times New Roman" panose="02020603050405020304" pitchFamily="18" charset="0"/>
+              </a:rPr>
+              <a:t>height = 0 </a:t>
+            </a:r>
+            <a:r>
+              <a:rPr lang="zh-CN" altLang="en-US" sz="1600" dirty="0" smtClean="0">
+                <a:latin typeface="Times New Roman" panose="02020603050405020304" pitchFamily="18" charset="0"/>
+                <a:ea typeface="宋体" panose="02010600030101010101" pitchFamily="2" charset="-122"/>
+                <a:cs typeface="Times New Roman" panose="02020603050405020304" pitchFamily="18" charset="0"/>
+              </a:rPr>
+              <a:t>的时候，</a:t>
+            </a:r>
+            <a:r>
+              <a:rPr lang="en-US" altLang="zh-CN" sz="1600" dirty="0" smtClean="0">
+                <a:latin typeface="Times New Roman" panose="02020603050405020304" pitchFamily="18" charset="0"/>
+                <a:ea typeface="宋体" panose="02010600030101010101" pitchFamily="2" charset="-122"/>
+                <a:cs typeface="Times New Roman" panose="02020603050405020304" pitchFamily="18" charset="0"/>
+              </a:rPr>
+              <a:t>height =5</a:t>
+            </a:r>
+            <a:r>
+              <a:rPr lang="zh-CN" altLang="en-US" sz="1600" dirty="0" smtClean="0">
+                <a:latin typeface="Times New Roman" panose="02020603050405020304" pitchFamily="18" charset="0"/>
+                <a:ea typeface="宋体" panose="02010600030101010101" pitchFamily="2" charset="-122"/>
+                <a:cs typeface="Times New Roman" panose="02020603050405020304" pitchFamily="18" charset="0"/>
+              </a:rPr>
+              <a:t>可以确定的最大面积可以确定，</a:t>
+            </a:r>
+            <a:r>
+              <a:rPr lang="en-US" altLang="zh-CN" sz="1600" dirty="0" smtClean="0">
+                <a:latin typeface="Times New Roman" panose="02020603050405020304" pitchFamily="18" charset="0"/>
+                <a:ea typeface="宋体" panose="02010600030101010101" pitchFamily="2" charset="-122"/>
+                <a:cs typeface="Times New Roman" panose="02020603050405020304" pitchFamily="18" charset="0"/>
+              </a:rPr>
+              <a:t>max-area =  5* 1</a:t>
+            </a:r>
+            <a:endParaRPr lang="zh-CN" altLang="en-US" dirty="0">
+              <a:latin typeface="Times New Roman" panose="02020603050405020304" pitchFamily="18" charset="0"/>
+              <a:ea typeface="宋体" panose="02010600030101010101" pitchFamily="2" charset="-122"/>
+              <a:cs typeface="Times New Roman" panose="02020603050405020304" pitchFamily="18" charset="0"/>
+            </a:endParaRPr>
+          </a:p>
+        </p:txBody>
+      </p:sp>
+      <p:sp>
+        <p:nvSpPr>
+          <p:cNvPr id="60" name="文本框 59"/>
+          <p:cNvSpPr txBox="1"/>
+          <p:nvPr/>
+        </p:nvSpPr>
+        <p:spPr>
+          <a:xfrm>
+            <a:off x="4457697" y="5346412"/>
+            <a:ext cx="7551427" cy="584775"/>
+          </a:xfrm>
+          <a:prstGeom prst="rect">
+            <a:avLst/>
+          </a:prstGeom>
+          <a:noFill/>
+        </p:spPr>
+        <p:txBody>
+          <a:bodyPr wrap="square" rtlCol="0">
+            <a:spAutoFit/>
+          </a:bodyPr>
+          <a:lstStyle/>
+          <a:p>
+            <a:pPr>
+              <a:lnSpc>
+                <a:spcPct val="200000"/>
+              </a:lnSpc>
+            </a:pPr>
+            <a:r>
+              <a:rPr lang="en-US" altLang="zh-CN" sz="1600" dirty="0" smtClean="0">
+                <a:latin typeface="Times New Roman" panose="02020603050405020304" pitchFamily="18" charset="0"/>
+                <a:ea typeface="宋体" panose="02010600030101010101" pitchFamily="2" charset="-122"/>
+                <a:cs typeface="Times New Roman" panose="02020603050405020304" pitchFamily="18" charset="0"/>
+              </a:rPr>
+              <a:t>4</a:t>
+            </a:r>
+            <a:r>
+              <a:rPr lang="zh-CN" altLang="en-US" sz="1600" dirty="0" smtClean="0">
+                <a:latin typeface="Times New Roman" panose="02020603050405020304" pitchFamily="18" charset="0"/>
+                <a:ea typeface="宋体" panose="02010600030101010101" pitchFamily="2" charset="-122"/>
+                <a:cs typeface="Times New Roman" panose="02020603050405020304" pitchFamily="18" charset="0"/>
+              </a:rPr>
+              <a:t>、当 </a:t>
+            </a:r>
+            <a:r>
+              <a:rPr lang="en-US" altLang="zh-CN" sz="1600" dirty="0" smtClean="0">
+                <a:latin typeface="Times New Roman" panose="02020603050405020304" pitchFamily="18" charset="0"/>
+                <a:ea typeface="宋体" panose="02010600030101010101" pitchFamily="2" charset="-122"/>
+                <a:cs typeface="Times New Roman" panose="02020603050405020304" pitchFamily="18" charset="0"/>
+              </a:rPr>
+              <a:t>height = 0 </a:t>
+            </a:r>
+            <a:r>
+              <a:rPr lang="zh-CN" altLang="en-US" sz="1600" dirty="0" smtClean="0">
+                <a:latin typeface="Times New Roman" panose="02020603050405020304" pitchFamily="18" charset="0"/>
+                <a:ea typeface="宋体" panose="02010600030101010101" pitchFamily="2" charset="-122"/>
+                <a:cs typeface="Times New Roman" panose="02020603050405020304" pitchFamily="18" charset="0"/>
+              </a:rPr>
+              <a:t>的时候，</a:t>
+            </a:r>
+            <a:r>
+              <a:rPr lang="en-US" altLang="zh-CN" sz="1600" dirty="0" smtClean="0">
+                <a:latin typeface="Times New Roman" panose="02020603050405020304" pitchFamily="18" charset="0"/>
+                <a:ea typeface="宋体" panose="02010600030101010101" pitchFamily="2" charset="-122"/>
+                <a:cs typeface="Times New Roman" panose="02020603050405020304" pitchFamily="18" charset="0"/>
+              </a:rPr>
+              <a:t>height =5</a:t>
+            </a:r>
+            <a:r>
+              <a:rPr lang="zh-CN" altLang="en-US" sz="1600" dirty="0" smtClean="0">
+                <a:latin typeface="Times New Roman" panose="02020603050405020304" pitchFamily="18" charset="0"/>
+                <a:ea typeface="宋体" panose="02010600030101010101" pitchFamily="2" charset="-122"/>
+                <a:cs typeface="Times New Roman" panose="02020603050405020304" pitchFamily="18" charset="0"/>
+              </a:rPr>
+              <a:t>可以确定的最大面积可以确定，</a:t>
+            </a:r>
+            <a:r>
+              <a:rPr lang="en-US" altLang="zh-CN" sz="1600" dirty="0" smtClean="0">
+                <a:latin typeface="Times New Roman" panose="02020603050405020304" pitchFamily="18" charset="0"/>
+                <a:ea typeface="宋体" panose="02010600030101010101" pitchFamily="2" charset="-122"/>
+                <a:cs typeface="Times New Roman" panose="02020603050405020304" pitchFamily="18" charset="0"/>
+              </a:rPr>
+              <a:t>max-area =  5* 1</a:t>
+            </a:r>
+            <a:endParaRPr lang="zh-CN" altLang="en-US" dirty="0">
+              <a:latin typeface="Times New Roman" panose="02020603050405020304" pitchFamily="18" charset="0"/>
+              <a:ea typeface="宋体" panose="02010600030101010101" pitchFamily="2" charset="-122"/>
+              <a:cs typeface="Times New Roman" panose="02020603050405020304" pitchFamily="18" charset="0"/>
+            </a:endParaRPr>
+          </a:p>
+        </p:txBody>
+      </p:sp>
+    </p:spTree>
+    <p:extLst>
+      <p:ext uri="{BB962C8B-B14F-4D97-AF65-F5344CB8AC3E}">
+        <p14:creationId xmlns:p14="http://schemas.microsoft.com/office/powerpoint/2010/main" val="1324169396"/>
       </p:ext>
     </p:extLst>
   </p:cSld>
@@ -17505,4 +24018,265 @@
     </a:ext>
   </a:extLst>
 </a:theme>
+</file>
+
+<file path=ppt/theme/theme2.xml><?xml version="1.0" encoding="utf-8"?>
+<a:theme xmlns:a="http://schemas.openxmlformats.org/drawingml/2006/main" name="Office 主题​​">
+  <a:themeElements>
+    <a:clrScheme name="Office">
+      <a:dk1>
+        <a:sysClr val="windowText" lastClr="000000"/>
+      </a:dk1>
+      <a:lt1>
+        <a:sysClr val="window" lastClr="FFFFFF"/>
+      </a:lt1>
+      <a:dk2>
+        <a:srgbClr val="44546A"/>
+      </a:dk2>
+      <a:lt2>
+        <a:srgbClr val="E7E6E6"/>
+      </a:lt2>
+      <a:accent1>
+        <a:srgbClr val="5B9BD5"/>
+      </a:accent1>
+      <a:accent2>
+        <a:srgbClr val="ED7D31"/>
+      </a:accent2>
+      <a:accent3>
+        <a:srgbClr val="A5A5A5"/>
+      </a:accent3>
+      <a:accent4>
+        <a:srgbClr val="FFC000"/>
+      </a:accent4>
+      <a:accent5>
+        <a:srgbClr val="4472C4"/>
+      </a:accent5>
+      <a:accent6>
+        <a:srgbClr val="70AD47"/>
+      </a:accent6>
+      <a:hlink>
+        <a:srgbClr val="0563C1"/>
+      </a:hlink>
+      <a:folHlink>
+        <a:srgbClr val="954F72"/>
+      </a:folHlink>
+    </a:clrScheme>
+    <a:fontScheme name="Office">
+      <a:majorFont>
+        <a:latin typeface="等线 Light" panose="020F0302020204030204"/>
+        <a:ea typeface=""/>
+        <a:cs typeface=""/>
+        <a:font script="Jpan" typeface="游ゴシック Light"/>
+        <a:font script="Hang" typeface="맑은 고딕"/>
+        <a:font script="Hans" typeface="等线 Light"/>
+        <a:font script="Hant" typeface="新細明體"/>
+        <a:font script="Arab" typeface="Times New Roman"/>
+        <a:font script="Hebr" typeface="Times New Roman"/>
+        <a:font script="Thai" typeface="Angsana New"/>
+        <a:font script="Ethi" typeface="Nyala"/>
+        <a:font script="Beng" typeface="Vrinda"/>
+        <a:font script="Gujr" typeface="Shruti"/>
+        <a:font script="Khmr" typeface="MoolBoran"/>
+        <a:font script="Knda" typeface="Tunga"/>
+        <a:font script="Guru" typeface="Raavi"/>
+        <a:font script="Cans" typeface="Euphemia"/>
+        <a:font script="Cher" typeface="Plantagenet Cherokee"/>
+        <a:font script="Yiii" typeface="Microsoft Yi Baiti"/>
+        <a:font script="Tibt" typeface="Microsoft Himalaya"/>
+        <a:font script="Thaa" typeface="MV Boli"/>
+        <a:font script="Deva" typeface="Mangal"/>
+        <a:font script="Telu" typeface="Gautami"/>
+        <a:font script="Taml" typeface="Latha"/>
+        <a:font script="Syrc" typeface="Estrangelo Edessa"/>
+        <a:font script="Orya" typeface="Kalinga"/>
+        <a:font script="Mlym" typeface="Kartika"/>
+        <a:font script="Laoo" typeface="DokChampa"/>
+        <a:font script="Sinh" typeface="Iskoola Pota"/>
+        <a:font script="Mong" typeface="Mongolian Baiti"/>
+        <a:font script="Viet" typeface="Times New Roman"/>
+        <a:font script="Uigh" typeface="Microsoft Uighur"/>
+        <a:font script="Geor" typeface="Sylfaen"/>
+      </a:majorFont>
+      <a:minorFont>
+        <a:latin typeface="等线" panose="020F0502020204030204"/>
+        <a:ea typeface=""/>
+        <a:cs typeface=""/>
+        <a:font script="Jpan" typeface="游ゴシック"/>
+        <a:font script="Hang" typeface="맑은 고딕"/>
+        <a:font script="Hans" typeface="等线"/>
+        <a:font script="Hant" typeface="新細明體"/>
+        <a:font script="Arab" typeface="Arial"/>
+        <a:font script="Hebr" typeface="Arial"/>
+        <a:font script="Thai" typeface="Cordia New"/>
+        <a:font script="Ethi" typeface="Nyala"/>
+        <a:font script="Beng" typeface="Vrinda"/>
+        <a:font script="Gujr" typeface="Shruti"/>
+        <a:font script="Khmr" typeface="DaunPenh"/>
+        <a:font script="Knda" typeface="Tunga"/>
+        <a:font script="Guru" typeface="Raavi"/>
+        <a:font script="Cans" typeface="Euphemia"/>
+        <a:font script="Cher" typeface="Plantagenet Cherokee"/>
+        <a:font script="Yiii" typeface="Microsoft Yi Baiti"/>
+        <a:font script="Tibt" typeface="Microsoft Himalaya"/>
+        <a:font script="Thaa" typeface="MV Boli"/>
+        <a:font script="Deva" typeface="Mangal"/>
+        <a:font script="Telu" typeface="Gautami"/>
+        <a:font script="Taml" typeface="Latha"/>
+        <a:font script="Syrc" typeface="Estrangelo Edessa"/>
+        <a:font script="Orya" typeface="Kalinga"/>
+        <a:font script="Mlym" typeface="Kartika"/>
+        <a:font script="Laoo" typeface="DokChampa"/>
+        <a:font script="Sinh" typeface="Iskoola Pota"/>
+        <a:font script="Mong" typeface="Mongolian Baiti"/>
+        <a:font script="Viet" typeface="Arial"/>
+        <a:font script="Uigh" typeface="Microsoft Uighur"/>
+        <a:font script="Geor" typeface="Sylfaen"/>
+      </a:minorFont>
+    </a:fontScheme>
+    <a:fmtScheme name="Office">
+      <a:fillStyleLst>
+        <a:solidFill>
+          <a:schemeClr val="phClr"/>
+        </a:solidFill>
+        <a:gradFill rotWithShape="1">
+          <a:gsLst>
+            <a:gs pos="0">
+              <a:schemeClr val="phClr">
+                <a:lumMod val="110000"/>
+                <a:satMod val="105000"/>
+                <a:tint val="67000"/>
+              </a:schemeClr>
+            </a:gs>
+            <a:gs pos="50000">
+              <a:schemeClr val="phClr">
+                <a:lumMod val="105000"/>
+                <a:satMod val="103000"/>
+                <a:tint val="73000"/>
+              </a:schemeClr>
+            </a:gs>
+            <a:gs pos="100000">
+              <a:schemeClr val="phClr">
+                <a:lumMod val="105000"/>
+                <a:satMod val="109000"/>
+                <a:tint val="81000"/>
+              </a:schemeClr>
+            </a:gs>
+          </a:gsLst>
+          <a:lin ang="5400000" scaled="0"/>
+        </a:gradFill>
+        <a:gradFill rotWithShape="1">
+          <a:gsLst>
+            <a:gs pos="0">
+              <a:schemeClr val="phClr">
+                <a:satMod val="103000"/>
+                <a:lumMod val="102000"/>
+                <a:tint val="94000"/>
+              </a:schemeClr>
+            </a:gs>
+            <a:gs pos="50000">
+              <a:schemeClr val="phClr">
+                <a:satMod val="110000"/>
+                <a:lumMod val="100000"/>
+                <a:shade val="100000"/>
+              </a:schemeClr>
+            </a:gs>
+            <a:gs pos="100000">
+              <a:schemeClr val="phClr">
+                <a:lumMod val="99000"/>
+                <a:satMod val="120000"/>
+                <a:shade val="78000"/>
+              </a:schemeClr>
+            </a:gs>
+          </a:gsLst>
+          <a:lin ang="5400000" scaled="0"/>
+        </a:gradFill>
+      </a:fillStyleLst>
+      <a:lnStyleLst>
+        <a:ln w="6350" cap="flat" cmpd="sng" algn="ctr">
+          <a:solidFill>
+            <a:schemeClr val="phClr"/>
+          </a:solidFill>
+          <a:prstDash val="solid"/>
+          <a:miter lim="800000"/>
+        </a:ln>
+        <a:ln w="12700" cap="flat" cmpd="sng" algn="ctr">
+          <a:solidFill>
+            <a:schemeClr val="phClr"/>
+          </a:solidFill>
+          <a:prstDash val="solid"/>
+          <a:miter lim="800000"/>
+        </a:ln>
+        <a:ln w="19050" cap="flat" cmpd="sng" algn="ctr">
+          <a:solidFill>
+            <a:schemeClr val="phClr"/>
+          </a:solidFill>
+          <a:prstDash val="solid"/>
+          <a:miter lim="800000"/>
+        </a:ln>
+      </a:lnStyleLst>
+      <a:effectStyleLst>
+        <a:effectStyle>
+          <a:effectLst/>
+        </a:effectStyle>
+        <a:effectStyle>
+          <a:effectLst/>
+        </a:effectStyle>
+        <a:effectStyle>
+          <a:effectLst>
+            <a:outerShdw blurRad="57150" dist="19050" dir="5400000" algn="ctr" rotWithShape="0">
+              <a:srgbClr val="000000">
+                <a:alpha val="63000"/>
+              </a:srgbClr>
+            </a:outerShdw>
+          </a:effectLst>
+        </a:effectStyle>
+      </a:effectStyleLst>
+      <a:bgFillStyleLst>
+        <a:solidFill>
+          <a:schemeClr val="phClr"/>
+        </a:solidFill>
+        <a:solidFill>
+          <a:schemeClr val="phClr">
+            <a:tint val="95000"/>
+            <a:satMod val="170000"/>
+          </a:schemeClr>
+        </a:solidFill>
+        <a:gradFill rotWithShape="1">
+          <a:gsLst>
+            <a:gs pos="0">
+              <a:schemeClr val="phClr">
+                <a:tint val="93000"/>
+                <a:satMod val="150000"/>
+                <a:shade val="98000"/>
+                <a:lumMod val="102000"/>
+              </a:schemeClr>
+            </a:gs>
+            <a:gs pos="50000">
+              <a:schemeClr val="phClr">
+                <a:tint val="98000"/>
+                <a:satMod val="130000"/>
+                <a:shade val="90000"/>
+                <a:lumMod val="103000"/>
+              </a:schemeClr>
+            </a:gs>
+            <a:gs pos="100000">
+              <a:schemeClr val="phClr">
+                <a:shade val="63000"/>
+                <a:satMod val="120000"/>
+              </a:schemeClr>
+            </a:gs>
+          </a:gsLst>
+          <a:lin ang="5400000" scaled="0"/>
+        </a:gradFill>
+      </a:bgFillStyleLst>
+    </a:fmtScheme>
+  </a:themeElements>
+  <a:objectDefaults/>
+  <a:extraClrSchemeLst/>
+  <a:extLst>
+    <a:ext uri="{05A4C25C-085E-4340-85A3-A5531E510DB2}">
+      <thm15:themeFamily xmlns:thm15="http://schemas.microsoft.com/office/thememl/2012/main" name="Office Theme" id="{62F939B6-93AF-4DB8-9C6B-D6C7DFDC589F}" vid="{4A3C46E8-61CC-4603-A589-7422A47A8E4A}"/>
+    </a:ext>
+  </a:extLst>
+</a:theme>
 </file>
--- a/Leetcode.pptx
+++ b/Leetcode.pptx
@@ -5,7 +5,7 @@
     <p:sldMasterId id="2147483648" r:id="rId1"/>
   </p:sldMasterIdLst>
   <p:notesMasterIdLst>
-    <p:notesMasterId r:id="rId13"/>
+    <p:notesMasterId r:id="rId14"/>
   </p:notesMasterIdLst>
   <p:sldIdLst>
     <p:sldId id="256" r:id="rId2"/>
@@ -19,6 +19,7 @@
     <p:sldId id="264" r:id="rId10"/>
     <p:sldId id="265" r:id="rId11"/>
     <p:sldId id="266" r:id="rId12"/>
+    <p:sldId id="267" r:id="rId13"/>
   </p:sldIdLst>
   <p:sldSz cx="12192000" cy="6858000"/>
   <p:notesSz cx="6858000" cy="9144000"/>
@@ -207,7 +208,7 @@
           <a:p>
             <a:fld id="{1C659647-9849-4D31-8FA7-39349B1EE069}" type="datetimeFigureOut">
               <a:rPr lang="zh-CN" altLang="en-US" smtClean="0"/>
-              <a:t>2020/9/16</a:t>
+              <a:t>2020/9/24</a:t>
             </a:fld>
             <a:endParaRPr lang="zh-CN" altLang="en-US"/>
           </a:p>
@@ -706,7 +707,7 @@
           <a:p>
             <a:fld id="{B63B83F7-20B4-4239-B766-915E0E041876}" type="datetimeFigureOut">
               <a:rPr lang="zh-CN" altLang="en-US" smtClean="0"/>
-              <a:t>2020/9/16</a:t>
+              <a:t>2020/9/24</a:t>
             </a:fld>
             <a:endParaRPr lang="zh-CN" altLang="en-US"/>
           </a:p>
@@ -904,7 +905,7 @@
           <a:p>
             <a:fld id="{B63B83F7-20B4-4239-B766-915E0E041876}" type="datetimeFigureOut">
               <a:rPr lang="zh-CN" altLang="en-US" smtClean="0"/>
-              <a:t>2020/9/16</a:t>
+              <a:t>2020/9/24</a:t>
             </a:fld>
             <a:endParaRPr lang="zh-CN" altLang="en-US"/>
           </a:p>
@@ -1112,7 +1113,7 @@
           <a:p>
             <a:fld id="{B63B83F7-20B4-4239-B766-915E0E041876}" type="datetimeFigureOut">
               <a:rPr lang="zh-CN" altLang="en-US" smtClean="0"/>
-              <a:t>2020/9/16</a:t>
+              <a:t>2020/9/24</a:t>
             </a:fld>
             <a:endParaRPr lang="zh-CN" altLang="en-US"/>
           </a:p>
@@ -1310,7 +1311,7 @@
           <a:p>
             <a:fld id="{B63B83F7-20B4-4239-B766-915E0E041876}" type="datetimeFigureOut">
               <a:rPr lang="zh-CN" altLang="en-US" smtClean="0"/>
-              <a:t>2020/9/16</a:t>
+              <a:t>2020/9/24</a:t>
             </a:fld>
             <a:endParaRPr lang="zh-CN" altLang="en-US"/>
           </a:p>
@@ -1585,7 +1586,7 @@
           <a:p>
             <a:fld id="{B63B83F7-20B4-4239-B766-915E0E041876}" type="datetimeFigureOut">
               <a:rPr lang="zh-CN" altLang="en-US" smtClean="0"/>
-              <a:t>2020/9/16</a:t>
+              <a:t>2020/9/24</a:t>
             </a:fld>
             <a:endParaRPr lang="zh-CN" altLang="en-US"/>
           </a:p>
@@ -1850,7 +1851,7 @@
           <a:p>
             <a:fld id="{B63B83F7-20B4-4239-B766-915E0E041876}" type="datetimeFigureOut">
               <a:rPr lang="zh-CN" altLang="en-US" smtClean="0"/>
-              <a:t>2020/9/16</a:t>
+              <a:t>2020/9/24</a:t>
             </a:fld>
             <a:endParaRPr lang="zh-CN" altLang="en-US"/>
           </a:p>
@@ -2262,7 +2263,7 @@
           <a:p>
             <a:fld id="{B63B83F7-20B4-4239-B766-915E0E041876}" type="datetimeFigureOut">
               <a:rPr lang="zh-CN" altLang="en-US" smtClean="0"/>
-              <a:t>2020/9/16</a:t>
+              <a:t>2020/9/24</a:t>
             </a:fld>
             <a:endParaRPr lang="zh-CN" altLang="en-US"/>
           </a:p>
@@ -2403,7 +2404,7 @@
           <a:p>
             <a:fld id="{B63B83F7-20B4-4239-B766-915E0E041876}" type="datetimeFigureOut">
               <a:rPr lang="zh-CN" altLang="en-US" smtClean="0"/>
-              <a:t>2020/9/16</a:t>
+              <a:t>2020/9/24</a:t>
             </a:fld>
             <a:endParaRPr lang="zh-CN" altLang="en-US"/>
           </a:p>
@@ -2516,7 +2517,7 @@
           <a:p>
             <a:fld id="{B63B83F7-20B4-4239-B766-915E0E041876}" type="datetimeFigureOut">
               <a:rPr lang="zh-CN" altLang="en-US" smtClean="0"/>
-              <a:t>2020/9/16</a:t>
+              <a:t>2020/9/24</a:t>
             </a:fld>
             <a:endParaRPr lang="zh-CN" altLang="en-US"/>
           </a:p>
@@ -2827,7 +2828,7 @@
           <a:p>
             <a:fld id="{B63B83F7-20B4-4239-B766-915E0E041876}" type="datetimeFigureOut">
               <a:rPr lang="zh-CN" altLang="en-US" smtClean="0"/>
-              <a:t>2020/9/16</a:t>
+              <a:t>2020/9/24</a:t>
             </a:fld>
             <a:endParaRPr lang="zh-CN" altLang="en-US"/>
           </a:p>
@@ -3115,7 +3116,7 @@
           <a:p>
             <a:fld id="{B63B83F7-20B4-4239-B766-915E0E041876}" type="datetimeFigureOut">
               <a:rPr lang="zh-CN" altLang="en-US" smtClean="0"/>
-              <a:t>2020/9/16</a:t>
+              <a:t>2020/9/24</a:t>
             </a:fld>
             <a:endParaRPr lang="zh-CN" altLang="en-US"/>
           </a:p>
@@ -3356,7 +3357,7 @@
           <a:p>
             <a:fld id="{B63B83F7-20B4-4239-B766-915E0E041876}" type="datetimeFigureOut">
               <a:rPr lang="zh-CN" altLang="en-US" smtClean="0"/>
-              <a:t>2020/9/16</a:t>
+              <a:t>2020/9/24</a:t>
             </a:fld>
             <a:endParaRPr lang="zh-CN" altLang="en-US"/>
           </a:p>
@@ -8950,6 +8951,372 @@
     <p:extLst>
       <p:ext uri="{BB962C8B-B14F-4D97-AF65-F5344CB8AC3E}">
         <p14:creationId xmlns:p14="http://schemas.microsoft.com/office/powerpoint/2010/main" val="2618946260"/>
+      </p:ext>
+    </p:extLst>
+  </p:cSld>
+  <p:clrMapOvr>
+    <a:masterClrMapping/>
+  </p:clrMapOvr>
+</p:sld>
+</file>
+
+<file path=ppt/slides/slide12.xml><?xml version="1.0" encoding="utf-8"?>
+<p:sld xmlns:a="http://schemas.openxmlformats.org/drawingml/2006/main" xmlns:r="http://schemas.openxmlformats.org/officeDocument/2006/relationships" xmlns:p="http://schemas.openxmlformats.org/presentationml/2006/main">
+  <p:cSld>
+    <p:spTree>
+      <p:nvGrpSpPr>
+        <p:cNvPr id="1" name=""/>
+        <p:cNvGrpSpPr/>
+        <p:nvPr/>
+      </p:nvGrpSpPr>
+      <p:grpSpPr>
+        <a:xfrm>
+          <a:off x="0" y="0"/>
+          <a:ext cx="0" cy="0"/>
+          <a:chOff x="0" y="0"/>
+          <a:chExt cx="0" cy="0"/>
+        </a:xfrm>
+      </p:grpSpPr>
+      <p:sp>
+        <p:nvSpPr>
+          <p:cNvPr id="4" name="文本框 3"/>
+          <p:cNvSpPr txBox="1"/>
+          <p:nvPr/>
+        </p:nvSpPr>
+        <p:spPr>
+          <a:xfrm>
+            <a:off x="381663" y="262393"/>
+            <a:ext cx="4715124" cy="369332"/>
+          </a:xfrm>
+          <a:prstGeom prst="rect">
+            <a:avLst/>
+          </a:prstGeom>
+          <a:noFill/>
+        </p:spPr>
+        <p:txBody>
+          <a:bodyPr wrap="square" rtlCol="0">
+            <a:spAutoFit/>
+          </a:bodyPr>
+          <a:lstStyle/>
+          <a:p>
+            <a:r>
+              <a:rPr lang="pt-BR" altLang="zh-CN" dirty="0">
+                <a:latin typeface="Times New Roman" panose="02020603050405020304" pitchFamily="18" charset="0"/>
+                <a:ea typeface="宋体" panose="02010600030101010101" pitchFamily="2" charset="-122"/>
+                <a:cs typeface="Times New Roman" panose="02020603050405020304" pitchFamily="18" charset="0"/>
+              </a:rPr>
+              <a:t>918. Maximum Sum Circular Subarray</a:t>
+            </a:r>
+            <a:endParaRPr lang="zh-CN" altLang="en-US" dirty="0">
+              <a:latin typeface="Times New Roman" panose="02020603050405020304" pitchFamily="18" charset="0"/>
+              <a:ea typeface="宋体" panose="02010600030101010101" pitchFamily="2" charset="-122"/>
+              <a:cs typeface="Times New Roman" panose="02020603050405020304" pitchFamily="18" charset="0"/>
+            </a:endParaRPr>
+          </a:p>
+        </p:txBody>
+      </p:sp>
+      <p:sp>
+        <p:nvSpPr>
+          <p:cNvPr id="5" name="圆角矩形 4"/>
+          <p:cNvSpPr/>
+          <p:nvPr/>
+        </p:nvSpPr>
+        <p:spPr>
+          <a:xfrm>
+            <a:off x="914399" y="1172819"/>
+            <a:ext cx="3649649" cy="508883"/>
+          </a:xfrm>
+          <a:prstGeom prst="roundRect">
+            <a:avLst/>
+          </a:prstGeom>
+        </p:spPr>
+        <p:style>
+          <a:lnRef idx="2">
+            <a:schemeClr val="accent1">
+              <a:shade val="50000"/>
+            </a:schemeClr>
+          </a:lnRef>
+          <a:fillRef idx="1">
+            <a:schemeClr val="accent1"/>
+          </a:fillRef>
+          <a:effectRef idx="0">
+            <a:schemeClr val="accent1"/>
+          </a:effectRef>
+          <a:fontRef idx="minor">
+            <a:schemeClr val="lt1"/>
+          </a:fontRef>
+        </p:style>
+        <p:txBody>
+          <a:bodyPr rtlCol="0" anchor="ctr"/>
+          <a:lstStyle/>
+          <a:p>
+            <a:pPr algn="ctr"/>
+            <a:endParaRPr lang="zh-CN" altLang="en-US"/>
+          </a:p>
+        </p:txBody>
+      </p:sp>
+      <p:sp>
+        <p:nvSpPr>
+          <p:cNvPr id="6" name="圆角矩形 5"/>
+          <p:cNvSpPr/>
+          <p:nvPr/>
+        </p:nvSpPr>
+        <p:spPr>
+          <a:xfrm>
+            <a:off x="914400" y="2731681"/>
+            <a:ext cx="3649649" cy="508883"/>
+          </a:xfrm>
+          <a:prstGeom prst="roundRect">
+            <a:avLst/>
+          </a:prstGeom>
+        </p:spPr>
+        <p:style>
+          <a:lnRef idx="2">
+            <a:schemeClr val="accent1">
+              <a:shade val="50000"/>
+            </a:schemeClr>
+          </a:lnRef>
+          <a:fillRef idx="1">
+            <a:schemeClr val="accent1"/>
+          </a:fillRef>
+          <a:effectRef idx="0">
+            <a:schemeClr val="accent1"/>
+          </a:effectRef>
+          <a:fontRef idx="minor">
+            <a:schemeClr val="lt1"/>
+          </a:fontRef>
+        </p:style>
+        <p:txBody>
+          <a:bodyPr rtlCol="0" anchor="ctr"/>
+          <a:lstStyle/>
+          <a:p>
+            <a:pPr algn="ctr"/>
+            <a:endParaRPr lang="zh-CN" altLang="en-US"/>
+          </a:p>
+        </p:txBody>
+      </p:sp>
+      <p:sp>
+        <p:nvSpPr>
+          <p:cNvPr id="7" name="矩形 6"/>
+          <p:cNvSpPr/>
+          <p:nvPr/>
+        </p:nvSpPr>
+        <p:spPr>
+          <a:xfrm>
+            <a:off x="2039508" y="1167059"/>
+            <a:ext cx="1399429" cy="520403"/>
+          </a:xfrm>
+          <a:prstGeom prst="rect">
+            <a:avLst/>
+          </a:prstGeom>
+          <a:solidFill>
+            <a:schemeClr val="accent2"/>
+          </a:solidFill>
+        </p:spPr>
+        <p:style>
+          <a:lnRef idx="2">
+            <a:schemeClr val="accent1">
+              <a:shade val="50000"/>
+            </a:schemeClr>
+          </a:lnRef>
+          <a:fillRef idx="1">
+            <a:schemeClr val="accent1"/>
+          </a:fillRef>
+          <a:effectRef idx="0">
+            <a:schemeClr val="accent1"/>
+          </a:effectRef>
+          <a:fontRef idx="minor">
+            <a:schemeClr val="lt1"/>
+          </a:fontRef>
+        </p:style>
+        <p:txBody>
+          <a:bodyPr rtlCol="0" anchor="ctr"/>
+          <a:lstStyle/>
+          <a:p>
+            <a:pPr algn="ctr"/>
+            <a:r>
+              <a:rPr lang="zh-CN" altLang="en-US" sz="1400" dirty="0" smtClean="0">
+                <a:solidFill>
+                  <a:schemeClr val="bg1"/>
+                </a:solidFill>
+                <a:latin typeface="宋体" panose="02010600030101010101" pitchFamily="2" charset="-122"/>
+                <a:ea typeface="宋体" panose="02010600030101010101" pitchFamily="2" charset="-122"/>
+              </a:rPr>
+              <a:t>最大的子数组</a:t>
+            </a:r>
+            <a:endParaRPr lang="zh-CN" altLang="en-US" sz="1400" dirty="0">
+              <a:solidFill>
+                <a:schemeClr val="bg1"/>
+              </a:solidFill>
+              <a:latin typeface="宋体" panose="02010600030101010101" pitchFamily="2" charset="-122"/>
+              <a:ea typeface="宋体" panose="02010600030101010101" pitchFamily="2" charset="-122"/>
+            </a:endParaRPr>
+          </a:p>
+        </p:txBody>
+      </p:sp>
+      <p:sp>
+        <p:nvSpPr>
+          <p:cNvPr id="9" name="矩形 8"/>
+          <p:cNvSpPr/>
+          <p:nvPr/>
+        </p:nvSpPr>
+        <p:spPr>
+          <a:xfrm>
+            <a:off x="2039507" y="2737440"/>
+            <a:ext cx="1399429" cy="520403"/>
+          </a:xfrm>
+          <a:prstGeom prst="rect">
+            <a:avLst/>
+          </a:prstGeom>
+          <a:solidFill>
+            <a:schemeClr val="accent6"/>
+          </a:solidFill>
+        </p:spPr>
+        <p:style>
+          <a:lnRef idx="2">
+            <a:schemeClr val="accent1">
+              <a:shade val="50000"/>
+            </a:schemeClr>
+          </a:lnRef>
+          <a:fillRef idx="1">
+            <a:schemeClr val="accent1"/>
+          </a:fillRef>
+          <a:effectRef idx="0">
+            <a:schemeClr val="accent1"/>
+          </a:effectRef>
+          <a:fontRef idx="minor">
+            <a:schemeClr val="lt1"/>
+          </a:fontRef>
+        </p:style>
+        <p:txBody>
+          <a:bodyPr rtlCol="0" anchor="ctr"/>
+          <a:lstStyle/>
+          <a:p>
+            <a:pPr algn="ctr"/>
+            <a:r>
+              <a:rPr lang="zh-CN" altLang="en-US" sz="1400" dirty="0" smtClean="0">
+                <a:solidFill>
+                  <a:schemeClr val="bg1"/>
+                </a:solidFill>
+                <a:latin typeface="宋体" panose="02010600030101010101" pitchFamily="2" charset="-122"/>
+                <a:ea typeface="宋体" panose="02010600030101010101" pitchFamily="2" charset="-122"/>
+              </a:rPr>
+              <a:t>最小的子数组</a:t>
+            </a:r>
+            <a:endParaRPr lang="zh-CN" altLang="en-US" sz="1400" dirty="0">
+              <a:solidFill>
+                <a:schemeClr val="bg1"/>
+              </a:solidFill>
+              <a:latin typeface="宋体" panose="02010600030101010101" pitchFamily="2" charset="-122"/>
+              <a:ea typeface="宋体" panose="02010600030101010101" pitchFamily="2" charset="-122"/>
+            </a:endParaRPr>
+          </a:p>
+        </p:txBody>
+      </p:sp>
+      <p:sp>
+        <p:nvSpPr>
+          <p:cNvPr id="11" name="文本框 10"/>
+          <p:cNvSpPr txBox="1"/>
+          <p:nvPr/>
+        </p:nvSpPr>
+        <p:spPr>
+          <a:xfrm>
+            <a:off x="5096786" y="1242594"/>
+            <a:ext cx="5208103" cy="369332"/>
+          </a:xfrm>
+          <a:prstGeom prst="rect">
+            <a:avLst/>
+          </a:prstGeom>
+          <a:noFill/>
+        </p:spPr>
+        <p:txBody>
+          <a:bodyPr wrap="square" rtlCol="0">
+            <a:spAutoFit/>
+          </a:bodyPr>
+          <a:lstStyle/>
+          <a:p>
+            <a:r>
+              <a:rPr lang="zh-CN" altLang="en-US" dirty="0" smtClean="0">
+                <a:latin typeface="Times New Roman" panose="02020603050405020304" pitchFamily="18" charset="0"/>
+                <a:ea typeface="宋体" panose="02010600030101010101" pitchFamily="2" charset="-122"/>
+                <a:cs typeface="Times New Roman" panose="02020603050405020304" pitchFamily="18" charset="0"/>
+              </a:rPr>
+              <a:t>只会出现两种情况，最大的连续子数组在中间</a:t>
+            </a:r>
+            <a:endParaRPr lang="zh-CN" altLang="en-US" dirty="0">
+              <a:latin typeface="Times New Roman" panose="02020603050405020304" pitchFamily="18" charset="0"/>
+              <a:ea typeface="宋体" panose="02010600030101010101" pitchFamily="2" charset="-122"/>
+              <a:cs typeface="Times New Roman" panose="02020603050405020304" pitchFamily="18" charset="0"/>
+            </a:endParaRPr>
+          </a:p>
+        </p:txBody>
+      </p:sp>
+      <p:sp>
+        <p:nvSpPr>
+          <p:cNvPr id="12" name="文本框 11"/>
+          <p:cNvSpPr txBox="1"/>
+          <p:nvPr/>
+        </p:nvSpPr>
+        <p:spPr>
+          <a:xfrm>
+            <a:off x="5096785" y="2731681"/>
+            <a:ext cx="5208103" cy="923330"/>
+          </a:xfrm>
+          <a:prstGeom prst="rect">
+            <a:avLst/>
+          </a:prstGeom>
+          <a:noFill/>
+        </p:spPr>
+        <p:txBody>
+          <a:bodyPr wrap="square" rtlCol="0">
+            <a:spAutoFit/>
+          </a:bodyPr>
+          <a:lstStyle/>
+          <a:p>
+            <a:r>
+              <a:rPr lang="zh-CN" altLang="en-US" dirty="0" smtClean="0">
+                <a:latin typeface="Times New Roman" panose="02020603050405020304" pitchFamily="18" charset="0"/>
+                <a:ea typeface="宋体" panose="02010600030101010101" pitchFamily="2" charset="-122"/>
+                <a:cs typeface="Times New Roman" panose="02020603050405020304" pitchFamily="18" charset="0"/>
+              </a:rPr>
+              <a:t>只会出现两种情况，最大的连续子数组在两侧，那么中间的就是连续最小的子数组，此时最大的子数组 </a:t>
+            </a:r>
+            <a:r>
+              <a:rPr lang="en-US" altLang="zh-CN" dirty="0" smtClean="0">
+                <a:latin typeface="Times New Roman" panose="02020603050405020304" pitchFamily="18" charset="0"/>
+                <a:ea typeface="宋体" panose="02010600030101010101" pitchFamily="2" charset="-122"/>
+                <a:cs typeface="Times New Roman" panose="02020603050405020304" pitchFamily="18" charset="0"/>
+              </a:rPr>
+              <a:t>= sum(array) – min(</a:t>
+            </a:r>
+            <a:r>
+              <a:rPr lang="en-US" altLang="zh-CN" dirty="0" err="1" smtClean="0">
+                <a:latin typeface="Times New Roman" panose="02020603050405020304" pitchFamily="18" charset="0"/>
+                <a:ea typeface="宋体" panose="02010600030101010101" pitchFamily="2" charset="-122"/>
+                <a:cs typeface="Times New Roman" panose="02020603050405020304" pitchFamily="18" charset="0"/>
+              </a:rPr>
+              <a:t>sub_array</a:t>
+            </a:r>
+            <a:r>
+              <a:rPr lang="en-US" altLang="zh-CN" dirty="0" smtClean="0">
+                <a:latin typeface="Times New Roman" panose="02020603050405020304" pitchFamily="18" charset="0"/>
+                <a:ea typeface="宋体" panose="02010600030101010101" pitchFamily="2" charset="-122"/>
+                <a:cs typeface="Times New Roman" panose="02020603050405020304" pitchFamily="18" charset="0"/>
+              </a:rPr>
+              <a:t>)</a:t>
+            </a:r>
+            <a:endParaRPr lang="zh-CN" altLang="en-US" dirty="0">
+              <a:latin typeface="Times New Roman" panose="02020603050405020304" pitchFamily="18" charset="0"/>
+              <a:ea typeface="宋体" panose="02010600030101010101" pitchFamily="2" charset="-122"/>
+              <a:cs typeface="Times New Roman" panose="02020603050405020304" pitchFamily="18" charset="0"/>
+            </a:endParaRPr>
+          </a:p>
+        </p:txBody>
+      </p:sp>
+    </p:spTree>
+    <p:extLst>
+      <p:ext uri="{BB962C8B-B14F-4D97-AF65-F5344CB8AC3E}">
+        <p14:creationId xmlns:p14="http://schemas.microsoft.com/office/powerpoint/2010/main" val="3741123381"/>
       </p:ext>
     </p:extLst>
   </p:cSld>

--- a/Leetcode.pptx
+++ b/Leetcode.pptx
@@ -5,7 +5,7 @@
     <p:sldMasterId id="2147483648" r:id="rId1"/>
   </p:sldMasterIdLst>
   <p:notesMasterIdLst>
-    <p:notesMasterId r:id="rId14"/>
+    <p:notesMasterId r:id="rId16"/>
   </p:notesMasterIdLst>
   <p:sldIdLst>
     <p:sldId id="256" r:id="rId2"/>
@@ -20,6 +20,8 @@
     <p:sldId id="265" r:id="rId11"/>
     <p:sldId id="266" r:id="rId12"/>
     <p:sldId id="267" r:id="rId13"/>
+    <p:sldId id="268" r:id="rId14"/>
+    <p:sldId id="269" r:id="rId15"/>
   </p:sldIdLst>
   <p:sldSz cx="12192000" cy="6858000"/>
   <p:notesSz cx="6858000" cy="9144000"/>
@@ -208,7 +210,7 @@
           <a:p>
             <a:fld id="{1C659647-9849-4D31-8FA7-39349B1EE069}" type="datetimeFigureOut">
               <a:rPr lang="zh-CN" altLang="en-US" smtClean="0"/>
-              <a:t>2020/9/24</a:t>
+              <a:t>2021/2/1</a:t>
             </a:fld>
             <a:endParaRPr lang="zh-CN" altLang="en-US"/>
           </a:p>
@@ -707,7 +709,7 @@
           <a:p>
             <a:fld id="{B63B83F7-20B4-4239-B766-915E0E041876}" type="datetimeFigureOut">
               <a:rPr lang="zh-CN" altLang="en-US" smtClean="0"/>
-              <a:t>2020/9/24</a:t>
+              <a:t>2021/2/1</a:t>
             </a:fld>
             <a:endParaRPr lang="zh-CN" altLang="en-US"/>
           </a:p>
@@ -905,7 +907,7 @@
           <a:p>
             <a:fld id="{B63B83F7-20B4-4239-B766-915E0E041876}" type="datetimeFigureOut">
               <a:rPr lang="zh-CN" altLang="en-US" smtClean="0"/>
-              <a:t>2020/9/24</a:t>
+              <a:t>2021/2/1</a:t>
             </a:fld>
             <a:endParaRPr lang="zh-CN" altLang="en-US"/>
           </a:p>
@@ -1113,7 +1115,7 @@
           <a:p>
             <a:fld id="{B63B83F7-20B4-4239-B766-915E0E041876}" type="datetimeFigureOut">
               <a:rPr lang="zh-CN" altLang="en-US" smtClean="0"/>
-              <a:t>2020/9/24</a:t>
+              <a:t>2021/2/1</a:t>
             </a:fld>
             <a:endParaRPr lang="zh-CN" altLang="en-US"/>
           </a:p>
@@ -1311,7 +1313,7 @@
           <a:p>
             <a:fld id="{B63B83F7-20B4-4239-B766-915E0E041876}" type="datetimeFigureOut">
               <a:rPr lang="zh-CN" altLang="en-US" smtClean="0"/>
-              <a:t>2020/9/24</a:t>
+              <a:t>2021/2/1</a:t>
             </a:fld>
             <a:endParaRPr lang="zh-CN" altLang="en-US"/>
           </a:p>
@@ -1586,7 +1588,7 @@
           <a:p>
             <a:fld id="{B63B83F7-20B4-4239-B766-915E0E041876}" type="datetimeFigureOut">
               <a:rPr lang="zh-CN" altLang="en-US" smtClean="0"/>
-              <a:t>2020/9/24</a:t>
+              <a:t>2021/2/1</a:t>
             </a:fld>
             <a:endParaRPr lang="zh-CN" altLang="en-US"/>
           </a:p>
@@ -1851,7 +1853,7 @@
           <a:p>
             <a:fld id="{B63B83F7-20B4-4239-B766-915E0E041876}" type="datetimeFigureOut">
               <a:rPr lang="zh-CN" altLang="en-US" smtClean="0"/>
-              <a:t>2020/9/24</a:t>
+              <a:t>2021/2/1</a:t>
             </a:fld>
             <a:endParaRPr lang="zh-CN" altLang="en-US"/>
           </a:p>
@@ -2263,7 +2265,7 @@
           <a:p>
             <a:fld id="{B63B83F7-20B4-4239-B766-915E0E041876}" type="datetimeFigureOut">
               <a:rPr lang="zh-CN" altLang="en-US" smtClean="0"/>
-              <a:t>2020/9/24</a:t>
+              <a:t>2021/2/1</a:t>
             </a:fld>
             <a:endParaRPr lang="zh-CN" altLang="en-US"/>
           </a:p>
@@ -2404,7 +2406,7 @@
           <a:p>
             <a:fld id="{B63B83F7-20B4-4239-B766-915E0E041876}" type="datetimeFigureOut">
               <a:rPr lang="zh-CN" altLang="en-US" smtClean="0"/>
-              <a:t>2020/9/24</a:t>
+              <a:t>2021/2/1</a:t>
             </a:fld>
             <a:endParaRPr lang="zh-CN" altLang="en-US"/>
           </a:p>
@@ -2517,7 +2519,7 @@
           <a:p>
             <a:fld id="{B63B83F7-20B4-4239-B766-915E0E041876}" type="datetimeFigureOut">
               <a:rPr lang="zh-CN" altLang="en-US" smtClean="0"/>
-              <a:t>2020/9/24</a:t>
+              <a:t>2021/2/1</a:t>
             </a:fld>
             <a:endParaRPr lang="zh-CN" altLang="en-US"/>
           </a:p>
@@ -2828,7 +2830,7 @@
           <a:p>
             <a:fld id="{B63B83F7-20B4-4239-B766-915E0E041876}" type="datetimeFigureOut">
               <a:rPr lang="zh-CN" altLang="en-US" smtClean="0"/>
-              <a:t>2020/9/24</a:t>
+              <a:t>2021/2/1</a:t>
             </a:fld>
             <a:endParaRPr lang="zh-CN" altLang="en-US"/>
           </a:p>
@@ -3116,7 +3118,7 @@
           <a:p>
             <a:fld id="{B63B83F7-20B4-4239-B766-915E0E041876}" type="datetimeFigureOut">
               <a:rPr lang="zh-CN" altLang="en-US" smtClean="0"/>
-              <a:t>2020/9/24</a:t>
+              <a:t>2021/2/1</a:t>
             </a:fld>
             <a:endParaRPr lang="zh-CN" altLang="en-US"/>
           </a:p>
@@ -3357,7 +3359,7 @@
           <a:p>
             <a:fld id="{B63B83F7-20B4-4239-B766-915E0E041876}" type="datetimeFigureOut">
               <a:rPr lang="zh-CN" altLang="en-US" smtClean="0"/>
-              <a:t>2020/9/24</a:t>
+              <a:t>2021/2/1</a:t>
             </a:fld>
             <a:endParaRPr lang="zh-CN" altLang="en-US"/>
           </a:p>
@@ -9317,6 +9319,1751 @@
     <p:extLst>
       <p:ext uri="{BB962C8B-B14F-4D97-AF65-F5344CB8AC3E}">
         <p14:creationId xmlns:p14="http://schemas.microsoft.com/office/powerpoint/2010/main" val="3741123381"/>
+      </p:ext>
+    </p:extLst>
+  </p:cSld>
+  <p:clrMapOvr>
+    <a:masterClrMapping/>
+  </p:clrMapOvr>
+</p:sld>
+</file>
+
+<file path=ppt/slides/slide13.xml><?xml version="1.0" encoding="utf-8"?>
+<p:sld xmlns:a="http://schemas.openxmlformats.org/drawingml/2006/main" xmlns:r="http://schemas.openxmlformats.org/officeDocument/2006/relationships" xmlns:p="http://schemas.openxmlformats.org/presentationml/2006/main">
+  <p:cSld>
+    <p:spTree>
+      <p:nvGrpSpPr>
+        <p:cNvPr id="1" name=""/>
+        <p:cNvGrpSpPr/>
+        <p:nvPr/>
+      </p:nvGrpSpPr>
+      <p:grpSpPr>
+        <a:xfrm>
+          <a:off x="0" y="0"/>
+          <a:ext cx="0" cy="0"/>
+          <a:chOff x="0" y="0"/>
+          <a:chExt cx="0" cy="0"/>
+        </a:xfrm>
+      </p:grpSpPr>
+      <p:sp>
+        <p:nvSpPr>
+          <p:cNvPr id="60" name="椭圆 59"/>
+          <p:cNvSpPr/>
+          <p:nvPr/>
+        </p:nvSpPr>
+        <p:spPr>
+          <a:xfrm>
+            <a:off x="4481054" y="3330107"/>
+            <a:ext cx="323364" cy="286465"/>
+          </a:xfrm>
+          <a:prstGeom prst="ellipse">
+            <a:avLst/>
+          </a:prstGeom>
+          <a:ln w="28575">
+            <a:solidFill>
+              <a:srgbClr val="FF0000"/>
+            </a:solidFill>
+          </a:ln>
+        </p:spPr>
+        <p:style>
+          <a:lnRef idx="2">
+            <a:schemeClr val="accent4"/>
+          </a:lnRef>
+          <a:fillRef idx="1">
+            <a:schemeClr val="lt1"/>
+          </a:fillRef>
+          <a:effectRef idx="0">
+            <a:schemeClr val="accent4"/>
+          </a:effectRef>
+          <a:fontRef idx="minor">
+            <a:schemeClr val="dk1"/>
+          </a:fontRef>
+        </p:style>
+        <p:txBody>
+          <a:bodyPr rtlCol="0" anchor="ctr"/>
+          <a:lstStyle/>
+          <a:p>
+            <a:pPr algn="ctr"/>
+            <a:endParaRPr lang="zh-CN" altLang="en-US">
+              <a:solidFill>
+                <a:srgbClr val="FF0000"/>
+              </a:solidFill>
+            </a:endParaRPr>
+          </a:p>
+        </p:txBody>
+      </p:sp>
+      <p:sp>
+        <p:nvSpPr>
+          <p:cNvPr id="59" name="椭圆 58"/>
+          <p:cNvSpPr/>
+          <p:nvPr/>
+        </p:nvSpPr>
+        <p:spPr>
+          <a:xfrm>
+            <a:off x="3885026" y="4004722"/>
+            <a:ext cx="323364" cy="286465"/>
+          </a:xfrm>
+          <a:prstGeom prst="ellipse">
+            <a:avLst/>
+          </a:prstGeom>
+          <a:ln w="28575">
+            <a:solidFill>
+              <a:srgbClr val="FF0000"/>
+            </a:solidFill>
+          </a:ln>
+        </p:spPr>
+        <p:style>
+          <a:lnRef idx="2">
+            <a:schemeClr val="accent4"/>
+          </a:lnRef>
+          <a:fillRef idx="1">
+            <a:schemeClr val="lt1"/>
+          </a:fillRef>
+          <a:effectRef idx="0">
+            <a:schemeClr val="accent4"/>
+          </a:effectRef>
+          <a:fontRef idx="minor">
+            <a:schemeClr val="dk1"/>
+          </a:fontRef>
+        </p:style>
+        <p:txBody>
+          <a:bodyPr rtlCol="0" anchor="ctr"/>
+          <a:lstStyle/>
+          <a:p>
+            <a:pPr algn="ctr"/>
+            <a:endParaRPr lang="zh-CN" altLang="en-US">
+              <a:solidFill>
+                <a:srgbClr val="FF0000"/>
+              </a:solidFill>
+            </a:endParaRPr>
+          </a:p>
+        </p:txBody>
+      </p:sp>
+      <p:sp>
+        <p:nvSpPr>
+          <p:cNvPr id="58" name="椭圆 57"/>
+          <p:cNvSpPr/>
+          <p:nvPr/>
+        </p:nvSpPr>
+        <p:spPr>
+          <a:xfrm>
+            <a:off x="3234683" y="4533811"/>
+            <a:ext cx="323364" cy="286465"/>
+          </a:xfrm>
+          <a:prstGeom prst="ellipse">
+            <a:avLst/>
+          </a:prstGeom>
+          <a:ln w="28575">
+            <a:solidFill>
+              <a:srgbClr val="FF0000"/>
+            </a:solidFill>
+          </a:ln>
+        </p:spPr>
+        <p:style>
+          <a:lnRef idx="2">
+            <a:schemeClr val="accent4"/>
+          </a:lnRef>
+          <a:fillRef idx="1">
+            <a:schemeClr val="lt1"/>
+          </a:fillRef>
+          <a:effectRef idx="0">
+            <a:schemeClr val="accent4"/>
+          </a:effectRef>
+          <a:fontRef idx="minor">
+            <a:schemeClr val="dk1"/>
+          </a:fontRef>
+        </p:style>
+        <p:txBody>
+          <a:bodyPr rtlCol="0" anchor="ctr"/>
+          <a:lstStyle/>
+          <a:p>
+            <a:pPr algn="ctr"/>
+            <a:endParaRPr lang="zh-CN" altLang="en-US">
+              <a:solidFill>
+                <a:srgbClr val="FF0000"/>
+              </a:solidFill>
+            </a:endParaRPr>
+          </a:p>
+        </p:txBody>
+      </p:sp>
+      <p:sp>
+        <p:nvSpPr>
+          <p:cNvPr id="57" name="椭圆 56"/>
+          <p:cNvSpPr/>
+          <p:nvPr/>
+        </p:nvSpPr>
+        <p:spPr>
+          <a:xfrm>
+            <a:off x="2028326" y="3367868"/>
+            <a:ext cx="323364" cy="286465"/>
+          </a:xfrm>
+          <a:prstGeom prst="ellipse">
+            <a:avLst/>
+          </a:prstGeom>
+          <a:ln w="28575">
+            <a:solidFill>
+              <a:srgbClr val="FF0000"/>
+            </a:solidFill>
+          </a:ln>
+        </p:spPr>
+        <p:style>
+          <a:lnRef idx="2">
+            <a:schemeClr val="accent4"/>
+          </a:lnRef>
+          <a:fillRef idx="1">
+            <a:schemeClr val="lt1"/>
+          </a:fillRef>
+          <a:effectRef idx="0">
+            <a:schemeClr val="accent4"/>
+          </a:effectRef>
+          <a:fontRef idx="minor">
+            <a:schemeClr val="dk1"/>
+          </a:fontRef>
+        </p:style>
+        <p:txBody>
+          <a:bodyPr rtlCol="0" anchor="ctr"/>
+          <a:lstStyle/>
+          <a:p>
+            <a:pPr algn="ctr"/>
+            <a:endParaRPr lang="zh-CN" altLang="en-US">
+              <a:solidFill>
+                <a:srgbClr val="FF0000"/>
+              </a:solidFill>
+            </a:endParaRPr>
+          </a:p>
+        </p:txBody>
+      </p:sp>
+      <p:sp>
+        <p:nvSpPr>
+          <p:cNvPr id="52" name="椭圆 51"/>
+          <p:cNvSpPr/>
+          <p:nvPr/>
+        </p:nvSpPr>
+        <p:spPr>
+          <a:xfrm>
+            <a:off x="2719677" y="3934717"/>
+            <a:ext cx="323364" cy="286465"/>
+          </a:xfrm>
+          <a:prstGeom prst="ellipse">
+            <a:avLst/>
+          </a:prstGeom>
+          <a:ln w="28575">
+            <a:solidFill>
+              <a:srgbClr val="FF0000"/>
+            </a:solidFill>
+          </a:ln>
+        </p:spPr>
+        <p:style>
+          <a:lnRef idx="2">
+            <a:schemeClr val="accent4"/>
+          </a:lnRef>
+          <a:fillRef idx="1">
+            <a:schemeClr val="lt1"/>
+          </a:fillRef>
+          <a:effectRef idx="0">
+            <a:schemeClr val="accent4"/>
+          </a:effectRef>
+          <a:fontRef idx="minor">
+            <a:schemeClr val="dk1"/>
+          </a:fontRef>
+        </p:style>
+        <p:txBody>
+          <a:bodyPr rtlCol="0" anchor="ctr"/>
+          <a:lstStyle/>
+          <a:p>
+            <a:pPr algn="ctr"/>
+            <a:endParaRPr lang="zh-CN" altLang="en-US">
+              <a:solidFill>
+                <a:srgbClr val="FF0000"/>
+              </a:solidFill>
+            </a:endParaRPr>
+          </a:p>
+        </p:txBody>
+      </p:sp>
+      <p:sp>
+        <p:nvSpPr>
+          <p:cNvPr id="50" name="椭圆 49"/>
+          <p:cNvSpPr/>
+          <p:nvPr/>
+        </p:nvSpPr>
+        <p:spPr>
+          <a:xfrm>
+            <a:off x="8109463" y="2656684"/>
+            <a:ext cx="328831" cy="320564"/>
+          </a:xfrm>
+          <a:prstGeom prst="ellipse">
+            <a:avLst/>
+          </a:prstGeom>
+          <a:ln w="28575">
+            <a:solidFill>
+              <a:srgbClr val="FF0000"/>
+            </a:solidFill>
+          </a:ln>
+        </p:spPr>
+        <p:style>
+          <a:lnRef idx="2">
+            <a:schemeClr val="accent4"/>
+          </a:lnRef>
+          <a:fillRef idx="1">
+            <a:schemeClr val="lt1"/>
+          </a:fillRef>
+          <a:effectRef idx="0">
+            <a:schemeClr val="accent4"/>
+          </a:effectRef>
+          <a:fontRef idx="minor">
+            <a:schemeClr val="dk1"/>
+          </a:fontRef>
+        </p:style>
+        <p:txBody>
+          <a:bodyPr rtlCol="0" anchor="ctr"/>
+          <a:lstStyle/>
+          <a:p>
+            <a:pPr algn="ctr"/>
+            <a:endParaRPr lang="zh-CN" altLang="en-US">
+              <a:solidFill>
+                <a:srgbClr val="FF0000"/>
+              </a:solidFill>
+            </a:endParaRPr>
+          </a:p>
+        </p:txBody>
+      </p:sp>
+      <p:cxnSp>
+        <p:nvCxnSpPr>
+          <p:cNvPr id="5" name="直接箭头连接符 4"/>
+          <p:cNvCxnSpPr/>
+          <p:nvPr/>
+        </p:nvCxnSpPr>
+        <p:spPr>
+          <a:xfrm flipV="1">
+            <a:off x="1932168" y="5184250"/>
+            <a:ext cx="6019136" cy="15904"/>
+          </a:xfrm>
+          <a:prstGeom prst="straightConnector1">
+            <a:avLst/>
+          </a:prstGeom>
+          <a:ln w="28575">
+            <a:tailEnd type="triangle"/>
+          </a:ln>
+        </p:spPr>
+        <p:style>
+          <a:lnRef idx="1">
+            <a:schemeClr val="accent1"/>
+          </a:lnRef>
+          <a:fillRef idx="0">
+            <a:schemeClr val="accent1"/>
+          </a:fillRef>
+          <a:effectRef idx="0">
+            <a:schemeClr val="accent1"/>
+          </a:effectRef>
+          <a:fontRef idx="minor">
+            <a:schemeClr val="tx1"/>
+          </a:fontRef>
+        </p:style>
+      </p:cxnSp>
+      <p:cxnSp>
+        <p:nvCxnSpPr>
+          <p:cNvPr id="7" name="直接箭头连接符 6"/>
+          <p:cNvCxnSpPr/>
+          <p:nvPr/>
+        </p:nvCxnSpPr>
+        <p:spPr>
+          <a:xfrm flipH="1" flipV="1">
+            <a:off x="1899037" y="1950720"/>
+            <a:ext cx="33132" cy="3237508"/>
+          </a:xfrm>
+          <a:prstGeom prst="straightConnector1">
+            <a:avLst/>
+          </a:prstGeom>
+          <a:ln w="28575">
+            <a:tailEnd type="triangle"/>
+          </a:ln>
+        </p:spPr>
+        <p:style>
+          <a:lnRef idx="1">
+            <a:schemeClr val="accent1"/>
+          </a:lnRef>
+          <a:fillRef idx="0">
+            <a:schemeClr val="accent1"/>
+          </a:fillRef>
+          <a:effectRef idx="0">
+            <a:schemeClr val="accent1"/>
+          </a:effectRef>
+          <a:fontRef idx="minor">
+            <a:schemeClr val="tx1"/>
+          </a:fontRef>
+        </p:style>
+      </p:cxnSp>
+      <p:cxnSp>
+        <p:nvCxnSpPr>
+          <p:cNvPr id="12" name="直接箭头连接符 11"/>
+          <p:cNvCxnSpPr/>
+          <p:nvPr/>
+        </p:nvCxnSpPr>
+        <p:spPr>
+          <a:xfrm flipV="1">
+            <a:off x="2150446" y="3460087"/>
+            <a:ext cx="713625" cy="13254"/>
+          </a:xfrm>
+          <a:prstGeom prst="straightConnector1">
+            <a:avLst/>
+          </a:prstGeom>
+          <a:ln w="28575">
+            <a:headEnd type="none" w="med" len="med"/>
+            <a:tailEnd type="none" w="med" len="med"/>
+          </a:ln>
+        </p:spPr>
+        <p:style>
+          <a:lnRef idx="1">
+            <a:schemeClr val="dk1"/>
+          </a:lnRef>
+          <a:fillRef idx="0">
+            <a:schemeClr val="dk1"/>
+          </a:fillRef>
+          <a:effectRef idx="0">
+            <a:schemeClr val="dk1"/>
+          </a:effectRef>
+          <a:fontRef idx="minor">
+            <a:schemeClr val="tx1"/>
+          </a:fontRef>
+        </p:style>
+      </p:cxnSp>
+      <p:cxnSp>
+        <p:nvCxnSpPr>
+          <p:cNvPr id="15" name="直接箭头连接符 14"/>
+          <p:cNvCxnSpPr/>
+          <p:nvPr/>
+        </p:nvCxnSpPr>
+        <p:spPr>
+          <a:xfrm>
+            <a:off x="2864071" y="3460087"/>
+            <a:ext cx="0" cy="628153"/>
+          </a:xfrm>
+          <a:prstGeom prst="straightConnector1">
+            <a:avLst/>
+          </a:prstGeom>
+          <a:ln w="28575">
+            <a:headEnd type="none" w="med" len="med"/>
+            <a:tailEnd type="none" w="med" len="med"/>
+          </a:ln>
+        </p:spPr>
+        <p:style>
+          <a:lnRef idx="1">
+            <a:schemeClr val="dk1"/>
+          </a:lnRef>
+          <a:fillRef idx="0">
+            <a:schemeClr val="dk1"/>
+          </a:fillRef>
+          <a:effectRef idx="0">
+            <a:schemeClr val="dk1"/>
+          </a:effectRef>
+          <a:fontRef idx="minor">
+            <a:schemeClr val="tx1"/>
+          </a:fontRef>
+        </p:style>
+      </p:cxnSp>
+      <p:cxnSp>
+        <p:nvCxnSpPr>
+          <p:cNvPr id="21" name="直接箭头连接符 20"/>
+          <p:cNvCxnSpPr/>
+          <p:nvPr/>
+        </p:nvCxnSpPr>
+        <p:spPr>
+          <a:xfrm>
+            <a:off x="2864071" y="4088240"/>
+            <a:ext cx="533179" cy="0"/>
+          </a:xfrm>
+          <a:prstGeom prst="straightConnector1">
+            <a:avLst/>
+          </a:prstGeom>
+          <a:ln w="28575">
+            <a:headEnd type="none" w="med" len="med"/>
+            <a:tailEnd type="none" w="med" len="med"/>
+          </a:ln>
+        </p:spPr>
+        <p:style>
+          <a:lnRef idx="1">
+            <a:schemeClr val="dk1"/>
+          </a:lnRef>
+          <a:fillRef idx="0">
+            <a:schemeClr val="dk1"/>
+          </a:fillRef>
+          <a:effectRef idx="0">
+            <a:schemeClr val="dk1"/>
+          </a:effectRef>
+          <a:fontRef idx="minor">
+            <a:schemeClr val="tx1"/>
+          </a:fontRef>
+        </p:style>
+      </p:cxnSp>
+      <p:cxnSp>
+        <p:nvCxnSpPr>
+          <p:cNvPr id="24" name="直接箭头连接符 23"/>
+          <p:cNvCxnSpPr/>
+          <p:nvPr/>
+        </p:nvCxnSpPr>
+        <p:spPr>
+          <a:xfrm flipV="1">
+            <a:off x="4609879" y="3473341"/>
+            <a:ext cx="0" cy="628153"/>
+          </a:xfrm>
+          <a:prstGeom prst="straightConnector1">
+            <a:avLst/>
+          </a:prstGeom>
+          <a:ln w="28575">
+            <a:headEnd type="none" w="med" len="med"/>
+            <a:tailEnd type="none" w="med" len="med"/>
+          </a:ln>
+        </p:spPr>
+        <p:style>
+          <a:lnRef idx="1">
+            <a:schemeClr val="dk1"/>
+          </a:lnRef>
+          <a:fillRef idx="0">
+            <a:schemeClr val="dk1"/>
+          </a:fillRef>
+          <a:effectRef idx="0">
+            <a:schemeClr val="dk1"/>
+          </a:effectRef>
+          <a:fontRef idx="minor">
+            <a:schemeClr val="tx1"/>
+          </a:fontRef>
+        </p:style>
+      </p:cxnSp>
+      <p:cxnSp>
+        <p:nvCxnSpPr>
+          <p:cNvPr id="27" name="直接箭头连接符 26"/>
+          <p:cNvCxnSpPr/>
+          <p:nvPr/>
+        </p:nvCxnSpPr>
+        <p:spPr>
+          <a:xfrm flipH="1">
+            <a:off x="4609879" y="3473341"/>
+            <a:ext cx="793971" cy="0"/>
+          </a:xfrm>
+          <a:prstGeom prst="straightConnector1">
+            <a:avLst/>
+          </a:prstGeom>
+          <a:ln w="28575">
+            <a:headEnd type="none" w="med" len="med"/>
+            <a:tailEnd type="none" w="med" len="med"/>
+          </a:ln>
+        </p:spPr>
+        <p:style>
+          <a:lnRef idx="1">
+            <a:schemeClr val="dk1"/>
+          </a:lnRef>
+          <a:fillRef idx="0">
+            <a:schemeClr val="dk1"/>
+          </a:fillRef>
+          <a:effectRef idx="0">
+            <a:schemeClr val="dk1"/>
+          </a:effectRef>
+          <a:fontRef idx="minor">
+            <a:schemeClr val="tx1"/>
+          </a:fontRef>
+        </p:style>
+      </p:cxnSp>
+      <p:cxnSp>
+        <p:nvCxnSpPr>
+          <p:cNvPr id="32" name="直接箭头连接符 31"/>
+          <p:cNvCxnSpPr/>
+          <p:nvPr/>
+        </p:nvCxnSpPr>
+        <p:spPr>
+          <a:xfrm flipV="1">
+            <a:off x="3390900" y="4088239"/>
+            <a:ext cx="0" cy="628153"/>
+          </a:xfrm>
+          <a:prstGeom prst="straightConnector1">
+            <a:avLst/>
+          </a:prstGeom>
+          <a:ln w="28575">
+            <a:headEnd type="none" w="med" len="med"/>
+            <a:tailEnd type="none" w="med" len="med"/>
+          </a:ln>
+        </p:spPr>
+        <p:style>
+          <a:lnRef idx="1">
+            <a:schemeClr val="dk1"/>
+          </a:lnRef>
+          <a:fillRef idx="0">
+            <a:schemeClr val="dk1"/>
+          </a:fillRef>
+          <a:effectRef idx="0">
+            <a:schemeClr val="dk1"/>
+          </a:effectRef>
+          <a:fontRef idx="minor">
+            <a:schemeClr val="tx1"/>
+          </a:fontRef>
+        </p:style>
+      </p:cxnSp>
+      <p:cxnSp>
+        <p:nvCxnSpPr>
+          <p:cNvPr id="33" name="直接箭头连接符 32"/>
+          <p:cNvCxnSpPr/>
+          <p:nvPr/>
+        </p:nvCxnSpPr>
+        <p:spPr>
+          <a:xfrm>
+            <a:off x="3390900" y="4716393"/>
+            <a:ext cx="628650" cy="0"/>
+          </a:xfrm>
+          <a:prstGeom prst="straightConnector1">
+            <a:avLst/>
+          </a:prstGeom>
+          <a:ln w="28575">
+            <a:headEnd type="none" w="med" len="med"/>
+            <a:tailEnd type="none" w="med" len="med"/>
+          </a:ln>
+        </p:spPr>
+        <p:style>
+          <a:lnRef idx="1">
+            <a:schemeClr val="dk1"/>
+          </a:lnRef>
+          <a:fillRef idx="0">
+            <a:schemeClr val="dk1"/>
+          </a:fillRef>
+          <a:effectRef idx="0">
+            <a:schemeClr val="dk1"/>
+          </a:effectRef>
+          <a:fontRef idx="minor">
+            <a:schemeClr val="tx1"/>
+          </a:fontRef>
+        </p:style>
+      </p:cxnSp>
+      <p:cxnSp>
+        <p:nvCxnSpPr>
+          <p:cNvPr id="35" name="直接箭头连接符 34"/>
+          <p:cNvCxnSpPr/>
+          <p:nvPr/>
+        </p:nvCxnSpPr>
+        <p:spPr>
+          <a:xfrm>
+            <a:off x="4019550" y="4088240"/>
+            <a:ext cx="0" cy="628153"/>
+          </a:xfrm>
+          <a:prstGeom prst="straightConnector1">
+            <a:avLst/>
+          </a:prstGeom>
+          <a:ln w="28575">
+            <a:headEnd type="none" w="med" len="med"/>
+            <a:tailEnd type="none" w="med" len="med"/>
+          </a:ln>
+        </p:spPr>
+        <p:style>
+          <a:lnRef idx="1">
+            <a:schemeClr val="dk1"/>
+          </a:lnRef>
+          <a:fillRef idx="0">
+            <a:schemeClr val="dk1"/>
+          </a:fillRef>
+          <a:effectRef idx="0">
+            <a:schemeClr val="dk1"/>
+          </a:effectRef>
+          <a:fontRef idx="minor">
+            <a:schemeClr val="tx1"/>
+          </a:fontRef>
+        </p:style>
+      </p:cxnSp>
+      <p:cxnSp>
+        <p:nvCxnSpPr>
+          <p:cNvPr id="36" name="直接箭头连接符 35"/>
+          <p:cNvCxnSpPr/>
+          <p:nvPr/>
+        </p:nvCxnSpPr>
+        <p:spPr>
+          <a:xfrm>
+            <a:off x="4019550" y="4088240"/>
+            <a:ext cx="590550" cy="0"/>
+          </a:xfrm>
+          <a:prstGeom prst="straightConnector1">
+            <a:avLst/>
+          </a:prstGeom>
+          <a:ln w="28575">
+            <a:headEnd type="none" w="med" len="med"/>
+            <a:tailEnd type="none" w="med" len="med"/>
+          </a:ln>
+        </p:spPr>
+        <p:style>
+          <a:lnRef idx="1">
+            <a:schemeClr val="dk1"/>
+          </a:lnRef>
+          <a:fillRef idx="0">
+            <a:schemeClr val="dk1"/>
+          </a:fillRef>
+          <a:effectRef idx="0">
+            <a:schemeClr val="dk1"/>
+          </a:effectRef>
+          <a:fontRef idx="minor">
+            <a:schemeClr val="tx1"/>
+          </a:fontRef>
+        </p:style>
+      </p:cxnSp>
+      <p:sp>
+        <p:nvSpPr>
+          <p:cNvPr id="39" name="文本框 38"/>
+          <p:cNvSpPr txBox="1"/>
+          <p:nvPr/>
+        </p:nvSpPr>
+        <p:spPr>
+          <a:xfrm>
+            <a:off x="1516201" y="3275421"/>
+            <a:ext cx="329118" cy="369332"/>
+          </a:xfrm>
+          <a:prstGeom prst="rect">
+            <a:avLst/>
+          </a:prstGeom>
+          <a:noFill/>
+        </p:spPr>
+        <p:txBody>
+          <a:bodyPr wrap="square" rtlCol="0">
+            <a:spAutoFit/>
+          </a:bodyPr>
+          <a:lstStyle/>
+          <a:p>
+            <a:r>
+              <a:rPr lang="en-US" altLang="zh-CN" dirty="0" smtClean="0">
+                <a:latin typeface="Times New Roman" panose="02020603050405020304" pitchFamily="18" charset="0"/>
+                <a:cs typeface="Times New Roman" panose="02020603050405020304" pitchFamily="18" charset="0"/>
+              </a:rPr>
+              <a:t>2</a:t>
+            </a:r>
+            <a:endParaRPr lang="zh-CN" altLang="en-US" dirty="0">
+              <a:latin typeface="Times New Roman" panose="02020603050405020304" pitchFamily="18" charset="0"/>
+              <a:cs typeface="Times New Roman" panose="02020603050405020304" pitchFamily="18" charset="0"/>
+            </a:endParaRPr>
+          </a:p>
+        </p:txBody>
+      </p:sp>
+      <p:sp>
+        <p:nvSpPr>
+          <p:cNvPr id="40" name="文本框 39"/>
+          <p:cNvSpPr txBox="1"/>
+          <p:nvPr/>
+        </p:nvSpPr>
+        <p:spPr>
+          <a:xfrm>
+            <a:off x="1516201" y="3916828"/>
+            <a:ext cx="329118" cy="369332"/>
+          </a:xfrm>
+          <a:prstGeom prst="rect">
+            <a:avLst/>
+          </a:prstGeom>
+          <a:noFill/>
+        </p:spPr>
+        <p:txBody>
+          <a:bodyPr wrap="square" rtlCol="0">
+            <a:spAutoFit/>
+          </a:bodyPr>
+          <a:lstStyle/>
+          <a:p>
+            <a:r>
+              <a:rPr lang="en-US" altLang="zh-CN" dirty="0" smtClean="0">
+                <a:latin typeface="Times New Roman" panose="02020603050405020304" pitchFamily="18" charset="0"/>
+                <a:cs typeface="Times New Roman" panose="02020603050405020304" pitchFamily="18" charset="0"/>
+              </a:rPr>
+              <a:t>1</a:t>
+            </a:r>
+            <a:endParaRPr lang="zh-CN" altLang="en-US" dirty="0">
+              <a:latin typeface="Times New Roman" panose="02020603050405020304" pitchFamily="18" charset="0"/>
+              <a:cs typeface="Times New Roman" panose="02020603050405020304" pitchFamily="18" charset="0"/>
+            </a:endParaRPr>
+          </a:p>
+        </p:txBody>
+      </p:sp>
+      <p:sp>
+        <p:nvSpPr>
+          <p:cNvPr id="41" name="文本框 40"/>
+          <p:cNvSpPr txBox="1"/>
+          <p:nvPr/>
+        </p:nvSpPr>
+        <p:spPr>
+          <a:xfrm>
+            <a:off x="1516201" y="4531727"/>
+            <a:ext cx="329118" cy="369332"/>
+          </a:xfrm>
+          <a:prstGeom prst="rect">
+            <a:avLst/>
+          </a:prstGeom>
+          <a:noFill/>
+        </p:spPr>
+        <p:txBody>
+          <a:bodyPr wrap="square" rtlCol="0">
+            <a:spAutoFit/>
+          </a:bodyPr>
+          <a:lstStyle/>
+          <a:p>
+            <a:r>
+              <a:rPr lang="en-US" altLang="zh-CN" dirty="0" smtClean="0">
+                <a:latin typeface="Times New Roman" panose="02020603050405020304" pitchFamily="18" charset="0"/>
+                <a:cs typeface="Times New Roman" panose="02020603050405020304" pitchFamily="18" charset="0"/>
+              </a:rPr>
+              <a:t>0</a:t>
+            </a:r>
+            <a:endParaRPr lang="zh-CN" altLang="en-US" dirty="0">
+              <a:latin typeface="Times New Roman" panose="02020603050405020304" pitchFamily="18" charset="0"/>
+              <a:cs typeface="Times New Roman" panose="02020603050405020304" pitchFamily="18" charset="0"/>
+            </a:endParaRPr>
+          </a:p>
+        </p:txBody>
+      </p:sp>
+      <p:sp>
+        <p:nvSpPr>
+          <p:cNvPr id="42" name="文本框 41"/>
+          <p:cNvSpPr txBox="1"/>
+          <p:nvPr/>
+        </p:nvSpPr>
+        <p:spPr>
+          <a:xfrm>
+            <a:off x="2003550" y="3090755"/>
+            <a:ext cx="313566" cy="369332"/>
+          </a:xfrm>
+          <a:prstGeom prst="rect">
+            <a:avLst/>
+          </a:prstGeom>
+          <a:noFill/>
+        </p:spPr>
+        <p:txBody>
+          <a:bodyPr wrap="square" rtlCol="0">
+            <a:spAutoFit/>
+          </a:bodyPr>
+          <a:lstStyle/>
+          <a:p>
+            <a:r>
+              <a:rPr lang="en-US" altLang="zh-CN" b="1" dirty="0" smtClean="0">
+                <a:latin typeface="Times New Roman" panose="02020603050405020304" pitchFamily="18" charset="0"/>
+                <a:cs typeface="Times New Roman" panose="02020603050405020304" pitchFamily="18" charset="0"/>
+              </a:rPr>
+              <a:t>2</a:t>
+            </a:r>
+            <a:endParaRPr lang="zh-CN" altLang="en-US" b="1" dirty="0">
+              <a:latin typeface="Times New Roman" panose="02020603050405020304" pitchFamily="18" charset="0"/>
+              <a:cs typeface="Times New Roman" panose="02020603050405020304" pitchFamily="18" charset="0"/>
+            </a:endParaRPr>
+          </a:p>
+        </p:txBody>
+      </p:sp>
+      <p:sp>
+        <p:nvSpPr>
+          <p:cNvPr id="43" name="文本框 42"/>
+          <p:cNvSpPr txBox="1"/>
+          <p:nvPr/>
+        </p:nvSpPr>
+        <p:spPr>
+          <a:xfrm>
+            <a:off x="2656473" y="3063689"/>
+            <a:ext cx="555092" cy="369332"/>
+          </a:xfrm>
+          <a:prstGeom prst="rect">
+            <a:avLst/>
+          </a:prstGeom>
+          <a:noFill/>
+        </p:spPr>
+        <p:txBody>
+          <a:bodyPr wrap="square" rtlCol="0">
+            <a:spAutoFit/>
+          </a:bodyPr>
+          <a:lstStyle/>
+          <a:p>
+            <a:r>
+              <a:rPr lang="en-US" altLang="zh-CN" b="1" dirty="0" smtClean="0">
+                <a:latin typeface="Times New Roman" panose="02020603050405020304" pitchFamily="18" charset="0"/>
+                <a:cs typeface="Times New Roman" panose="02020603050405020304" pitchFamily="18" charset="0"/>
+              </a:rPr>
+              <a:t>a</a:t>
+            </a:r>
+            <a:endParaRPr lang="zh-CN" altLang="en-US" b="1" dirty="0">
+              <a:latin typeface="Times New Roman" panose="02020603050405020304" pitchFamily="18" charset="0"/>
+              <a:cs typeface="Times New Roman" panose="02020603050405020304" pitchFamily="18" charset="0"/>
+            </a:endParaRPr>
+          </a:p>
+        </p:txBody>
+      </p:sp>
+      <p:sp>
+        <p:nvSpPr>
+          <p:cNvPr id="44" name="文本框 43"/>
+          <p:cNvSpPr txBox="1"/>
+          <p:nvPr/>
+        </p:nvSpPr>
+        <p:spPr>
+          <a:xfrm>
+            <a:off x="2174879" y="3763305"/>
+            <a:ext cx="555092" cy="369332"/>
+          </a:xfrm>
+          <a:prstGeom prst="rect">
+            <a:avLst/>
+          </a:prstGeom>
+          <a:noFill/>
+        </p:spPr>
+        <p:txBody>
+          <a:bodyPr wrap="square" rtlCol="0">
+            <a:spAutoFit/>
+          </a:bodyPr>
+          <a:lstStyle/>
+          <a:p>
+            <a:r>
+              <a:rPr lang="en-US" altLang="zh-CN" b="1" dirty="0" smtClean="0">
+                <a:latin typeface="Times New Roman" panose="02020603050405020304" pitchFamily="18" charset="0"/>
+                <a:cs typeface="Times New Roman" panose="02020603050405020304" pitchFamily="18" charset="0"/>
+              </a:rPr>
+              <a:t>a+1</a:t>
+            </a:r>
+            <a:endParaRPr lang="zh-CN" altLang="en-US" b="1" dirty="0">
+              <a:latin typeface="Times New Roman" panose="02020603050405020304" pitchFamily="18" charset="0"/>
+              <a:cs typeface="Times New Roman" panose="02020603050405020304" pitchFamily="18" charset="0"/>
+            </a:endParaRPr>
+          </a:p>
+        </p:txBody>
+      </p:sp>
+      <p:sp>
+        <p:nvSpPr>
+          <p:cNvPr id="45" name="文本框 44"/>
+          <p:cNvSpPr txBox="1"/>
+          <p:nvPr/>
+        </p:nvSpPr>
+        <p:spPr>
+          <a:xfrm>
+            <a:off x="2968849" y="3735687"/>
+            <a:ext cx="838052" cy="369332"/>
+          </a:xfrm>
+          <a:prstGeom prst="rect">
+            <a:avLst/>
+          </a:prstGeom>
+          <a:noFill/>
+        </p:spPr>
+        <p:txBody>
+          <a:bodyPr wrap="square" rtlCol="0">
+            <a:spAutoFit/>
+          </a:bodyPr>
+          <a:lstStyle/>
+          <a:p>
+            <a:r>
+              <a:rPr lang="en-US" altLang="zh-CN" b="1" dirty="0" smtClean="0">
+                <a:latin typeface="Times New Roman" panose="02020603050405020304" pitchFamily="18" charset="0"/>
+                <a:cs typeface="Times New Roman" panose="02020603050405020304" pitchFamily="18" charset="0"/>
+              </a:rPr>
+              <a:t>a+b-1</a:t>
+            </a:r>
+            <a:endParaRPr lang="zh-CN" altLang="en-US" b="1" dirty="0">
+              <a:latin typeface="Times New Roman" panose="02020603050405020304" pitchFamily="18" charset="0"/>
+              <a:cs typeface="Times New Roman" panose="02020603050405020304" pitchFamily="18" charset="0"/>
+            </a:endParaRPr>
+          </a:p>
+        </p:txBody>
+      </p:sp>
+      <p:sp>
+        <p:nvSpPr>
+          <p:cNvPr id="46" name="文本框 45"/>
+          <p:cNvSpPr txBox="1"/>
+          <p:nvPr/>
+        </p:nvSpPr>
+        <p:spPr>
+          <a:xfrm>
+            <a:off x="3464461" y="4662261"/>
+            <a:ext cx="926950" cy="369332"/>
+          </a:xfrm>
+          <a:prstGeom prst="rect">
+            <a:avLst/>
+          </a:prstGeom>
+          <a:noFill/>
+        </p:spPr>
+        <p:txBody>
+          <a:bodyPr wrap="square" rtlCol="0">
+            <a:spAutoFit/>
+          </a:bodyPr>
+          <a:lstStyle/>
+          <a:p>
+            <a:r>
+              <a:rPr lang="en-US" altLang="zh-CN" b="1" dirty="0" smtClean="0">
+                <a:latin typeface="Times New Roman" panose="02020603050405020304" pitchFamily="18" charset="0"/>
+                <a:cs typeface="Times New Roman" panose="02020603050405020304" pitchFamily="18" charset="0"/>
+              </a:rPr>
+              <a:t>a+b</a:t>
+            </a:r>
+            <a:endParaRPr lang="zh-CN" altLang="en-US" b="1" dirty="0">
+              <a:latin typeface="Times New Roman" panose="02020603050405020304" pitchFamily="18" charset="0"/>
+              <a:cs typeface="Times New Roman" panose="02020603050405020304" pitchFamily="18" charset="0"/>
+            </a:endParaRPr>
+          </a:p>
+        </p:txBody>
+      </p:sp>
+      <p:sp>
+        <p:nvSpPr>
+          <p:cNvPr id="47" name="文本框 46"/>
+          <p:cNvSpPr txBox="1"/>
+          <p:nvPr/>
+        </p:nvSpPr>
+        <p:spPr>
+          <a:xfrm>
+            <a:off x="5237144" y="3040381"/>
+            <a:ext cx="1112513" cy="369332"/>
+          </a:xfrm>
+          <a:prstGeom prst="rect">
+            <a:avLst/>
+          </a:prstGeom>
+          <a:noFill/>
+        </p:spPr>
+        <p:txBody>
+          <a:bodyPr wrap="square" rtlCol="0">
+            <a:spAutoFit/>
+          </a:bodyPr>
+          <a:lstStyle/>
+          <a:p>
+            <a:r>
+              <a:rPr lang="en-US" altLang="zh-CN" b="1" dirty="0">
+                <a:latin typeface="Times New Roman" panose="02020603050405020304" pitchFamily="18" charset="0"/>
+                <a:cs typeface="Times New Roman" panose="02020603050405020304" pitchFamily="18" charset="0"/>
+              </a:rPr>
+              <a:t>l</a:t>
+            </a:r>
+            <a:r>
+              <a:rPr lang="en-US" altLang="zh-CN" b="1" dirty="0" smtClean="0">
+                <a:latin typeface="Times New Roman" panose="02020603050405020304" pitchFamily="18" charset="0"/>
+                <a:cs typeface="Times New Roman" panose="02020603050405020304" pitchFamily="18" charset="0"/>
+              </a:rPr>
+              <a:t>imit*2</a:t>
+            </a:r>
+            <a:endParaRPr lang="zh-CN" altLang="en-US" b="1" dirty="0">
+              <a:latin typeface="Times New Roman" panose="02020603050405020304" pitchFamily="18" charset="0"/>
+              <a:cs typeface="Times New Roman" panose="02020603050405020304" pitchFamily="18" charset="0"/>
+            </a:endParaRPr>
+          </a:p>
+        </p:txBody>
+      </p:sp>
+      <p:sp>
+        <p:nvSpPr>
+          <p:cNvPr id="48" name="文本框 47"/>
+          <p:cNvSpPr txBox="1"/>
+          <p:nvPr/>
+        </p:nvSpPr>
+        <p:spPr>
+          <a:xfrm>
+            <a:off x="3744915" y="3724491"/>
+            <a:ext cx="926950" cy="369332"/>
+          </a:xfrm>
+          <a:prstGeom prst="rect">
+            <a:avLst/>
+          </a:prstGeom>
+          <a:noFill/>
+        </p:spPr>
+        <p:txBody>
+          <a:bodyPr wrap="square" rtlCol="0">
+            <a:spAutoFit/>
+          </a:bodyPr>
+          <a:lstStyle/>
+          <a:p>
+            <a:r>
+              <a:rPr lang="en-US" altLang="zh-CN" b="1" dirty="0">
+                <a:latin typeface="Times New Roman" panose="02020603050405020304" pitchFamily="18" charset="0"/>
+                <a:cs typeface="Times New Roman" panose="02020603050405020304" pitchFamily="18" charset="0"/>
+              </a:rPr>
+              <a:t>a</a:t>
+            </a:r>
+            <a:r>
+              <a:rPr lang="en-US" altLang="zh-CN" b="1" dirty="0" smtClean="0">
+                <a:latin typeface="Times New Roman" panose="02020603050405020304" pitchFamily="18" charset="0"/>
+                <a:cs typeface="Times New Roman" panose="02020603050405020304" pitchFamily="18" charset="0"/>
+              </a:rPr>
+              <a:t>+b+1</a:t>
+            </a:r>
+            <a:endParaRPr lang="zh-CN" altLang="en-US" b="1" dirty="0">
+              <a:latin typeface="Times New Roman" panose="02020603050405020304" pitchFamily="18" charset="0"/>
+              <a:cs typeface="Times New Roman" panose="02020603050405020304" pitchFamily="18" charset="0"/>
+            </a:endParaRPr>
+          </a:p>
+        </p:txBody>
+      </p:sp>
+      <p:sp>
+        <p:nvSpPr>
+          <p:cNvPr id="51" name="椭圆 50"/>
+          <p:cNvSpPr/>
+          <p:nvPr/>
+        </p:nvSpPr>
+        <p:spPr>
+          <a:xfrm>
+            <a:off x="6909313" y="1763222"/>
+            <a:ext cx="328831" cy="320564"/>
+          </a:xfrm>
+          <a:prstGeom prst="ellipse">
+            <a:avLst/>
+          </a:prstGeom>
+          <a:ln w="28575">
+            <a:solidFill>
+              <a:srgbClr val="FF0000"/>
+            </a:solidFill>
+          </a:ln>
+        </p:spPr>
+        <p:style>
+          <a:lnRef idx="2">
+            <a:schemeClr val="accent4"/>
+          </a:lnRef>
+          <a:fillRef idx="1">
+            <a:schemeClr val="lt1"/>
+          </a:fillRef>
+          <a:effectRef idx="0">
+            <a:schemeClr val="accent4"/>
+          </a:effectRef>
+          <a:fontRef idx="minor">
+            <a:schemeClr val="dk1"/>
+          </a:fontRef>
+        </p:style>
+        <p:txBody>
+          <a:bodyPr rtlCol="0" anchor="ctr"/>
+          <a:lstStyle/>
+          <a:p>
+            <a:pPr algn="ctr"/>
+            <a:endParaRPr lang="zh-CN" altLang="en-US">
+              <a:solidFill>
+                <a:srgbClr val="FF0000"/>
+              </a:solidFill>
+            </a:endParaRPr>
+          </a:p>
+        </p:txBody>
+      </p:sp>
+      <p:sp>
+        <p:nvSpPr>
+          <p:cNvPr id="53" name="椭圆 52"/>
+          <p:cNvSpPr/>
+          <p:nvPr/>
+        </p:nvSpPr>
+        <p:spPr>
+          <a:xfrm>
+            <a:off x="6045713" y="1721240"/>
+            <a:ext cx="328831" cy="320564"/>
+          </a:xfrm>
+          <a:prstGeom prst="ellipse">
+            <a:avLst/>
+          </a:prstGeom>
+          <a:ln w="28575">
+            <a:solidFill>
+              <a:srgbClr val="FF0000"/>
+            </a:solidFill>
+          </a:ln>
+        </p:spPr>
+        <p:style>
+          <a:lnRef idx="2">
+            <a:schemeClr val="accent4"/>
+          </a:lnRef>
+          <a:fillRef idx="1">
+            <a:schemeClr val="lt1"/>
+          </a:fillRef>
+          <a:effectRef idx="0">
+            <a:schemeClr val="accent4"/>
+          </a:effectRef>
+          <a:fontRef idx="minor">
+            <a:schemeClr val="dk1"/>
+          </a:fontRef>
+        </p:style>
+        <p:txBody>
+          <a:bodyPr rtlCol="0" anchor="ctr"/>
+          <a:lstStyle/>
+          <a:p>
+            <a:pPr algn="ctr"/>
+            <a:endParaRPr lang="zh-CN" altLang="en-US">
+              <a:solidFill>
+                <a:srgbClr val="FF0000"/>
+              </a:solidFill>
+            </a:endParaRPr>
+          </a:p>
+        </p:txBody>
+      </p:sp>
+      <p:sp>
+        <p:nvSpPr>
+          <p:cNvPr id="54" name="椭圆 53"/>
+          <p:cNvSpPr/>
+          <p:nvPr/>
+        </p:nvSpPr>
+        <p:spPr>
+          <a:xfrm>
+            <a:off x="5347213" y="1764754"/>
+            <a:ext cx="328831" cy="320564"/>
+          </a:xfrm>
+          <a:prstGeom prst="ellipse">
+            <a:avLst/>
+          </a:prstGeom>
+          <a:ln w="28575">
+            <a:solidFill>
+              <a:srgbClr val="FF0000"/>
+            </a:solidFill>
+          </a:ln>
+        </p:spPr>
+        <p:style>
+          <a:lnRef idx="2">
+            <a:schemeClr val="accent4"/>
+          </a:lnRef>
+          <a:fillRef idx="1">
+            <a:schemeClr val="lt1"/>
+          </a:fillRef>
+          <a:effectRef idx="0">
+            <a:schemeClr val="accent4"/>
+          </a:effectRef>
+          <a:fontRef idx="minor">
+            <a:schemeClr val="dk1"/>
+          </a:fontRef>
+        </p:style>
+        <p:txBody>
+          <a:bodyPr rtlCol="0" anchor="ctr"/>
+          <a:lstStyle/>
+          <a:p>
+            <a:pPr algn="ctr"/>
+            <a:endParaRPr lang="zh-CN" altLang="en-US">
+              <a:solidFill>
+                <a:srgbClr val="FF0000"/>
+              </a:solidFill>
+            </a:endParaRPr>
+          </a:p>
+        </p:txBody>
+      </p:sp>
+      <p:sp>
+        <p:nvSpPr>
+          <p:cNvPr id="55" name="文本框 54"/>
+          <p:cNvSpPr txBox="1"/>
+          <p:nvPr/>
+        </p:nvSpPr>
+        <p:spPr>
+          <a:xfrm>
+            <a:off x="4642736" y="3729817"/>
+            <a:ext cx="926950" cy="369332"/>
+          </a:xfrm>
+          <a:prstGeom prst="rect">
+            <a:avLst/>
+          </a:prstGeom>
+          <a:noFill/>
+        </p:spPr>
+        <p:txBody>
+          <a:bodyPr wrap="square" rtlCol="0">
+            <a:spAutoFit/>
+          </a:bodyPr>
+          <a:lstStyle/>
+          <a:p>
+            <a:r>
+              <a:rPr lang="en-US" altLang="zh-CN" b="1" dirty="0" smtClean="0">
+                <a:latin typeface="Times New Roman" panose="02020603050405020304" pitchFamily="18" charset="0"/>
+                <a:cs typeface="Times New Roman" panose="02020603050405020304" pitchFamily="18" charset="0"/>
+              </a:rPr>
+              <a:t>b+limit</a:t>
+            </a:r>
+            <a:endParaRPr lang="zh-CN" altLang="en-US" b="1" dirty="0">
+              <a:latin typeface="Times New Roman" panose="02020603050405020304" pitchFamily="18" charset="0"/>
+              <a:cs typeface="Times New Roman" panose="02020603050405020304" pitchFamily="18" charset="0"/>
+            </a:endParaRPr>
+          </a:p>
+        </p:txBody>
+      </p:sp>
+      <p:sp>
+        <p:nvSpPr>
+          <p:cNvPr id="56" name="文本框 55"/>
+          <p:cNvSpPr txBox="1"/>
+          <p:nvPr/>
+        </p:nvSpPr>
+        <p:spPr>
+          <a:xfrm>
+            <a:off x="3957748" y="3059029"/>
+            <a:ext cx="1192546" cy="369332"/>
+          </a:xfrm>
+          <a:prstGeom prst="rect">
+            <a:avLst/>
+          </a:prstGeom>
+          <a:noFill/>
+        </p:spPr>
+        <p:txBody>
+          <a:bodyPr wrap="square" rtlCol="0">
+            <a:spAutoFit/>
+          </a:bodyPr>
+          <a:lstStyle/>
+          <a:p>
+            <a:r>
+              <a:rPr lang="en-US" altLang="zh-CN" b="1" dirty="0" smtClean="0">
+                <a:latin typeface="Times New Roman" panose="02020603050405020304" pitchFamily="18" charset="0"/>
+                <a:cs typeface="Times New Roman" panose="02020603050405020304" pitchFamily="18" charset="0"/>
+              </a:rPr>
+              <a:t>b+limit+1</a:t>
+            </a:r>
+            <a:endParaRPr lang="zh-CN" altLang="en-US" b="1" dirty="0">
+              <a:latin typeface="Times New Roman" panose="02020603050405020304" pitchFamily="18" charset="0"/>
+              <a:cs typeface="Times New Roman" panose="02020603050405020304" pitchFamily="18" charset="0"/>
+            </a:endParaRPr>
+          </a:p>
+        </p:txBody>
+      </p:sp>
+    </p:spTree>
+    <p:extLst>
+      <p:ext uri="{BB962C8B-B14F-4D97-AF65-F5344CB8AC3E}">
+        <p14:creationId xmlns:p14="http://schemas.microsoft.com/office/powerpoint/2010/main" val="672507484"/>
+      </p:ext>
+    </p:extLst>
+  </p:cSld>
+  <p:clrMapOvr>
+    <a:masterClrMapping/>
+  </p:clrMapOvr>
+</p:sld>
+</file>
+
+<file path=ppt/slides/slide14.xml><?xml version="1.0" encoding="utf-8"?>
+<p:sld xmlns:a="http://schemas.openxmlformats.org/drawingml/2006/main" xmlns:r="http://schemas.openxmlformats.org/officeDocument/2006/relationships" xmlns:p="http://schemas.openxmlformats.org/presentationml/2006/main">
+  <p:cSld>
+    <p:spTree>
+      <p:nvGrpSpPr>
+        <p:cNvPr id="1" name=""/>
+        <p:cNvGrpSpPr/>
+        <p:nvPr/>
+      </p:nvGrpSpPr>
+      <p:grpSpPr>
+        <a:xfrm>
+          <a:off x="0" y="0"/>
+          <a:ext cx="0" cy="0"/>
+          <a:chOff x="0" y="0"/>
+          <a:chExt cx="0" cy="0"/>
+        </a:xfrm>
+      </p:grpSpPr>
+      <p:cxnSp>
+        <p:nvCxnSpPr>
+          <p:cNvPr id="5" name="直接连接符 4"/>
+          <p:cNvCxnSpPr/>
+          <p:nvPr/>
+        </p:nvCxnSpPr>
+        <p:spPr>
+          <a:xfrm flipV="1">
+            <a:off x="2242268" y="1319917"/>
+            <a:ext cx="373711" cy="2"/>
+          </a:xfrm>
+          <a:prstGeom prst="line">
+            <a:avLst/>
+          </a:prstGeom>
+          <a:ln w="28575">
+            <a:solidFill>
+              <a:schemeClr val="tx1"/>
+            </a:solidFill>
+            <a:headEnd type="oval" w="med" len="med"/>
+            <a:tailEnd type="oval" w="med" len="med"/>
+          </a:ln>
+        </p:spPr>
+        <p:style>
+          <a:lnRef idx="1">
+            <a:schemeClr val="accent1"/>
+          </a:lnRef>
+          <a:fillRef idx="0">
+            <a:schemeClr val="accent1"/>
+          </a:fillRef>
+          <a:effectRef idx="0">
+            <a:schemeClr val="accent1"/>
+          </a:effectRef>
+          <a:fontRef idx="minor">
+            <a:schemeClr val="tx1"/>
+          </a:fontRef>
+        </p:style>
+      </p:cxnSp>
+      <p:cxnSp>
+        <p:nvCxnSpPr>
+          <p:cNvPr id="8" name="直接连接符 7"/>
+          <p:cNvCxnSpPr/>
+          <p:nvPr/>
+        </p:nvCxnSpPr>
+        <p:spPr>
+          <a:xfrm flipV="1">
+            <a:off x="2615980" y="1319915"/>
+            <a:ext cx="373711" cy="2"/>
+          </a:xfrm>
+          <a:prstGeom prst="line">
+            <a:avLst/>
+          </a:prstGeom>
+          <a:ln w="28575">
+            <a:solidFill>
+              <a:schemeClr val="tx1"/>
+            </a:solidFill>
+            <a:headEnd type="oval" w="med" len="med"/>
+            <a:tailEnd type="oval" w="med" len="med"/>
+          </a:ln>
+        </p:spPr>
+        <p:style>
+          <a:lnRef idx="1">
+            <a:schemeClr val="accent1"/>
+          </a:lnRef>
+          <a:fillRef idx="0">
+            <a:schemeClr val="accent1"/>
+          </a:fillRef>
+          <a:effectRef idx="0">
+            <a:schemeClr val="accent1"/>
+          </a:effectRef>
+          <a:fontRef idx="minor">
+            <a:schemeClr val="tx1"/>
+          </a:fontRef>
+        </p:style>
+      </p:cxnSp>
+      <p:cxnSp>
+        <p:nvCxnSpPr>
+          <p:cNvPr id="9" name="直接连接符 8"/>
+          <p:cNvCxnSpPr/>
+          <p:nvPr/>
+        </p:nvCxnSpPr>
+        <p:spPr>
+          <a:xfrm flipV="1">
+            <a:off x="2615979" y="1663148"/>
+            <a:ext cx="373711" cy="2"/>
+          </a:xfrm>
+          <a:prstGeom prst="line">
+            <a:avLst/>
+          </a:prstGeom>
+          <a:ln w="28575">
+            <a:solidFill>
+              <a:schemeClr val="tx1"/>
+            </a:solidFill>
+            <a:headEnd type="oval" w="med" len="med"/>
+            <a:tailEnd type="oval" w="med" len="med"/>
+          </a:ln>
+        </p:spPr>
+        <p:style>
+          <a:lnRef idx="1">
+            <a:schemeClr val="accent1"/>
+          </a:lnRef>
+          <a:fillRef idx="0">
+            <a:schemeClr val="accent1"/>
+          </a:fillRef>
+          <a:effectRef idx="0">
+            <a:schemeClr val="accent1"/>
+          </a:effectRef>
+          <a:fontRef idx="minor">
+            <a:schemeClr val="tx1"/>
+          </a:fontRef>
+        </p:style>
+      </p:cxnSp>
+      <p:cxnSp>
+        <p:nvCxnSpPr>
+          <p:cNvPr id="10" name="直接连接符 9"/>
+          <p:cNvCxnSpPr/>
+          <p:nvPr/>
+        </p:nvCxnSpPr>
+        <p:spPr>
+          <a:xfrm flipV="1">
+            <a:off x="2989691" y="1663146"/>
+            <a:ext cx="373711" cy="2"/>
+          </a:xfrm>
+          <a:prstGeom prst="line">
+            <a:avLst/>
+          </a:prstGeom>
+          <a:ln w="28575">
+            <a:solidFill>
+              <a:schemeClr val="tx1"/>
+            </a:solidFill>
+            <a:headEnd type="oval" w="med" len="med"/>
+            <a:tailEnd type="oval" w="med" len="med"/>
+          </a:ln>
+        </p:spPr>
+        <p:style>
+          <a:lnRef idx="1">
+            <a:schemeClr val="accent1"/>
+          </a:lnRef>
+          <a:fillRef idx="0">
+            <a:schemeClr val="accent1"/>
+          </a:fillRef>
+          <a:effectRef idx="0">
+            <a:schemeClr val="accent1"/>
+          </a:effectRef>
+          <a:fontRef idx="minor">
+            <a:schemeClr val="tx1"/>
+          </a:fontRef>
+        </p:style>
+      </p:cxnSp>
+      <p:cxnSp>
+        <p:nvCxnSpPr>
+          <p:cNvPr id="11" name="直接连接符 10"/>
+          <p:cNvCxnSpPr/>
+          <p:nvPr/>
+        </p:nvCxnSpPr>
+        <p:spPr>
+          <a:xfrm flipV="1">
+            <a:off x="2615979" y="2058722"/>
+            <a:ext cx="373711" cy="2"/>
+          </a:xfrm>
+          <a:prstGeom prst="line">
+            <a:avLst/>
+          </a:prstGeom>
+          <a:ln w="28575">
+            <a:solidFill>
+              <a:schemeClr val="tx1"/>
+            </a:solidFill>
+            <a:headEnd type="oval" w="med" len="med"/>
+            <a:tailEnd type="oval" w="med" len="med"/>
+          </a:ln>
+        </p:spPr>
+        <p:style>
+          <a:lnRef idx="1">
+            <a:schemeClr val="accent1"/>
+          </a:lnRef>
+          <a:fillRef idx="0">
+            <a:schemeClr val="accent1"/>
+          </a:fillRef>
+          <a:effectRef idx="0">
+            <a:schemeClr val="accent1"/>
+          </a:effectRef>
+          <a:fontRef idx="minor">
+            <a:schemeClr val="tx1"/>
+          </a:fontRef>
+        </p:style>
+      </p:cxnSp>
+      <p:cxnSp>
+        <p:nvCxnSpPr>
+          <p:cNvPr id="12" name="直接连接符 11"/>
+          <p:cNvCxnSpPr/>
+          <p:nvPr/>
+        </p:nvCxnSpPr>
+        <p:spPr>
+          <a:xfrm flipV="1">
+            <a:off x="2989691" y="2058720"/>
+            <a:ext cx="373711" cy="2"/>
+          </a:xfrm>
+          <a:prstGeom prst="line">
+            <a:avLst/>
+          </a:prstGeom>
+          <a:ln w="28575">
+            <a:solidFill>
+              <a:schemeClr val="tx1"/>
+            </a:solidFill>
+            <a:headEnd type="oval" w="med" len="med"/>
+            <a:tailEnd type="oval" w="med" len="med"/>
+          </a:ln>
+        </p:spPr>
+        <p:style>
+          <a:lnRef idx="1">
+            <a:schemeClr val="accent1"/>
+          </a:lnRef>
+          <a:fillRef idx="0">
+            <a:schemeClr val="accent1"/>
+          </a:fillRef>
+          <a:effectRef idx="0">
+            <a:schemeClr val="accent1"/>
+          </a:effectRef>
+          <a:fontRef idx="minor">
+            <a:schemeClr val="tx1"/>
+          </a:fontRef>
+        </p:style>
+      </p:cxnSp>
+      <p:cxnSp>
+        <p:nvCxnSpPr>
+          <p:cNvPr id="13" name="直接连接符 12"/>
+          <p:cNvCxnSpPr/>
+          <p:nvPr/>
+        </p:nvCxnSpPr>
+        <p:spPr>
+          <a:xfrm flipV="1">
+            <a:off x="3347499" y="2058720"/>
+            <a:ext cx="373711" cy="2"/>
+          </a:xfrm>
+          <a:prstGeom prst="line">
+            <a:avLst/>
+          </a:prstGeom>
+          <a:ln w="28575">
+            <a:solidFill>
+              <a:schemeClr val="tx1"/>
+            </a:solidFill>
+            <a:headEnd type="oval" w="med" len="med"/>
+            <a:tailEnd type="oval" w="med" len="med"/>
+          </a:ln>
+        </p:spPr>
+        <p:style>
+          <a:lnRef idx="1">
+            <a:schemeClr val="accent1"/>
+          </a:lnRef>
+          <a:fillRef idx="0">
+            <a:schemeClr val="accent1"/>
+          </a:fillRef>
+          <a:effectRef idx="0">
+            <a:schemeClr val="accent1"/>
+          </a:effectRef>
+          <a:fontRef idx="minor">
+            <a:schemeClr val="tx1"/>
+          </a:fontRef>
+        </p:style>
+      </p:cxnSp>
+      <p:cxnSp>
+        <p:nvCxnSpPr>
+          <p:cNvPr id="14" name="直接连接符 13"/>
+          <p:cNvCxnSpPr/>
+          <p:nvPr/>
+        </p:nvCxnSpPr>
+        <p:spPr>
+          <a:xfrm flipV="1">
+            <a:off x="3721211" y="2058718"/>
+            <a:ext cx="373711" cy="2"/>
+          </a:xfrm>
+          <a:prstGeom prst="line">
+            <a:avLst/>
+          </a:prstGeom>
+          <a:ln w="28575">
+            <a:solidFill>
+              <a:schemeClr val="tx1"/>
+            </a:solidFill>
+            <a:headEnd type="oval" w="med" len="med"/>
+            <a:tailEnd type="oval" w="med" len="med"/>
+          </a:ln>
+        </p:spPr>
+        <p:style>
+          <a:lnRef idx="1">
+            <a:schemeClr val="accent1"/>
+          </a:lnRef>
+          <a:fillRef idx="0">
+            <a:schemeClr val="accent1"/>
+          </a:fillRef>
+          <a:effectRef idx="0">
+            <a:schemeClr val="accent1"/>
+          </a:effectRef>
+          <a:fontRef idx="minor">
+            <a:schemeClr val="tx1"/>
+          </a:fontRef>
+        </p:style>
+      </p:cxnSp>
+      <p:cxnSp>
+        <p:nvCxnSpPr>
+          <p:cNvPr id="15" name="直接连接符 14"/>
+          <p:cNvCxnSpPr/>
+          <p:nvPr/>
+        </p:nvCxnSpPr>
+        <p:spPr>
+          <a:xfrm flipV="1">
+            <a:off x="3347498" y="2443020"/>
+            <a:ext cx="373711" cy="2"/>
+          </a:xfrm>
+          <a:prstGeom prst="line">
+            <a:avLst/>
+          </a:prstGeom>
+          <a:ln w="28575">
+            <a:solidFill>
+              <a:schemeClr val="tx1"/>
+            </a:solidFill>
+            <a:headEnd type="oval" w="med" len="med"/>
+            <a:tailEnd type="oval" w="med" len="med"/>
+          </a:ln>
+        </p:spPr>
+        <p:style>
+          <a:lnRef idx="1">
+            <a:schemeClr val="accent1"/>
+          </a:lnRef>
+          <a:fillRef idx="0">
+            <a:schemeClr val="accent1"/>
+          </a:fillRef>
+          <a:effectRef idx="0">
+            <a:schemeClr val="accent1"/>
+          </a:effectRef>
+          <a:fontRef idx="minor">
+            <a:schemeClr val="tx1"/>
+          </a:fontRef>
+        </p:style>
+      </p:cxnSp>
+      <p:cxnSp>
+        <p:nvCxnSpPr>
+          <p:cNvPr id="16" name="直接连接符 15"/>
+          <p:cNvCxnSpPr/>
+          <p:nvPr/>
+        </p:nvCxnSpPr>
+        <p:spPr>
+          <a:xfrm flipV="1">
+            <a:off x="3721210" y="2443018"/>
+            <a:ext cx="373711" cy="2"/>
+          </a:xfrm>
+          <a:prstGeom prst="line">
+            <a:avLst/>
+          </a:prstGeom>
+          <a:ln w="28575">
+            <a:solidFill>
+              <a:schemeClr val="tx1"/>
+            </a:solidFill>
+            <a:headEnd type="oval" w="med" len="med"/>
+            <a:tailEnd type="oval" w="med" len="med"/>
+          </a:ln>
+        </p:spPr>
+        <p:style>
+          <a:lnRef idx="1">
+            <a:schemeClr val="accent1"/>
+          </a:lnRef>
+          <a:fillRef idx="0">
+            <a:schemeClr val="accent1"/>
+          </a:fillRef>
+          <a:effectRef idx="0">
+            <a:schemeClr val="accent1"/>
+          </a:effectRef>
+          <a:fontRef idx="minor">
+            <a:schemeClr val="tx1"/>
+          </a:fontRef>
+        </p:style>
+      </p:cxnSp>
+      <p:cxnSp>
+        <p:nvCxnSpPr>
+          <p:cNvPr id="17" name="直接连接符 16"/>
+          <p:cNvCxnSpPr/>
+          <p:nvPr/>
+        </p:nvCxnSpPr>
+        <p:spPr>
+          <a:xfrm flipV="1">
+            <a:off x="3721209" y="2728623"/>
+            <a:ext cx="373711" cy="2"/>
+          </a:xfrm>
+          <a:prstGeom prst="line">
+            <a:avLst/>
+          </a:prstGeom>
+          <a:ln w="28575">
+            <a:solidFill>
+              <a:schemeClr val="tx1"/>
+            </a:solidFill>
+            <a:headEnd type="oval" w="med" len="med"/>
+            <a:tailEnd type="oval" w="med" len="med"/>
+          </a:ln>
+        </p:spPr>
+        <p:style>
+          <a:lnRef idx="1">
+            <a:schemeClr val="accent1"/>
+          </a:lnRef>
+          <a:fillRef idx="0">
+            <a:schemeClr val="accent1"/>
+          </a:fillRef>
+          <a:effectRef idx="0">
+            <a:schemeClr val="accent1"/>
+          </a:effectRef>
+          <a:fontRef idx="minor">
+            <a:schemeClr val="tx1"/>
+          </a:fontRef>
+        </p:style>
+      </p:cxnSp>
+      <p:cxnSp>
+        <p:nvCxnSpPr>
+          <p:cNvPr id="18" name="直接连接符 17"/>
+          <p:cNvCxnSpPr/>
+          <p:nvPr/>
+        </p:nvCxnSpPr>
+        <p:spPr>
+          <a:xfrm flipV="1">
+            <a:off x="4094921" y="2728621"/>
+            <a:ext cx="373711" cy="2"/>
+          </a:xfrm>
+          <a:prstGeom prst="line">
+            <a:avLst/>
+          </a:prstGeom>
+          <a:ln w="28575">
+            <a:solidFill>
+              <a:schemeClr val="tx1"/>
+            </a:solidFill>
+            <a:headEnd type="oval" w="med" len="med"/>
+            <a:tailEnd type="oval" w="med" len="med"/>
+          </a:ln>
+        </p:spPr>
+        <p:style>
+          <a:lnRef idx="1">
+            <a:schemeClr val="accent1"/>
+          </a:lnRef>
+          <a:fillRef idx="0">
+            <a:schemeClr val="accent1"/>
+          </a:fillRef>
+          <a:effectRef idx="0">
+            <a:schemeClr val="accent1"/>
+          </a:effectRef>
+          <a:fontRef idx="minor">
+            <a:schemeClr val="tx1"/>
+          </a:fontRef>
+        </p:style>
+      </p:cxnSp>
+    </p:spTree>
+    <p:extLst>
+      <p:ext uri="{BB962C8B-B14F-4D97-AF65-F5344CB8AC3E}">
+        <p14:creationId xmlns:p14="http://schemas.microsoft.com/office/powerpoint/2010/main" val="3026911259"/>
       </p:ext>
     </p:extLst>
   </p:cSld>
